--- a/obongItReport.pptx
+++ b/obongItReport.pptx
@@ -15,17 +15,28 @@
     <p:sldId id="265" r:id="rId9"/>
     <p:sldId id="266" r:id="rId10"/>
     <p:sldId id="267" r:id="rId11"/>
-    <p:sldId id="268" r:id="rId12"/>
-    <p:sldId id="269" r:id="rId13"/>
-    <p:sldId id="270" r:id="rId14"/>
-    <p:sldId id="271" r:id="rId15"/>
-    <p:sldId id="272" r:id="rId16"/>
-    <p:sldId id="273" r:id="rId17"/>
-    <p:sldId id="274" r:id="rId18"/>
-    <p:sldId id="275" r:id="rId19"/>
-    <p:sldId id="277" r:id="rId20"/>
-    <p:sldId id="276" r:id="rId21"/>
-    <p:sldId id="278" r:id="rId22"/>
+    <p:sldId id="284" r:id="rId12"/>
+    <p:sldId id="268" r:id="rId13"/>
+    <p:sldId id="269" r:id="rId14"/>
+    <p:sldId id="285" r:id="rId15"/>
+    <p:sldId id="270" r:id="rId16"/>
+    <p:sldId id="271" r:id="rId17"/>
+    <p:sldId id="283" r:id="rId18"/>
+    <p:sldId id="281" r:id="rId19"/>
+    <p:sldId id="282" r:id="rId20"/>
+    <p:sldId id="272" r:id="rId21"/>
+    <p:sldId id="273" r:id="rId22"/>
+    <p:sldId id="286" r:id="rId23"/>
+    <p:sldId id="287" r:id="rId24"/>
+    <p:sldId id="288" r:id="rId25"/>
+    <p:sldId id="289" r:id="rId26"/>
+    <p:sldId id="274" r:id="rId27"/>
+    <p:sldId id="275" r:id="rId28"/>
+    <p:sldId id="277" r:id="rId29"/>
+    <p:sldId id="276" r:id="rId30"/>
+    <p:sldId id="279" r:id="rId31"/>
+    <p:sldId id="280" r:id="rId32"/>
+    <p:sldId id="278" r:id="rId33"/>
   </p:sldIdLst>
   <p:sldSz cx="12192000" cy="6858000"/>
   <p:notesSz cx="6858000" cy="9144000"/>
@@ -124,6 +135,11 @@
       </a:defRPr>
     </a:lvl9pPr>
   </p:defaultTextStyle>
+  <p:extLst>
+    <p:ext uri="{EFAFB233-063F-42B5-8137-9DF3F51BA10A}">
+      <p15:sldGuideLst xmlns:p15="http://schemas.microsoft.com/office/powerpoint/2012/main"/>
+    </p:ext>
+  </p:extLst>
 </p:presentation>
 </file>
 
@@ -401,7 +417,7 @@
           <a:p>
             <a:fld id="{78ABE3C1-DBE1-495D-B57B-2849774B866A}" type="datetimeFigureOut">
               <a:rPr lang="en-US" dirty="0"/>
-              <a:t>10/6/2019</a:t>
+              <a:t>10/14/2019</a:t>
             </a:fld>
             <a:endParaRPr lang="en-US" dirty="0"/>
           </a:p>
@@ -810,7 +826,7 @@
           <a:p>
             <a:fld id="{446C117F-5CCF-4837-BE5F-2B92066CAFAF}" type="datetimeFigureOut">
               <a:rPr lang="en-US" dirty="0"/>
-              <a:t>10/6/2019</a:t>
+              <a:t>10/14/2019</a:t>
             </a:fld>
             <a:endParaRPr lang="en-US" dirty="0"/>
           </a:p>
@@ -1141,7 +1157,7 @@
           <a:p>
             <a:fld id="{84EB90BD-B6CE-46B7-997F-7313B992CCDC}" type="datetimeFigureOut">
               <a:rPr lang="en-US" dirty="0"/>
-              <a:t>10/6/2019</a:t>
+              <a:t>10/14/2019</a:t>
             </a:fld>
             <a:endParaRPr lang="en-US" dirty="0"/>
           </a:p>
@@ -1541,7 +1557,7 @@
           <a:p>
             <a:fld id="{CDB9D11F-B188-461D-B23F-39381795C052}" type="datetimeFigureOut">
               <a:rPr lang="en-US" dirty="0"/>
-              <a:t>10/6/2019</a:t>
+              <a:t>10/14/2019</a:t>
             </a:fld>
             <a:endParaRPr lang="en-US" dirty="0"/>
           </a:p>
@@ -2104,7 +2120,7 @@
           <a:p>
             <a:fld id="{52E6D8D9-55A2-4063-B0F3-121F44549695}" type="datetimeFigureOut">
               <a:rPr lang="en-US" dirty="0"/>
-              <a:t>10/6/2019</a:t>
+              <a:t>10/14/2019</a:t>
             </a:fld>
             <a:endParaRPr lang="en-US" dirty="0"/>
           </a:p>
@@ -2780,7 +2796,7 @@
           <a:p>
             <a:fld id="{D4B24536-994D-4021-A283-9F449C0DB509}" type="datetimeFigureOut">
               <a:rPr lang="en-US" dirty="0"/>
-              <a:t>10/6/2019</a:t>
+              <a:t>10/14/2019</a:t>
             </a:fld>
             <a:endParaRPr lang="en-US" dirty="0"/>
           </a:p>
@@ -3688,7 +3704,7 @@
           <a:p>
             <a:fld id="{3CBBBB78-C96F-47B7-AB17-D852CA960AC9}" type="datetimeFigureOut">
               <a:rPr lang="en-US" dirty="0"/>
-              <a:t>10/6/2019</a:t>
+              <a:t>10/14/2019</a:t>
             </a:fld>
             <a:endParaRPr lang="en-US" dirty="0"/>
           </a:p>
@@ -3996,7 +4012,7 @@
           <a:p>
             <a:fld id="{1FA3F48C-C7C6-4055-9F49-3777875E72AE}" type="datetimeFigureOut">
               <a:rPr lang="en-US" dirty="0"/>
-              <a:t>10/6/2019</a:t>
+              <a:t>10/14/2019</a:t>
             </a:fld>
             <a:endParaRPr lang="en-US" dirty="0"/>
           </a:p>
@@ -4255,7 +4271,7 @@
           <a:p>
             <a:fld id="{6178E61D-D431-422C-9764-11DAFE33AB63}" type="datetimeFigureOut">
               <a:rPr lang="en-US" dirty="0"/>
-              <a:t>10/6/2019</a:t>
+              <a:t>10/14/2019</a:t>
             </a:fld>
             <a:endParaRPr lang="en-US" dirty="0"/>
           </a:p>
@@ -4574,7 +4590,7 @@
           <a:p>
             <a:fld id="{12DE42F4-6EEF-4EF7-8ED4-2208F0F89A08}" type="datetimeFigureOut">
               <a:rPr lang="en-US" dirty="0"/>
-              <a:t>10/6/2019</a:t>
+              <a:t>10/14/2019</a:t>
             </a:fld>
             <a:endParaRPr lang="en-US" dirty="0"/>
           </a:p>
@@ -4958,7 +4974,7 @@
           <a:p>
             <a:fld id="{30578ACC-22D6-47C1-A373-4FD133E34F3C}" type="datetimeFigureOut">
               <a:rPr lang="en-US" dirty="0"/>
-              <a:t>10/6/2019</a:t>
+              <a:t>10/14/2019</a:t>
             </a:fld>
             <a:endParaRPr lang="en-US" dirty="0"/>
           </a:p>
@@ -5329,7 +5345,7 @@
           <a:p>
             <a:fld id="{4E5A6C69-6797-4E8A-BF37-F2C3751466E9}" type="datetimeFigureOut">
               <a:rPr lang="en-US" dirty="0"/>
-              <a:t>10/6/2019</a:t>
+              <a:t>10/14/2019</a:t>
             </a:fld>
             <a:endParaRPr lang="en-US" dirty="0"/>
           </a:p>
@@ -5830,7 +5846,7 @@
           <a:p>
             <a:fld id="{D82014A1-A632-4878-A0D3-F52BA7563730}" type="datetimeFigureOut">
               <a:rPr lang="en-US" dirty="0"/>
-              <a:t>10/6/2019</a:t>
+              <a:t>10/14/2019</a:t>
             </a:fld>
             <a:endParaRPr lang="en-US" dirty="0"/>
           </a:p>
@@ -6082,7 +6098,7 @@
           <a:p>
             <a:fld id="{CE99F462-093F-4566-844B-4C71F2739DA5}" type="datetimeFigureOut">
               <a:rPr lang="en-US" dirty="0"/>
-              <a:t>10/6/2019</a:t>
+              <a:t>10/14/2019</a:t>
             </a:fld>
             <a:endParaRPr lang="en-US" dirty="0"/>
           </a:p>
@@ -6240,7 +6256,7 @@
           <a:p>
             <a:fld id="{3D24A7AC-904D-4781-85BA-7D10C17ED021}" type="datetimeFigureOut">
               <a:rPr lang="en-US" dirty="0"/>
-              <a:t>10/6/2019</a:t>
+              <a:t>10/14/2019</a:t>
             </a:fld>
             <a:endParaRPr lang="en-US" dirty="0"/>
           </a:p>
@@ -6625,7 +6641,7 @@
           <a:p>
             <a:fld id="{E331444B-B92B-4E27-8C94-BB93EAF5CB18}" type="datetimeFigureOut">
               <a:rPr lang="en-US" dirty="0"/>
-              <a:t>10/6/2019</a:t>
+              <a:t>10/14/2019</a:t>
             </a:fld>
             <a:endParaRPr lang="en-US" dirty="0"/>
           </a:p>
@@ -7029,7 +7045,7 @@
           <a:p>
             <a:fld id="{363EFA5E-FA76-400D-B3DC-F0BA90E6D107}" type="datetimeFigureOut">
               <a:rPr lang="en-US" dirty="0"/>
-              <a:t>10/6/2019</a:t>
+              <a:t>10/14/2019</a:t>
             </a:fld>
             <a:endParaRPr lang="en-US" dirty="0"/>
           </a:p>
@@ -7268,7 +7284,7 @@
           <a:p>
             <a:fld id="{9D6E9DEC-419B-4CC5-A080-3B06BD5A8291}" type="datetimeFigureOut">
               <a:rPr lang="en-US" dirty="0"/>
-              <a:t>10/6/2019</a:t>
+              <a:t>10/14/2019</a:t>
             </a:fld>
             <a:endParaRPr lang="en-US" dirty="0"/>
           </a:p>
@@ -7876,13 +7892,13 @@
   <p:clrMapOvr>
     <a:masterClrMapping/>
   </p:clrMapOvr>
-  <mc:AlternateContent xmlns:mc="http://schemas.openxmlformats.org/markup-compatibility/2006">
-    <mc:Choice xmlns:p14="http://schemas.microsoft.com/office/powerpoint/2010/main" Requires="p14">
+  <mc:AlternateContent xmlns:mc="http://schemas.openxmlformats.org/markup-compatibility/2006" xmlns:p14="http://schemas.microsoft.com/office/powerpoint/2010/main">
+    <mc:Choice Requires="p14">
       <p:transition spd="slow" p14:dur="1500">
         <p:split orient="vert"/>
       </p:transition>
     </mc:Choice>
-    <mc:Fallback>
+    <mc:Fallback xmlns="">
       <p:transition spd="slow">
         <p:split orient="vert"/>
       </p:transition>
@@ -8232,13 +8248,13 @@
   <p:clrMapOvr>
     <a:masterClrMapping/>
   </p:clrMapOvr>
-  <mc:AlternateContent xmlns:mc="http://schemas.openxmlformats.org/markup-compatibility/2006">
-    <mc:Choice xmlns:p15="http://schemas.microsoft.com/office/powerpoint/2012/main" Requires="p15">
+  <mc:AlternateContent xmlns:mc="http://schemas.openxmlformats.org/markup-compatibility/2006" xmlns:p15="http://schemas.microsoft.com/office/powerpoint/2012/main">
+    <mc:Choice Requires="p15">
       <p:transition xmlns:p14="http://schemas.microsoft.com/office/powerpoint/2010/main" spd="slow" p14:dur="6000">
         <p15:prstTrans prst="curtains"/>
       </p:transition>
     </mc:Choice>
-    <mc:Fallback>
+    <mc:Fallback xmlns="">
       <p:transition spd="slow">
         <p:fade/>
       </p:transition>
@@ -8352,763 +8368,71 @@
           </a:effectLst>
         </p:spPr>
       </p:pic>
-      <p:sp>
-        <p:nvSpPr>
-          <p:cNvPr id="8" name="Title 1"/>
-          <p:cNvSpPr>
-            <a:spLocks noGrp="1"/>
-          </p:cNvSpPr>
-          <p:nvPr>
-            <p:ph type="title"/>
-          </p:nvPr>
-        </p:nvSpPr>
-        <p:spPr>
-          <a:xfrm>
-            <a:off x="782711" y="149155"/>
-            <a:ext cx="8911687" cy="845461"/>
-          </a:xfrm>
-        </p:spPr>
-        <p:txBody>
-          <a:bodyPr>
-            <a:normAutofit/>
-          </a:bodyPr>
-          <a:lstStyle/>
-          <a:p>
-            <a:pPr algn="ctr"/>
-            <a:r>
-              <a:rPr lang="en-US" sz="4400" b="1" dirty="0" smtClean="0">
-                <a:latin typeface="Times New Roman" panose="02020603050405020304" pitchFamily="18" charset="0"/>
-                <a:cs typeface="Times New Roman" panose="02020603050405020304" pitchFamily="18" charset="0"/>
-              </a:rPr>
-              <a:t>HTML5</a:t>
-            </a:r>
-            <a:endParaRPr lang="en-US" b="1" dirty="0">
-              <a:latin typeface="Times New Roman" panose="02020603050405020304" pitchFamily="18" charset="0"/>
-              <a:cs typeface="Times New Roman" panose="02020603050405020304" pitchFamily="18" charset="0"/>
-            </a:endParaRPr>
-          </a:p>
-        </p:txBody>
-      </p:sp>
-      <p:sp>
-        <p:nvSpPr>
-          <p:cNvPr id="2" name="Rectangle 1"/>
-          <p:cNvSpPr>
-            <a:spLocks noChangeArrowheads="1"/>
-          </p:cNvSpPr>
+      <p:pic>
+        <p:nvPicPr>
+          <p:cNvPr id="3" name="Picture 2"/>
+          <p:cNvPicPr>
+            <a:picLocks noChangeAspect="1"/>
+          </p:cNvPicPr>
           <p:nvPr/>
-        </p:nvSpPr>
-        <p:spPr bwMode="auto">
-          <a:xfrm>
-            <a:off x="592428" y="856357"/>
-            <a:ext cx="9839459" cy="6001643"/>
+        </p:nvPicPr>
+        <p:blipFill>
+          <a:blip r:embed="rId3">
+            <a:extLst>
+              <a:ext uri="{28A0092B-C50C-407E-A947-70E740481C1C}">
+                <a14:useLocalDpi xmlns:a14="http://schemas.microsoft.com/office/drawing/2010/main" val="0"/>
+              </a:ext>
+            </a:extLst>
+          </a:blip>
+          <a:stretch>
+            <a:fillRect/>
+          </a:stretch>
+        </p:blipFill>
+        <p:spPr>
+          <a:xfrm>
+            <a:off x="2753394" y="397402"/>
+            <a:ext cx="5131157" cy="5131157"/>
+          </a:xfrm>
+          <a:prstGeom prst="rect">
+            <a:avLst/>
+          </a:prstGeom>
+        </p:spPr>
+      </p:pic>
+      <p:sp>
+        <p:nvSpPr>
+          <p:cNvPr id="4" name="TextBox 3"/>
+          <p:cNvSpPr txBox="1"/>
+          <p:nvPr/>
+        </p:nvSpPr>
+        <p:spPr>
+          <a:xfrm>
+            <a:off x="3412900" y="5808559"/>
+            <a:ext cx="3889419" cy="769441"/>
           </a:xfrm>
           <a:prstGeom prst="rect">
             <a:avLst/>
           </a:prstGeom>
           <a:noFill/>
-          <a:ln>
-            <a:noFill/>
-          </a:ln>
-          <a:effectLst/>
-          <a:extLst>
-            <a:ext uri="{909E8E84-426E-40DD-AFC4-6F175D3DCCD1}">
-              <a14:hiddenFill xmlns:a14="http://schemas.microsoft.com/office/drawing/2010/main">
-                <a:solidFill>
-                  <a:schemeClr val="accent1"/>
-                </a:solidFill>
-              </a14:hiddenFill>
-            </a:ext>
-            <a:ext uri="{91240B29-F687-4F45-9708-019B960494DF}">
-              <a14:hiddenLine xmlns:a14="http://schemas.microsoft.com/office/drawing/2010/main" w="9525">
-                <a:solidFill>
-                  <a:schemeClr val="tx1"/>
-                </a:solidFill>
-                <a:miter lim="800000"/>
-                <a:headEnd/>
-                <a:tailEnd/>
-              </a14:hiddenLine>
-            </a:ext>
-            <a:ext uri="{AF507438-7753-43E0-B8FC-AC1667EBCBE1}">
-              <a14:hiddenEffects xmlns:a14="http://schemas.microsoft.com/office/drawing/2010/main">
-                <a:effectLst>
-                  <a:outerShdw dist="35921" dir="2700000" algn="ctr" rotWithShape="0">
-                    <a:schemeClr val="bg2"/>
-                  </a:outerShdw>
-                </a:effectLst>
-              </a14:hiddenEffects>
-            </a:ext>
-          </a:extLst>
-        </p:spPr>
-        <p:txBody>
-          <a:bodyPr vert="horz" wrap="square" lIns="91440" tIns="45720" rIns="91440" bIns="45720" numCol="1" anchor="ctr" anchorCtr="0" compatLnSpc="1">
-            <a:prstTxWarp prst="textNoShape">
-              <a:avLst/>
-            </a:prstTxWarp>
+        </p:spPr>
+        <p:txBody>
+          <a:bodyPr wrap="square" rtlCol="0">
             <a:spAutoFit/>
           </a:bodyPr>
           <a:lstStyle/>
           <a:p>
-            <a:pPr marL="0" marR="0" lvl="0" indent="0" algn="l" defTabSz="914400" rtl="0" eaLnBrk="0" fontAlgn="base" latinLnBrk="0" hangingPunct="0">
-              <a:lnSpc>
-                <a:spcPct val="100000"/>
-              </a:lnSpc>
-              <a:spcBef>
-                <a:spcPct val="0"/>
-              </a:spcBef>
-              <a:spcAft>
-                <a:spcPct val="0"/>
-              </a:spcAft>
-              <a:buClrTx/>
-              <a:buSzTx/>
-              <a:buFontTx/>
-              <a:buNone/>
-              <a:tabLst/>
-            </a:pPr>
-            <a:r>
-              <a:rPr kumimoji="0" lang="en-US" sz="2400" b="1" i="0" u="none" strike="noStrike" cap="none" normalizeH="0" baseline="0" dirty="0" smtClean="0">
-                <a:ln>
-                  <a:noFill/>
-                </a:ln>
-                <a:solidFill>
-                  <a:schemeClr val="tx1"/>
-                </a:solidFill>
-                <a:effectLst/>
-                <a:latin typeface="Arial" panose="020B0604020202020204" pitchFamily="34" charset="0"/>
-              </a:rPr>
+            <a:pPr algn="ctr"/>
+            <a:r>
+              <a:rPr lang="en-US" sz="4400" b="1" dirty="0" smtClean="0"/>
               <a:t>HTML5</a:t>
             </a:r>
-            <a:r>
-              <a:rPr kumimoji="0" lang="en-US" sz="2400" b="0" i="0" u="none" strike="noStrike" cap="none" normalizeH="0" baseline="0" dirty="0" smtClean="0">
-                <a:ln>
-                  <a:noFill/>
-                </a:ln>
-                <a:solidFill>
-                  <a:schemeClr val="tx1"/>
-                </a:solidFill>
-                <a:effectLst/>
-                <a:latin typeface="Arial" panose="020B0604020202020204" pitchFamily="34" charset="0"/>
-              </a:rPr>
-              <a:t> is a </a:t>
-            </a:r>
-            <a:r>
-              <a:rPr kumimoji="0" lang="en-US" sz="2400" b="0" i="0" u="none" strike="noStrike" cap="none" normalizeH="0" baseline="0" dirty="0" smtClean="0">
-                <a:ln>
-                  <a:noFill/>
-                </a:ln>
-                <a:solidFill>
-                  <a:schemeClr val="tx1"/>
-                </a:solidFill>
-                <a:effectLst/>
-                <a:latin typeface="Arial" panose="020B0604020202020204" pitchFamily="34" charset="0"/>
-                <a:hlinkClick r:id="rId3" tooltip="Solution stack"/>
-              </a:rPr>
-              <a:t>software solution stack</a:t>
-            </a:r>
-            <a:r>
-              <a:rPr kumimoji="0" lang="en-US" sz="2400" b="0" i="0" u="none" strike="noStrike" cap="none" normalizeH="0" baseline="0" dirty="0" smtClean="0">
-                <a:ln>
-                  <a:noFill/>
-                </a:ln>
-                <a:solidFill>
-                  <a:schemeClr val="tx1"/>
-                </a:solidFill>
-                <a:effectLst/>
-                <a:latin typeface="Arial" panose="020B0604020202020204" pitchFamily="34" charset="0"/>
-              </a:rPr>
-              <a:t> that defines the properties and behaviors of </a:t>
-            </a:r>
-            <a:r>
-              <a:rPr kumimoji="0" lang="en-US" sz="2400" b="0" i="0" u="none" strike="noStrike" cap="none" normalizeH="0" baseline="0" dirty="0" smtClean="0">
-                <a:ln>
-                  <a:noFill/>
-                </a:ln>
-                <a:solidFill>
-                  <a:schemeClr val="tx1"/>
-                </a:solidFill>
-                <a:effectLst/>
-                <a:latin typeface="Arial" panose="020B0604020202020204" pitchFamily="34" charset="0"/>
-                <a:hlinkClick r:id="rId4" tooltip="Web page"/>
-              </a:rPr>
-              <a:t>web page</a:t>
-            </a:r>
-            <a:r>
-              <a:rPr kumimoji="0" lang="en-US" sz="2400" b="0" i="0" u="none" strike="noStrike" cap="none" normalizeH="0" baseline="0" dirty="0" smtClean="0">
-                <a:ln>
-                  <a:noFill/>
-                </a:ln>
-                <a:solidFill>
-                  <a:schemeClr val="tx1"/>
-                </a:solidFill>
-                <a:effectLst/>
-                <a:latin typeface="Arial" panose="020B0604020202020204" pitchFamily="34" charset="0"/>
-              </a:rPr>
-              <a:t> </a:t>
-            </a:r>
-            <a:r>
-              <a:rPr kumimoji="0" lang="en-US" sz="2400" b="0" i="0" u="none" strike="noStrike" cap="none" normalizeH="0" baseline="0" dirty="0" smtClean="0">
-                <a:ln>
-                  <a:noFill/>
-                </a:ln>
-                <a:solidFill>
-                  <a:schemeClr val="tx1"/>
-                </a:solidFill>
-                <a:effectLst/>
-                <a:latin typeface="Arial" panose="020B0604020202020204" pitchFamily="34" charset="0"/>
-                <a:hlinkClick r:id="rId5" tooltip="Web content"/>
-              </a:rPr>
-              <a:t>content</a:t>
-            </a:r>
-            <a:r>
-              <a:rPr kumimoji="0" lang="en-US" sz="2400" b="0" i="0" u="none" strike="noStrike" cap="none" normalizeH="0" baseline="0" dirty="0" smtClean="0">
-                <a:ln>
-                  <a:noFill/>
-                </a:ln>
-                <a:solidFill>
-                  <a:schemeClr val="tx1"/>
-                </a:solidFill>
-                <a:effectLst/>
-                <a:latin typeface="Arial" panose="020B0604020202020204" pitchFamily="34" charset="0"/>
-              </a:rPr>
-              <a:t> by implementing a </a:t>
-            </a:r>
-            <a:r>
-              <a:rPr kumimoji="0" lang="en-US" sz="2400" b="0" i="0" u="none" strike="noStrike" cap="none" normalizeH="0" baseline="0" dirty="0" smtClean="0">
-                <a:ln>
-                  <a:noFill/>
-                </a:ln>
-                <a:solidFill>
-                  <a:schemeClr val="tx1"/>
-                </a:solidFill>
-                <a:effectLst/>
-                <a:latin typeface="Arial" panose="020B0604020202020204" pitchFamily="34" charset="0"/>
-                <a:hlinkClick r:id="rId6" tooltip="Markup language"/>
-              </a:rPr>
-              <a:t>markup</a:t>
-            </a:r>
-            <a:r>
-              <a:rPr kumimoji="0" lang="en-US" sz="2400" b="0" i="0" u="none" strike="noStrike" cap="none" normalizeH="0" baseline="0" dirty="0" smtClean="0">
-                <a:ln>
-                  <a:noFill/>
-                </a:ln>
-                <a:solidFill>
-                  <a:schemeClr val="tx1"/>
-                </a:solidFill>
-                <a:effectLst/>
-                <a:latin typeface="Arial" panose="020B0604020202020204" pitchFamily="34" charset="0"/>
-              </a:rPr>
-              <a:t> based </a:t>
-            </a:r>
-            <a:r>
-              <a:rPr kumimoji="0" lang="en-US" sz="2400" b="0" i="0" u="none" strike="noStrike" cap="none" normalizeH="0" baseline="0" dirty="0" smtClean="0">
-                <a:ln>
-                  <a:noFill/>
-                </a:ln>
-                <a:solidFill>
-                  <a:schemeClr val="tx1"/>
-                </a:solidFill>
-                <a:effectLst/>
-                <a:latin typeface="Arial" panose="020B0604020202020204" pitchFamily="34" charset="0"/>
-                <a:hlinkClick r:id="rId7" tooltip="Software design pattern"/>
-              </a:rPr>
-              <a:t>pattern</a:t>
-            </a:r>
-            <a:r>
-              <a:rPr kumimoji="0" lang="en-US" sz="2400" b="0" i="0" u="none" strike="noStrike" cap="none" normalizeH="0" baseline="0" dirty="0" smtClean="0">
-                <a:ln>
-                  <a:noFill/>
-                </a:ln>
-                <a:solidFill>
-                  <a:schemeClr val="tx1"/>
-                </a:solidFill>
-                <a:effectLst/>
-                <a:latin typeface="Arial" panose="020B0604020202020204" pitchFamily="34" charset="0"/>
-              </a:rPr>
-              <a:t> to it. HTML5 is the fifth and current major version of </a:t>
-            </a:r>
-            <a:r>
-              <a:rPr kumimoji="0" lang="en-US" sz="2400" b="0" i="0" u="none" strike="noStrike" cap="none" normalizeH="0" baseline="0" dirty="0" smtClean="0">
-                <a:ln>
-                  <a:noFill/>
-                </a:ln>
-                <a:solidFill>
-                  <a:schemeClr val="tx1"/>
-                </a:solidFill>
-                <a:effectLst/>
-                <a:latin typeface="Arial" panose="020B0604020202020204" pitchFamily="34" charset="0"/>
-                <a:hlinkClick r:id="rId8" tooltip="HTML"/>
-              </a:rPr>
-              <a:t>HTML</a:t>
-            </a:r>
-            <a:r>
-              <a:rPr kumimoji="0" lang="en-US" sz="2400" b="0" i="0" u="none" strike="noStrike" cap="none" normalizeH="0" baseline="0" dirty="0" smtClean="0">
-                <a:ln>
-                  <a:noFill/>
-                </a:ln>
-                <a:solidFill>
-                  <a:schemeClr val="tx1"/>
-                </a:solidFill>
-                <a:effectLst/>
-                <a:latin typeface="Arial" panose="020B0604020202020204" pitchFamily="34" charset="0"/>
-              </a:rPr>
-              <a:t>, and subsumes </a:t>
-            </a:r>
-            <a:r>
-              <a:rPr kumimoji="0" lang="en-US" sz="2400" b="0" i="0" u="none" strike="noStrike" cap="none" normalizeH="0" baseline="0" dirty="0" smtClean="0">
-                <a:ln>
-                  <a:noFill/>
-                </a:ln>
-                <a:solidFill>
-                  <a:schemeClr val="tx1"/>
-                </a:solidFill>
-                <a:effectLst/>
-                <a:latin typeface="Arial" panose="020B0604020202020204" pitchFamily="34" charset="0"/>
-                <a:hlinkClick r:id="rId9" tooltip="XHTML"/>
-              </a:rPr>
-              <a:t>XHTML</a:t>
-            </a:r>
-            <a:r>
-              <a:rPr kumimoji="0" lang="en-US" sz="2400" b="0" i="0" u="none" strike="noStrike" cap="none" normalizeH="0" baseline="0" dirty="0" smtClean="0">
-                <a:ln>
-                  <a:noFill/>
-                </a:ln>
-                <a:solidFill>
-                  <a:schemeClr val="tx1"/>
-                </a:solidFill>
-                <a:effectLst/>
-                <a:latin typeface="Arial" panose="020B0604020202020204" pitchFamily="34" charset="0"/>
-              </a:rPr>
-              <a:t>. The current standard, the HTML Living Standard is developed by </a:t>
-            </a:r>
-            <a:r>
-              <a:rPr kumimoji="0" lang="en-US" sz="2400" b="0" i="0" u="none" strike="noStrike" cap="none" normalizeH="0" baseline="0" dirty="0" smtClean="0">
-                <a:ln>
-                  <a:noFill/>
-                </a:ln>
-                <a:solidFill>
-                  <a:schemeClr val="tx1"/>
-                </a:solidFill>
-                <a:effectLst/>
-                <a:latin typeface="Arial" panose="020B0604020202020204" pitchFamily="34" charset="0"/>
-                <a:hlinkClick r:id="rId10" tooltip="WHATWG"/>
-              </a:rPr>
-              <a:t>WHATWG</a:t>
-            </a:r>
-            <a:r>
-              <a:rPr kumimoji="0" lang="en-US" sz="2400" b="0" i="0" u="none" strike="noStrike" cap="none" normalizeH="0" baseline="0" dirty="0" smtClean="0">
-                <a:ln>
-                  <a:noFill/>
-                </a:ln>
-                <a:solidFill>
-                  <a:schemeClr val="tx1"/>
-                </a:solidFill>
-                <a:effectLst/>
-                <a:latin typeface="Arial" panose="020B0604020202020204" pitchFamily="34" charset="0"/>
-              </a:rPr>
-              <a:t>, which is made up of the major browser vendors (</a:t>
-            </a:r>
-            <a:r>
-              <a:rPr kumimoji="0" lang="en-US" sz="2400" b="0" i="0" u="none" strike="noStrike" cap="none" normalizeH="0" baseline="0" dirty="0" smtClean="0">
-                <a:ln>
-                  <a:noFill/>
-                </a:ln>
-                <a:solidFill>
-                  <a:schemeClr val="tx1"/>
-                </a:solidFill>
-                <a:effectLst/>
-                <a:latin typeface="Arial" panose="020B0604020202020204" pitchFamily="34" charset="0"/>
-                <a:hlinkClick r:id="rId11" tooltip="Apple Inc."/>
-              </a:rPr>
-              <a:t>Apple</a:t>
-            </a:r>
-            <a:r>
-              <a:rPr kumimoji="0" lang="en-US" sz="2400" b="0" i="0" u="none" strike="noStrike" cap="none" normalizeH="0" baseline="0" dirty="0" smtClean="0">
-                <a:ln>
-                  <a:noFill/>
-                </a:ln>
-                <a:solidFill>
-                  <a:schemeClr val="tx1"/>
-                </a:solidFill>
-                <a:effectLst/>
-                <a:latin typeface="Arial" panose="020B0604020202020204" pitchFamily="34" charset="0"/>
-              </a:rPr>
-              <a:t>, </a:t>
-            </a:r>
-            <a:r>
-              <a:rPr kumimoji="0" lang="en-US" sz="2400" b="0" i="0" u="none" strike="noStrike" cap="none" normalizeH="0" baseline="0" dirty="0" smtClean="0">
-                <a:ln>
-                  <a:noFill/>
-                </a:ln>
-                <a:solidFill>
-                  <a:schemeClr val="tx1"/>
-                </a:solidFill>
-                <a:effectLst/>
-                <a:latin typeface="Arial" panose="020B0604020202020204" pitchFamily="34" charset="0"/>
-                <a:hlinkClick r:id="rId12" tooltip="Google"/>
-              </a:rPr>
-              <a:t>Google</a:t>
-            </a:r>
-            <a:r>
-              <a:rPr kumimoji="0" lang="en-US" sz="2400" b="0" i="0" u="none" strike="noStrike" cap="none" normalizeH="0" baseline="0" dirty="0" smtClean="0">
-                <a:ln>
-                  <a:noFill/>
-                </a:ln>
-                <a:solidFill>
-                  <a:schemeClr val="tx1"/>
-                </a:solidFill>
-                <a:effectLst/>
-                <a:latin typeface="Arial" panose="020B0604020202020204" pitchFamily="34" charset="0"/>
-              </a:rPr>
-              <a:t>, </a:t>
-            </a:r>
-            <a:r>
-              <a:rPr kumimoji="0" lang="en-US" sz="2400" b="0" i="0" u="none" strike="noStrike" cap="none" normalizeH="0" baseline="0" dirty="0" smtClean="0">
-                <a:ln>
-                  <a:noFill/>
-                </a:ln>
-                <a:solidFill>
-                  <a:schemeClr val="tx1"/>
-                </a:solidFill>
-                <a:effectLst/>
-                <a:latin typeface="Arial" panose="020B0604020202020204" pitchFamily="34" charset="0"/>
-                <a:hlinkClick r:id="rId13" tooltip="Mozilla"/>
-              </a:rPr>
-              <a:t>Mozilla</a:t>
-            </a:r>
-            <a:r>
-              <a:rPr kumimoji="0" lang="en-US" sz="2400" b="0" i="0" u="none" strike="noStrike" cap="none" normalizeH="0" baseline="0" dirty="0" smtClean="0">
-                <a:ln>
-                  <a:noFill/>
-                </a:ln>
-                <a:solidFill>
-                  <a:schemeClr val="tx1"/>
-                </a:solidFill>
-                <a:effectLst/>
-                <a:latin typeface="Arial" panose="020B0604020202020204" pitchFamily="34" charset="0"/>
-              </a:rPr>
-              <a:t>, and </a:t>
-            </a:r>
-            <a:r>
-              <a:rPr kumimoji="0" lang="en-US" sz="2400" b="0" i="0" u="none" strike="noStrike" cap="none" normalizeH="0" baseline="0" dirty="0" smtClean="0">
-                <a:ln>
-                  <a:noFill/>
-                </a:ln>
-                <a:solidFill>
-                  <a:schemeClr val="tx1"/>
-                </a:solidFill>
-                <a:effectLst/>
-                <a:latin typeface="Arial" panose="020B0604020202020204" pitchFamily="34" charset="0"/>
-                <a:hlinkClick r:id="rId14" tooltip="Microsoft"/>
-              </a:rPr>
-              <a:t>Microsoft</a:t>
-            </a:r>
-            <a:r>
-              <a:rPr kumimoji="0" lang="en-US" sz="2400" b="0" i="0" u="none" strike="noStrike" cap="none" normalizeH="0" baseline="0" dirty="0" smtClean="0">
-                <a:ln>
-                  <a:noFill/>
-                </a:ln>
-                <a:solidFill>
-                  <a:schemeClr val="tx1"/>
-                </a:solidFill>
-                <a:effectLst/>
-                <a:latin typeface="Arial" panose="020B0604020202020204" pitchFamily="34" charset="0"/>
-              </a:rPr>
-              <a:t>), with the Living Standard also existing in an abridged version. </a:t>
-            </a:r>
-          </a:p>
-          <a:p>
-            <a:pPr marL="0" marR="0" lvl="0" indent="0" algn="l" defTabSz="914400" rtl="0" eaLnBrk="0" fontAlgn="base" latinLnBrk="0" hangingPunct="0">
-              <a:lnSpc>
-                <a:spcPct val="100000"/>
-              </a:lnSpc>
-              <a:spcBef>
-                <a:spcPct val="0"/>
-              </a:spcBef>
-              <a:spcAft>
-                <a:spcPct val="0"/>
-              </a:spcAft>
-              <a:buClrTx/>
-              <a:buSzTx/>
-              <a:buFontTx/>
-              <a:buNone/>
-              <a:tabLst/>
-            </a:pPr>
-            <a:r>
-              <a:rPr kumimoji="0" lang="en-US" sz="2400" b="0" i="0" u="none" strike="noStrike" cap="none" normalizeH="0" baseline="0" dirty="0" smtClean="0">
-                <a:ln>
-                  <a:noFill/>
-                </a:ln>
-                <a:solidFill>
-                  <a:schemeClr val="tx1"/>
-                </a:solidFill>
-                <a:effectLst/>
-                <a:latin typeface="Arial" panose="020B0604020202020204" pitchFamily="34" charset="0"/>
-              </a:rPr>
-              <a:t>HTML5 was first released in public-facing form on 22 January 2008,</a:t>
-            </a:r>
-            <a:r>
-              <a:rPr kumimoji="0" lang="en-US" sz="2400" b="0" i="0" u="none" strike="noStrike" cap="none" normalizeH="0" baseline="30000" dirty="0" smtClean="0">
-                <a:ln>
-                  <a:noFill/>
-                </a:ln>
-                <a:solidFill>
-                  <a:schemeClr val="tx1"/>
-                </a:solidFill>
-                <a:effectLst/>
-                <a:latin typeface="Arial" panose="020B0604020202020204" pitchFamily="34" charset="0"/>
-                <a:hlinkClick r:id="rId15"/>
-              </a:rPr>
-              <a:t>[3]</a:t>
-            </a:r>
-            <a:r>
-              <a:rPr kumimoji="0" lang="en-US" sz="2400" b="0" i="0" u="none" strike="noStrike" cap="none" normalizeH="0" baseline="0" dirty="0" smtClean="0">
-                <a:ln>
-                  <a:noFill/>
-                </a:ln>
-                <a:solidFill>
-                  <a:schemeClr val="tx1"/>
-                </a:solidFill>
-                <a:effectLst/>
-                <a:latin typeface="Arial" panose="020B0604020202020204" pitchFamily="34" charset="0"/>
-              </a:rPr>
-              <a:t> with a major update and "W3C Recommendation" status in October 2014.</a:t>
-            </a:r>
-            <a:r>
-              <a:rPr kumimoji="0" lang="en-US" sz="2400" b="0" i="0" u="none" strike="noStrike" cap="none" normalizeH="0" baseline="30000" dirty="0" smtClean="0">
-                <a:ln>
-                  <a:noFill/>
-                </a:ln>
-                <a:solidFill>
-                  <a:schemeClr val="tx1"/>
-                </a:solidFill>
-                <a:effectLst/>
-                <a:latin typeface="Arial" panose="020B0604020202020204" pitchFamily="34" charset="0"/>
-                <a:hlinkClick r:id="rId16"/>
-              </a:rPr>
-              <a:t>[2]</a:t>
-            </a:r>
-            <a:r>
-              <a:rPr kumimoji="0" lang="en-US" sz="2400" b="0" i="0" u="none" strike="noStrike" cap="none" normalizeH="0" baseline="30000" dirty="0" smtClean="0">
-                <a:ln>
-                  <a:noFill/>
-                </a:ln>
-                <a:solidFill>
-                  <a:schemeClr val="tx1"/>
-                </a:solidFill>
-                <a:effectLst/>
-                <a:latin typeface="Arial" panose="020B0604020202020204" pitchFamily="34" charset="0"/>
-                <a:hlinkClick r:id="rId17"/>
-              </a:rPr>
-              <a:t>[4]</a:t>
-            </a:r>
-            <a:r>
-              <a:rPr kumimoji="0" lang="en-US" sz="2400" b="0" i="0" u="none" strike="noStrike" cap="none" normalizeH="0" baseline="0" dirty="0" smtClean="0">
-                <a:ln>
-                  <a:noFill/>
-                </a:ln>
-                <a:solidFill>
-                  <a:schemeClr val="tx1"/>
-                </a:solidFill>
-                <a:effectLst/>
-                <a:latin typeface="Arial" panose="020B0604020202020204" pitchFamily="34" charset="0"/>
-              </a:rPr>
-              <a:t> Its goals were to improve the language with support for the latest multimedia and other new features; to keep the language both easily readable by humans and consistently understood by computers and devices such as </a:t>
-            </a:r>
-            <a:r>
-              <a:rPr kumimoji="0" lang="en-US" sz="2400" b="0" i="0" u="none" strike="noStrike" cap="none" normalizeH="0" baseline="0" dirty="0" smtClean="0">
-                <a:ln>
-                  <a:noFill/>
-                </a:ln>
-                <a:solidFill>
-                  <a:schemeClr val="tx1"/>
-                </a:solidFill>
-                <a:effectLst/>
-                <a:latin typeface="Arial" panose="020B0604020202020204" pitchFamily="34" charset="0"/>
-                <a:hlinkClick r:id="rId18" tooltip="Web browser"/>
-              </a:rPr>
-              <a:t>web browsers</a:t>
-            </a:r>
-            <a:r>
-              <a:rPr kumimoji="0" lang="en-US" sz="2400" b="0" i="0" u="none" strike="noStrike" cap="none" normalizeH="0" baseline="0" dirty="0" smtClean="0">
-                <a:ln>
-                  <a:noFill/>
-                </a:ln>
-                <a:solidFill>
-                  <a:schemeClr val="tx1"/>
-                </a:solidFill>
-                <a:effectLst/>
-                <a:latin typeface="Arial" panose="020B0604020202020204" pitchFamily="34" charset="0"/>
-              </a:rPr>
-              <a:t>, </a:t>
-            </a:r>
-            <a:r>
-              <a:rPr kumimoji="0" lang="en-US" sz="2400" b="0" i="0" u="none" strike="noStrike" cap="none" normalizeH="0" baseline="0" dirty="0" smtClean="0">
-                <a:ln>
-                  <a:noFill/>
-                </a:ln>
-                <a:solidFill>
-                  <a:schemeClr val="tx1"/>
-                </a:solidFill>
-                <a:effectLst/>
-                <a:latin typeface="Arial" panose="020B0604020202020204" pitchFamily="34" charset="0"/>
-                <a:hlinkClick r:id="rId19" tooltip="Parsing"/>
-              </a:rPr>
-              <a:t>parsers</a:t>
-            </a:r>
-            <a:r>
-              <a:rPr kumimoji="0" lang="en-US" sz="2400" b="0" i="0" u="none" strike="noStrike" cap="none" normalizeH="0" baseline="0" dirty="0" smtClean="0">
-                <a:ln>
-                  <a:noFill/>
-                </a:ln>
-                <a:solidFill>
-                  <a:schemeClr val="tx1"/>
-                </a:solidFill>
-                <a:effectLst/>
-                <a:latin typeface="Arial" panose="020B0604020202020204" pitchFamily="34" charset="0"/>
-              </a:rPr>
-              <a:t>, etc., without XHTML's rigidity; and to remain </a:t>
-            </a:r>
-            <a:r>
-              <a:rPr kumimoji="0" lang="en-US" sz="2400" b="0" i="0" u="none" strike="noStrike" cap="none" normalizeH="0" baseline="0" dirty="0" smtClean="0">
-                <a:ln>
-                  <a:noFill/>
-                </a:ln>
-                <a:solidFill>
-                  <a:schemeClr val="tx1"/>
-                </a:solidFill>
-                <a:effectLst/>
-                <a:latin typeface="Arial" panose="020B0604020202020204" pitchFamily="34" charset="0"/>
-                <a:hlinkClick r:id="rId20" tooltip="Backward compatibility"/>
-              </a:rPr>
-              <a:t>backward-compatible</a:t>
-            </a:r>
-            <a:r>
-              <a:rPr kumimoji="0" lang="en-US" sz="2400" b="0" i="0" u="none" strike="noStrike" cap="none" normalizeH="0" baseline="0" dirty="0" smtClean="0">
-                <a:ln>
-                  <a:noFill/>
-                </a:ln>
-                <a:solidFill>
-                  <a:schemeClr val="tx1"/>
-                </a:solidFill>
-                <a:effectLst/>
-                <a:latin typeface="Arial" panose="020B0604020202020204" pitchFamily="34" charset="0"/>
-              </a:rPr>
-              <a:t> with older software. HTML5 is intended to subsume not only </a:t>
-            </a:r>
-            <a:r>
-              <a:rPr kumimoji="0" lang="en-US" sz="2400" b="0" i="0" u="none" strike="noStrike" cap="none" normalizeH="0" baseline="0" dirty="0" smtClean="0">
-                <a:ln>
-                  <a:noFill/>
-                </a:ln>
-                <a:solidFill>
-                  <a:schemeClr val="tx1"/>
-                </a:solidFill>
-                <a:effectLst/>
-                <a:latin typeface="Arial" panose="020B0604020202020204" pitchFamily="34" charset="0"/>
-                <a:hlinkClick r:id="rId21" tooltip="HTML 4"/>
-              </a:rPr>
-              <a:t>HTML 4</a:t>
-            </a:r>
-            <a:r>
-              <a:rPr kumimoji="0" lang="en-US" sz="2400" b="0" i="0" u="none" strike="noStrike" cap="none" normalizeH="0" baseline="0" dirty="0" smtClean="0">
-                <a:ln>
-                  <a:noFill/>
-                </a:ln>
-                <a:solidFill>
-                  <a:schemeClr val="tx1"/>
-                </a:solidFill>
-                <a:effectLst/>
-                <a:latin typeface="Arial" panose="020B0604020202020204" pitchFamily="34" charset="0"/>
-              </a:rPr>
-              <a:t>, but also </a:t>
-            </a:r>
-            <a:r>
-              <a:rPr kumimoji="0" lang="en-US" sz="2400" b="0" i="0" u="none" strike="noStrike" cap="none" normalizeH="0" baseline="0" dirty="0" smtClean="0">
-                <a:ln>
-                  <a:noFill/>
-                </a:ln>
-                <a:solidFill>
-                  <a:schemeClr val="tx1"/>
-                </a:solidFill>
-                <a:effectLst/>
-                <a:latin typeface="Arial" panose="020B0604020202020204" pitchFamily="34" charset="0"/>
-                <a:hlinkClick r:id="rId9" tooltip="XHTML"/>
-              </a:rPr>
-              <a:t>XHTML</a:t>
-            </a:r>
-            <a:r>
-              <a:rPr kumimoji="0" lang="en-US" sz="2400" b="0" i="0" u="none" strike="noStrike" cap="none" normalizeH="0" baseline="0" dirty="0" smtClean="0">
-                <a:ln>
-                  <a:noFill/>
-                </a:ln>
-                <a:solidFill>
-                  <a:schemeClr val="tx1"/>
-                </a:solidFill>
-                <a:effectLst/>
-                <a:latin typeface="Arial" panose="020B0604020202020204" pitchFamily="34" charset="0"/>
-              </a:rPr>
-              <a:t> 1 and </a:t>
-            </a:r>
-            <a:r>
-              <a:rPr kumimoji="0" lang="en-US" sz="2400" b="0" i="0" u="none" strike="noStrike" cap="none" normalizeH="0" baseline="0" dirty="0" smtClean="0">
-                <a:ln>
-                  <a:noFill/>
-                </a:ln>
-                <a:solidFill>
-                  <a:schemeClr val="tx1"/>
-                </a:solidFill>
-                <a:effectLst/>
-                <a:latin typeface="Arial" panose="020B0604020202020204" pitchFamily="34" charset="0"/>
-                <a:hlinkClick r:id="rId22" tooltip="Document Object Model"/>
-              </a:rPr>
-              <a:t>DOM Level 2 HTML</a:t>
-            </a:r>
-            <a:r>
-              <a:rPr kumimoji="0" lang="en-US" sz="2400" b="0" i="0" u="none" strike="noStrike" cap="none" normalizeH="0" baseline="0" dirty="0" smtClean="0">
-                <a:ln>
-                  <a:noFill/>
-                </a:ln>
-                <a:solidFill>
-                  <a:schemeClr val="tx1"/>
-                </a:solidFill>
-                <a:effectLst/>
-                <a:latin typeface="Arial" panose="020B0604020202020204" pitchFamily="34" charset="0"/>
-              </a:rPr>
-              <a:t>.</a:t>
-            </a:r>
-            <a:r>
-              <a:rPr kumimoji="0" lang="en-US" sz="2400" b="0" i="0" u="none" strike="noStrike" cap="none" normalizeH="0" baseline="30000" dirty="0" smtClean="0">
-                <a:ln>
-                  <a:noFill/>
-                </a:ln>
-                <a:solidFill>
-                  <a:schemeClr val="tx1"/>
-                </a:solidFill>
-                <a:effectLst/>
-                <a:latin typeface="Arial" panose="020B0604020202020204" pitchFamily="34" charset="0"/>
-                <a:hlinkClick r:id="rId23"/>
-              </a:rPr>
-              <a:t>[5]</a:t>
-            </a:r>
-            <a:r>
-              <a:rPr kumimoji="0" lang="en-US" sz="2400" b="0" i="0" u="none" strike="noStrike" cap="none" normalizeH="0" baseline="0" dirty="0" smtClean="0">
-                <a:ln>
-                  <a:noFill/>
-                </a:ln>
-                <a:solidFill>
-                  <a:schemeClr val="tx1"/>
-                </a:solidFill>
-                <a:effectLst/>
-                <a:latin typeface="Arial" panose="020B0604020202020204" pitchFamily="34" charset="0"/>
-              </a:rPr>
-              <a:t> </a:t>
-            </a:r>
+            <a:endParaRPr lang="en-US" sz="4400" b="1" dirty="0"/>
           </a:p>
         </p:txBody>
       </p:sp>
     </p:spTree>
     <p:extLst>
       <p:ext uri="{BB962C8B-B14F-4D97-AF65-F5344CB8AC3E}">
-        <p14:creationId xmlns:p14="http://schemas.microsoft.com/office/powerpoint/2010/main" val="2325518113"/>
+        <p14:creationId xmlns:p14="http://schemas.microsoft.com/office/powerpoint/2010/main" val="1266443306"/>
       </p:ext>
     </p:extLst>
   </p:cSld>
@@ -9237,560 +8561,6 @@
       </p:pic>
       <p:sp>
         <p:nvSpPr>
-          <p:cNvPr id="2" name="Rectangle 1"/>
-          <p:cNvSpPr/>
-          <p:nvPr/>
-        </p:nvSpPr>
-        <p:spPr>
-          <a:xfrm>
-            <a:off x="579549" y="117694"/>
-            <a:ext cx="9852338" cy="6740307"/>
-          </a:xfrm>
-          <a:prstGeom prst="rect">
-            <a:avLst/>
-          </a:prstGeom>
-        </p:spPr>
-        <p:txBody>
-          <a:bodyPr wrap="square">
-            <a:spAutoFit/>
-          </a:bodyPr>
-          <a:lstStyle/>
-          <a:p>
-            <a:pPr lvl="0" defTabSz="914400" eaLnBrk="0" fontAlgn="base" hangingPunct="0">
-              <a:spcBef>
-                <a:spcPct val="0"/>
-              </a:spcBef>
-              <a:spcAft>
-                <a:spcPct val="0"/>
-              </a:spcAft>
-            </a:pPr>
-            <a:r>
-              <a:rPr lang="en-US" sz="2400" dirty="0">
-                <a:latin typeface="Arial" panose="020B0604020202020204" pitchFamily="34" charset="0"/>
-              </a:rPr>
-              <a:t>HTML5 includes detailed processing models to encourage more interoperable implementations; it extends, improves and rationalizes the markup available for documents, and introduces markup and </a:t>
-            </a:r>
-            <a:r>
-              <a:rPr lang="en-US" sz="2400" dirty="0">
-                <a:latin typeface="Arial" panose="020B0604020202020204" pitchFamily="34" charset="0"/>
-                <a:hlinkClick r:id="rId3" tooltip="Application programming interface"/>
-              </a:rPr>
-              <a:t>application programming interfaces</a:t>
-            </a:r>
-            <a:r>
-              <a:rPr lang="en-US" sz="2400" dirty="0">
-                <a:latin typeface="Arial" panose="020B0604020202020204" pitchFamily="34" charset="0"/>
-              </a:rPr>
-              <a:t> (APIs) for complex </a:t>
-            </a:r>
-            <a:r>
-              <a:rPr lang="en-US" sz="2400" dirty="0">
-                <a:latin typeface="Arial" panose="020B0604020202020204" pitchFamily="34" charset="0"/>
-                <a:hlinkClick r:id="rId4" tooltip="Web application"/>
-              </a:rPr>
-              <a:t>web applications</a:t>
-            </a:r>
-            <a:r>
-              <a:rPr lang="en-US" sz="2400" dirty="0">
-                <a:latin typeface="Arial" panose="020B0604020202020204" pitchFamily="34" charset="0"/>
-              </a:rPr>
-              <a:t>.</a:t>
-            </a:r>
-            <a:r>
-              <a:rPr lang="en-US" sz="2400" baseline="30000" dirty="0">
-                <a:latin typeface="Arial" panose="020B0604020202020204" pitchFamily="34" charset="0"/>
-                <a:hlinkClick r:id="rId5"/>
-              </a:rPr>
-              <a:t>[6]</a:t>
-            </a:r>
-            <a:r>
-              <a:rPr lang="en-US" sz="2400" dirty="0">
-                <a:latin typeface="Arial" panose="020B0604020202020204" pitchFamily="34" charset="0"/>
-              </a:rPr>
-              <a:t> For the same reasons, HTML5 is also </a:t>
-            </a:r>
-            <a:r>
-              <a:rPr lang="en-US" sz="2400" dirty="0">
-                <a:latin typeface="Arial" panose="020B0604020202020204" pitchFamily="34" charset="0"/>
-                <a:hlinkClick r:id="rId6" tooltip="HTML5 in mobile devices"/>
-              </a:rPr>
-              <a:t>a candidate for cross-platform mobile applications</a:t>
-            </a:r>
-            <a:r>
-              <a:rPr lang="en-US" sz="2400" dirty="0">
-                <a:latin typeface="Arial" panose="020B0604020202020204" pitchFamily="34" charset="0"/>
-              </a:rPr>
-              <a:t>, because it includes features designed with low-powered devices in mind. </a:t>
-            </a:r>
-          </a:p>
-          <a:p>
-            <a:pPr lvl="0" defTabSz="914400" eaLnBrk="0" fontAlgn="base" hangingPunct="0">
-              <a:spcBef>
-                <a:spcPct val="0"/>
-              </a:spcBef>
-              <a:spcAft>
-                <a:spcPct val="0"/>
-              </a:spcAft>
-            </a:pPr>
-            <a:r>
-              <a:rPr lang="en-US" sz="2400" dirty="0">
-                <a:latin typeface="Arial" panose="020B0604020202020204" pitchFamily="34" charset="0"/>
-              </a:rPr>
-              <a:t>Many new </a:t>
-            </a:r>
-            <a:r>
-              <a:rPr lang="en-US" sz="2400" dirty="0">
-                <a:latin typeface="Arial" panose="020B0604020202020204" pitchFamily="34" charset="0"/>
-                <a:hlinkClick r:id="rId7" tooltip="Syntax (programming languages)"/>
-              </a:rPr>
-              <a:t>syntactic</a:t>
-            </a:r>
-            <a:r>
-              <a:rPr lang="en-US" sz="2400" dirty="0">
-                <a:latin typeface="Arial" panose="020B0604020202020204" pitchFamily="34" charset="0"/>
-              </a:rPr>
-              <a:t> features are included. To natively include and handle </a:t>
-            </a:r>
-            <a:r>
-              <a:rPr lang="en-US" sz="2400" dirty="0">
-                <a:latin typeface="Arial" panose="020B0604020202020204" pitchFamily="34" charset="0"/>
-                <a:hlinkClick r:id="rId8" tooltip="Multimedia"/>
-              </a:rPr>
-              <a:t>multimedia</a:t>
-            </a:r>
-            <a:r>
-              <a:rPr lang="en-US" sz="2400" dirty="0">
-                <a:latin typeface="Arial" panose="020B0604020202020204" pitchFamily="34" charset="0"/>
-              </a:rPr>
-              <a:t> and </a:t>
-            </a:r>
-            <a:r>
-              <a:rPr lang="en-US" sz="2400" dirty="0">
-                <a:latin typeface="Arial" panose="020B0604020202020204" pitchFamily="34" charset="0"/>
-                <a:hlinkClick r:id="rId9" tooltip="2D computer graphics"/>
-              </a:rPr>
-              <a:t>graphical</a:t>
-            </a:r>
-            <a:r>
-              <a:rPr lang="en-US" sz="2400" dirty="0">
-                <a:latin typeface="Arial" panose="020B0604020202020204" pitchFamily="34" charset="0"/>
-              </a:rPr>
-              <a:t> content, the new </a:t>
-            </a:r>
-            <a:r>
-              <a:rPr lang="en-US" sz="1100" dirty="0">
-                <a:latin typeface="Arial Unicode MS" panose="020B0604020202020204" pitchFamily="34" charset="-128"/>
-                <a:hlinkClick r:id="rId10" tooltip="HTML5 video"/>
-              </a:rPr>
-              <a:t>&lt;video&gt;</a:t>
-            </a:r>
-            <a:r>
-              <a:rPr lang="en-US" sz="1400" dirty="0"/>
-              <a:t>, </a:t>
-            </a:r>
-            <a:r>
-              <a:rPr lang="en-US" sz="1100" dirty="0">
-                <a:latin typeface="Arial Unicode MS" panose="020B0604020202020204" pitchFamily="34" charset="-128"/>
-                <a:hlinkClick r:id="rId11" tooltip="HTML5 Audio"/>
-              </a:rPr>
-              <a:t>&lt;audio&gt;</a:t>
-            </a:r>
-            <a:r>
-              <a:rPr lang="en-US" sz="1400" dirty="0"/>
-              <a:t> and </a:t>
-            </a:r>
-            <a:r>
-              <a:rPr lang="en-US" sz="1100" dirty="0">
-                <a:latin typeface="Arial Unicode MS" panose="020B0604020202020204" pitchFamily="34" charset="-128"/>
-                <a:hlinkClick r:id="rId12" tooltip="Canvas element"/>
-              </a:rPr>
-              <a:t>&lt;canvas&gt;</a:t>
-            </a:r>
-            <a:r>
-              <a:rPr lang="en-US" sz="1400" dirty="0"/>
-              <a:t> </a:t>
-            </a:r>
-            <a:r>
-              <a:rPr lang="en-US" sz="2400" dirty="0">
-                <a:latin typeface="Arial" panose="020B0604020202020204" pitchFamily="34" charset="0"/>
-                <a:hlinkClick r:id="rId13" tooltip="HTML element"/>
-              </a:rPr>
-              <a:t>elements</a:t>
-            </a:r>
-            <a:r>
-              <a:rPr lang="en-US" sz="2400" dirty="0">
-                <a:latin typeface="Arial" panose="020B0604020202020204" pitchFamily="34" charset="0"/>
-              </a:rPr>
-              <a:t> were added, and support for scalable vector graphics (</a:t>
-            </a:r>
-            <a:r>
-              <a:rPr lang="en-US" sz="2400" dirty="0">
-                <a:latin typeface="Arial" panose="020B0604020202020204" pitchFamily="34" charset="0"/>
-                <a:hlinkClick r:id="rId14" tooltip="Scalable Vector Graphics"/>
-              </a:rPr>
-              <a:t>SVG</a:t>
-            </a:r>
-            <a:r>
-              <a:rPr lang="en-US" sz="2400" dirty="0">
-                <a:latin typeface="Arial" panose="020B0604020202020204" pitchFamily="34" charset="0"/>
-              </a:rPr>
-              <a:t>) content and </a:t>
-            </a:r>
-            <a:r>
-              <a:rPr lang="en-US" sz="2400" dirty="0" err="1">
-                <a:latin typeface="Arial" panose="020B0604020202020204" pitchFamily="34" charset="0"/>
-                <a:hlinkClick r:id="rId15" tooltip="MathML"/>
-              </a:rPr>
-              <a:t>MathML</a:t>
-            </a:r>
-            <a:r>
-              <a:rPr lang="en-US" sz="2400" dirty="0">
-                <a:latin typeface="Arial" panose="020B0604020202020204" pitchFamily="34" charset="0"/>
-              </a:rPr>
-              <a:t> for mathematical formulas. To enrich the </a:t>
-            </a:r>
-            <a:r>
-              <a:rPr lang="en-US" sz="2400" dirty="0">
-                <a:latin typeface="Arial" panose="020B0604020202020204" pitchFamily="34" charset="0"/>
-                <a:hlinkClick r:id="rId16" tooltip="Semantic Web"/>
-              </a:rPr>
-              <a:t>semantic</a:t>
-            </a:r>
-            <a:r>
-              <a:rPr lang="en-US" sz="2400" dirty="0">
-                <a:latin typeface="Arial" panose="020B0604020202020204" pitchFamily="34" charset="0"/>
-              </a:rPr>
-              <a:t> content of documents, new page structure elements such as </a:t>
-            </a:r>
-            <a:r>
-              <a:rPr lang="en-US" sz="1100" dirty="0">
-                <a:latin typeface="Arial Unicode MS" panose="020B0604020202020204" pitchFamily="34" charset="-128"/>
-              </a:rPr>
-              <a:t>&lt;main&gt;</a:t>
-            </a:r>
-            <a:r>
-              <a:rPr lang="en-US" sz="1400" dirty="0"/>
-              <a:t>, </a:t>
-            </a:r>
-            <a:r>
-              <a:rPr lang="en-US" sz="1100" dirty="0">
-                <a:latin typeface="Arial Unicode MS" panose="020B0604020202020204" pitchFamily="34" charset="-128"/>
-              </a:rPr>
-              <a:t>&lt;section&gt;</a:t>
-            </a:r>
-            <a:r>
-              <a:rPr lang="en-US" sz="1400" dirty="0"/>
-              <a:t>, </a:t>
-            </a:r>
-            <a:r>
-              <a:rPr lang="en-US" sz="1100" dirty="0">
-                <a:latin typeface="Arial Unicode MS" panose="020B0604020202020204" pitchFamily="34" charset="-128"/>
-                <a:hlinkClick r:id="rId17" tooltip="Article element (HTML5)"/>
-              </a:rPr>
-              <a:t>&lt;article&gt;</a:t>
-            </a:r>
-            <a:r>
-              <a:rPr lang="en-US" sz="1400" dirty="0"/>
-              <a:t>, </a:t>
-            </a:r>
-            <a:r>
-              <a:rPr lang="en-US" sz="1100" dirty="0">
-                <a:latin typeface="Arial Unicode MS" panose="020B0604020202020204" pitchFamily="34" charset="-128"/>
-              </a:rPr>
-              <a:t>&lt;header&gt;</a:t>
-            </a:r>
-            <a:r>
-              <a:rPr lang="en-US" sz="1400" dirty="0"/>
-              <a:t>, </a:t>
-            </a:r>
-            <a:r>
-              <a:rPr lang="en-US" sz="1100" dirty="0">
-                <a:latin typeface="Arial Unicode MS" panose="020B0604020202020204" pitchFamily="34" charset="-128"/>
-              </a:rPr>
-              <a:t>&lt;footer&gt;</a:t>
-            </a:r>
-            <a:r>
-              <a:rPr lang="en-US" sz="1400" dirty="0"/>
-              <a:t>, </a:t>
-            </a:r>
-            <a:r>
-              <a:rPr lang="en-US" sz="1100" dirty="0">
-                <a:latin typeface="Arial Unicode MS" panose="020B0604020202020204" pitchFamily="34" charset="-128"/>
-              </a:rPr>
-              <a:t>&lt;aside&gt;</a:t>
-            </a:r>
-            <a:r>
-              <a:rPr lang="en-US" sz="1400" dirty="0"/>
-              <a:t>, </a:t>
-            </a:r>
-            <a:r>
-              <a:rPr lang="en-US" sz="1100" dirty="0">
-                <a:latin typeface="Arial Unicode MS" panose="020B0604020202020204" pitchFamily="34" charset="-128"/>
-              </a:rPr>
-              <a:t>&lt;</a:t>
-            </a:r>
-            <a:r>
-              <a:rPr lang="en-US" sz="1100" dirty="0" err="1">
-                <a:latin typeface="Arial Unicode MS" panose="020B0604020202020204" pitchFamily="34" charset="-128"/>
-              </a:rPr>
-              <a:t>nav</a:t>
-            </a:r>
-            <a:r>
-              <a:rPr lang="en-US" sz="1100" dirty="0">
-                <a:latin typeface="Arial Unicode MS" panose="020B0604020202020204" pitchFamily="34" charset="-128"/>
-              </a:rPr>
-              <a:t>&gt;</a:t>
-            </a:r>
-            <a:r>
-              <a:rPr lang="en-US" sz="1400" dirty="0"/>
-              <a:t>, and </a:t>
-            </a:r>
-            <a:r>
-              <a:rPr lang="en-US" sz="1100" dirty="0">
-                <a:latin typeface="Arial Unicode MS" panose="020B0604020202020204" pitchFamily="34" charset="-128"/>
-              </a:rPr>
-              <a:t>&lt;figure&gt;</a:t>
-            </a:r>
-            <a:r>
-              <a:rPr lang="en-US" sz="1400" dirty="0"/>
-              <a:t> are added. New </a:t>
-            </a:r>
-            <a:r>
-              <a:rPr lang="en-US" sz="2400" dirty="0">
-                <a:latin typeface="Arial" panose="020B0604020202020204" pitchFamily="34" charset="0"/>
-                <a:hlinkClick r:id="rId18" tooltip="HTML attribute"/>
-              </a:rPr>
-              <a:t>attributes</a:t>
-            </a:r>
-            <a:r>
-              <a:rPr lang="en-US" sz="2400" dirty="0">
-                <a:latin typeface="Arial" panose="020B0604020202020204" pitchFamily="34" charset="0"/>
-              </a:rPr>
-              <a:t> are introduced, some elements and attributes have been removed, and others such as </a:t>
-            </a:r>
-            <a:r>
-              <a:rPr lang="en-US" sz="1100" dirty="0">
-                <a:latin typeface="Arial Unicode MS" panose="020B0604020202020204" pitchFamily="34" charset="-128"/>
-              </a:rPr>
-              <a:t>&lt;a&gt;</a:t>
-            </a:r>
-            <a:r>
-              <a:rPr lang="en-US" sz="1400" dirty="0"/>
-              <a:t>, </a:t>
-            </a:r>
-            <a:r>
-              <a:rPr lang="en-US" sz="1100" dirty="0">
-                <a:latin typeface="Arial Unicode MS" panose="020B0604020202020204" pitchFamily="34" charset="-128"/>
-              </a:rPr>
-              <a:t>&lt;cite&gt;</a:t>
-            </a:r>
-            <a:r>
-              <a:rPr lang="en-US" sz="1400" dirty="0"/>
-              <a:t>, and </a:t>
-            </a:r>
-            <a:r>
-              <a:rPr lang="en-US" sz="1100" dirty="0">
-                <a:latin typeface="Arial Unicode MS" panose="020B0604020202020204" pitchFamily="34" charset="-128"/>
-              </a:rPr>
-              <a:t>&lt;menu&gt;</a:t>
-            </a:r>
-            <a:r>
-              <a:rPr lang="en-US" sz="1400" dirty="0"/>
-              <a:t> have been changed, redefined, or standardized. </a:t>
-            </a:r>
-            <a:endParaRPr lang="en-US" sz="2400" dirty="0">
-              <a:latin typeface="Arial" panose="020B0604020202020204" pitchFamily="34" charset="0"/>
-            </a:endParaRPr>
-          </a:p>
-          <a:p>
-            <a:pPr lvl="0" defTabSz="914400" eaLnBrk="0" fontAlgn="base" hangingPunct="0">
-              <a:spcBef>
-                <a:spcPct val="0"/>
-              </a:spcBef>
-              <a:spcAft>
-                <a:spcPct val="0"/>
-              </a:spcAft>
-            </a:pPr>
-            <a:r>
-              <a:rPr lang="en-US" sz="2400" dirty="0">
-                <a:latin typeface="Arial" panose="020B0604020202020204" pitchFamily="34" charset="0"/>
-              </a:rPr>
-              <a:t>The APIs and </a:t>
-            </a:r>
-            <a:r>
-              <a:rPr lang="en-US" sz="2400" dirty="0">
-                <a:latin typeface="Arial" panose="020B0604020202020204" pitchFamily="34" charset="0"/>
-                <a:hlinkClick r:id="rId19" tooltip="Document Object Model"/>
-              </a:rPr>
-              <a:t>Document Object Model</a:t>
-            </a:r>
-            <a:r>
-              <a:rPr lang="en-US" sz="2400" dirty="0">
-                <a:latin typeface="Arial" panose="020B0604020202020204" pitchFamily="34" charset="0"/>
-              </a:rPr>
-              <a:t> (DOM) are now fundamental parts of the HTML5 specification</a:t>
-            </a:r>
-            <a:r>
-              <a:rPr lang="en-US" sz="2400" baseline="30000" dirty="0">
-                <a:latin typeface="Arial" panose="020B0604020202020204" pitchFamily="34" charset="0"/>
-                <a:hlinkClick r:id="rId5"/>
-              </a:rPr>
-              <a:t>[6]</a:t>
-            </a:r>
-            <a:r>
-              <a:rPr lang="en-US" sz="2400" dirty="0">
-                <a:latin typeface="Arial" panose="020B0604020202020204" pitchFamily="34" charset="0"/>
-              </a:rPr>
-              <a:t> and HTML5 also better defines the processing for any invalid documents.</a:t>
-            </a:r>
-            <a:r>
-              <a:rPr lang="en-US" sz="2400" baseline="30000" dirty="0">
-                <a:latin typeface="Arial" panose="020B0604020202020204" pitchFamily="34" charset="0"/>
-                <a:hlinkClick r:id="rId20"/>
-              </a:rPr>
-              <a:t>[7]</a:t>
-            </a:r>
-            <a:r>
-              <a:rPr lang="en-US" sz="2400" dirty="0">
-                <a:latin typeface="Arial" panose="020B0604020202020204" pitchFamily="34" charset="0"/>
-              </a:rPr>
-              <a:t> </a:t>
-            </a:r>
-          </a:p>
-        </p:txBody>
-      </p:sp>
-    </p:spTree>
-    <p:extLst>
-      <p:ext uri="{BB962C8B-B14F-4D97-AF65-F5344CB8AC3E}">
-        <p14:creationId xmlns:p14="http://schemas.microsoft.com/office/powerpoint/2010/main" val="212831679"/>
-      </p:ext>
-    </p:extLst>
-  </p:cSld>
-  <p:clrMapOvr>
-    <a:masterClrMapping/>
-  </p:clrMapOvr>
-  <mc:AlternateContent xmlns:mc="http://schemas.openxmlformats.org/markup-compatibility/2006">
-    <mc:Choice xmlns:p15="http://schemas.microsoft.com/office/powerpoint/2012/main" Requires="p15">
-      <p:transition xmlns:p14="http://schemas.microsoft.com/office/powerpoint/2010/main" spd="slow" p14:dur="6000">
-        <p15:prstTrans prst="curtains"/>
-      </p:transition>
-    </mc:Choice>
-    <mc:Fallback>
-      <p:transition spd="slow">
-        <p:fade/>
-      </p:transition>
-    </mc:Fallback>
-  </mc:AlternateContent>
-  <p:timing>
-    <p:tnLst>
-      <p:par>
-        <p:cTn id="1" dur="indefinite" restart="never" nodeType="tmRoot"/>
-      </p:par>
-    </p:tnLst>
-  </p:timing>
-</p:sld>
-</file>
-
-<file path=ppt/slides/slide13.xml><?xml version="1.0" encoding="utf-8"?>
-<p:sld xmlns:a="http://schemas.openxmlformats.org/drawingml/2006/main" xmlns:r="http://schemas.openxmlformats.org/officeDocument/2006/relationships" xmlns:p="http://schemas.openxmlformats.org/presentationml/2006/main">
-  <p:cSld>
-    <p:spTree>
-      <p:nvGrpSpPr>
-        <p:cNvPr id="1" name=""/>
-        <p:cNvGrpSpPr/>
-        <p:nvPr/>
-      </p:nvGrpSpPr>
-      <p:grpSpPr>
-        <a:xfrm>
-          <a:off x="0" y="0"/>
-          <a:ext cx="0" cy="0"/>
-          <a:chOff x="0" y="0"/>
-          <a:chExt cx="0" cy="0"/>
-        </a:xfrm>
-      </p:grpSpPr>
-      <p:sp>
-        <p:nvSpPr>
-          <p:cNvPr id="5" name="Rectangle 4"/>
-          <p:cNvSpPr/>
-          <p:nvPr/>
-        </p:nvSpPr>
-        <p:spPr>
-          <a:xfrm>
-            <a:off x="283335" y="1"/>
-            <a:ext cx="10148552" cy="6858000"/>
-          </a:xfrm>
-          <a:prstGeom prst="rect">
-            <a:avLst/>
-          </a:prstGeom>
-          <a:solidFill>
-            <a:schemeClr val="accent4">
-              <a:lumMod val="50000"/>
-            </a:schemeClr>
-          </a:solidFill>
-        </p:spPr>
-        <p:style>
-          <a:lnRef idx="2">
-            <a:schemeClr val="accent1">
-              <a:shade val="50000"/>
-            </a:schemeClr>
-          </a:lnRef>
-          <a:fillRef idx="1">
-            <a:schemeClr val="accent1"/>
-          </a:fillRef>
-          <a:effectRef idx="0">
-            <a:schemeClr val="accent1"/>
-          </a:effectRef>
-          <a:fontRef idx="minor">
-            <a:schemeClr val="lt1"/>
-          </a:fontRef>
-        </p:style>
-        <p:txBody>
-          <a:bodyPr rtlCol="0" anchor="ctr"/>
-          <a:lstStyle/>
-          <a:p>
-            <a:pPr algn="ctr"/>
-            <a:endParaRPr lang="en-US" sz="2400" dirty="0"/>
-          </a:p>
-        </p:txBody>
-      </p:sp>
-      <p:pic>
-        <p:nvPicPr>
-          <p:cNvPr id="6" name="Picture 5"/>
-          <p:cNvPicPr>
-            <a:picLocks noChangeAspect="1"/>
-          </p:cNvPicPr>
-          <p:nvPr/>
-        </p:nvPicPr>
-        <p:blipFill>
-          <a:blip r:embed="rId2">
-            <a:extLst>
-              <a:ext uri="{28A0092B-C50C-407E-A947-70E740481C1C}">
-                <a14:useLocalDpi xmlns:a14="http://schemas.microsoft.com/office/drawing/2010/main" val="0"/>
-              </a:ext>
-            </a:extLst>
-          </a:blip>
-          <a:stretch>
-            <a:fillRect/>
-          </a:stretch>
-        </p:blipFill>
-        <p:spPr>
-          <a:xfrm>
-            <a:off x="10589135" y="476519"/>
-            <a:ext cx="1602865" cy="1602865"/>
-          </a:xfrm>
-          <a:prstGeom prst="rect">
-            <a:avLst/>
-          </a:prstGeom>
-          <a:ln>
-            <a:noFill/>
-          </a:ln>
-          <a:effectLst>
-            <a:softEdge rad="112500"/>
-          </a:effectLst>
-        </p:spPr>
-      </p:pic>
-      <p:sp>
-        <p:nvSpPr>
           <p:cNvPr id="8" name="Title 1"/>
           <p:cNvSpPr>
             <a:spLocks noGrp="1"/>
@@ -9801,7 +8571,7 @@
         </p:nvSpPr>
         <p:spPr>
           <a:xfrm>
-            <a:off x="901767" y="53788"/>
+            <a:off x="782711" y="149155"/>
             <a:ext cx="8911687" cy="845461"/>
           </a:xfrm>
         </p:spPr>
@@ -9817,7 +8587,7 @@
                 <a:latin typeface="Times New Roman" panose="02020603050405020304" pitchFamily="18" charset="0"/>
                 <a:cs typeface="Times New Roman" panose="02020603050405020304" pitchFamily="18" charset="0"/>
               </a:rPr>
-              <a:t>CSS3</a:t>
+              <a:t>HTML5</a:t>
             </a:r>
             <a:endParaRPr lang="en-US" b="1" dirty="0">
               <a:latin typeface="Times New Roman" panose="02020603050405020304" pitchFamily="18" charset="0"/>
@@ -9828,7 +8598,7 @@
       </p:sp>
       <p:sp>
         <p:nvSpPr>
-          <p:cNvPr id="3" name="Rectangle 1"/>
+          <p:cNvPr id="2" name="Rectangle 1"/>
           <p:cNvSpPr>
             <a:spLocks noChangeArrowheads="1"/>
           </p:cNvSpPr>
@@ -9836,8 +8606,8 @@
         </p:nvSpPr>
         <p:spPr bwMode="auto">
           <a:xfrm>
-            <a:off x="1004553" y="1247135"/>
-            <a:ext cx="8989454" cy="5262979"/>
+            <a:off x="592428" y="856357"/>
+            <a:ext cx="9839459" cy="6001643"/>
           </a:xfrm>
           <a:prstGeom prst="rect">
             <a:avLst/>
@@ -9912,7 +8682,7 @@
                 <a:effectLst/>
                 <a:latin typeface="Arial" panose="020B0604020202020204" pitchFamily="34" charset="0"/>
               </a:rPr>
-              <a:t>Cascading Style Sheets</a:t>
+              <a:t>HTML5</a:t>
             </a:r>
             <a:r>
               <a:rPr kumimoji="0" lang="en-US" sz="2400" b="0" i="0" u="none" strike="noStrike" cap="none" normalizeH="0" baseline="0" dirty="0" smtClean="0">
@@ -9925,20 +8695,7 @@
                 <a:effectLst/>
                 <a:latin typeface="Arial" panose="020B0604020202020204" pitchFamily="34" charset="0"/>
               </a:rPr>
-              <a:t> (</a:t>
-            </a:r>
-            <a:r>
-              <a:rPr kumimoji="0" lang="en-US" sz="2400" b="1" i="0" u="none" strike="noStrike" cap="none" normalizeH="0" baseline="0" dirty="0" smtClean="0">
-                <a:ln>
-                  <a:noFill/>
-                </a:ln>
-                <a:solidFill>
-                  <a:schemeClr val="tx1"/>
-                </a:solidFill>
-                <a:effectLst/>
-                <a:latin typeface="Arial" panose="020B0604020202020204" pitchFamily="34" charset="0"/>
-              </a:rPr>
-              <a:t>CSS</a:t>
+              <a:t> is a </a:t>
             </a:r>
             <a:r>
               <a:rPr kumimoji="0" lang="en-US" sz="2400" b="0" i="0" u="none" strike="noStrike" cap="none" normalizeH="0" baseline="0" dirty="0" smtClean="0">
@@ -9950,8 +8707,9 @@
                 </a:solidFill>
                 <a:effectLst/>
                 <a:latin typeface="Arial" panose="020B0604020202020204" pitchFamily="34" charset="0"/>
-              </a:rPr>
-              <a:t>) is a </a:t>
+                <a:hlinkClick r:id="rId3" tooltip="Solution stack"/>
+              </a:rPr>
+              <a:t>software solution stack</a:t>
             </a:r>
             <a:r>
               <a:rPr kumimoji="0" lang="en-US" sz="2400" b="0" i="0" u="none" strike="noStrike" cap="none" normalizeH="0" baseline="0" dirty="0" smtClean="0">
@@ -9963,9 +8721,8 @@
                 </a:solidFill>
                 <a:effectLst/>
                 <a:latin typeface="Arial" panose="020B0604020202020204" pitchFamily="34" charset="0"/>
-                <a:hlinkClick r:id="rId3" tooltip="Style sheet language"/>
-              </a:rPr>
-              <a:t>style sheet language</a:t>
+              </a:rPr>
+              <a:t> that defines the properties and behaviors of </a:t>
             </a:r>
             <a:r>
               <a:rPr kumimoji="0" lang="en-US" sz="2400" b="0" i="0" u="none" strike="noStrike" cap="none" normalizeH="0" baseline="0" dirty="0" smtClean="0">
@@ -9977,8 +8734,9 @@
                 </a:solidFill>
                 <a:effectLst/>
                 <a:latin typeface="Arial" panose="020B0604020202020204" pitchFamily="34" charset="0"/>
-              </a:rPr>
-              <a:t> used for describing the </a:t>
+                <a:hlinkClick r:id="rId4" tooltip="Web page"/>
+              </a:rPr>
+              <a:t>web page</a:t>
             </a:r>
             <a:r>
               <a:rPr kumimoji="0" lang="en-US" sz="2400" b="0" i="0" u="none" strike="noStrike" cap="none" normalizeH="0" baseline="0" dirty="0" smtClean="0">
@@ -9990,9 +8748,8 @@
                 </a:solidFill>
                 <a:effectLst/>
                 <a:latin typeface="Arial" panose="020B0604020202020204" pitchFamily="34" charset="0"/>
-                <a:hlinkClick r:id="rId4" tooltip="Presentation semantics"/>
-              </a:rPr>
-              <a:t>presentation</a:t>
+              </a:rPr>
+              <a:t> </a:t>
             </a:r>
             <a:r>
               <a:rPr kumimoji="0" lang="en-US" sz="2400" b="0" i="0" u="none" strike="noStrike" cap="none" normalizeH="0" baseline="0" dirty="0" smtClean="0">
@@ -10004,8 +8761,9 @@
                 </a:solidFill>
                 <a:effectLst/>
                 <a:latin typeface="Arial" panose="020B0604020202020204" pitchFamily="34" charset="0"/>
-              </a:rPr>
-              <a:t> of a document written in a </a:t>
+                <a:hlinkClick r:id="rId5" tooltip="Web content"/>
+              </a:rPr>
+              <a:t>content</a:t>
             </a:r>
             <a:r>
               <a:rPr kumimoji="0" lang="en-US" sz="2400" b="0" i="0" u="none" strike="noStrike" cap="none" normalizeH="0" baseline="0" dirty="0" smtClean="0">
@@ -10017,9 +8775,8 @@
                 </a:solidFill>
                 <a:effectLst/>
                 <a:latin typeface="Arial" panose="020B0604020202020204" pitchFamily="34" charset="0"/>
-                <a:hlinkClick r:id="rId5" tooltip="Markup language"/>
-              </a:rPr>
-              <a:t>markup language</a:t>
+              </a:rPr>
+              <a:t> by implementing a </a:t>
             </a:r>
             <a:r>
               <a:rPr kumimoji="0" lang="en-US" sz="2400" b="0" i="0" u="none" strike="noStrike" cap="none" normalizeH="0" baseline="0" dirty="0" smtClean="0">
@@ -10031,8 +8788,9 @@
                 </a:solidFill>
                 <a:effectLst/>
                 <a:latin typeface="Arial" panose="020B0604020202020204" pitchFamily="34" charset="0"/>
-              </a:rPr>
-              <a:t> like </a:t>
+                <a:hlinkClick r:id="rId6" tooltip="Markup language"/>
+              </a:rPr>
+              <a:t>markup</a:t>
             </a:r>
             <a:r>
               <a:rPr kumimoji="0" lang="en-US" sz="2400" b="0" i="0" u="none" strike="noStrike" cap="none" normalizeH="0" baseline="0" dirty="0" smtClean="0">
@@ -10044,9 +8802,8 @@
                 </a:solidFill>
                 <a:effectLst/>
                 <a:latin typeface="Arial" panose="020B0604020202020204" pitchFamily="34" charset="0"/>
-                <a:hlinkClick r:id="rId6" tooltip="HTML"/>
-              </a:rPr>
-              <a:t>HTML</a:t>
+              </a:rPr>
+              <a:t> based </a:t>
             </a:r>
             <a:r>
               <a:rPr kumimoji="0" lang="en-US" sz="2400" b="0" i="0" u="none" strike="noStrike" cap="none" normalizeH="0" baseline="0" dirty="0" smtClean="0">
@@ -10058,8 +8815,242 @@
                 </a:solidFill>
                 <a:effectLst/>
                 <a:latin typeface="Arial" panose="020B0604020202020204" pitchFamily="34" charset="0"/>
-              </a:rPr>
-              <a:t>.</a:t>
+                <a:hlinkClick r:id="rId7" tooltip="Software design pattern"/>
+              </a:rPr>
+              <a:t>pattern</a:t>
+            </a:r>
+            <a:r>
+              <a:rPr kumimoji="0" lang="en-US" sz="2400" b="0" i="0" u="none" strike="noStrike" cap="none" normalizeH="0" baseline="0" dirty="0" smtClean="0">
+                <a:ln>
+                  <a:noFill/>
+                </a:ln>
+                <a:solidFill>
+                  <a:schemeClr val="tx1"/>
+                </a:solidFill>
+                <a:effectLst/>
+                <a:latin typeface="Arial" panose="020B0604020202020204" pitchFamily="34" charset="0"/>
+              </a:rPr>
+              <a:t> to it. HTML5 is the fifth and current major version of </a:t>
+            </a:r>
+            <a:r>
+              <a:rPr kumimoji="0" lang="en-US" sz="2400" b="0" i="0" u="none" strike="noStrike" cap="none" normalizeH="0" baseline="0" dirty="0" smtClean="0">
+                <a:ln>
+                  <a:noFill/>
+                </a:ln>
+                <a:solidFill>
+                  <a:schemeClr val="tx1"/>
+                </a:solidFill>
+                <a:effectLst/>
+                <a:latin typeface="Arial" panose="020B0604020202020204" pitchFamily="34" charset="0"/>
+                <a:hlinkClick r:id="rId8" tooltip="HTML"/>
+              </a:rPr>
+              <a:t>HTML</a:t>
+            </a:r>
+            <a:r>
+              <a:rPr kumimoji="0" lang="en-US" sz="2400" b="0" i="0" u="none" strike="noStrike" cap="none" normalizeH="0" baseline="0" dirty="0" smtClean="0">
+                <a:ln>
+                  <a:noFill/>
+                </a:ln>
+                <a:solidFill>
+                  <a:schemeClr val="tx1"/>
+                </a:solidFill>
+                <a:effectLst/>
+                <a:latin typeface="Arial" panose="020B0604020202020204" pitchFamily="34" charset="0"/>
+              </a:rPr>
+              <a:t>, and subsumes </a:t>
+            </a:r>
+            <a:r>
+              <a:rPr kumimoji="0" lang="en-US" sz="2400" b="0" i="0" u="none" strike="noStrike" cap="none" normalizeH="0" baseline="0" dirty="0" smtClean="0">
+                <a:ln>
+                  <a:noFill/>
+                </a:ln>
+                <a:solidFill>
+                  <a:schemeClr val="tx1"/>
+                </a:solidFill>
+                <a:effectLst/>
+                <a:latin typeface="Arial" panose="020B0604020202020204" pitchFamily="34" charset="0"/>
+                <a:hlinkClick r:id="rId9" tooltip="XHTML"/>
+              </a:rPr>
+              <a:t>XHTML</a:t>
+            </a:r>
+            <a:r>
+              <a:rPr kumimoji="0" lang="en-US" sz="2400" b="0" i="0" u="none" strike="noStrike" cap="none" normalizeH="0" baseline="0" dirty="0" smtClean="0">
+                <a:ln>
+                  <a:noFill/>
+                </a:ln>
+                <a:solidFill>
+                  <a:schemeClr val="tx1"/>
+                </a:solidFill>
+                <a:effectLst/>
+                <a:latin typeface="Arial" panose="020B0604020202020204" pitchFamily="34" charset="0"/>
+              </a:rPr>
+              <a:t>. The current standard, the HTML Living Standard is developed by </a:t>
+            </a:r>
+            <a:r>
+              <a:rPr kumimoji="0" lang="en-US" sz="2400" b="0" i="0" u="none" strike="noStrike" cap="none" normalizeH="0" baseline="0" dirty="0" smtClean="0">
+                <a:ln>
+                  <a:noFill/>
+                </a:ln>
+                <a:solidFill>
+                  <a:schemeClr val="tx1"/>
+                </a:solidFill>
+                <a:effectLst/>
+                <a:latin typeface="Arial" panose="020B0604020202020204" pitchFamily="34" charset="0"/>
+                <a:hlinkClick r:id="rId10" tooltip="WHATWG"/>
+              </a:rPr>
+              <a:t>WHATWG</a:t>
+            </a:r>
+            <a:r>
+              <a:rPr kumimoji="0" lang="en-US" sz="2400" b="0" i="0" u="none" strike="noStrike" cap="none" normalizeH="0" baseline="0" dirty="0" smtClean="0">
+                <a:ln>
+                  <a:noFill/>
+                </a:ln>
+                <a:solidFill>
+                  <a:schemeClr val="tx1"/>
+                </a:solidFill>
+                <a:effectLst/>
+                <a:latin typeface="Arial" panose="020B0604020202020204" pitchFamily="34" charset="0"/>
+              </a:rPr>
+              <a:t>, which is made up of the major browser vendors (</a:t>
+            </a:r>
+            <a:r>
+              <a:rPr kumimoji="0" lang="en-US" sz="2400" b="0" i="0" u="none" strike="noStrike" cap="none" normalizeH="0" baseline="0" dirty="0" smtClean="0">
+                <a:ln>
+                  <a:noFill/>
+                </a:ln>
+                <a:solidFill>
+                  <a:schemeClr val="tx1"/>
+                </a:solidFill>
+                <a:effectLst/>
+                <a:latin typeface="Arial" panose="020B0604020202020204" pitchFamily="34" charset="0"/>
+                <a:hlinkClick r:id="rId11" tooltip="Apple Inc."/>
+              </a:rPr>
+              <a:t>Apple</a:t>
+            </a:r>
+            <a:r>
+              <a:rPr kumimoji="0" lang="en-US" sz="2400" b="0" i="0" u="none" strike="noStrike" cap="none" normalizeH="0" baseline="0" dirty="0" smtClean="0">
+                <a:ln>
+                  <a:noFill/>
+                </a:ln>
+                <a:solidFill>
+                  <a:schemeClr val="tx1"/>
+                </a:solidFill>
+                <a:effectLst/>
+                <a:latin typeface="Arial" panose="020B0604020202020204" pitchFamily="34" charset="0"/>
+              </a:rPr>
+              <a:t>, </a:t>
+            </a:r>
+            <a:r>
+              <a:rPr kumimoji="0" lang="en-US" sz="2400" b="0" i="0" u="none" strike="noStrike" cap="none" normalizeH="0" baseline="0" dirty="0" smtClean="0">
+                <a:ln>
+                  <a:noFill/>
+                </a:ln>
+                <a:solidFill>
+                  <a:schemeClr val="tx1"/>
+                </a:solidFill>
+                <a:effectLst/>
+                <a:latin typeface="Arial" panose="020B0604020202020204" pitchFamily="34" charset="0"/>
+                <a:hlinkClick r:id="rId12" tooltip="Google"/>
+              </a:rPr>
+              <a:t>Google</a:t>
+            </a:r>
+            <a:r>
+              <a:rPr kumimoji="0" lang="en-US" sz="2400" b="0" i="0" u="none" strike="noStrike" cap="none" normalizeH="0" baseline="0" dirty="0" smtClean="0">
+                <a:ln>
+                  <a:noFill/>
+                </a:ln>
+                <a:solidFill>
+                  <a:schemeClr val="tx1"/>
+                </a:solidFill>
+                <a:effectLst/>
+                <a:latin typeface="Arial" panose="020B0604020202020204" pitchFamily="34" charset="0"/>
+              </a:rPr>
+              <a:t>, </a:t>
+            </a:r>
+            <a:r>
+              <a:rPr kumimoji="0" lang="en-US" sz="2400" b="0" i="0" u="none" strike="noStrike" cap="none" normalizeH="0" baseline="0" dirty="0" smtClean="0">
+                <a:ln>
+                  <a:noFill/>
+                </a:ln>
+                <a:solidFill>
+                  <a:schemeClr val="tx1"/>
+                </a:solidFill>
+                <a:effectLst/>
+                <a:latin typeface="Arial" panose="020B0604020202020204" pitchFamily="34" charset="0"/>
+                <a:hlinkClick r:id="rId13" tooltip="Mozilla"/>
+              </a:rPr>
+              <a:t>Mozilla</a:t>
+            </a:r>
+            <a:r>
+              <a:rPr kumimoji="0" lang="en-US" sz="2400" b="0" i="0" u="none" strike="noStrike" cap="none" normalizeH="0" baseline="0" dirty="0" smtClean="0">
+                <a:ln>
+                  <a:noFill/>
+                </a:ln>
+                <a:solidFill>
+                  <a:schemeClr val="tx1"/>
+                </a:solidFill>
+                <a:effectLst/>
+                <a:latin typeface="Arial" panose="020B0604020202020204" pitchFamily="34" charset="0"/>
+              </a:rPr>
+              <a:t>, and </a:t>
+            </a:r>
+            <a:r>
+              <a:rPr kumimoji="0" lang="en-US" sz="2400" b="0" i="0" u="none" strike="noStrike" cap="none" normalizeH="0" baseline="0" dirty="0" smtClean="0">
+                <a:ln>
+                  <a:noFill/>
+                </a:ln>
+                <a:solidFill>
+                  <a:schemeClr val="tx1"/>
+                </a:solidFill>
+                <a:effectLst/>
+                <a:latin typeface="Arial" panose="020B0604020202020204" pitchFamily="34" charset="0"/>
+                <a:hlinkClick r:id="rId14" tooltip="Microsoft"/>
+              </a:rPr>
+              <a:t>Microsoft</a:t>
+            </a:r>
+            <a:r>
+              <a:rPr kumimoji="0" lang="en-US" sz="2400" b="0" i="0" u="none" strike="noStrike" cap="none" normalizeH="0" baseline="0" dirty="0" smtClean="0">
+                <a:ln>
+                  <a:noFill/>
+                </a:ln>
+                <a:solidFill>
+                  <a:schemeClr val="tx1"/>
+                </a:solidFill>
+                <a:effectLst/>
+                <a:latin typeface="Arial" panose="020B0604020202020204" pitchFamily="34" charset="0"/>
+              </a:rPr>
+              <a:t>), with the Living Standard also existing in an abridged version. </a:t>
+            </a:r>
+          </a:p>
+          <a:p>
+            <a:pPr marL="0" marR="0" lvl="0" indent="0" algn="l" defTabSz="914400" rtl="0" eaLnBrk="0" fontAlgn="base" latinLnBrk="0" hangingPunct="0">
+              <a:lnSpc>
+                <a:spcPct val="100000"/>
+              </a:lnSpc>
+              <a:spcBef>
+                <a:spcPct val="0"/>
+              </a:spcBef>
+              <a:spcAft>
+                <a:spcPct val="0"/>
+              </a:spcAft>
+              <a:buClrTx/>
+              <a:buSzTx/>
+              <a:buFontTx/>
+              <a:buNone/>
+              <a:tabLst/>
+            </a:pPr>
+            <a:r>
+              <a:rPr kumimoji="0" lang="en-US" sz="2400" b="0" i="0" u="none" strike="noStrike" cap="none" normalizeH="0" baseline="0" dirty="0" smtClean="0">
+                <a:ln>
+                  <a:noFill/>
+                </a:ln>
+                <a:solidFill>
+                  <a:schemeClr val="tx1"/>
+                </a:solidFill>
+                <a:effectLst/>
+                <a:latin typeface="Arial" panose="020B0604020202020204" pitchFamily="34" charset="0"/>
+              </a:rPr>
+              <a:t>HTML5 was first released in public-facing form on 22 January 2008,</a:t>
             </a:r>
             <a:r>
               <a:rPr kumimoji="0" lang="en-US" sz="2400" b="0" i="0" u="none" strike="noStrike" cap="none" normalizeH="0" baseline="30000" dirty="0" smtClean="0">
@@ -10071,9 +9062,9 @@
                 </a:solidFill>
                 <a:effectLst/>
                 <a:latin typeface="Arial" panose="020B0604020202020204" pitchFamily="34" charset="0"/>
-                <a:hlinkClick r:id="rId7"/>
-              </a:rPr>
-              <a:t>[1]</a:t>
+                <a:hlinkClick r:id="rId15"/>
+              </a:rPr>
+              <a:t>[3]</a:t>
             </a:r>
             <a:r>
               <a:rPr kumimoji="0" lang="en-US" sz="2400" b="0" i="0" u="none" strike="noStrike" cap="none" normalizeH="0" baseline="0" dirty="0" smtClean="0">
@@ -10086,7 +9077,35 @@
                 <a:effectLst/>
                 <a:latin typeface="Arial" panose="020B0604020202020204" pitchFamily="34" charset="0"/>
               </a:rPr>
-              <a:t> CSS is a cornerstone technology of the </a:t>
+              <a:t> with a major update and "W3C Recommendation" status in October 2014.</a:t>
+            </a:r>
+            <a:r>
+              <a:rPr kumimoji="0" lang="en-US" sz="2400" b="0" i="0" u="none" strike="noStrike" cap="none" normalizeH="0" baseline="30000" dirty="0" smtClean="0">
+                <a:ln>
+                  <a:noFill/>
+                </a:ln>
+                <a:solidFill>
+                  <a:schemeClr val="tx1"/>
+                </a:solidFill>
+                <a:effectLst/>
+                <a:latin typeface="Arial" panose="020B0604020202020204" pitchFamily="34" charset="0"/>
+                <a:hlinkClick r:id="rId16"/>
+              </a:rPr>
+              <a:t>[2]</a:t>
+            </a:r>
+            <a:r>
+              <a:rPr kumimoji="0" lang="en-US" sz="2400" b="0" i="0" u="none" strike="noStrike" cap="none" normalizeH="0" baseline="30000" dirty="0" smtClean="0">
+                <a:ln>
+                  <a:noFill/>
+                </a:ln>
+                <a:solidFill>
+                  <a:schemeClr val="tx1"/>
+                </a:solidFill>
+                <a:effectLst/>
+                <a:latin typeface="Arial" panose="020B0604020202020204" pitchFamily="34" charset="0"/>
+                <a:hlinkClick r:id="rId17"/>
+              </a:rPr>
+              <a:t>[4]</a:t>
             </a:r>
             <a:r>
               <a:rPr kumimoji="0" lang="en-US" sz="2400" b="0" i="0" u="none" strike="noStrike" cap="none" normalizeH="0" baseline="0" dirty="0" smtClean="0">
@@ -10098,9 +9117,8 @@
                 </a:solidFill>
                 <a:effectLst/>
                 <a:latin typeface="Arial" panose="020B0604020202020204" pitchFamily="34" charset="0"/>
-                <a:hlinkClick r:id="rId8" tooltip="World Wide Web"/>
-              </a:rPr>
-              <a:t>World Wide Web</a:t>
+              </a:rPr>
+              <a:t> Its goals were to improve the language with support for the latest multimedia and other new features; to keep the language both easily readable by humans and consistently understood by computers and devices such as </a:t>
             </a:r>
             <a:r>
               <a:rPr kumimoji="0" lang="en-US" sz="2400" b="0" i="0" u="none" strike="noStrike" cap="none" normalizeH="0" baseline="0" dirty="0" smtClean="0">
@@ -10112,8 +9130,9 @@
                 </a:solidFill>
                 <a:effectLst/>
                 <a:latin typeface="Arial" panose="020B0604020202020204" pitchFamily="34" charset="0"/>
-              </a:rPr>
-              <a:t>, alongside HTML and </a:t>
+                <a:hlinkClick r:id="rId18" tooltip="Web browser"/>
+              </a:rPr>
+              <a:t>web browsers</a:t>
             </a:r>
             <a:r>
               <a:rPr kumimoji="0" lang="en-US" sz="2400" b="0" i="0" u="none" strike="noStrike" cap="none" normalizeH="0" baseline="0" dirty="0" smtClean="0">
@@ -10125,9 +9144,8 @@
                 </a:solidFill>
                 <a:effectLst/>
                 <a:latin typeface="Arial" panose="020B0604020202020204" pitchFamily="34" charset="0"/>
-                <a:hlinkClick r:id="rId9" tooltip="JavaScript"/>
-              </a:rPr>
-              <a:t>JavaScript</a:t>
+              </a:rPr>
+              <a:t>, </a:t>
             </a:r>
             <a:r>
               <a:rPr kumimoji="0" lang="en-US" sz="2400" b="0" i="0" u="none" strike="noStrike" cap="none" normalizeH="0" baseline="0" dirty="0" smtClean="0">
@@ -10139,6 +9157,128 @@
                 </a:solidFill>
                 <a:effectLst/>
                 <a:latin typeface="Arial" panose="020B0604020202020204" pitchFamily="34" charset="0"/>
+                <a:hlinkClick r:id="rId19" tooltip="Parsing"/>
+              </a:rPr>
+              <a:t>parsers</a:t>
+            </a:r>
+            <a:r>
+              <a:rPr kumimoji="0" lang="en-US" sz="2400" b="0" i="0" u="none" strike="noStrike" cap="none" normalizeH="0" baseline="0" dirty="0" smtClean="0">
+                <a:ln>
+                  <a:noFill/>
+                </a:ln>
+                <a:solidFill>
+                  <a:schemeClr val="tx1"/>
+                </a:solidFill>
+                <a:effectLst/>
+                <a:latin typeface="Arial" panose="020B0604020202020204" pitchFamily="34" charset="0"/>
+              </a:rPr>
+              <a:t>, etc., without XHTML's rigidity; and to remain </a:t>
+            </a:r>
+            <a:r>
+              <a:rPr kumimoji="0" lang="en-US" sz="2400" b="0" i="0" u="none" strike="noStrike" cap="none" normalizeH="0" baseline="0" dirty="0" smtClean="0">
+                <a:ln>
+                  <a:noFill/>
+                </a:ln>
+                <a:solidFill>
+                  <a:schemeClr val="tx1"/>
+                </a:solidFill>
+                <a:effectLst/>
+                <a:latin typeface="Arial" panose="020B0604020202020204" pitchFamily="34" charset="0"/>
+                <a:hlinkClick r:id="rId20" tooltip="Backward compatibility"/>
+              </a:rPr>
+              <a:t>backward-compatible</a:t>
+            </a:r>
+            <a:r>
+              <a:rPr kumimoji="0" lang="en-US" sz="2400" b="0" i="0" u="none" strike="noStrike" cap="none" normalizeH="0" baseline="0" dirty="0" smtClean="0">
+                <a:ln>
+                  <a:noFill/>
+                </a:ln>
+                <a:solidFill>
+                  <a:schemeClr val="tx1"/>
+                </a:solidFill>
+                <a:effectLst/>
+                <a:latin typeface="Arial" panose="020B0604020202020204" pitchFamily="34" charset="0"/>
+              </a:rPr>
+              <a:t> with older software. HTML5 is intended to subsume not only </a:t>
+            </a:r>
+            <a:r>
+              <a:rPr kumimoji="0" lang="en-US" sz="2400" b="0" i="0" u="none" strike="noStrike" cap="none" normalizeH="0" baseline="0" dirty="0" smtClean="0">
+                <a:ln>
+                  <a:noFill/>
+                </a:ln>
+                <a:solidFill>
+                  <a:schemeClr val="tx1"/>
+                </a:solidFill>
+                <a:effectLst/>
+                <a:latin typeface="Arial" panose="020B0604020202020204" pitchFamily="34" charset="0"/>
+                <a:hlinkClick r:id="rId21" tooltip="HTML 4"/>
+              </a:rPr>
+              <a:t>HTML 4</a:t>
+            </a:r>
+            <a:r>
+              <a:rPr kumimoji="0" lang="en-US" sz="2400" b="0" i="0" u="none" strike="noStrike" cap="none" normalizeH="0" baseline="0" dirty="0" smtClean="0">
+                <a:ln>
+                  <a:noFill/>
+                </a:ln>
+                <a:solidFill>
+                  <a:schemeClr val="tx1"/>
+                </a:solidFill>
+                <a:effectLst/>
+                <a:latin typeface="Arial" panose="020B0604020202020204" pitchFamily="34" charset="0"/>
+              </a:rPr>
+              <a:t>, but also </a:t>
+            </a:r>
+            <a:r>
+              <a:rPr kumimoji="0" lang="en-US" sz="2400" b="0" i="0" u="none" strike="noStrike" cap="none" normalizeH="0" baseline="0" dirty="0" smtClean="0">
+                <a:ln>
+                  <a:noFill/>
+                </a:ln>
+                <a:solidFill>
+                  <a:schemeClr val="tx1"/>
+                </a:solidFill>
+                <a:effectLst/>
+                <a:latin typeface="Arial" panose="020B0604020202020204" pitchFamily="34" charset="0"/>
+                <a:hlinkClick r:id="rId9" tooltip="XHTML"/>
+              </a:rPr>
+              <a:t>XHTML</a:t>
+            </a:r>
+            <a:r>
+              <a:rPr kumimoji="0" lang="en-US" sz="2400" b="0" i="0" u="none" strike="noStrike" cap="none" normalizeH="0" baseline="0" dirty="0" smtClean="0">
+                <a:ln>
+                  <a:noFill/>
+                </a:ln>
+                <a:solidFill>
+                  <a:schemeClr val="tx1"/>
+                </a:solidFill>
+                <a:effectLst/>
+                <a:latin typeface="Arial" panose="020B0604020202020204" pitchFamily="34" charset="0"/>
+              </a:rPr>
+              <a:t> 1 and </a:t>
+            </a:r>
+            <a:r>
+              <a:rPr kumimoji="0" lang="en-US" sz="2400" b="0" i="0" u="none" strike="noStrike" cap="none" normalizeH="0" baseline="0" dirty="0" smtClean="0">
+                <a:ln>
+                  <a:noFill/>
+                </a:ln>
+                <a:solidFill>
+                  <a:schemeClr val="tx1"/>
+                </a:solidFill>
+                <a:effectLst/>
+                <a:latin typeface="Arial" panose="020B0604020202020204" pitchFamily="34" charset="0"/>
+                <a:hlinkClick r:id="rId22" tooltip="Document Object Model"/>
+              </a:rPr>
+              <a:t>DOM Level 2 HTML</a:t>
+            </a:r>
+            <a:r>
+              <a:rPr kumimoji="0" lang="en-US" sz="2400" b="0" i="0" u="none" strike="noStrike" cap="none" normalizeH="0" baseline="0" dirty="0" smtClean="0">
+                <a:ln>
+                  <a:noFill/>
+                </a:ln>
+                <a:solidFill>
+                  <a:schemeClr val="tx1"/>
+                </a:solidFill>
+                <a:effectLst/>
+                <a:latin typeface="Arial" panose="020B0604020202020204" pitchFamily="34" charset="0"/>
               </a:rPr>
               <a:t>.</a:t>
             </a:r>
@@ -10152,9 +9292,9 @@
                 </a:solidFill>
                 <a:effectLst/>
                 <a:latin typeface="Arial" panose="020B0604020202020204" pitchFamily="34" charset="0"/>
-                <a:hlinkClick r:id="rId10"/>
-              </a:rPr>
-              <a:t>[2]</a:t>
+                <a:hlinkClick r:id="rId23"/>
+              </a:rPr>
+              <a:t>[5]</a:t>
             </a:r>
             <a:r>
               <a:rPr kumimoji="0" lang="en-US" sz="2400" b="0" i="0" u="none" strike="noStrike" cap="none" normalizeH="0" baseline="0" dirty="0" smtClean="0">
@@ -10167,222 +9307,7 @@
                 <a:effectLst/>
                 <a:latin typeface="Arial" panose="020B0604020202020204" pitchFamily="34" charset="0"/>
               </a:rPr>
-              <a:t> CSS is designed to enable the separation of presentation and content, including </a:t>
-            </a:r>
-            <a:r>
-              <a:rPr kumimoji="0" lang="en-US" sz="2400" b="0" i="0" u="none" strike="noStrike" cap="none" normalizeH="0" baseline="0" dirty="0" smtClean="0">
-                <a:ln>
-                  <a:noFill/>
-                </a:ln>
-                <a:solidFill>
-                  <a:schemeClr val="tx1"/>
-                </a:solidFill>
-                <a:effectLst/>
-                <a:latin typeface="Arial" panose="020B0604020202020204" pitchFamily="34" charset="0"/>
-                <a:hlinkClick r:id="rId11" tooltip="Page layout"/>
-              </a:rPr>
-              <a:t>layout</a:t>
-            </a:r>
-            <a:r>
-              <a:rPr kumimoji="0" lang="en-US" sz="2400" b="0" i="0" u="none" strike="noStrike" cap="none" normalizeH="0" baseline="0" dirty="0" smtClean="0">
-                <a:ln>
-                  <a:noFill/>
-                </a:ln>
-                <a:solidFill>
-                  <a:schemeClr val="tx1"/>
-                </a:solidFill>
-                <a:effectLst/>
-                <a:latin typeface="Arial" panose="020B0604020202020204" pitchFamily="34" charset="0"/>
-              </a:rPr>
-              <a:t>, </a:t>
-            </a:r>
-            <a:r>
-              <a:rPr kumimoji="0" lang="en-US" sz="2400" b="0" i="0" u="none" strike="noStrike" cap="none" normalizeH="0" baseline="0" dirty="0" smtClean="0">
-                <a:ln>
-                  <a:noFill/>
-                </a:ln>
-                <a:solidFill>
-                  <a:schemeClr val="tx1"/>
-                </a:solidFill>
-                <a:effectLst/>
-                <a:latin typeface="Arial" panose="020B0604020202020204" pitchFamily="34" charset="0"/>
-                <a:hlinkClick r:id="rId12" tooltip="Color"/>
-              </a:rPr>
-              <a:t>colors</a:t>
-            </a:r>
-            <a:r>
-              <a:rPr kumimoji="0" lang="en-US" sz="2400" b="0" i="0" u="none" strike="noStrike" cap="none" normalizeH="0" baseline="0" dirty="0" smtClean="0">
-                <a:ln>
-                  <a:noFill/>
-                </a:ln>
-                <a:solidFill>
-                  <a:schemeClr val="tx1"/>
-                </a:solidFill>
-                <a:effectLst/>
-                <a:latin typeface="Arial" panose="020B0604020202020204" pitchFamily="34" charset="0"/>
-              </a:rPr>
-              <a:t>, and </a:t>
-            </a:r>
-            <a:r>
-              <a:rPr kumimoji="0" lang="en-US" sz="2400" b="0" i="0" u="none" strike="noStrike" cap="none" normalizeH="0" baseline="0" dirty="0" smtClean="0">
-                <a:ln>
-                  <a:noFill/>
-                </a:ln>
-                <a:solidFill>
-                  <a:schemeClr val="tx1"/>
-                </a:solidFill>
-                <a:effectLst/>
-                <a:latin typeface="Arial" panose="020B0604020202020204" pitchFamily="34" charset="0"/>
-                <a:hlinkClick r:id="rId13" tooltip="Typeface"/>
-              </a:rPr>
-              <a:t>fonts</a:t>
-            </a:r>
-            <a:r>
-              <a:rPr kumimoji="0" lang="en-US" sz="2400" b="0" i="0" u="none" strike="noStrike" cap="none" normalizeH="0" baseline="0" dirty="0" smtClean="0">
-                <a:ln>
-                  <a:noFill/>
-                </a:ln>
-                <a:solidFill>
-                  <a:schemeClr val="tx1"/>
-                </a:solidFill>
-                <a:effectLst/>
-                <a:latin typeface="Arial" panose="020B0604020202020204" pitchFamily="34" charset="0"/>
-              </a:rPr>
-              <a:t>.</a:t>
-            </a:r>
-            <a:r>
-              <a:rPr kumimoji="0" lang="en-US" sz="2400" b="0" i="0" u="none" strike="noStrike" cap="none" normalizeH="0" baseline="30000" dirty="0" smtClean="0">
-                <a:ln>
-                  <a:noFill/>
-                </a:ln>
-                <a:solidFill>
-                  <a:schemeClr val="tx1"/>
-                </a:solidFill>
-                <a:effectLst/>
-                <a:latin typeface="Arial" panose="020B0604020202020204" pitchFamily="34" charset="0"/>
-                <a:hlinkClick r:id="rId14"/>
-              </a:rPr>
-              <a:t>[3]</a:t>
-            </a:r>
-            <a:r>
-              <a:rPr kumimoji="0" lang="en-US" sz="2400" b="0" i="0" u="none" strike="noStrike" cap="none" normalizeH="0" baseline="0" dirty="0" smtClean="0">
-                <a:ln>
-                  <a:noFill/>
-                </a:ln>
-                <a:solidFill>
-                  <a:schemeClr val="tx1"/>
-                </a:solidFill>
-                <a:effectLst/>
-                <a:latin typeface="Arial" panose="020B0604020202020204" pitchFamily="34" charset="0"/>
-              </a:rPr>
-              <a:t> This separation can improve content </a:t>
-            </a:r>
-            <a:r>
-              <a:rPr kumimoji="0" lang="en-US" sz="2400" b="0" i="0" u="none" strike="noStrike" cap="none" normalizeH="0" baseline="0" dirty="0" smtClean="0">
-                <a:ln>
-                  <a:noFill/>
-                </a:ln>
-                <a:solidFill>
-                  <a:schemeClr val="tx1"/>
-                </a:solidFill>
-                <a:effectLst/>
-                <a:latin typeface="Arial" panose="020B0604020202020204" pitchFamily="34" charset="0"/>
-                <a:hlinkClick r:id="rId15" tooltip="Accessibility"/>
-              </a:rPr>
-              <a:t>accessibility</a:t>
-            </a:r>
-            <a:r>
-              <a:rPr kumimoji="0" lang="en-US" sz="2400" b="0" i="0" u="none" strike="noStrike" cap="none" normalizeH="0" baseline="0" dirty="0" smtClean="0">
-                <a:ln>
-                  <a:noFill/>
-                </a:ln>
-                <a:solidFill>
-                  <a:schemeClr val="tx1"/>
-                </a:solidFill>
-                <a:effectLst/>
-                <a:latin typeface="Arial" panose="020B0604020202020204" pitchFamily="34" charset="0"/>
-              </a:rPr>
-              <a:t>, provide more flexibility and control in the specification of presentation characteristics, enable multiple </a:t>
-            </a:r>
-            <a:r>
-              <a:rPr kumimoji="0" lang="en-US" sz="2400" b="0" i="0" u="none" strike="noStrike" cap="none" normalizeH="0" baseline="0" dirty="0" smtClean="0">
-                <a:ln>
-                  <a:noFill/>
-                </a:ln>
-                <a:solidFill>
-                  <a:schemeClr val="tx1"/>
-                </a:solidFill>
-                <a:effectLst/>
-                <a:latin typeface="Arial" panose="020B0604020202020204" pitchFamily="34" charset="0"/>
-                <a:hlinkClick r:id="rId16" tooltip="Web page"/>
-              </a:rPr>
-              <a:t>web pages</a:t>
-            </a:r>
-            <a:r>
-              <a:rPr kumimoji="0" lang="en-US" sz="2400" b="0" i="0" u="none" strike="noStrike" cap="none" normalizeH="0" baseline="0" dirty="0" smtClean="0">
-                <a:ln>
-                  <a:noFill/>
-                </a:ln>
-                <a:solidFill>
-                  <a:schemeClr val="tx1"/>
-                </a:solidFill>
-                <a:effectLst/>
-                <a:latin typeface="Arial" panose="020B0604020202020204" pitchFamily="34" charset="0"/>
-              </a:rPr>
-              <a:t> to share formatting by specifying the relevant CSS in a separate .</a:t>
-            </a:r>
-            <a:r>
-              <a:rPr kumimoji="0" lang="en-US" sz="2400" b="0" i="0" u="none" strike="noStrike" cap="none" normalizeH="0" baseline="0" dirty="0" err="1" smtClean="0">
-                <a:ln>
-                  <a:noFill/>
-                </a:ln>
-                <a:solidFill>
-                  <a:schemeClr val="tx1"/>
-                </a:solidFill>
-                <a:effectLst/>
-                <a:latin typeface="Arial" panose="020B0604020202020204" pitchFamily="34" charset="0"/>
-              </a:rPr>
-              <a:t>css</a:t>
-            </a:r>
-            <a:r>
-              <a:rPr kumimoji="0" lang="en-US" sz="2400" b="0" i="0" u="none" strike="noStrike" cap="none" normalizeH="0" baseline="0" dirty="0" smtClean="0">
-                <a:ln>
-                  <a:noFill/>
-                </a:ln>
-                <a:solidFill>
-                  <a:schemeClr val="tx1"/>
-                </a:solidFill>
-                <a:effectLst/>
-                <a:latin typeface="Arial" panose="020B0604020202020204" pitchFamily="34" charset="0"/>
-              </a:rPr>
-              <a:t> file, and reduce complexity and repetition in the structural content. Separation of formatting and content also makes it feasible to present the same markup page in different styles for different rendering methods, such as on-screen, in print, by voice (via speech-based browser or </a:t>
-            </a:r>
-            <a:r>
-              <a:rPr kumimoji="0" lang="en-US" sz="2400" b="0" i="0" u="none" strike="noStrike" cap="none" normalizeH="0" baseline="0" dirty="0" smtClean="0">
-                <a:ln>
-                  <a:noFill/>
-                </a:ln>
-                <a:solidFill>
-                  <a:schemeClr val="tx1"/>
-                </a:solidFill>
-                <a:effectLst/>
-                <a:latin typeface="Arial" panose="020B0604020202020204" pitchFamily="34" charset="0"/>
-                <a:hlinkClick r:id="rId17" tooltip="Screen reader"/>
-              </a:rPr>
-              <a:t>screen reader</a:t>
-            </a:r>
-            <a:r>
-              <a:rPr kumimoji="0" lang="en-US" sz="2400" b="0" i="0" u="none" strike="noStrike" cap="none" normalizeH="0" baseline="0" dirty="0" smtClean="0">
-                <a:ln>
-                  <a:noFill/>
-                </a:ln>
-                <a:solidFill>
-                  <a:schemeClr val="tx1"/>
-                </a:solidFill>
-                <a:effectLst/>
-                <a:latin typeface="Arial" panose="020B0604020202020204" pitchFamily="34" charset="0"/>
-              </a:rPr>
-              <a:t>), </a:t>
+              <a:t> </a:t>
             </a:r>
           </a:p>
         </p:txBody>
@@ -10390,20 +9315,574 @@
     </p:spTree>
     <p:extLst>
       <p:ext uri="{BB962C8B-B14F-4D97-AF65-F5344CB8AC3E}">
-        <p14:creationId xmlns:p14="http://schemas.microsoft.com/office/powerpoint/2010/main" val="2350385773"/>
+        <p14:creationId xmlns:p14="http://schemas.microsoft.com/office/powerpoint/2010/main" val="2325518113"/>
       </p:ext>
     </p:extLst>
   </p:cSld>
   <p:clrMapOvr>
     <a:masterClrMapping/>
   </p:clrMapOvr>
-  <mc:AlternateContent xmlns:mc="http://schemas.openxmlformats.org/markup-compatibility/2006">
-    <mc:Choice xmlns:p15="http://schemas.microsoft.com/office/powerpoint/2012/main" Requires="p15">
+  <mc:AlternateContent xmlns:mc="http://schemas.openxmlformats.org/markup-compatibility/2006" xmlns:p15="http://schemas.microsoft.com/office/powerpoint/2012/main">
+    <mc:Choice Requires="p15">
       <p:transition xmlns:p14="http://schemas.microsoft.com/office/powerpoint/2010/main" spd="slow" p14:dur="6000">
         <p15:prstTrans prst="curtains"/>
       </p:transition>
     </mc:Choice>
-    <mc:Fallback>
+    <mc:Fallback xmlns="">
+      <p:transition spd="slow">
+        <p:fade/>
+      </p:transition>
+    </mc:Fallback>
+  </mc:AlternateContent>
+  <p:timing>
+    <p:tnLst>
+      <p:par>
+        <p:cTn id="1" dur="indefinite" restart="never" nodeType="tmRoot"/>
+      </p:par>
+    </p:tnLst>
+  </p:timing>
+</p:sld>
+</file>
+
+<file path=ppt/slides/slide13.xml><?xml version="1.0" encoding="utf-8"?>
+<p:sld xmlns:a="http://schemas.openxmlformats.org/drawingml/2006/main" xmlns:r="http://schemas.openxmlformats.org/officeDocument/2006/relationships" xmlns:p="http://schemas.openxmlformats.org/presentationml/2006/main">
+  <p:cSld>
+    <p:spTree>
+      <p:nvGrpSpPr>
+        <p:cNvPr id="1" name=""/>
+        <p:cNvGrpSpPr/>
+        <p:nvPr/>
+      </p:nvGrpSpPr>
+      <p:grpSpPr>
+        <a:xfrm>
+          <a:off x="0" y="0"/>
+          <a:ext cx="0" cy="0"/>
+          <a:chOff x="0" y="0"/>
+          <a:chExt cx="0" cy="0"/>
+        </a:xfrm>
+      </p:grpSpPr>
+      <p:sp>
+        <p:nvSpPr>
+          <p:cNvPr id="5" name="Rectangle 4"/>
+          <p:cNvSpPr/>
+          <p:nvPr/>
+        </p:nvSpPr>
+        <p:spPr>
+          <a:xfrm>
+            <a:off x="283335" y="1"/>
+            <a:ext cx="10148552" cy="6858000"/>
+          </a:xfrm>
+          <a:prstGeom prst="rect">
+            <a:avLst/>
+          </a:prstGeom>
+          <a:solidFill>
+            <a:schemeClr val="accent4">
+              <a:lumMod val="50000"/>
+            </a:schemeClr>
+          </a:solidFill>
+        </p:spPr>
+        <p:style>
+          <a:lnRef idx="2">
+            <a:schemeClr val="accent1">
+              <a:shade val="50000"/>
+            </a:schemeClr>
+          </a:lnRef>
+          <a:fillRef idx="1">
+            <a:schemeClr val="accent1"/>
+          </a:fillRef>
+          <a:effectRef idx="0">
+            <a:schemeClr val="accent1"/>
+          </a:effectRef>
+          <a:fontRef idx="minor">
+            <a:schemeClr val="lt1"/>
+          </a:fontRef>
+        </p:style>
+        <p:txBody>
+          <a:bodyPr rtlCol="0" anchor="ctr"/>
+          <a:lstStyle/>
+          <a:p>
+            <a:pPr algn="ctr"/>
+            <a:endParaRPr lang="en-US" sz="2400" dirty="0"/>
+          </a:p>
+        </p:txBody>
+      </p:sp>
+      <p:pic>
+        <p:nvPicPr>
+          <p:cNvPr id="6" name="Picture 5"/>
+          <p:cNvPicPr>
+            <a:picLocks noChangeAspect="1"/>
+          </p:cNvPicPr>
+          <p:nvPr/>
+        </p:nvPicPr>
+        <p:blipFill>
+          <a:blip r:embed="rId2">
+            <a:extLst>
+              <a:ext uri="{28A0092B-C50C-407E-A947-70E740481C1C}">
+                <a14:useLocalDpi xmlns:a14="http://schemas.microsoft.com/office/drawing/2010/main" val="0"/>
+              </a:ext>
+            </a:extLst>
+          </a:blip>
+          <a:stretch>
+            <a:fillRect/>
+          </a:stretch>
+        </p:blipFill>
+        <p:spPr>
+          <a:xfrm>
+            <a:off x="10589135" y="476519"/>
+            <a:ext cx="1602865" cy="1602865"/>
+          </a:xfrm>
+          <a:prstGeom prst="rect">
+            <a:avLst/>
+          </a:prstGeom>
+          <a:ln>
+            <a:noFill/>
+          </a:ln>
+          <a:effectLst>
+            <a:softEdge rad="112500"/>
+          </a:effectLst>
+        </p:spPr>
+      </p:pic>
+      <p:sp>
+        <p:nvSpPr>
+          <p:cNvPr id="2" name="Rectangle 1"/>
+          <p:cNvSpPr/>
+          <p:nvPr/>
+        </p:nvSpPr>
+        <p:spPr>
+          <a:xfrm>
+            <a:off x="579549" y="117694"/>
+            <a:ext cx="9852338" cy="6740307"/>
+          </a:xfrm>
+          <a:prstGeom prst="rect">
+            <a:avLst/>
+          </a:prstGeom>
+        </p:spPr>
+        <p:txBody>
+          <a:bodyPr wrap="square">
+            <a:spAutoFit/>
+          </a:bodyPr>
+          <a:lstStyle/>
+          <a:p>
+            <a:pPr lvl="0" defTabSz="914400" eaLnBrk="0" fontAlgn="base" hangingPunct="0">
+              <a:spcBef>
+                <a:spcPct val="0"/>
+              </a:spcBef>
+              <a:spcAft>
+                <a:spcPct val="0"/>
+              </a:spcAft>
+            </a:pPr>
+            <a:r>
+              <a:rPr lang="en-US" sz="2400" dirty="0">
+                <a:latin typeface="Arial" panose="020B0604020202020204" pitchFamily="34" charset="0"/>
+              </a:rPr>
+              <a:t>HTML5 includes detailed processing models to encourage more interoperable implementations; it extends, improves and rationalizes the markup available for documents, and introduces markup and </a:t>
+            </a:r>
+            <a:r>
+              <a:rPr lang="en-US" sz="2400" dirty="0">
+                <a:latin typeface="Arial" panose="020B0604020202020204" pitchFamily="34" charset="0"/>
+                <a:hlinkClick r:id="rId3" tooltip="Application programming interface"/>
+              </a:rPr>
+              <a:t>application programming interfaces</a:t>
+            </a:r>
+            <a:r>
+              <a:rPr lang="en-US" sz="2400" dirty="0">
+                <a:latin typeface="Arial" panose="020B0604020202020204" pitchFamily="34" charset="0"/>
+              </a:rPr>
+              <a:t> (APIs) for complex </a:t>
+            </a:r>
+            <a:r>
+              <a:rPr lang="en-US" sz="2400" dirty="0">
+                <a:latin typeface="Arial" panose="020B0604020202020204" pitchFamily="34" charset="0"/>
+                <a:hlinkClick r:id="rId4" tooltip="Web application"/>
+              </a:rPr>
+              <a:t>web applications</a:t>
+            </a:r>
+            <a:r>
+              <a:rPr lang="en-US" sz="2400" dirty="0">
+                <a:latin typeface="Arial" panose="020B0604020202020204" pitchFamily="34" charset="0"/>
+              </a:rPr>
+              <a:t>.</a:t>
+            </a:r>
+            <a:r>
+              <a:rPr lang="en-US" sz="2400" baseline="30000" dirty="0">
+                <a:latin typeface="Arial" panose="020B0604020202020204" pitchFamily="34" charset="0"/>
+                <a:hlinkClick r:id="rId5"/>
+              </a:rPr>
+              <a:t>[6]</a:t>
+            </a:r>
+            <a:r>
+              <a:rPr lang="en-US" sz="2400" dirty="0">
+                <a:latin typeface="Arial" panose="020B0604020202020204" pitchFamily="34" charset="0"/>
+              </a:rPr>
+              <a:t> For the same reasons, HTML5 is also </a:t>
+            </a:r>
+            <a:r>
+              <a:rPr lang="en-US" sz="2400" dirty="0">
+                <a:latin typeface="Arial" panose="020B0604020202020204" pitchFamily="34" charset="0"/>
+                <a:hlinkClick r:id="rId6" tooltip="HTML5 in mobile devices"/>
+              </a:rPr>
+              <a:t>a candidate for cross-platform mobile applications</a:t>
+            </a:r>
+            <a:r>
+              <a:rPr lang="en-US" sz="2400" dirty="0">
+                <a:latin typeface="Arial" panose="020B0604020202020204" pitchFamily="34" charset="0"/>
+              </a:rPr>
+              <a:t>, because it includes features designed with low-powered devices in mind. </a:t>
+            </a:r>
+          </a:p>
+          <a:p>
+            <a:pPr lvl="0" defTabSz="914400" eaLnBrk="0" fontAlgn="base" hangingPunct="0">
+              <a:spcBef>
+                <a:spcPct val="0"/>
+              </a:spcBef>
+              <a:spcAft>
+                <a:spcPct val="0"/>
+              </a:spcAft>
+            </a:pPr>
+            <a:r>
+              <a:rPr lang="en-US" sz="2400" dirty="0">
+                <a:latin typeface="Arial" panose="020B0604020202020204" pitchFamily="34" charset="0"/>
+              </a:rPr>
+              <a:t>Many new </a:t>
+            </a:r>
+            <a:r>
+              <a:rPr lang="en-US" sz="2400" dirty="0">
+                <a:latin typeface="Arial" panose="020B0604020202020204" pitchFamily="34" charset="0"/>
+                <a:hlinkClick r:id="rId7" tooltip="Syntax (programming languages)"/>
+              </a:rPr>
+              <a:t>syntactic</a:t>
+            </a:r>
+            <a:r>
+              <a:rPr lang="en-US" sz="2400" dirty="0">
+                <a:latin typeface="Arial" panose="020B0604020202020204" pitchFamily="34" charset="0"/>
+              </a:rPr>
+              <a:t> features are included. To natively include and handle </a:t>
+            </a:r>
+            <a:r>
+              <a:rPr lang="en-US" sz="2400" dirty="0">
+                <a:latin typeface="Arial" panose="020B0604020202020204" pitchFamily="34" charset="0"/>
+                <a:hlinkClick r:id="rId8" tooltip="Multimedia"/>
+              </a:rPr>
+              <a:t>multimedia</a:t>
+            </a:r>
+            <a:r>
+              <a:rPr lang="en-US" sz="2400" dirty="0">
+                <a:latin typeface="Arial" panose="020B0604020202020204" pitchFamily="34" charset="0"/>
+              </a:rPr>
+              <a:t> and </a:t>
+            </a:r>
+            <a:r>
+              <a:rPr lang="en-US" sz="2400" dirty="0">
+                <a:latin typeface="Arial" panose="020B0604020202020204" pitchFamily="34" charset="0"/>
+                <a:hlinkClick r:id="rId9" tooltip="2D computer graphics"/>
+              </a:rPr>
+              <a:t>graphical</a:t>
+            </a:r>
+            <a:r>
+              <a:rPr lang="en-US" sz="2400" dirty="0">
+                <a:latin typeface="Arial" panose="020B0604020202020204" pitchFamily="34" charset="0"/>
+              </a:rPr>
+              <a:t> content, the new </a:t>
+            </a:r>
+            <a:r>
+              <a:rPr lang="en-US" sz="1100" dirty="0">
+                <a:latin typeface="Arial Unicode MS" panose="020B0604020202020204" pitchFamily="34" charset="-128"/>
+                <a:hlinkClick r:id="rId10" tooltip="HTML5 video"/>
+              </a:rPr>
+              <a:t>&lt;video&gt;</a:t>
+            </a:r>
+            <a:r>
+              <a:rPr lang="en-US" sz="1400" dirty="0"/>
+              <a:t>, </a:t>
+            </a:r>
+            <a:r>
+              <a:rPr lang="en-US" sz="1100" dirty="0">
+                <a:latin typeface="Arial Unicode MS" panose="020B0604020202020204" pitchFamily="34" charset="-128"/>
+                <a:hlinkClick r:id="rId11" tooltip="HTML5 Audio"/>
+              </a:rPr>
+              <a:t>&lt;audio&gt;</a:t>
+            </a:r>
+            <a:r>
+              <a:rPr lang="en-US" sz="1400" dirty="0"/>
+              <a:t> and </a:t>
+            </a:r>
+            <a:r>
+              <a:rPr lang="en-US" sz="1100" dirty="0">
+                <a:latin typeface="Arial Unicode MS" panose="020B0604020202020204" pitchFamily="34" charset="-128"/>
+                <a:hlinkClick r:id="rId12" tooltip="Canvas element"/>
+              </a:rPr>
+              <a:t>&lt;canvas&gt;</a:t>
+            </a:r>
+            <a:r>
+              <a:rPr lang="en-US" sz="1400" dirty="0"/>
+              <a:t> </a:t>
+            </a:r>
+            <a:r>
+              <a:rPr lang="en-US" sz="2400" dirty="0">
+                <a:latin typeface="Arial" panose="020B0604020202020204" pitchFamily="34" charset="0"/>
+                <a:hlinkClick r:id="rId13" tooltip="HTML element"/>
+              </a:rPr>
+              <a:t>elements</a:t>
+            </a:r>
+            <a:r>
+              <a:rPr lang="en-US" sz="2400" dirty="0">
+                <a:latin typeface="Arial" panose="020B0604020202020204" pitchFamily="34" charset="0"/>
+              </a:rPr>
+              <a:t> were added, and support for scalable vector graphics (</a:t>
+            </a:r>
+            <a:r>
+              <a:rPr lang="en-US" sz="2400" dirty="0">
+                <a:latin typeface="Arial" panose="020B0604020202020204" pitchFamily="34" charset="0"/>
+                <a:hlinkClick r:id="rId14" tooltip="Scalable Vector Graphics"/>
+              </a:rPr>
+              <a:t>SVG</a:t>
+            </a:r>
+            <a:r>
+              <a:rPr lang="en-US" sz="2400" dirty="0">
+                <a:latin typeface="Arial" panose="020B0604020202020204" pitchFamily="34" charset="0"/>
+              </a:rPr>
+              <a:t>) content and </a:t>
+            </a:r>
+            <a:r>
+              <a:rPr lang="en-US" sz="2400" dirty="0" err="1">
+                <a:latin typeface="Arial" panose="020B0604020202020204" pitchFamily="34" charset="0"/>
+                <a:hlinkClick r:id="rId15" tooltip="MathML"/>
+              </a:rPr>
+              <a:t>MathML</a:t>
+            </a:r>
+            <a:r>
+              <a:rPr lang="en-US" sz="2400" dirty="0">
+                <a:latin typeface="Arial" panose="020B0604020202020204" pitchFamily="34" charset="0"/>
+              </a:rPr>
+              <a:t> for mathematical formulas. To enrich the </a:t>
+            </a:r>
+            <a:r>
+              <a:rPr lang="en-US" sz="2400" dirty="0">
+                <a:latin typeface="Arial" panose="020B0604020202020204" pitchFamily="34" charset="0"/>
+                <a:hlinkClick r:id="rId16" tooltip="Semantic Web"/>
+              </a:rPr>
+              <a:t>semantic</a:t>
+            </a:r>
+            <a:r>
+              <a:rPr lang="en-US" sz="2400" dirty="0">
+                <a:latin typeface="Arial" panose="020B0604020202020204" pitchFamily="34" charset="0"/>
+              </a:rPr>
+              <a:t> content of documents, new page structure elements such as </a:t>
+            </a:r>
+            <a:r>
+              <a:rPr lang="en-US" sz="1100" dirty="0">
+                <a:latin typeface="Arial Unicode MS" panose="020B0604020202020204" pitchFamily="34" charset="-128"/>
+              </a:rPr>
+              <a:t>&lt;main&gt;</a:t>
+            </a:r>
+            <a:r>
+              <a:rPr lang="en-US" sz="1400" dirty="0"/>
+              <a:t>, </a:t>
+            </a:r>
+            <a:r>
+              <a:rPr lang="en-US" sz="1100" dirty="0">
+                <a:latin typeface="Arial Unicode MS" panose="020B0604020202020204" pitchFamily="34" charset="-128"/>
+              </a:rPr>
+              <a:t>&lt;section&gt;</a:t>
+            </a:r>
+            <a:r>
+              <a:rPr lang="en-US" sz="1400" dirty="0"/>
+              <a:t>, </a:t>
+            </a:r>
+            <a:r>
+              <a:rPr lang="en-US" sz="1100" dirty="0">
+                <a:latin typeface="Arial Unicode MS" panose="020B0604020202020204" pitchFamily="34" charset="-128"/>
+                <a:hlinkClick r:id="rId17" tooltip="Article element (HTML5)"/>
+              </a:rPr>
+              <a:t>&lt;article&gt;</a:t>
+            </a:r>
+            <a:r>
+              <a:rPr lang="en-US" sz="1400" dirty="0"/>
+              <a:t>, </a:t>
+            </a:r>
+            <a:r>
+              <a:rPr lang="en-US" sz="1100" dirty="0">
+                <a:latin typeface="Arial Unicode MS" panose="020B0604020202020204" pitchFamily="34" charset="-128"/>
+              </a:rPr>
+              <a:t>&lt;header&gt;</a:t>
+            </a:r>
+            <a:r>
+              <a:rPr lang="en-US" sz="1400" dirty="0"/>
+              <a:t>, </a:t>
+            </a:r>
+            <a:r>
+              <a:rPr lang="en-US" sz="1100" dirty="0">
+                <a:latin typeface="Arial Unicode MS" panose="020B0604020202020204" pitchFamily="34" charset="-128"/>
+              </a:rPr>
+              <a:t>&lt;footer&gt;</a:t>
+            </a:r>
+            <a:r>
+              <a:rPr lang="en-US" sz="1400" dirty="0"/>
+              <a:t>, </a:t>
+            </a:r>
+            <a:r>
+              <a:rPr lang="en-US" sz="1100" dirty="0">
+                <a:latin typeface="Arial Unicode MS" panose="020B0604020202020204" pitchFamily="34" charset="-128"/>
+              </a:rPr>
+              <a:t>&lt;aside&gt;</a:t>
+            </a:r>
+            <a:r>
+              <a:rPr lang="en-US" sz="1400" dirty="0"/>
+              <a:t>, </a:t>
+            </a:r>
+            <a:r>
+              <a:rPr lang="en-US" sz="1100" dirty="0">
+                <a:latin typeface="Arial Unicode MS" panose="020B0604020202020204" pitchFamily="34" charset="-128"/>
+              </a:rPr>
+              <a:t>&lt;</a:t>
+            </a:r>
+            <a:r>
+              <a:rPr lang="en-US" sz="1100" dirty="0" err="1">
+                <a:latin typeface="Arial Unicode MS" panose="020B0604020202020204" pitchFamily="34" charset="-128"/>
+              </a:rPr>
+              <a:t>nav</a:t>
+            </a:r>
+            <a:r>
+              <a:rPr lang="en-US" sz="1100" dirty="0">
+                <a:latin typeface="Arial Unicode MS" panose="020B0604020202020204" pitchFamily="34" charset="-128"/>
+              </a:rPr>
+              <a:t>&gt;</a:t>
+            </a:r>
+            <a:r>
+              <a:rPr lang="en-US" sz="1400" dirty="0"/>
+              <a:t>, and </a:t>
+            </a:r>
+            <a:r>
+              <a:rPr lang="en-US" sz="1100" dirty="0">
+                <a:latin typeface="Arial Unicode MS" panose="020B0604020202020204" pitchFamily="34" charset="-128"/>
+              </a:rPr>
+              <a:t>&lt;figure&gt;</a:t>
+            </a:r>
+            <a:r>
+              <a:rPr lang="en-US" sz="1400" dirty="0"/>
+              <a:t> are added. New </a:t>
+            </a:r>
+            <a:r>
+              <a:rPr lang="en-US" sz="2400" dirty="0">
+                <a:latin typeface="Arial" panose="020B0604020202020204" pitchFamily="34" charset="0"/>
+                <a:hlinkClick r:id="rId18" tooltip="HTML attribute"/>
+              </a:rPr>
+              <a:t>attributes</a:t>
+            </a:r>
+            <a:r>
+              <a:rPr lang="en-US" sz="2400" dirty="0">
+                <a:latin typeface="Arial" panose="020B0604020202020204" pitchFamily="34" charset="0"/>
+              </a:rPr>
+              <a:t> are introduced, some elements and attributes have been removed, and others such as </a:t>
+            </a:r>
+            <a:r>
+              <a:rPr lang="en-US" sz="1100" dirty="0">
+                <a:latin typeface="Arial Unicode MS" panose="020B0604020202020204" pitchFamily="34" charset="-128"/>
+              </a:rPr>
+              <a:t>&lt;a&gt;</a:t>
+            </a:r>
+            <a:r>
+              <a:rPr lang="en-US" sz="1400" dirty="0"/>
+              <a:t>, </a:t>
+            </a:r>
+            <a:r>
+              <a:rPr lang="en-US" sz="1100" dirty="0">
+                <a:latin typeface="Arial Unicode MS" panose="020B0604020202020204" pitchFamily="34" charset="-128"/>
+              </a:rPr>
+              <a:t>&lt;cite&gt;</a:t>
+            </a:r>
+            <a:r>
+              <a:rPr lang="en-US" sz="1400" dirty="0"/>
+              <a:t>, and </a:t>
+            </a:r>
+            <a:r>
+              <a:rPr lang="en-US" sz="1100" dirty="0">
+                <a:latin typeface="Arial Unicode MS" panose="020B0604020202020204" pitchFamily="34" charset="-128"/>
+              </a:rPr>
+              <a:t>&lt;menu&gt;</a:t>
+            </a:r>
+            <a:r>
+              <a:rPr lang="en-US" sz="1400" dirty="0"/>
+              <a:t> have been changed, redefined, or standardized. </a:t>
+            </a:r>
+            <a:endParaRPr lang="en-US" sz="2400" dirty="0">
+              <a:latin typeface="Arial" panose="020B0604020202020204" pitchFamily="34" charset="0"/>
+            </a:endParaRPr>
+          </a:p>
+          <a:p>
+            <a:pPr lvl="0" defTabSz="914400" eaLnBrk="0" fontAlgn="base" hangingPunct="0">
+              <a:spcBef>
+                <a:spcPct val="0"/>
+              </a:spcBef>
+              <a:spcAft>
+                <a:spcPct val="0"/>
+              </a:spcAft>
+            </a:pPr>
+            <a:r>
+              <a:rPr lang="en-US" sz="2400" dirty="0">
+                <a:latin typeface="Arial" panose="020B0604020202020204" pitchFamily="34" charset="0"/>
+              </a:rPr>
+              <a:t>The APIs and </a:t>
+            </a:r>
+            <a:r>
+              <a:rPr lang="en-US" sz="2400" dirty="0">
+                <a:latin typeface="Arial" panose="020B0604020202020204" pitchFamily="34" charset="0"/>
+                <a:hlinkClick r:id="rId19" tooltip="Document Object Model"/>
+              </a:rPr>
+              <a:t>Document Object Model</a:t>
+            </a:r>
+            <a:r>
+              <a:rPr lang="en-US" sz="2400" dirty="0">
+                <a:latin typeface="Arial" panose="020B0604020202020204" pitchFamily="34" charset="0"/>
+              </a:rPr>
+              <a:t> (DOM) are now fundamental parts of the HTML5 specification</a:t>
+            </a:r>
+            <a:r>
+              <a:rPr lang="en-US" sz="2400" baseline="30000" dirty="0">
+                <a:latin typeface="Arial" panose="020B0604020202020204" pitchFamily="34" charset="0"/>
+                <a:hlinkClick r:id="rId5"/>
+              </a:rPr>
+              <a:t>[6]</a:t>
+            </a:r>
+            <a:r>
+              <a:rPr lang="en-US" sz="2400" dirty="0">
+                <a:latin typeface="Arial" panose="020B0604020202020204" pitchFamily="34" charset="0"/>
+              </a:rPr>
+              <a:t> and HTML5 also better defines the processing for any invalid documents.</a:t>
+            </a:r>
+            <a:r>
+              <a:rPr lang="en-US" sz="2400" baseline="30000" dirty="0">
+                <a:latin typeface="Arial" panose="020B0604020202020204" pitchFamily="34" charset="0"/>
+                <a:hlinkClick r:id="rId20"/>
+              </a:rPr>
+              <a:t>[7]</a:t>
+            </a:r>
+            <a:r>
+              <a:rPr lang="en-US" sz="2400" dirty="0">
+                <a:latin typeface="Arial" panose="020B0604020202020204" pitchFamily="34" charset="0"/>
+              </a:rPr>
+              <a:t> </a:t>
+            </a:r>
+          </a:p>
+        </p:txBody>
+      </p:sp>
+    </p:spTree>
+    <p:extLst>
+      <p:ext uri="{BB962C8B-B14F-4D97-AF65-F5344CB8AC3E}">
+        <p14:creationId xmlns:p14="http://schemas.microsoft.com/office/powerpoint/2010/main" val="212831679"/>
+      </p:ext>
+    </p:extLst>
+  </p:cSld>
+  <p:clrMapOvr>
+    <a:masterClrMapping/>
+  </p:clrMapOvr>
+  <mc:AlternateContent xmlns:mc="http://schemas.openxmlformats.org/markup-compatibility/2006" xmlns:p15="http://schemas.microsoft.com/office/powerpoint/2012/main">
+    <mc:Choice Requires="p15">
+      <p:transition xmlns:p14="http://schemas.microsoft.com/office/powerpoint/2010/main" spd="slow" p14:dur="6000">
+        <p15:prstTrans prst="curtains"/>
+      </p:transition>
+    </mc:Choice>
+    <mc:Fallback xmlns="">
       <p:transition spd="slow">
         <p:fade/>
       </p:transition>
@@ -10517,280 +9996,71 @@
           </a:effectLst>
         </p:spPr>
       </p:pic>
-      <p:sp>
-        <p:nvSpPr>
-          <p:cNvPr id="2" name="Rectangle 1"/>
-          <p:cNvSpPr/>
+      <p:pic>
+        <p:nvPicPr>
+          <p:cNvPr id="3" name="Picture 2"/>
+          <p:cNvPicPr>
+            <a:picLocks noChangeAspect="1"/>
+          </p:cNvPicPr>
           <p:nvPr/>
-        </p:nvSpPr>
-        <p:spPr>
-          <a:xfrm>
-            <a:off x="399244" y="476519"/>
-            <a:ext cx="9916733" cy="5693866"/>
+        </p:nvPicPr>
+        <p:blipFill>
+          <a:blip r:embed="rId3">
+            <a:extLst>
+              <a:ext uri="{28A0092B-C50C-407E-A947-70E740481C1C}">
+                <a14:useLocalDpi xmlns:a14="http://schemas.microsoft.com/office/drawing/2010/main" val="0"/>
+              </a:ext>
+            </a:extLst>
+          </a:blip>
+          <a:stretch>
+            <a:fillRect/>
+          </a:stretch>
+        </p:blipFill>
+        <p:spPr>
+          <a:xfrm>
+            <a:off x="3452279" y="348526"/>
+            <a:ext cx="3862922" cy="5449939"/>
           </a:xfrm>
           <a:prstGeom prst="rect">
             <a:avLst/>
           </a:prstGeom>
         </p:spPr>
-        <p:txBody>
-          <a:bodyPr wrap="square">
+      </p:pic>
+      <p:sp>
+        <p:nvSpPr>
+          <p:cNvPr id="4" name="TextBox 3"/>
+          <p:cNvSpPr txBox="1"/>
+          <p:nvPr/>
+        </p:nvSpPr>
+        <p:spPr>
+          <a:xfrm>
+            <a:off x="3451538" y="6053070"/>
+            <a:ext cx="3992451" cy="707886"/>
+          </a:xfrm>
+          <a:prstGeom prst="rect">
+            <a:avLst/>
+          </a:prstGeom>
+          <a:noFill/>
+        </p:spPr>
+        <p:txBody>
+          <a:bodyPr wrap="square" rtlCol="0">
             <a:spAutoFit/>
           </a:bodyPr>
           <a:lstStyle/>
           <a:p>
-            <a:pPr lvl="0" defTabSz="914400" eaLnBrk="0" fontAlgn="base" hangingPunct="0">
-              <a:spcBef>
-                <a:spcPct val="0"/>
-              </a:spcBef>
-              <a:spcAft>
-                <a:spcPct val="0"/>
-              </a:spcAft>
-            </a:pPr>
-            <a:r>
-              <a:rPr lang="en-US" sz="2800" dirty="0">
-                <a:latin typeface="Arial" panose="020B0604020202020204" pitchFamily="34" charset="0"/>
-              </a:rPr>
-              <a:t>and on </a:t>
-            </a:r>
-            <a:r>
-              <a:rPr lang="en-US" sz="2800" dirty="0">
-                <a:latin typeface="Arial" panose="020B0604020202020204" pitchFamily="34" charset="0"/>
-                <a:hlinkClick r:id="rId3" tooltip="Braille display"/>
-              </a:rPr>
-              <a:t>Braille-based</a:t>
-            </a:r>
-            <a:r>
-              <a:rPr lang="en-US" sz="2800" dirty="0">
-                <a:latin typeface="Arial" panose="020B0604020202020204" pitchFamily="34" charset="0"/>
-              </a:rPr>
-              <a:t> tactile devices. CSS also has rules for alternate formatting if the content is accessed on a </a:t>
-            </a:r>
-            <a:r>
-              <a:rPr lang="en-US" sz="2800" dirty="0">
-                <a:latin typeface="Arial" panose="020B0604020202020204" pitchFamily="34" charset="0"/>
-                <a:hlinkClick r:id="rId4" tooltip="Mobile device"/>
-              </a:rPr>
-              <a:t>mobile device</a:t>
-            </a:r>
-            <a:r>
-              <a:rPr lang="en-US" sz="2800" dirty="0">
-                <a:latin typeface="Arial" panose="020B0604020202020204" pitchFamily="34" charset="0"/>
-              </a:rPr>
-              <a:t>.</a:t>
-            </a:r>
-            <a:r>
-              <a:rPr lang="en-US" sz="2800" baseline="30000" dirty="0">
-                <a:latin typeface="Arial" panose="020B0604020202020204" pitchFamily="34" charset="0"/>
-                <a:hlinkClick r:id="rId5"/>
-              </a:rPr>
-              <a:t>[4]</a:t>
-            </a:r>
-            <a:r>
-              <a:rPr lang="en-US" sz="2800" dirty="0">
-                <a:latin typeface="Arial" panose="020B0604020202020204" pitchFamily="34" charset="0"/>
-              </a:rPr>
-              <a:t> </a:t>
-            </a:r>
-          </a:p>
-          <a:p>
-            <a:pPr lvl="0" defTabSz="914400" eaLnBrk="0" fontAlgn="base" hangingPunct="0">
-              <a:spcBef>
-                <a:spcPct val="0"/>
-              </a:spcBef>
-              <a:spcAft>
-                <a:spcPct val="0"/>
-              </a:spcAft>
-            </a:pPr>
-            <a:r>
-              <a:rPr lang="en-US" sz="2800" dirty="0">
-                <a:latin typeface="Arial" panose="020B0604020202020204" pitchFamily="34" charset="0"/>
-              </a:rPr>
-              <a:t>The name </a:t>
-            </a:r>
-            <a:r>
-              <a:rPr lang="en-US" sz="2800" i="1" dirty="0">
-                <a:latin typeface="Arial" panose="020B0604020202020204" pitchFamily="34" charset="0"/>
-              </a:rPr>
-              <a:t>cascading</a:t>
-            </a:r>
-            <a:r>
-              <a:rPr lang="en-US" sz="2800" dirty="0">
-                <a:latin typeface="Arial" panose="020B0604020202020204" pitchFamily="34" charset="0"/>
-              </a:rPr>
-              <a:t> comes from the specified priority scheme to determine which style rule applies if more than one rule matches a particular element. This cascading priority scheme is predictable. </a:t>
-            </a:r>
-          </a:p>
-          <a:p>
-            <a:pPr lvl="0" defTabSz="914400" eaLnBrk="0" fontAlgn="base" hangingPunct="0">
-              <a:spcBef>
-                <a:spcPct val="0"/>
-              </a:spcBef>
-              <a:spcAft>
-                <a:spcPct val="0"/>
-              </a:spcAft>
-            </a:pPr>
-            <a:r>
-              <a:rPr lang="en-US" sz="2800" dirty="0">
-                <a:latin typeface="Arial" panose="020B0604020202020204" pitchFamily="34" charset="0"/>
-              </a:rPr>
-              <a:t>The CSS specifications are maintained by the </a:t>
-            </a:r>
-            <a:r>
-              <a:rPr lang="en-US" sz="2800" dirty="0">
-                <a:latin typeface="Arial" panose="020B0604020202020204" pitchFamily="34" charset="0"/>
-                <a:hlinkClick r:id="rId6" tooltip="World Wide Web Consortium"/>
-              </a:rPr>
-              <a:t>World Wide Web Consortium</a:t>
-            </a:r>
-            <a:r>
-              <a:rPr lang="en-US" sz="2800" dirty="0">
-                <a:latin typeface="Arial" panose="020B0604020202020204" pitchFamily="34" charset="0"/>
-              </a:rPr>
-              <a:t> (W3C). Internet media type (</a:t>
-            </a:r>
-            <a:r>
-              <a:rPr lang="en-US" sz="2800" dirty="0">
-                <a:latin typeface="Arial" panose="020B0604020202020204" pitchFamily="34" charset="0"/>
-                <a:hlinkClick r:id="rId7" tooltip="MIME media type"/>
-              </a:rPr>
-              <a:t>MIME type</a:t>
-            </a:r>
-            <a:r>
-              <a:rPr lang="en-US" sz="2800" dirty="0">
-                <a:latin typeface="Arial" panose="020B0604020202020204" pitchFamily="34" charset="0"/>
-              </a:rPr>
-              <a:t>) </a:t>
-            </a:r>
-            <a:r>
-              <a:rPr lang="en-US" sz="1200" dirty="0">
-                <a:latin typeface="Arial Unicode MS" panose="020B0604020202020204" pitchFamily="34" charset="-128"/>
-              </a:rPr>
-              <a:t>text/</a:t>
-            </a:r>
-            <a:r>
-              <a:rPr lang="en-US" sz="1200" dirty="0" err="1">
-                <a:latin typeface="Arial Unicode MS" panose="020B0604020202020204" pitchFamily="34" charset="-128"/>
-              </a:rPr>
-              <a:t>css</a:t>
-            </a:r>
-            <a:r>
-              <a:rPr lang="en-US" sz="1600" dirty="0"/>
-              <a:t> is registered for use with CSS by </a:t>
-            </a:r>
-            <a:r>
-              <a:rPr lang="en-US" sz="2800" dirty="0">
-                <a:latin typeface="Arial" panose="020B0604020202020204" pitchFamily="34" charset="0"/>
-                <a:hlinkClick r:id="rId8"/>
-              </a:rPr>
-              <a:t>RFC 2318</a:t>
-            </a:r>
-            <a:r>
-              <a:rPr lang="en-US" sz="2800" dirty="0">
-                <a:latin typeface="Arial" panose="020B0604020202020204" pitchFamily="34" charset="0"/>
-              </a:rPr>
-              <a:t> (March 1998). The W3C operates a free </a:t>
-            </a:r>
-            <a:r>
-              <a:rPr lang="en-US" sz="2800" dirty="0">
-                <a:latin typeface="Arial" panose="020B0604020202020204" pitchFamily="34" charset="0"/>
-                <a:hlinkClick r:id="rId9" tooltip="W3C Markup Validation Service"/>
-              </a:rPr>
-              <a:t>CSS validation service</a:t>
-            </a:r>
-            <a:r>
-              <a:rPr lang="en-US" sz="2800" dirty="0">
-                <a:latin typeface="Arial" panose="020B0604020202020204" pitchFamily="34" charset="0"/>
-              </a:rPr>
-              <a:t> for CSS documents.</a:t>
-            </a:r>
-            <a:r>
-              <a:rPr lang="en-US" sz="2800" baseline="30000" dirty="0">
-                <a:latin typeface="Arial" panose="020B0604020202020204" pitchFamily="34" charset="0"/>
-                <a:hlinkClick r:id="rId10"/>
-              </a:rPr>
-              <a:t>[5]</a:t>
-            </a:r>
-            <a:r>
-              <a:rPr lang="en-US" sz="2800" dirty="0">
-                <a:latin typeface="Arial" panose="020B0604020202020204" pitchFamily="34" charset="0"/>
-              </a:rPr>
-              <a:t> </a:t>
-            </a:r>
-          </a:p>
-          <a:p>
-            <a:pPr lvl="0" defTabSz="914400" eaLnBrk="0" fontAlgn="base" hangingPunct="0">
-              <a:spcBef>
-                <a:spcPct val="0"/>
-              </a:spcBef>
-              <a:spcAft>
-                <a:spcPct val="0"/>
-              </a:spcAft>
-            </a:pPr>
-            <a:r>
-              <a:rPr lang="en-US" sz="2800" dirty="0">
-                <a:latin typeface="Arial" panose="020B0604020202020204" pitchFamily="34" charset="0"/>
-              </a:rPr>
-              <a:t>In addition to HTML, other markup languages support the use of CSS including </a:t>
-            </a:r>
-            <a:r>
-              <a:rPr lang="en-US" sz="2800" dirty="0">
-                <a:latin typeface="Arial" panose="020B0604020202020204" pitchFamily="34" charset="0"/>
-                <a:hlinkClick r:id="rId11" tooltip="XHTML"/>
-              </a:rPr>
-              <a:t>XHTML</a:t>
-            </a:r>
-            <a:r>
-              <a:rPr lang="en-US" sz="2800" dirty="0">
-                <a:latin typeface="Arial" panose="020B0604020202020204" pitchFamily="34" charset="0"/>
-              </a:rPr>
-              <a:t>, </a:t>
-            </a:r>
-            <a:r>
-              <a:rPr lang="en-US" sz="2800" dirty="0">
-                <a:latin typeface="Arial" panose="020B0604020202020204" pitchFamily="34" charset="0"/>
-                <a:hlinkClick r:id="rId12" tooltip="Plain Old XML"/>
-              </a:rPr>
-              <a:t>plain XML</a:t>
-            </a:r>
-            <a:r>
-              <a:rPr lang="en-US" sz="2800" dirty="0">
-                <a:latin typeface="Arial" panose="020B0604020202020204" pitchFamily="34" charset="0"/>
-              </a:rPr>
-              <a:t>, </a:t>
-            </a:r>
-            <a:r>
-              <a:rPr lang="en-US" sz="2800" dirty="0">
-                <a:latin typeface="Arial" panose="020B0604020202020204" pitchFamily="34" charset="0"/>
-                <a:hlinkClick r:id="rId13" tooltip="Scalable Vector Graphics"/>
-              </a:rPr>
-              <a:t>SVG</a:t>
-            </a:r>
-            <a:r>
-              <a:rPr lang="en-US" sz="2800" dirty="0">
-                <a:latin typeface="Arial" panose="020B0604020202020204" pitchFamily="34" charset="0"/>
-              </a:rPr>
-              <a:t>, and </a:t>
-            </a:r>
-            <a:r>
-              <a:rPr lang="en-US" sz="2800" dirty="0">
-                <a:latin typeface="Arial" panose="020B0604020202020204" pitchFamily="34" charset="0"/>
-                <a:hlinkClick r:id="rId14" tooltip="XUL"/>
-              </a:rPr>
-              <a:t>XUL</a:t>
-            </a:r>
-            <a:r>
-              <a:rPr lang="en-US" sz="2800" dirty="0">
-                <a:latin typeface="Arial" panose="020B0604020202020204" pitchFamily="34" charset="0"/>
-              </a:rPr>
-              <a:t>. </a:t>
-            </a:r>
+            <a:pPr algn="ctr"/>
+            <a:r>
+              <a:rPr lang="en-US" sz="4000" b="1" dirty="0" smtClean="0"/>
+              <a:t>CSSS 3</a:t>
+            </a:r>
+            <a:endParaRPr lang="en-US" sz="4000" b="1" dirty="0"/>
           </a:p>
         </p:txBody>
       </p:sp>
     </p:spTree>
     <p:extLst>
       <p:ext uri="{BB962C8B-B14F-4D97-AF65-F5344CB8AC3E}">
-        <p14:creationId xmlns:p14="http://schemas.microsoft.com/office/powerpoint/2010/main" val="1815114102"/>
+        <p14:creationId xmlns:p14="http://schemas.microsoft.com/office/powerpoint/2010/main" val="2099285564"/>
       </p:ext>
     </p:extLst>
   </p:cSld>
@@ -10945,7 +10215,7 @@
                 <a:latin typeface="Times New Roman" panose="02020603050405020304" pitchFamily="18" charset="0"/>
                 <a:cs typeface="Times New Roman" panose="02020603050405020304" pitchFamily="18" charset="0"/>
               </a:rPr>
-              <a:t>JAVASCRIPT</a:t>
+              <a:t>CSS3</a:t>
             </a:r>
             <a:endParaRPr lang="en-US" b="1" dirty="0">
               <a:latin typeface="Times New Roman" panose="02020603050405020304" pitchFamily="18" charset="0"/>
@@ -10956,414 +10226,561 @@
       </p:sp>
       <p:sp>
         <p:nvSpPr>
-          <p:cNvPr id="3" name="Rectangle 2"/>
-          <p:cNvSpPr/>
+          <p:cNvPr id="3" name="Rectangle 1"/>
+          <p:cNvSpPr>
+            <a:spLocks noChangeArrowheads="1"/>
+          </p:cNvSpPr>
           <p:nvPr/>
         </p:nvSpPr>
-        <p:spPr>
-          <a:xfrm>
-            <a:off x="386366" y="802569"/>
-            <a:ext cx="10045521" cy="6001643"/>
+        <p:spPr bwMode="auto">
+          <a:xfrm>
+            <a:off x="1004553" y="1247135"/>
+            <a:ext cx="8989454" cy="5262979"/>
           </a:xfrm>
           <a:prstGeom prst="rect">
             <a:avLst/>
           </a:prstGeom>
-        </p:spPr>
-        <p:txBody>
-          <a:bodyPr wrap="square">
+          <a:noFill/>
+          <a:ln>
+            <a:noFill/>
+          </a:ln>
+          <a:effectLst/>
+          <a:extLst>
+            <a:ext uri="{909E8E84-426E-40DD-AFC4-6F175D3DCCD1}">
+              <a14:hiddenFill xmlns:a14="http://schemas.microsoft.com/office/drawing/2010/main">
+                <a:solidFill>
+                  <a:schemeClr val="accent1"/>
+                </a:solidFill>
+              </a14:hiddenFill>
+            </a:ext>
+            <a:ext uri="{91240B29-F687-4F45-9708-019B960494DF}">
+              <a14:hiddenLine xmlns:a14="http://schemas.microsoft.com/office/drawing/2010/main" w="9525">
+                <a:solidFill>
+                  <a:schemeClr val="tx1"/>
+                </a:solidFill>
+                <a:miter lim="800000"/>
+                <a:headEnd/>
+                <a:tailEnd/>
+              </a14:hiddenLine>
+            </a:ext>
+            <a:ext uri="{AF507438-7753-43E0-B8FC-AC1667EBCBE1}">
+              <a14:hiddenEffects xmlns:a14="http://schemas.microsoft.com/office/drawing/2010/main">
+                <a:effectLst>
+                  <a:outerShdw dist="35921" dir="2700000" algn="ctr" rotWithShape="0">
+                    <a:schemeClr val="bg2"/>
+                  </a:outerShdw>
+                </a:effectLst>
+              </a14:hiddenEffects>
+            </a:ext>
+          </a:extLst>
+        </p:spPr>
+        <p:txBody>
+          <a:bodyPr vert="horz" wrap="square" lIns="91440" tIns="45720" rIns="91440" bIns="45720" numCol="1" anchor="ctr" anchorCtr="0" compatLnSpc="1">
+            <a:prstTxWarp prst="textNoShape">
+              <a:avLst/>
+            </a:prstTxWarp>
             <a:spAutoFit/>
           </a:bodyPr>
           <a:lstStyle/>
           <a:p>
-            <a:r>
-              <a:rPr lang="en-US" sz="2400" b="1" dirty="0"/>
+            <a:pPr marL="0" marR="0" lvl="0" indent="0" algn="l" defTabSz="914400" rtl="0" eaLnBrk="0" fontAlgn="base" latinLnBrk="0" hangingPunct="0">
+              <a:lnSpc>
+                <a:spcPct val="100000"/>
+              </a:lnSpc>
+              <a:spcBef>
+                <a:spcPct val="0"/>
+              </a:spcBef>
+              <a:spcAft>
+                <a:spcPct val="0"/>
+              </a:spcAft>
+              <a:buClrTx/>
+              <a:buSzTx/>
+              <a:buFontTx/>
+              <a:buNone/>
+              <a:tabLst/>
+            </a:pPr>
+            <a:r>
+              <a:rPr kumimoji="0" lang="en-US" sz="2400" b="1" i="0" u="none" strike="noStrike" cap="none" normalizeH="0" baseline="0" dirty="0" smtClean="0">
+                <a:ln>
+                  <a:noFill/>
+                </a:ln>
+                <a:solidFill>
+                  <a:schemeClr val="tx1"/>
+                </a:solidFill>
+                <a:effectLst/>
+                <a:latin typeface="Arial" panose="020B0604020202020204" pitchFamily="34" charset="0"/>
+              </a:rPr>
+              <a:t>Cascading Style Sheets</a:t>
+            </a:r>
+            <a:r>
+              <a:rPr kumimoji="0" lang="en-US" sz="2400" b="0" i="0" u="none" strike="noStrike" cap="none" normalizeH="0" baseline="0" dirty="0" smtClean="0">
+                <a:ln>
+                  <a:noFill/>
+                </a:ln>
+                <a:solidFill>
+                  <a:schemeClr val="tx1"/>
+                </a:solidFill>
+                <a:effectLst/>
+                <a:latin typeface="Arial" panose="020B0604020202020204" pitchFamily="34" charset="0"/>
+              </a:rPr>
+              <a:t> (</a:t>
+            </a:r>
+            <a:r>
+              <a:rPr kumimoji="0" lang="en-US" sz="2400" b="1" i="0" u="none" strike="noStrike" cap="none" normalizeH="0" baseline="0" dirty="0" smtClean="0">
+                <a:ln>
+                  <a:noFill/>
+                </a:ln>
+                <a:solidFill>
+                  <a:schemeClr val="tx1"/>
+                </a:solidFill>
+                <a:effectLst/>
+                <a:latin typeface="Arial" panose="020B0604020202020204" pitchFamily="34" charset="0"/>
+              </a:rPr>
+              <a:t>CSS</a:t>
+            </a:r>
+            <a:r>
+              <a:rPr kumimoji="0" lang="en-US" sz="2400" b="0" i="0" u="none" strike="noStrike" cap="none" normalizeH="0" baseline="0" dirty="0" smtClean="0">
+                <a:ln>
+                  <a:noFill/>
+                </a:ln>
+                <a:solidFill>
+                  <a:schemeClr val="tx1"/>
+                </a:solidFill>
+                <a:effectLst/>
+                <a:latin typeface="Arial" panose="020B0604020202020204" pitchFamily="34" charset="0"/>
+              </a:rPr>
+              <a:t>) is a </a:t>
+            </a:r>
+            <a:r>
+              <a:rPr kumimoji="0" lang="en-US" sz="2400" b="0" i="0" u="none" strike="noStrike" cap="none" normalizeH="0" baseline="0" dirty="0" smtClean="0">
+                <a:ln>
+                  <a:noFill/>
+                </a:ln>
+                <a:solidFill>
+                  <a:schemeClr val="tx1"/>
+                </a:solidFill>
+                <a:effectLst/>
+                <a:latin typeface="Arial" panose="020B0604020202020204" pitchFamily="34" charset="0"/>
+                <a:hlinkClick r:id="rId3" tooltip="Style sheet language"/>
+              </a:rPr>
+              <a:t>style sheet language</a:t>
+            </a:r>
+            <a:r>
+              <a:rPr kumimoji="0" lang="en-US" sz="2400" b="0" i="0" u="none" strike="noStrike" cap="none" normalizeH="0" baseline="0" dirty="0" smtClean="0">
+                <a:ln>
+                  <a:noFill/>
+                </a:ln>
+                <a:solidFill>
+                  <a:schemeClr val="tx1"/>
+                </a:solidFill>
+                <a:effectLst/>
+                <a:latin typeface="Arial" panose="020B0604020202020204" pitchFamily="34" charset="0"/>
+              </a:rPr>
+              <a:t> used for describing the </a:t>
+            </a:r>
+            <a:r>
+              <a:rPr kumimoji="0" lang="en-US" sz="2400" b="0" i="0" u="none" strike="noStrike" cap="none" normalizeH="0" baseline="0" dirty="0" smtClean="0">
+                <a:ln>
+                  <a:noFill/>
+                </a:ln>
+                <a:solidFill>
+                  <a:schemeClr val="tx1"/>
+                </a:solidFill>
+                <a:effectLst/>
+                <a:latin typeface="Arial" panose="020B0604020202020204" pitchFamily="34" charset="0"/>
+                <a:hlinkClick r:id="rId4" tooltip="Presentation semantics"/>
+              </a:rPr>
+              <a:t>presentation</a:t>
+            </a:r>
+            <a:r>
+              <a:rPr kumimoji="0" lang="en-US" sz="2400" b="0" i="0" u="none" strike="noStrike" cap="none" normalizeH="0" baseline="0" dirty="0" smtClean="0">
+                <a:ln>
+                  <a:noFill/>
+                </a:ln>
+                <a:solidFill>
+                  <a:schemeClr val="tx1"/>
+                </a:solidFill>
+                <a:effectLst/>
+                <a:latin typeface="Arial" panose="020B0604020202020204" pitchFamily="34" charset="0"/>
+              </a:rPr>
+              <a:t> of a document written in a </a:t>
+            </a:r>
+            <a:r>
+              <a:rPr kumimoji="0" lang="en-US" sz="2400" b="0" i="0" u="none" strike="noStrike" cap="none" normalizeH="0" baseline="0" dirty="0" smtClean="0">
+                <a:ln>
+                  <a:noFill/>
+                </a:ln>
+                <a:solidFill>
+                  <a:schemeClr val="tx1"/>
+                </a:solidFill>
+                <a:effectLst/>
+                <a:latin typeface="Arial" panose="020B0604020202020204" pitchFamily="34" charset="0"/>
+                <a:hlinkClick r:id="rId5" tooltip="Markup language"/>
+              </a:rPr>
+              <a:t>markup language</a:t>
+            </a:r>
+            <a:r>
+              <a:rPr kumimoji="0" lang="en-US" sz="2400" b="0" i="0" u="none" strike="noStrike" cap="none" normalizeH="0" baseline="0" dirty="0" smtClean="0">
+                <a:ln>
+                  <a:noFill/>
+                </a:ln>
+                <a:solidFill>
+                  <a:schemeClr val="tx1"/>
+                </a:solidFill>
+                <a:effectLst/>
+                <a:latin typeface="Arial" panose="020B0604020202020204" pitchFamily="34" charset="0"/>
+              </a:rPr>
+              <a:t> like </a:t>
+            </a:r>
+            <a:r>
+              <a:rPr kumimoji="0" lang="en-US" sz="2400" b="0" i="0" u="none" strike="noStrike" cap="none" normalizeH="0" baseline="0" dirty="0" smtClean="0">
+                <a:ln>
+                  <a:noFill/>
+                </a:ln>
+                <a:solidFill>
+                  <a:schemeClr val="tx1"/>
+                </a:solidFill>
+                <a:effectLst/>
+                <a:latin typeface="Arial" panose="020B0604020202020204" pitchFamily="34" charset="0"/>
+                <a:hlinkClick r:id="rId6" tooltip="HTML"/>
+              </a:rPr>
+              <a:t>HTML</a:t>
+            </a:r>
+            <a:r>
+              <a:rPr kumimoji="0" lang="en-US" sz="2400" b="0" i="0" u="none" strike="noStrike" cap="none" normalizeH="0" baseline="0" dirty="0" smtClean="0">
+                <a:ln>
+                  <a:noFill/>
+                </a:ln>
+                <a:solidFill>
+                  <a:schemeClr val="tx1"/>
+                </a:solidFill>
+                <a:effectLst/>
+                <a:latin typeface="Arial" panose="020B0604020202020204" pitchFamily="34" charset="0"/>
+              </a:rPr>
+              <a:t>.</a:t>
+            </a:r>
+            <a:r>
+              <a:rPr kumimoji="0" lang="en-US" sz="2400" b="0" i="0" u="none" strike="noStrike" cap="none" normalizeH="0" baseline="30000" dirty="0" smtClean="0">
+                <a:ln>
+                  <a:noFill/>
+                </a:ln>
+                <a:solidFill>
+                  <a:schemeClr val="tx1"/>
+                </a:solidFill>
+                <a:effectLst/>
+                <a:latin typeface="Arial" panose="020B0604020202020204" pitchFamily="34" charset="0"/>
+                <a:hlinkClick r:id="rId7"/>
+              </a:rPr>
+              <a:t>[1]</a:t>
+            </a:r>
+            <a:r>
+              <a:rPr kumimoji="0" lang="en-US" sz="2400" b="0" i="0" u="none" strike="noStrike" cap="none" normalizeH="0" baseline="0" dirty="0" smtClean="0">
+                <a:ln>
+                  <a:noFill/>
+                </a:ln>
+                <a:solidFill>
+                  <a:schemeClr val="tx1"/>
+                </a:solidFill>
+                <a:effectLst/>
+                <a:latin typeface="Arial" panose="020B0604020202020204" pitchFamily="34" charset="0"/>
+              </a:rPr>
+              <a:t> CSS is a cornerstone technology of the </a:t>
+            </a:r>
+            <a:r>
+              <a:rPr kumimoji="0" lang="en-US" sz="2400" b="0" i="0" u="none" strike="noStrike" cap="none" normalizeH="0" baseline="0" dirty="0" smtClean="0">
+                <a:ln>
+                  <a:noFill/>
+                </a:ln>
+                <a:solidFill>
+                  <a:schemeClr val="tx1"/>
+                </a:solidFill>
+                <a:effectLst/>
+                <a:latin typeface="Arial" panose="020B0604020202020204" pitchFamily="34" charset="0"/>
+                <a:hlinkClick r:id="rId8" tooltip="World Wide Web"/>
+              </a:rPr>
+              <a:t>World Wide Web</a:t>
+            </a:r>
+            <a:r>
+              <a:rPr kumimoji="0" lang="en-US" sz="2400" b="0" i="0" u="none" strike="noStrike" cap="none" normalizeH="0" baseline="0" dirty="0" smtClean="0">
+                <a:ln>
+                  <a:noFill/>
+                </a:ln>
+                <a:solidFill>
+                  <a:schemeClr val="tx1"/>
+                </a:solidFill>
+                <a:effectLst/>
+                <a:latin typeface="Arial" panose="020B0604020202020204" pitchFamily="34" charset="0"/>
+              </a:rPr>
+              <a:t>, alongside HTML and </a:t>
+            </a:r>
+            <a:r>
+              <a:rPr kumimoji="0" lang="en-US" sz="2400" b="0" i="0" u="none" strike="noStrike" cap="none" normalizeH="0" baseline="0" dirty="0" smtClean="0">
+                <a:ln>
+                  <a:noFill/>
+                </a:ln>
+                <a:solidFill>
+                  <a:schemeClr val="tx1"/>
+                </a:solidFill>
+                <a:effectLst/>
+                <a:latin typeface="Arial" panose="020B0604020202020204" pitchFamily="34" charset="0"/>
+                <a:hlinkClick r:id="rId9" tooltip="JavaScript"/>
+              </a:rPr>
               <a:t>JavaScript</a:t>
             </a:r>
             <a:r>
-              <a:rPr lang="en-US" sz="2400" dirty="0"/>
-              <a:t> (</a:t>
-            </a:r>
-            <a:r>
-              <a:rPr lang="en-US" sz="2400" dirty="0">
-                <a:hlinkClick r:id="rId3" tooltip="Help:IPA/English"/>
-              </a:rPr>
-              <a:t>/ˈ</a:t>
-            </a:r>
-            <a:r>
-              <a:rPr lang="en-US" sz="2400" dirty="0" err="1">
-                <a:hlinkClick r:id="rId3" tooltip="Help:IPA/English"/>
-              </a:rPr>
-              <a:t>dʒɑːvəˌskrɪpt</a:t>
-            </a:r>
-            <a:r>
-              <a:rPr lang="en-US" sz="2400" dirty="0">
-                <a:hlinkClick r:id="rId3" tooltip="Help:IPA/English"/>
-              </a:rPr>
-              <a:t>/</a:t>
-            </a:r>
-            <a:r>
-              <a:rPr lang="en-US" sz="2400" dirty="0"/>
-              <a:t>),</a:t>
-            </a:r>
-            <a:r>
-              <a:rPr lang="en-US" sz="2400" baseline="30000" dirty="0">
-                <a:hlinkClick r:id="rId4"/>
-              </a:rPr>
-              <a:t>[8]</a:t>
-            </a:r>
-            <a:r>
-              <a:rPr lang="en-US" sz="2400" dirty="0"/>
-              <a:t> often abbreviated as </a:t>
-            </a:r>
-            <a:r>
-              <a:rPr lang="en-US" sz="2400" b="1" dirty="0"/>
-              <a:t>JS</a:t>
-            </a:r>
-            <a:r>
-              <a:rPr lang="en-US" sz="2400" dirty="0"/>
-              <a:t>, is a </a:t>
-            </a:r>
-            <a:r>
-              <a:rPr lang="en-US" sz="2400" dirty="0">
-                <a:hlinkClick r:id="rId5" tooltip="High-level programming language"/>
-              </a:rPr>
-              <a:t>high-level</a:t>
-            </a:r>
-            <a:r>
-              <a:rPr lang="en-US" sz="2400" dirty="0"/>
+              <a:rPr kumimoji="0" lang="en-US" sz="2400" b="0" i="0" u="none" strike="noStrike" cap="none" normalizeH="0" baseline="0" dirty="0" smtClean="0">
+                <a:ln>
+                  <a:noFill/>
+                </a:ln>
+                <a:solidFill>
+                  <a:schemeClr val="tx1"/>
+                </a:solidFill>
+                <a:effectLst/>
+                <a:latin typeface="Arial" panose="020B0604020202020204" pitchFamily="34" charset="0"/>
+              </a:rPr>
+              <a:t>.</a:t>
+            </a:r>
+            <a:r>
+              <a:rPr kumimoji="0" lang="en-US" sz="2400" b="0" i="0" u="none" strike="noStrike" cap="none" normalizeH="0" baseline="30000" dirty="0" smtClean="0">
+                <a:ln>
+                  <a:noFill/>
+                </a:ln>
+                <a:solidFill>
+                  <a:schemeClr val="tx1"/>
+                </a:solidFill>
+                <a:effectLst/>
+                <a:latin typeface="Arial" panose="020B0604020202020204" pitchFamily="34" charset="0"/>
+                <a:hlinkClick r:id="rId10"/>
+              </a:rPr>
+              <a:t>[2]</a:t>
+            </a:r>
+            <a:r>
+              <a:rPr kumimoji="0" lang="en-US" sz="2400" b="0" i="0" u="none" strike="noStrike" cap="none" normalizeH="0" baseline="0" dirty="0" smtClean="0">
+                <a:ln>
+                  <a:noFill/>
+                </a:ln>
+                <a:solidFill>
+                  <a:schemeClr val="tx1"/>
+                </a:solidFill>
+                <a:effectLst/>
+                <a:latin typeface="Arial" panose="020B0604020202020204" pitchFamily="34" charset="0"/>
+              </a:rPr>
+              <a:t> CSS is designed to enable the separation of presentation and content, including </a:t>
+            </a:r>
+            <a:r>
+              <a:rPr kumimoji="0" lang="en-US" sz="2400" b="0" i="0" u="none" strike="noStrike" cap="none" normalizeH="0" baseline="0" dirty="0" smtClean="0">
+                <a:ln>
+                  <a:noFill/>
+                </a:ln>
+                <a:solidFill>
+                  <a:schemeClr val="tx1"/>
+                </a:solidFill>
+                <a:effectLst/>
+                <a:latin typeface="Arial" panose="020B0604020202020204" pitchFamily="34" charset="0"/>
+                <a:hlinkClick r:id="rId11" tooltip="Page layout"/>
+              </a:rPr>
+              <a:t>layout</a:t>
+            </a:r>
+            <a:r>
+              <a:rPr kumimoji="0" lang="en-US" sz="2400" b="0" i="0" u="none" strike="noStrike" cap="none" normalizeH="0" baseline="0" dirty="0" smtClean="0">
+                <a:ln>
+                  <a:noFill/>
+                </a:ln>
+                <a:solidFill>
+                  <a:schemeClr val="tx1"/>
+                </a:solidFill>
+                <a:effectLst/>
+                <a:latin typeface="Arial" panose="020B0604020202020204" pitchFamily="34" charset="0"/>
+              </a:rPr>
               <a:t>, </a:t>
             </a:r>
             <a:r>
-              <a:rPr lang="en-US" sz="2400" dirty="0">
-                <a:hlinkClick r:id="rId6" tooltip="Interpreted language"/>
-              </a:rPr>
-              <a:t>interpreted</a:t>
-            </a:r>
-            <a:r>
-              <a:rPr lang="en-US" sz="2400" dirty="0"/>
-              <a:t> </a:t>
-            </a:r>
-            <a:r>
-              <a:rPr lang="en-US" sz="2400" dirty="0">
-                <a:hlinkClick r:id="rId7" tooltip="Scripting language"/>
-              </a:rPr>
-              <a:t>scripting language</a:t>
-            </a:r>
-            <a:r>
-              <a:rPr lang="en-US" sz="2400" dirty="0"/>
-              <a:t> that conforms to the </a:t>
-            </a:r>
-            <a:r>
-              <a:rPr lang="en-US" sz="2400" dirty="0" err="1">
-                <a:hlinkClick r:id="rId8" tooltip="ECMAScript"/>
-              </a:rPr>
-              <a:t>ECMAScript</a:t>
-            </a:r>
-            <a:r>
-              <a:rPr lang="en-US" sz="2400" dirty="0"/>
-              <a:t> specification. JavaScript has </a:t>
-            </a:r>
-            <a:r>
-              <a:rPr lang="en-US" sz="2400" dirty="0">
-                <a:hlinkClick r:id="rId9" tooltip="List of programming languages by type"/>
-              </a:rPr>
-              <a:t>curly-bracket syntax</a:t>
-            </a:r>
-            <a:r>
-              <a:rPr lang="en-US" sz="2400" dirty="0"/>
-              <a:t>, </a:t>
-            </a:r>
-            <a:r>
-              <a:rPr lang="en-US" sz="2400" dirty="0">
-                <a:hlinkClick r:id="rId10" tooltip="Dynamic typing"/>
-              </a:rPr>
-              <a:t>dynamic typing</a:t>
-            </a:r>
-            <a:r>
-              <a:rPr lang="en-US" sz="2400" dirty="0"/>
-              <a:t>, </a:t>
-            </a:r>
-            <a:r>
-              <a:rPr lang="en-US" sz="2400" dirty="0">
-                <a:hlinkClick r:id="rId11" tooltip="Prototype-based programming"/>
-              </a:rPr>
-              <a:t>prototype-based</a:t>
-            </a:r>
-            <a:r>
-              <a:rPr lang="en-US" sz="2400" dirty="0"/>
-              <a:t> </a:t>
-            </a:r>
-            <a:r>
-              <a:rPr lang="en-US" sz="2400" dirty="0">
-                <a:hlinkClick r:id="rId12" tooltip="Object-oriented programming"/>
-              </a:rPr>
-              <a:t>object-orientation</a:t>
-            </a:r>
-            <a:r>
-              <a:rPr lang="en-US" sz="2400" dirty="0"/>
+              <a:rPr kumimoji="0" lang="en-US" sz="2400" b="0" i="0" u="none" strike="noStrike" cap="none" normalizeH="0" baseline="0" dirty="0" smtClean="0">
+                <a:ln>
+                  <a:noFill/>
+                </a:ln>
+                <a:solidFill>
+                  <a:schemeClr val="tx1"/>
+                </a:solidFill>
+                <a:effectLst/>
+                <a:latin typeface="Arial" panose="020B0604020202020204" pitchFamily="34" charset="0"/>
+                <a:hlinkClick r:id="rId12" tooltip="Color"/>
+              </a:rPr>
+              <a:t>colors</a:t>
+            </a:r>
+            <a:r>
+              <a:rPr kumimoji="0" lang="en-US" sz="2400" b="0" i="0" u="none" strike="noStrike" cap="none" normalizeH="0" baseline="0" dirty="0" smtClean="0">
+                <a:ln>
+                  <a:noFill/>
+                </a:ln>
+                <a:solidFill>
+                  <a:schemeClr val="tx1"/>
+                </a:solidFill>
+                <a:effectLst/>
+                <a:latin typeface="Arial" panose="020B0604020202020204" pitchFamily="34" charset="0"/>
+              </a:rPr>
               <a:t>, and </a:t>
             </a:r>
             <a:r>
-              <a:rPr lang="en-US" sz="2400" dirty="0">
-                <a:hlinkClick r:id="rId13" tooltip="First-class function"/>
-              </a:rPr>
-              <a:t>first-class functions</a:t>
-            </a:r>
-            <a:r>
-              <a:rPr lang="en-US" sz="2400" dirty="0"/>
-              <a:t>. </a:t>
-            </a:r>
-          </a:p>
-          <a:p>
-            <a:r>
-              <a:rPr lang="en-US" sz="2400" dirty="0"/>
-              <a:t>Alongside </a:t>
-            </a:r>
-            <a:r>
-              <a:rPr lang="en-US" sz="2400" dirty="0">
-                <a:hlinkClick r:id="rId14" tooltip="HTML"/>
-              </a:rPr>
-              <a:t>HTML</a:t>
-            </a:r>
-            <a:r>
-              <a:rPr lang="en-US" sz="2400" dirty="0"/>
-              <a:t> and </a:t>
-            </a:r>
-            <a:r>
-              <a:rPr lang="en-US" sz="2400" dirty="0">
-                <a:hlinkClick r:id="rId15" tooltip="CSS"/>
-              </a:rPr>
-              <a:t>CSS</a:t>
-            </a:r>
-            <a:r>
-              <a:rPr lang="en-US" sz="2400" dirty="0"/>
-              <a:t>, JavaScript is one of the core technologies of the </a:t>
-            </a:r>
-            <a:r>
-              <a:rPr lang="en-US" sz="2400" dirty="0">
-                <a:hlinkClick r:id="rId16" tooltip="World Wide Web"/>
-              </a:rPr>
-              <a:t>World Wide Web</a:t>
-            </a:r>
-            <a:r>
-              <a:rPr lang="en-US" sz="2400" dirty="0"/>
+              <a:rPr kumimoji="0" lang="en-US" sz="2400" b="0" i="0" u="none" strike="noStrike" cap="none" normalizeH="0" baseline="0" dirty="0" smtClean="0">
+                <a:ln>
+                  <a:noFill/>
+                </a:ln>
+                <a:solidFill>
+                  <a:schemeClr val="tx1"/>
+                </a:solidFill>
+                <a:effectLst/>
+                <a:latin typeface="Arial" panose="020B0604020202020204" pitchFamily="34" charset="0"/>
+                <a:hlinkClick r:id="rId13" tooltip="Typeface"/>
+              </a:rPr>
+              <a:t>fonts</a:t>
+            </a:r>
+            <a:r>
+              <a:rPr kumimoji="0" lang="en-US" sz="2400" b="0" i="0" u="none" strike="noStrike" cap="none" normalizeH="0" baseline="0" dirty="0" smtClean="0">
+                <a:ln>
+                  <a:noFill/>
+                </a:ln>
+                <a:solidFill>
+                  <a:schemeClr val="tx1"/>
+                </a:solidFill>
+                <a:effectLst/>
+                <a:latin typeface="Arial" panose="020B0604020202020204" pitchFamily="34" charset="0"/>
+              </a:rPr>
               <a:t>.</a:t>
             </a:r>
             <a:r>
-              <a:rPr lang="en-US" sz="2400" baseline="30000" dirty="0">
-                <a:hlinkClick r:id="rId17"/>
-              </a:rPr>
-              <a:t>[9]</a:t>
-            </a:r>
-            <a:r>
-              <a:rPr lang="en-US" sz="2400" dirty="0"/>
-              <a:t> JavaScript enables interactive </a:t>
-            </a:r>
-            <a:r>
-              <a:rPr lang="en-US" sz="2400" dirty="0">
-                <a:hlinkClick r:id="rId18" tooltip="Web page"/>
+              <a:rPr kumimoji="0" lang="en-US" sz="2400" b="0" i="0" u="none" strike="noStrike" cap="none" normalizeH="0" baseline="30000" dirty="0" smtClean="0">
+                <a:ln>
+                  <a:noFill/>
+                </a:ln>
+                <a:solidFill>
+                  <a:schemeClr val="tx1"/>
+                </a:solidFill>
+                <a:effectLst/>
+                <a:latin typeface="Arial" panose="020B0604020202020204" pitchFamily="34" charset="0"/>
+                <a:hlinkClick r:id="rId14"/>
+              </a:rPr>
+              <a:t>[3]</a:t>
+            </a:r>
+            <a:r>
+              <a:rPr kumimoji="0" lang="en-US" sz="2400" b="0" i="0" u="none" strike="noStrike" cap="none" normalizeH="0" baseline="0" dirty="0" smtClean="0">
+                <a:ln>
+                  <a:noFill/>
+                </a:ln>
+                <a:solidFill>
+                  <a:schemeClr val="tx1"/>
+                </a:solidFill>
+                <a:effectLst/>
+                <a:latin typeface="Arial" panose="020B0604020202020204" pitchFamily="34" charset="0"/>
+              </a:rPr>
+              <a:t> This separation can improve content </a:t>
+            </a:r>
+            <a:r>
+              <a:rPr kumimoji="0" lang="en-US" sz="2400" b="0" i="0" u="none" strike="noStrike" cap="none" normalizeH="0" baseline="0" dirty="0" smtClean="0">
+                <a:ln>
+                  <a:noFill/>
+                </a:ln>
+                <a:solidFill>
+                  <a:schemeClr val="tx1"/>
+                </a:solidFill>
+                <a:effectLst/>
+                <a:latin typeface="Arial" panose="020B0604020202020204" pitchFamily="34" charset="0"/>
+                <a:hlinkClick r:id="rId15" tooltip="Accessibility"/>
+              </a:rPr>
+              <a:t>accessibility</a:t>
+            </a:r>
+            <a:r>
+              <a:rPr kumimoji="0" lang="en-US" sz="2400" b="0" i="0" u="none" strike="noStrike" cap="none" normalizeH="0" baseline="0" dirty="0" smtClean="0">
+                <a:ln>
+                  <a:noFill/>
+                </a:ln>
+                <a:solidFill>
+                  <a:schemeClr val="tx1"/>
+                </a:solidFill>
+                <a:effectLst/>
+                <a:latin typeface="Arial" panose="020B0604020202020204" pitchFamily="34" charset="0"/>
+              </a:rPr>
+              <a:t>, provide more flexibility and control in the specification of presentation characteristics, enable multiple </a:t>
+            </a:r>
+            <a:r>
+              <a:rPr kumimoji="0" lang="en-US" sz="2400" b="0" i="0" u="none" strike="noStrike" cap="none" normalizeH="0" baseline="0" dirty="0" smtClean="0">
+                <a:ln>
+                  <a:noFill/>
+                </a:ln>
+                <a:solidFill>
+                  <a:schemeClr val="tx1"/>
+                </a:solidFill>
+                <a:effectLst/>
+                <a:latin typeface="Arial" panose="020B0604020202020204" pitchFamily="34" charset="0"/>
+                <a:hlinkClick r:id="rId16" tooltip="Web page"/>
               </a:rPr>
               <a:t>web pages</a:t>
             </a:r>
             <a:r>
-              <a:rPr lang="en-US" sz="2400" dirty="0"/>
-              <a:t> and is an essential part of </a:t>
-            </a:r>
-            <a:r>
-              <a:rPr lang="en-US" sz="2400" dirty="0">
-                <a:hlinkClick r:id="rId19" tooltip="Web application"/>
-              </a:rPr>
-              <a:t>web applications</a:t>
-            </a:r>
-            <a:r>
-              <a:rPr lang="en-US" sz="2400" dirty="0"/>
-              <a:t>. The vast majority of </a:t>
-            </a:r>
-            <a:r>
-              <a:rPr lang="en-US" sz="2400" dirty="0">
-                <a:hlinkClick r:id="rId20" tooltip="Website"/>
-              </a:rPr>
-              <a:t>websites</a:t>
-            </a:r>
-            <a:r>
-              <a:rPr lang="en-US" sz="2400" dirty="0"/>
-              <a:t> use it,</a:t>
-            </a:r>
-            <a:r>
-              <a:rPr lang="en-US" sz="2400" baseline="30000" dirty="0">
-                <a:hlinkClick r:id="rId21"/>
-              </a:rPr>
-              <a:t>[10]</a:t>
-            </a:r>
-            <a:r>
-              <a:rPr lang="en-US" sz="2400" dirty="0"/>
-              <a:t> and major </a:t>
-            </a:r>
-            <a:r>
-              <a:rPr lang="en-US" sz="2400" dirty="0">
-                <a:hlinkClick r:id="rId22" tooltip="Web browser"/>
-              </a:rPr>
-              <a:t>web browsers</a:t>
-            </a:r>
-            <a:r>
-              <a:rPr lang="en-US" sz="2400" dirty="0"/>
-              <a:t> have a dedicated </a:t>
-            </a:r>
-            <a:r>
-              <a:rPr lang="en-US" sz="2400" dirty="0">
-                <a:hlinkClick r:id="rId23" tooltip="JavaScript engine"/>
-              </a:rPr>
-              <a:t>JavaScript engine</a:t>
-            </a:r>
-            <a:r>
-              <a:rPr lang="en-US" sz="2400" dirty="0"/>
-              <a:t> to execute it. </a:t>
-            </a:r>
-          </a:p>
-          <a:p>
-            <a:r>
-              <a:rPr lang="en-US" sz="2400" dirty="0"/>
-              <a:t>As a multi-paradigm language, JavaScript supports </a:t>
-            </a:r>
-            <a:r>
-              <a:rPr lang="en-US" sz="2400" dirty="0">
-                <a:hlinkClick r:id="rId24" tooltip="Event-driven programming"/>
-              </a:rPr>
-              <a:t>event-driven</a:t>
-            </a:r>
-            <a:r>
-              <a:rPr lang="en-US" sz="2400" dirty="0"/>
-              <a:t>, </a:t>
-            </a:r>
-            <a:r>
-              <a:rPr lang="en-US" sz="2400" dirty="0">
-                <a:hlinkClick r:id="rId25" tooltip="Functional programming"/>
-              </a:rPr>
-              <a:t>functional</a:t>
-            </a:r>
-            <a:r>
-              <a:rPr lang="en-US" sz="2400" dirty="0"/>
-              <a:t>, and </a:t>
-            </a:r>
-            <a:r>
-              <a:rPr lang="en-US" sz="2400" dirty="0">
-                <a:hlinkClick r:id="rId26" tooltip="Imperative programming"/>
-              </a:rPr>
-              <a:t>imperative</a:t>
-            </a:r>
-            <a:r>
-              <a:rPr lang="en-US" sz="2400" dirty="0"/>
-              <a:t> (including </a:t>
-            </a:r>
-            <a:r>
-              <a:rPr lang="en-US" sz="2400" dirty="0">
-                <a:hlinkClick r:id="rId12" tooltip="Object-oriented programming"/>
-              </a:rPr>
-              <a:t>object-oriented</a:t>
-            </a:r>
-            <a:r>
-              <a:rPr lang="en-US" sz="2400" dirty="0"/>
-              <a:t> and </a:t>
-            </a:r>
-            <a:r>
-              <a:rPr lang="en-US" sz="2400" dirty="0">
-                <a:hlinkClick r:id="rId11" tooltip="Prototype-based programming"/>
-              </a:rPr>
-              <a:t>prototype-based</a:t>
-            </a:r>
-            <a:r>
-              <a:rPr lang="en-US" sz="2400" dirty="0"/>
-              <a:t>) </a:t>
-            </a:r>
-            <a:r>
-              <a:rPr lang="en-US" sz="2400" dirty="0">
-                <a:hlinkClick r:id="rId27" tooltip="Programming paradigm"/>
-              </a:rPr>
-              <a:t>programming styles</a:t>
-            </a:r>
-            <a:r>
-              <a:rPr lang="en-US" sz="2400" dirty="0"/>
-              <a:t>. It has </a:t>
-            </a:r>
-            <a:r>
-              <a:rPr lang="en-US" sz="2400" dirty="0">
-                <a:hlinkClick r:id="rId28" tooltip="Application programming interface"/>
-              </a:rPr>
-              <a:t>APIs</a:t>
-            </a:r>
-            <a:r>
-              <a:rPr lang="en-US" sz="2400" dirty="0"/>
-              <a:t> for working with text, </a:t>
-            </a:r>
-            <a:r>
-              <a:rPr lang="en-US" sz="2400" dirty="0">
-                <a:hlinkClick r:id="rId29" tooltip="Array data type"/>
-              </a:rPr>
-              <a:t>arrays</a:t>
-            </a:r>
-            <a:r>
-              <a:rPr lang="en-US" sz="2400" dirty="0"/>
-              <a:t>, dates, </a:t>
-            </a:r>
-            <a:r>
-              <a:rPr lang="en-US" sz="2400" dirty="0">
-                <a:hlinkClick r:id="rId30" tooltip="Regular expression"/>
-              </a:rPr>
-              <a:t>regular expressions</a:t>
-            </a:r>
-            <a:r>
-              <a:rPr lang="en-US" sz="2400" dirty="0"/>
-              <a:t>, and the </a:t>
-            </a:r>
-            <a:r>
-              <a:rPr lang="en-US" sz="2400" dirty="0">
-                <a:hlinkClick r:id="rId31" tooltip="Document Object Model"/>
-              </a:rPr>
-              <a:t>DOM</a:t>
-            </a:r>
-            <a:r>
-              <a:rPr lang="en-US" sz="2400" dirty="0"/>
-              <a:t>, but the language itself does not include any </a:t>
-            </a:r>
-            <a:r>
-              <a:rPr lang="en-US" sz="2400" dirty="0">
-                <a:hlinkClick r:id="rId32" tooltip="Input/output"/>
-              </a:rPr>
-              <a:t>I/O</a:t>
-            </a:r>
-            <a:r>
-              <a:rPr lang="en-US" sz="2400" dirty="0"/>
-              <a:t>, such as </a:t>
-            </a:r>
-            <a:r>
-              <a:rPr lang="en-US" sz="2400" dirty="0">
-                <a:hlinkClick r:id="rId33" tooltip="Computer network"/>
-              </a:rPr>
-              <a:t>networking</a:t>
-            </a:r>
-            <a:r>
-              <a:rPr lang="en-US" sz="2400" dirty="0"/>
-              <a:t>, </a:t>
-            </a:r>
-            <a:r>
-              <a:rPr lang="en-US" sz="2400" dirty="0">
-                <a:hlinkClick r:id="rId34" tooltip="Data storage"/>
-              </a:rPr>
-              <a:t>storage</a:t>
-            </a:r>
-            <a:r>
-              <a:rPr lang="en-US" sz="2400" dirty="0"/>
-              <a:t>, or </a:t>
-            </a:r>
-            <a:r>
-              <a:rPr lang="en-US" sz="2400" dirty="0">
-                <a:hlinkClick r:id="rId35" tooltip="Computer graphics"/>
-              </a:rPr>
-              <a:t>graphics</a:t>
-            </a:r>
-            <a:r>
-              <a:rPr lang="en-US" sz="2400" dirty="0"/>
-              <a:t> facilities. It relies upon the host environment in which it is embedded to provide these features. </a:t>
+              <a:rPr kumimoji="0" lang="en-US" sz="2400" b="0" i="0" u="none" strike="noStrike" cap="none" normalizeH="0" baseline="0" dirty="0" smtClean="0">
+                <a:ln>
+                  <a:noFill/>
+                </a:ln>
+                <a:solidFill>
+                  <a:schemeClr val="tx1"/>
+                </a:solidFill>
+                <a:effectLst/>
+                <a:latin typeface="Arial" panose="020B0604020202020204" pitchFamily="34" charset="0"/>
+              </a:rPr>
+              <a:t> to share formatting by specifying the relevant CSS in a separate .</a:t>
+            </a:r>
+            <a:r>
+              <a:rPr kumimoji="0" lang="en-US" sz="2400" b="0" i="0" u="none" strike="noStrike" cap="none" normalizeH="0" baseline="0" dirty="0" err="1" smtClean="0">
+                <a:ln>
+                  <a:noFill/>
+                </a:ln>
+                <a:solidFill>
+                  <a:schemeClr val="tx1"/>
+                </a:solidFill>
+                <a:effectLst/>
+                <a:latin typeface="Arial" panose="020B0604020202020204" pitchFamily="34" charset="0"/>
+              </a:rPr>
+              <a:t>css</a:t>
+            </a:r>
+            <a:r>
+              <a:rPr kumimoji="0" lang="en-US" sz="2400" b="0" i="0" u="none" strike="noStrike" cap="none" normalizeH="0" baseline="0" dirty="0" smtClean="0">
+                <a:ln>
+                  <a:noFill/>
+                </a:ln>
+                <a:solidFill>
+                  <a:schemeClr val="tx1"/>
+                </a:solidFill>
+                <a:effectLst/>
+                <a:latin typeface="Arial" panose="020B0604020202020204" pitchFamily="34" charset="0"/>
+              </a:rPr>
+              <a:t> file, and reduce complexity and repetition in the structural content. Separation of formatting and content also makes it feasible to present the same markup page in different styles for different rendering methods, such as on-screen, in print, by voice (via speech-based browser or </a:t>
+            </a:r>
+            <a:r>
+              <a:rPr kumimoji="0" lang="en-US" sz="2400" b="0" i="0" u="none" strike="noStrike" cap="none" normalizeH="0" baseline="0" dirty="0" smtClean="0">
+                <a:ln>
+                  <a:noFill/>
+                </a:ln>
+                <a:solidFill>
+                  <a:schemeClr val="tx1"/>
+                </a:solidFill>
+                <a:effectLst/>
+                <a:latin typeface="Arial" panose="020B0604020202020204" pitchFamily="34" charset="0"/>
+                <a:hlinkClick r:id="rId17" tooltip="Screen reader"/>
+              </a:rPr>
+              <a:t>screen reader</a:t>
+            </a:r>
+            <a:r>
+              <a:rPr kumimoji="0" lang="en-US" sz="2400" b="0" i="0" u="none" strike="noStrike" cap="none" normalizeH="0" baseline="0" dirty="0" smtClean="0">
+                <a:ln>
+                  <a:noFill/>
+                </a:ln>
+                <a:solidFill>
+                  <a:schemeClr val="tx1"/>
+                </a:solidFill>
+                <a:effectLst/>
+                <a:latin typeface="Arial" panose="020B0604020202020204" pitchFamily="34" charset="0"/>
+              </a:rPr>
+              <a:t>), </a:t>
             </a:r>
           </a:p>
         </p:txBody>
@@ -11371,20 +10788,20 @@
     </p:spTree>
     <p:extLst>
       <p:ext uri="{BB962C8B-B14F-4D97-AF65-F5344CB8AC3E}">
-        <p14:creationId xmlns:p14="http://schemas.microsoft.com/office/powerpoint/2010/main" val="2491188325"/>
+        <p14:creationId xmlns:p14="http://schemas.microsoft.com/office/powerpoint/2010/main" val="2350385773"/>
       </p:ext>
     </p:extLst>
   </p:cSld>
   <p:clrMapOvr>
     <a:masterClrMapping/>
   </p:clrMapOvr>
-  <mc:AlternateContent xmlns:mc="http://schemas.openxmlformats.org/markup-compatibility/2006">
-    <mc:Choice xmlns:p15="http://schemas.microsoft.com/office/powerpoint/2012/main" Requires="p15">
+  <mc:AlternateContent xmlns:mc="http://schemas.openxmlformats.org/markup-compatibility/2006" xmlns:p15="http://schemas.microsoft.com/office/powerpoint/2012/main">
+    <mc:Choice Requires="p15">
       <p:transition xmlns:p14="http://schemas.microsoft.com/office/powerpoint/2010/main" spd="slow" p14:dur="6000">
         <p15:prstTrans prst="curtains"/>
       </p:transition>
     </mc:Choice>
-    <mc:Fallback>
+    <mc:Fallback xmlns="">
       <p:transition spd="slow">
         <p:fade/>
       </p:transition>
@@ -11500,14 +10917,14 @@
       </p:pic>
       <p:sp>
         <p:nvSpPr>
-          <p:cNvPr id="3" name="Rectangle 2"/>
+          <p:cNvPr id="2" name="Rectangle 1"/>
           <p:cNvSpPr/>
           <p:nvPr/>
         </p:nvSpPr>
         <p:spPr>
           <a:xfrm>
-            <a:off x="437881" y="476519"/>
-            <a:ext cx="9839459" cy="6001643"/>
+            <a:off x="399244" y="476519"/>
+            <a:ext cx="9916733" cy="5693866"/>
           </a:xfrm>
           <a:prstGeom prst="rect">
             <a:avLst/>
@@ -11519,231 +10936,272 @@
           </a:bodyPr>
           <a:lstStyle/>
           <a:p>
-            <a:r>
-              <a:rPr lang="en-US" sz="2400" dirty="0"/>
-              <a:t>Initially only implemented </a:t>
-            </a:r>
-            <a:r>
-              <a:rPr lang="en-US" sz="2400" dirty="0">
-                <a:hlinkClick r:id="rId3" tooltip="Client-side"/>
-              </a:rPr>
-              <a:t>client-side</a:t>
-            </a:r>
-            <a:r>
-              <a:rPr lang="en-US" sz="2400" dirty="0"/>
-              <a:t> in web browsers, JavaScript engines are now embedded in many other types of host software, including </a:t>
-            </a:r>
-            <a:r>
-              <a:rPr lang="en-US" sz="2400" dirty="0">
-                <a:hlinkClick r:id="rId4" tooltip="Server-side"/>
-              </a:rPr>
-              <a:t>server-side</a:t>
-            </a:r>
-            <a:r>
-              <a:rPr lang="en-US" sz="2400" dirty="0"/>
-              <a:t> in web servers and databases, and in non-web programs such as word processors and </a:t>
-            </a:r>
-            <a:r>
-              <a:rPr lang="en-US" sz="2400" dirty="0">
-                <a:hlinkClick r:id="rId5" tooltip="Portable Document Format"/>
-              </a:rPr>
-              <a:t>PDF</a:t>
-            </a:r>
-            <a:r>
-              <a:rPr lang="en-US" sz="2400" dirty="0"/>
-              <a:t> software, and in runtime environments that make JavaScript available for writing mobile and desktop applications, including desktop widgets. </a:t>
-            </a:r>
-          </a:p>
-          <a:p>
-            <a:r>
-              <a:rPr lang="en-US" sz="2400" dirty="0"/>
-              <a:t>The terms </a:t>
-            </a:r>
-            <a:r>
-              <a:rPr lang="en-US" sz="2400" i="1" dirty="0">
-                <a:hlinkClick r:id="rId6" tooltip="Vanilla software"/>
-              </a:rPr>
-              <a:t>Vanilla</a:t>
-            </a:r>
-            <a:r>
-              <a:rPr lang="en-US" sz="2400" i="1" dirty="0"/>
-              <a:t> JavaScript</a:t>
-            </a:r>
-            <a:r>
-              <a:rPr lang="en-US" sz="2400" dirty="0"/>
-              <a:t> and </a:t>
-            </a:r>
-            <a:r>
-              <a:rPr lang="en-US" sz="2400" i="1" dirty="0"/>
-              <a:t>Vanilla JS</a:t>
-            </a:r>
-            <a:r>
-              <a:rPr lang="en-US" sz="2400" dirty="0"/>
-              <a:t> refer to JavaScript not extended by any frameworks or additional libraries. Scripts written in Vanilla JS are plain JavaScript code.</a:t>
-            </a:r>
-            <a:r>
-              <a:rPr lang="en-US" sz="2400" baseline="30000" dirty="0">
-                <a:hlinkClick r:id="rId7"/>
-              </a:rPr>
-              <a:t>[11]</a:t>
-            </a:r>
-            <a:r>
-              <a:rPr lang="en-US" sz="2400" baseline="30000" dirty="0">
+            <a:pPr lvl="0" defTabSz="914400" eaLnBrk="0" fontAlgn="base" hangingPunct="0">
+              <a:spcBef>
+                <a:spcPct val="0"/>
+              </a:spcBef>
+              <a:spcAft>
+                <a:spcPct val="0"/>
+              </a:spcAft>
+            </a:pPr>
+            <a:r>
+              <a:rPr lang="en-US" sz="2800" dirty="0">
+                <a:latin typeface="Arial" panose="020B0604020202020204" pitchFamily="34" charset="0"/>
+              </a:rPr>
+              <a:t>and on </a:t>
+            </a:r>
+            <a:r>
+              <a:rPr lang="en-US" sz="2800" dirty="0">
+                <a:latin typeface="Arial" panose="020B0604020202020204" pitchFamily="34" charset="0"/>
+                <a:hlinkClick r:id="rId3" tooltip="Braille display"/>
+              </a:rPr>
+              <a:t>Braille-based</a:t>
+            </a:r>
+            <a:r>
+              <a:rPr lang="en-US" sz="2800" dirty="0">
+                <a:latin typeface="Arial" panose="020B0604020202020204" pitchFamily="34" charset="0"/>
+              </a:rPr>
+              <a:t> tactile devices. CSS also has rules for alternate formatting if the content is accessed on a </a:t>
+            </a:r>
+            <a:r>
+              <a:rPr lang="en-US" sz="2800" dirty="0">
+                <a:latin typeface="Arial" panose="020B0604020202020204" pitchFamily="34" charset="0"/>
+                <a:hlinkClick r:id="rId4" tooltip="Mobile device"/>
+              </a:rPr>
+              <a:t>mobile device</a:t>
+            </a:r>
+            <a:r>
+              <a:rPr lang="en-US" sz="2800" dirty="0">
+                <a:latin typeface="Arial" panose="020B0604020202020204" pitchFamily="34" charset="0"/>
+              </a:rPr>
+              <a:t>.</a:t>
+            </a:r>
+            <a:r>
+              <a:rPr lang="en-US" sz="2800" baseline="30000" dirty="0">
+                <a:latin typeface="Arial" panose="020B0604020202020204" pitchFamily="34" charset="0"/>
+                <a:hlinkClick r:id="rId5"/>
+              </a:rPr>
+              <a:t>[4]</a:t>
+            </a:r>
+            <a:r>
+              <a:rPr lang="en-US" sz="2800" dirty="0">
+                <a:latin typeface="Arial" panose="020B0604020202020204" pitchFamily="34" charset="0"/>
+              </a:rPr>
+              <a:t> </a:t>
+            </a:r>
+          </a:p>
+          <a:p>
+            <a:pPr lvl="0" defTabSz="914400" eaLnBrk="0" fontAlgn="base" hangingPunct="0">
+              <a:spcBef>
+                <a:spcPct val="0"/>
+              </a:spcBef>
+              <a:spcAft>
+                <a:spcPct val="0"/>
+              </a:spcAft>
+            </a:pPr>
+            <a:r>
+              <a:rPr lang="en-US" sz="2800" dirty="0">
+                <a:latin typeface="Arial" panose="020B0604020202020204" pitchFamily="34" charset="0"/>
+              </a:rPr>
+              <a:t>The name </a:t>
+            </a:r>
+            <a:r>
+              <a:rPr lang="en-US" sz="2800" i="1" dirty="0">
+                <a:latin typeface="Arial" panose="020B0604020202020204" pitchFamily="34" charset="0"/>
+              </a:rPr>
+              <a:t>cascading</a:t>
+            </a:r>
+            <a:r>
+              <a:rPr lang="en-US" sz="2800" dirty="0">
+                <a:latin typeface="Arial" panose="020B0604020202020204" pitchFamily="34" charset="0"/>
+              </a:rPr>
+              <a:t> comes from the specified priority scheme to determine which style rule applies if more than one rule matches a particular element. This cascading priority scheme is predictable. </a:t>
+            </a:r>
+          </a:p>
+          <a:p>
+            <a:pPr lvl="0" defTabSz="914400" eaLnBrk="0" fontAlgn="base" hangingPunct="0">
+              <a:spcBef>
+                <a:spcPct val="0"/>
+              </a:spcBef>
+              <a:spcAft>
+                <a:spcPct val="0"/>
+              </a:spcAft>
+            </a:pPr>
+            <a:r>
+              <a:rPr lang="en-US" sz="2800" dirty="0">
+                <a:latin typeface="Arial" panose="020B0604020202020204" pitchFamily="34" charset="0"/>
+              </a:rPr>
+              <a:t>The CSS specifications are maintained by the </a:t>
+            </a:r>
+            <a:r>
+              <a:rPr lang="en-US" sz="2800" dirty="0">
+                <a:latin typeface="Arial" panose="020B0604020202020204" pitchFamily="34" charset="0"/>
+                <a:hlinkClick r:id="rId6" tooltip="World Wide Web Consortium"/>
+              </a:rPr>
+              <a:t>World Wide Web Consortium</a:t>
+            </a:r>
+            <a:r>
+              <a:rPr lang="en-US" sz="2800" dirty="0">
+                <a:latin typeface="Arial" panose="020B0604020202020204" pitchFamily="34" charset="0"/>
+              </a:rPr>
+              <a:t> (W3C). Internet media type (</a:t>
+            </a:r>
+            <a:r>
+              <a:rPr lang="en-US" sz="2800" dirty="0">
+                <a:latin typeface="Arial" panose="020B0604020202020204" pitchFamily="34" charset="0"/>
+                <a:hlinkClick r:id="rId7" tooltip="MIME media type"/>
+              </a:rPr>
+              <a:t>MIME type</a:t>
+            </a:r>
+            <a:r>
+              <a:rPr lang="en-US" sz="2800" dirty="0">
+                <a:latin typeface="Arial" panose="020B0604020202020204" pitchFamily="34" charset="0"/>
+              </a:rPr>
+              <a:t>) </a:t>
+            </a:r>
+            <a:r>
+              <a:rPr lang="en-US" sz="1200" dirty="0">
+                <a:latin typeface="Arial Unicode MS" panose="020B0604020202020204" pitchFamily="34" charset="-128"/>
+              </a:rPr>
+              <a:t>text/</a:t>
+            </a:r>
+            <a:r>
+              <a:rPr lang="en-US" sz="1200" dirty="0" err="1">
+                <a:latin typeface="Arial Unicode MS" panose="020B0604020202020204" pitchFamily="34" charset="-128"/>
+              </a:rPr>
+              <a:t>css</a:t>
+            </a:r>
+            <a:r>
+              <a:rPr lang="en-US" sz="1600" dirty="0"/>
+              <a:t> is registered for use with CSS by </a:t>
+            </a:r>
+            <a:r>
+              <a:rPr lang="en-US" sz="2800" dirty="0">
+                <a:latin typeface="Arial" panose="020B0604020202020204" pitchFamily="34" charset="0"/>
                 <a:hlinkClick r:id="rId8"/>
               </a:rPr>
-              <a:t>[12]</a:t>
-            </a:r>
-            <a:r>
-              <a:rPr lang="en-US" sz="2400" dirty="0"/>
+              <a:t>RFC 2318</a:t>
+            </a:r>
+            <a:r>
+              <a:rPr lang="en-US" sz="2800" dirty="0">
+                <a:latin typeface="Arial" panose="020B0604020202020204" pitchFamily="34" charset="0"/>
+              </a:rPr>
+              <a:t> (March 1998). The W3C operates a free </a:t>
+            </a:r>
+            <a:r>
+              <a:rPr lang="en-US" sz="2800" dirty="0">
+                <a:latin typeface="Arial" panose="020B0604020202020204" pitchFamily="34" charset="0"/>
+                <a:hlinkClick r:id="rId9" tooltip="W3C Markup Validation Service"/>
+              </a:rPr>
+              <a:t>CSS validation service</a:t>
+            </a:r>
+            <a:r>
+              <a:rPr lang="en-US" sz="2800" dirty="0">
+                <a:latin typeface="Arial" panose="020B0604020202020204" pitchFamily="34" charset="0"/>
+              </a:rPr>
+              <a:t> for CSS documents.</a:t>
+            </a:r>
+            <a:r>
+              <a:rPr lang="en-US" sz="2800" baseline="30000" dirty="0">
+                <a:latin typeface="Arial" panose="020B0604020202020204" pitchFamily="34" charset="0"/>
+                <a:hlinkClick r:id="rId10"/>
+              </a:rPr>
+              <a:t>[5]</a:t>
+            </a:r>
+            <a:r>
+              <a:rPr lang="en-US" sz="2800" dirty="0">
+                <a:latin typeface="Arial" panose="020B0604020202020204" pitchFamily="34" charset="0"/>
+              </a:rPr>
               <a:t> </a:t>
             </a:r>
           </a:p>
           <a:p>
-            <a:r>
-              <a:rPr lang="en-US" sz="2400" dirty="0"/>
-              <a:t>Although there are similarities between JavaScript and </a:t>
-            </a:r>
-            <a:r>
-              <a:rPr lang="en-US" sz="2400" dirty="0">
-                <a:hlinkClick r:id="rId9" tooltip="Java (programming language)"/>
-              </a:rPr>
-              <a:t>Java</a:t>
-            </a:r>
-            <a:r>
-              <a:rPr lang="en-US" sz="2400" dirty="0"/>
-              <a:t>, including language name, </a:t>
-            </a:r>
-            <a:r>
-              <a:rPr lang="en-US" sz="2400" dirty="0">
-                <a:hlinkClick r:id="rId10" tooltip="Syntax (programming languages)"/>
-              </a:rPr>
-              <a:t>syntax</a:t>
-            </a:r>
-            <a:r>
-              <a:rPr lang="en-US" sz="2400" dirty="0"/>
-              <a:t>, and respective </a:t>
-            </a:r>
-            <a:r>
-              <a:rPr lang="en-US" sz="2400" dirty="0">
-                <a:hlinkClick r:id="rId11" tooltip="Standard library"/>
-              </a:rPr>
-              <a:t>standard libraries</a:t>
-            </a:r>
-            <a:r>
-              <a:rPr lang="en-US" sz="2400" dirty="0"/>
-              <a:t>, the two languages are distinct and differ greatly in design. JavaScript was influenced by programming languages such as </a:t>
-            </a:r>
-            <a:r>
-              <a:rPr lang="en-US" sz="2400" dirty="0">
-                <a:hlinkClick r:id="rId12" tooltip="Self (programming language)"/>
-              </a:rPr>
-              <a:t>Self</a:t>
-            </a:r>
-            <a:r>
-              <a:rPr lang="en-US" sz="2400" dirty="0"/>
-              <a:t> and </a:t>
-            </a:r>
-            <a:r>
-              <a:rPr lang="en-US" sz="2400" dirty="0">
-                <a:hlinkClick r:id="rId13" tooltip="Scheme (programming language)"/>
-              </a:rPr>
-              <a:t>Scheme</a:t>
-            </a:r>
-            <a:r>
-              <a:rPr lang="en-US" sz="2400" dirty="0"/>
-              <a:t>.</a:t>
-            </a:r>
-            <a:r>
-              <a:rPr lang="en-US" sz="2400" baseline="30000" dirty="0">
-                <a:hlinkClick r:id="rId14"/>
-              </a:rPr>
-              <a:t>[13]</a:t>
-            </a:r>
-            <a:r>
-              <a:rPr lang="en-US" sz="2400" dirty="0"/>
-              <a:t> The </a:t>
-            </a:r>
-            <a:r>
-              <a:rPr lang="en-US" sz="2400" dirty="0">
-                <a:hlinkClick r:id="rId15" tooltip="JSON"/>
-              </a:rPr>
-              <a:t>JSON</a:t>
-            </a:r>
-            <a:r>
-              <a:rPr lang="en-US" sz="2400" dirty="0"/>
-              <a:t> </a:t>
-            </a:r>
-            <a:r>
-              <a:rPr lang="en-US" sz="2400" dirty="0">
-                <a:hlinkClick r:id="rId16" tooltip="Serialization"/>
-              </a:rPr>
-              <a:t>serialization</a:t>
-            </a:r>
-            <a:r>
-              <a:rPr lang="en-US" sz="2400" dirty="0"/>
-              <a:t> format, used to store </a:t>
-            </a:r>
-            <a:r>
-              <a:rPr lang="en-US" sz="2400" dirty="0">
-                <a:hlinkClick r:id="rId17" tooltip="Data structure"/>
-              </a:rPr>
-              <a:t>data structures</a:t>
-            </a:r>
-            <a:r>
-              <a:rPr lang="en-US" sz="2400" dirty="0"/>
-              <a:t> in </a:t>
-            </a:r>
-            <a:r>
-              <a:rPr lang="en-US" sz="2400" dirty="0">
-                <a:hlinkClick r:id="rId18" tooltip="Computer file"/>
-              </a:rPr>
-              <a:t>files</a:t>
-            </a:r>
-            <a:r>
-              <a:rPr lang="en-US" sz="2400" dirty="0"/>
-              <a:t> or transmit them across </a:t>
-            </a:r>
-            <a:r>
-              <a:rPr lang="en-US" sz="2400" dirty="0">
-                <a:hlinkClick r:id="rId19" tooltip="Computer network"/>
-              </a:rPr>
-              <a:t>networks</a:t>
-            </a:r>
-            <a:r>
-              <a:rPr lang="en-US" sz="2400" dirty="0"/>
-              <a:t>, is based on JavaScript.</a:t>
-            </a:r>
-            <a:r>
-              <a:rPr lang="en-US" sz="2400" baseline="30000" dirty="0">
-                <a:hlinkClick r:id="rId20"/>
-              </a:rPr>
-              <a:t>[14]</a:t>
-            </a:r>
-            <a:r>
-              <a:rPr lang="en-US" sz="2400" dirty="0"/>
-              <a:t> </a:t>
-            </a:r>
-            <a:endParaRPr lang="en-US" sz="2400" dirty="0"/>
+            <a:pPr lvl="0" defTabSz="914400" eaLnBrk="0" fontAlgn="base" hangingPunct="0">
+              <a:spcBef>
+                <a:spcPct val="0"/>
+              </a:spcBef>
+              <a:spcAft>
+                <a:spcPct val="0"/>
+              </a:spcAft>
+            </a:pPr>
+            <a:r>
+              <a:rPr lang="en-US" sz="2800" dirty="0">
+                <a:latin typeface="Arial" panose="020B0604020202020204" pitchFamily="34" charset="0"/>
+              </a:rPr>
+              <a:t>In addition to HTML, other markup languages support the use of CSS including </a:t>
+            </a:r>
+            <a:r>
+              <a:rPr lang="en-US" sz="2800" dirty="0">
+                <a:latin typeface="Arial" panose="020B0604020202020204" pitchFamily="34" charset="0"/>
+                <a:hlinkClick r:id="rId11" tooltip="XHTML"/>
+              </a:rPr>
+              <a:t>XHTML</a:t>
+            </a:r>
+            <a:r>
+              <a:rPr lang="en-US" sz="2800" dirty="0">
+                <a:latin typeface="Arial" panose="020B0604020202020204" pitchFamily="34" charset="0"/>
+              </a:rPr>
+              <a:t>, </a:t>
+            </a:r>
+            <a:r>
+              <a:rPr lang="en-US" sz="2800" dirty="0">
+                <a:latin typeface="Arial" panose="020B0604020202020204" pitchFamily="34" charset="0"/>
+                <a:hlinkClick r:id="rId12" tooltip="Plain Old XML"/>
+              </a:rPr>
+              <a:t>plain XML</a:t>
+            </a:r>
+            <a:r>
+              <a:rPr lang="en-US" sz="2800" dirty="0">
+                <a:latin typeface="Arial" panose="020B0604020202020204" pitchFamily="34" charset="0"/>
+              </a:rPr>
+              <a:t>, </a:t>
+            </a:r>
+            <a:r>
+              <a:rPr lang="en-US" sz="2800" dirty="0">
+                <a:latin typeface="Arial" panose="020B0604020202020204" pitchFamily="34" charset="0"/>
+                <a:hlinkClick r:id="rId13" tooltip="Scalable Vector Graphics"/>
+              </a:rPr>
+              <a:t>SVG</a:t>
+            </a:r>
+            <a:r>
+              <a:rPr lang="en-US" sz="2800" dirty="0">
+                <a:latin typeface="Arial" panose="020B0604020202020204" pitchFamily="34" charset="0"/>
+              </a:rPr>
+              <a:t>, and </a:t>
+            </a:r>
+            <a:r>
+              <a:rPr lang="en-US" sz="2800" dirty="0">
+                <a:latin typeface="Arial" panose="020B0604020202020204" pitchFamily="34" charset="0"/>
+                <a:hlinkClick r:id="rId14" tooltip="XUL"/>
+              </a:rPr>
+              <a:t>XUL</a:t>
+            </a:r>
+            <a:r>
+              <a:rPr lang="en-US" sz="2800" dirty="0">
+                <a:latin typeface="Arial" panose="020B0604020202020204" pitchFamily="34" charset="0"/>
+              </a:rPr>
+              <a:t>. </a:t>
+            </a:r>
           </a:p>
         </p:txBody>
       </p:sp>
     </p:spTree>
     <p:extLst>
       <p:ext uri="{BB962C8B-B14F-4D97-AF65-F5344CB8AC3E}">
-        <p14:creationId xmlns:p14="http://schemas.microsoft.com/office/powerpoint/2010/main" val="377528113"/>
+        <p14:creationId xmlns:p14="http://schemas.microsoft.com/office/powerpoint/2010/main" val="1815114102"/>
       </p:ext>
     </p:extLst>
   </p:cSld>
   <p:clrMapOvr>
     <a:masterClrMapping/>
   </p:clrMapOvr>
-  <mc:AlternateContent xmlns:mc="http://schemas.openxmlformats.org/markup-compatibility/2006">
-    <mc:Choice xmlns:p15="http://schemas.microsoft.com/office/powerpoint/2012/main" Requires="p15">
+  <mc:AlternateContent xmlns:mc="http://schemas.openxmlformats.org/markup-compatibility/2006" xmlns:p15="http://schemas.microsoft.com/office/powerpoint/2012/main">
+    <mc:Choice Requires="p15">
       <p:transition xmlns:p14="http://schemas.microsoft.com/office/powerpoint/2010/main" spd="slow" p14:dur="6000">
         <p15:prstTrans prst="curtains"/>
       </p:transition>
     </mc:Choice>
-    <mc:Fallback>
+    <mc:Fallback xmlns="">
       <p:transition spd="slow">
         <p:fade/>
       </p:transition>
@@ -11776,6 +11234,51 @@
           <a:chExt cx="0" cy="0"/>
         </a:xfrm>
       </p:grpSpPr>
+      <p:sp>
+        <p:nvSpPr>
+          <p:cNvPr id="5" name="Rectangle 4"/>
+          <p:cNvSpPr/>
+          <p:nvPr/>
+        </p:nvSpPr>
+        <p:spPr>
+          <a:xfrm>
+            <a:off x="283335" y="1"/>
+            <a:ext cx="10148552" cy="6858000"/>
+          </a:xfrm>
+          <a:prstGeom prst="rect">
+            <a:avLst/>
+          </a:prstGeom>
+          <a:solidFill>
+            <a:schemeClr val="accent4">
+              <a:lumMod val="50000"/>
+            </a:schemeClr>
+          </a:solidFill>
+        </p:spPr>
+        <p:style>
+          <a:lnRef idx="2">
+            <a:schemeClr val="accent1">
+              <a:shade val="50000"/>
+            </a:schemeClr>
+          </a:lnRef>
+          <a:fillRef idx="1">
+            <a:schemeClr val="accent1"/>
+          </a:fillRef>
+          <a:effectRef idx="0">
+            <a:schemeClr val="accent1"/>
+          </a:effectRef>
+          <a:fontRef idx="minor">
+            <a:schemeClr val="lt1"/>
+          </a:fontRef>
+        </p:style>
+        <p:txBody>
+          <a:bodyPr rtlCol="0" anchor="ctr"/>
+          <a:lstStyle/>
+          <a:p>
+            <a:pPr algn="ctr"/>
+            <a:endParaRPr lang="en-US" sz="2400" dirty="0"/>
+          </a:p>
+        </p:txBody>
+      </p:sp>
       <p:pic>
         <p:nvPicPr>
           <p:cNvPr id="6" name="Picture 5"/>
@@ -11814,45 +11317,104 @@
       </p:pic>
       <p:sp>
         <p:nvSpPr>
-          <p:cNvPr id="8" name="Title 1"/>
-          <p:cNvSpPr>
-            <a:spLocks noGrp="1"/>
-          </p:cNvSpPr>
-          <p:nvPr>
-            <p:ph type="title"/>
-          </p:nvPr>
-        </p:nvSpPr>
-        <p:spPr>
-          <a:xfrm>
-            <a:off x="653922" y="855220"/>
-            <a:ext cx="8911687" cy="845461"/>
-          </a:xfrm>
-        </p:spPr>
-        <p:txBody>
-          <a:bodyPr>
-            <a:normAutofit/>
+          <p:cNvPr id="2" name="Rectangle 1"/>
+          <p:cNvSpPr/>
+          <p:nvPr/>
+        </p:nvSpPr>
+        <p:spPr>
+          <a:xfrm>
+            <a:off x="399244" y="476519"/>
+            <a:ext cx="9916733" cy="523220"/>
+          </a:xfrm>
+          <a:prstGeom prst="rect">
+            <a:avLst/>
+          </a:prstGeom>
+        </p:spPr>
+        <p:txBody>
+          <a:bodyPr wrap="square">
+            <a:spAutoFit/>
           </a:bodyPr>
           <a:lstStyle/>
           <a:p>
+            <a:pPr lvl="0" defTabSz="914400" eaLnBrk="0" fontAlgn="base" hangingPunct="0">
+              <a:spcBef>
+                <a:spcPct val="0"/>
+              </a:spcBef>
+              <a:spcAft>
+                <a:spcPct val="0"/>
+              </a:spcAft>
+            </a:pPr>
+            <a:endParaRPr lang="en-US" sz="2800" dirty="0">
+              <a:latin typeface="Arial" panose="020B0604020202020204" pitchFamily="34" charset="0"/>
+            </a:endParaRPr>
+          </a:p>
+        </p:txBody>
+      </p:sp>
+      <p:pic>
+        <p:nvPicPr>
+          <p:cNvPr id="3" name="Picture 2"/>
+          <p:cNvPicPr>
+            <a:picLocks noChangeAspect="1"/>
+          </p:cNvPicPr>
+          <p:nvPr/>
+        </p:nvPicPr>
+        <p:blipFill>
+          <a:blip r:embed="rId3">
+            <a:extLst>
+              <a:ext uri="{28A0092B-C50C-407E-A947-70E740481C1C}">
+                <a14:useLocalDpi xmlns:a14="http://schemas.microsoft.com/office/drawing/2010/main" val="0"/>
+              </a:ext>
+            </a:extLst>
+          </a:blip>
+          <a:stretch>
+            <a:fillRect/>
+          </a:stretch>
+        </p:blipFill>
+        <p:spPr>
+          <a:xfrm>
+            <a:off x="3313761" y="476519"/>
+            <a:ext cx="4284774" cy="4297758"/>
+          </a:xfrm>
+          <a:prstGeom prst="rect">
+            <a:avLst/>
+          </a:prstGeom>
+        </p:spPr>
+      </p:pic>
+      <p:sp>
+        <p:nvSpPr>
+          <p:cNvPr id="4" name="TextBox 3"/>
+          <p:cNvSpPr txBox="1"/>
+          <p:nvPr/>
+        </p:nvSpPr>
+        <p:spPr>
+          <a:xfrm>
+            <a:off x="2730321" y="5383369"/>
+            <a:ext cx="5637803" cy="1015663"/>
+          </a:xfrm>
+          <a:prstGeom prst="rect">
+            <a:avLst/>
+          </a:prstGeom>
+          <a:noFill/>
+        </p:spPr>
+        <p:txBody>
+          <a:bodyPr wrap="square" rtlCol="0">
+            <a:spAutoFit/>
+          </a:bodyPr>
+          <a:lstStyle/>
+          <a:p>
             <a:pPr algn="ctr"/>
             <a:r>
-              <a:rPr lang="en-US" sz="4400" b="1" dirty="0" smtClean="0">
-                <a:latin typeface="Times New Roman" panose="02020603050405020304" pitchFamily="18" charset="0"/>
-                <a:cs typeface="Times New Roman" panose="02020603050405020304" pitchFamily="18" charset="0"/>
-              </a:rPr>
-              <a:t>MY WEB PAGES</a:t>
-            </a:r>
-            <a:endParaRPr lang="en-US" b="1" dirty="0">
-              <a:latin typeface="Times New Roman" panose="02020603050405020304" pitchFamily="18" charset="0"/>
-              <a:cs typeface="Times New Roman" panose="02020603050405020304" pitchFamily="18" charset="0"/>
-            </a:endParaRPr>
+              <a:rPr lang="en-US" sz="6000" b="1" dirty="0" smtClean="0"/>
+              <a:t>BOOTSTRAP</a:t>
+            </a:r>
+            <a:endParaRPr lang="en-US" sz="6000" b="1" dirty="0"/>
           </a:p>
         </p:txBody>
       </p:sp>
     </p:spTree>
     <p:extLst>
       <p:ext uri="{BB962C8B-B14F-4D97-AF65-F5344CB8AC3E}">
-        <p14:creationId xmlns:p14="http://schemas.microsoft.com/office/powerpoint/2010/main" val="3514517356"/>
+        <p14:creationId xmlns:p14="http://schemas.microsoft.com/office/powerpoint/2010/main" val="3308568137"/>
       </p:ext>
     </p:extLst>
   </p:cSld>
@@ -11860,9 +11422,9 @@
     <a:masterClrMapping/>
   </p:clrMapOvr>
   <mc:AlternateContent xmlns:mc="http://schemas.openxmlformats.org/markup-compatibility/2006">
-    <mc:Choice xmlns:p14="http://schemas.microsoft.com/office/powerpoint/2010/main" Requires="p14">
-      <p:transition spd="slow" p14:dur="1400">
-        <p14:ripple/>
+    <mc:Choice xmlns:p15="http://schemas.microsoft.com/office/powerpoint/2012/main" Requires="p15">
+      <p:transition xmlns:p14="http://schemas.microsoft.com/office/powerpoint/2010/main" spd="slow" p14:dur="6000">
+        <p15:prstTrans prst="curtains"/>
       </p:transition>
     </mc:Choice>
     <mc:Fallback>
@@ -11938,8 +11500,180 @@
           <a:bodyPr rtlCol="0" anchor="ctr"/>
           <a:lstStyle/>
           <a:p>
-            <a:pPr algn="ctr"/>
-            <a:endParaRPr lang="en-US" sz="2400" dirty="0"/>
+            <a:r>
+              <a:rPr lang="en-US" sz="2400" b="1" dirty="0"/>
+              <a:t>Bootstrap</a:t>
+            </a:r>
+            <a:r>
+              <a:rPr lang="en-US" sz="2400" dirty="0"/>
+              <a:t> is a </a:t>
+            </a:r>
+            <a:r>
+              <a:rPr lang="en-US" sz="2400" dirty="0">
+                <a:hlinkClick r:id="rId2" tooltip="Free and open-source"/>
+              </a:rPr>
+              <a:t>free and open-source</a:t>
+            </a:r>
+            <a:r>
+              <a:rPr lang="en-US" sz="2400" dirty="0"/>
+              <a:t> </a:t>
+            </a:r>
+            <a:r>
+              <a:rPr lang="en-US" sz="2400" dirty="0">
+                <a:hlinkClick r:id="rId3" tooltip="CSS framework"/>
+              </a:rPr>
+              <a:t>CSS framework</a:t>
+            </a:r>
+            <a:r>
+              <a:rPr lang="en-US" sz="2400" dirty="0"/>
+              <a:t> directed at responsive, mobile-first </a:t>
+            </a:r>
+            <a:r>
+              <a:rPr lang="en-US" sz="2400" dirty="0">
+                <a:hlinkClick r:id="rId4" tooltip="Front-end web development"/>
+              </a:rPr>
+              <a:t>front-end web development</a:t>
+            </a:r>
+            <a:r>
+              <a:rPr lang="en-US" sz="2400" dirty="0"/>
+              <a:t>. It contains </a:t>
+            </a:r>
+            <a:r>
+              <a:rPr lang="en-US" sz="2400" dirty="0">
+                <a:hlinkClick r:id="rId5" tooltip="CSS"/>
+              </a:rPr>
+              <a:t>CSS</a:t>
+            </a:r>
+            <a:r>
+              <a:rPr lang="en-US" sz="2400" dirty="0"/>
+              <a:t>- and (optionally) </a:t>
+            </a:r>
+            <a:r>
+              <a:rPr lang="en-US" sz="2400" dirty="0">
+                <a:hlinkClick r:id="rId6" tooltip="JavaScript"/>
+              </a:rPr>
+              <a:t>JavaScript</a:t>
+            </a:r>
+            <a:r>
+              <a:rPr lang="en-US" sz="2400" dirty="0"/>
+              <a:t>-based design templates for </a:t>
+            </a:r>
+            <a:r>
+              <a:rPr lang="en-US" sz="2400" dirty="0">
+                <a:hlinkClick r:id="rId7" tooltip="Web design"/>
+              </a:rPr>
+              <a:t>typography</a:t>
+            </a:r>
+            <a:r>
+              <a:rPr lang="en-US" sz="2400" dirty="0"/>
+              <a:t>, </a:t>
+            </a:r>
+            <a:r>
+              <a:rPr lang="en-US" sz="2400" dirty="0">
+                <a:hlinkClick r:id="rId8" tooltip="Form (HTML)"/>
+              </a:rPr>
+              <a:t>forms</a:t>
+            </a:r>
+            <a:r>
+              <a:rPr lang="en-US" sz="2400" dirty="0"/>
+              <a:t>, </a:t>
+            </a:r>
+            <a:r>
+              <a:rPr lang="en-US" sz="2400" dirty="0">
+                <a:hlinkClick r:id="rId9" tooltip="Button (computing)"/>
+              </a:rPr>
+              <a:t>buttons</a:t>
+            </a:r>
+            <a:r>
+              <a:rPr lang="en-US" sz="2400" dirty="0"/>
+              <a:t>, </a:t>
+            </a:r>
+            <a:r>
+              <a:rPr lang="en-US" sz="2400" dirty="0">
+                <a:hlinkClick r:id="rId10" tooltip="Web navigation"/>
+              </a:rPr>
+              <a:t>navigation</a:t>
+            </a:r>
+            <a:r>
+              <a:rPr lang="en-US" sz="2400" dirty="0"/>
+              <a:t> and other interface components. </a:t>
+            </a:r>
+          </a:p>
+          <a:p>
+            <a:r>
+              <a:rPr lang="en-US" sz="2400" dirty="0"/>
+              <a:t>Bootstrap is the third-most-starred project on </a:t>
+            </a:r>
+            <a:r>
+              <a:rPr lang="en-US" sz="2400" dirty="0" err="1">
+                <a:hlinkClick r:id="rId11" tooltip="GitHub"/>
+              </a:rPr>
+              <a:t>GitHub</a:t>
+            </a:r>
+            <a:r>
+              <a:rPr lang="en-US" sz="2400" dirty="0"/>
+              <a:t>, with more than 135,000 stars, behind only </a:t>
+            </a:r>
+            <a:r>
+              <a:rPr lang="en-US" sz="2400" dirty="0" err="1">
+                <a:hlinkClick r:id="rId12" tooltip="FreeCodeCamp"/>
+              </a:rPr>
+              <a:t>freeCodeCamp</a:t>
+            </a:r>
+            <a:r>
+              <a:rPr lang="en-US" sz="2400" dirty="0"/>
+              <a:t> (almost 305,000 stars) and marginally behind </a:t>
+            </a:r>
+            <a:r>
+              <a:rPr lang="en-US" sz="2400" dirty="0">
+                <a:hlinkClick r:id="rId13" tooltip="Vue.js"/>
+              </a:rPr>
+              <a:t>Vue.js</a:t>
+            </a:r>
+            <a:r>
+              <a:rPr lang="en-US" sz="2400" dirty="0"/>
+              <a:t> framework.</a:t>
+            </a:r>
+            <a:r>
+              <a:rPr lang="en-US" sz="2400" baseline="30000" dirty="0">
+                <a:hlinkClick r:id="rId14"/>
+              </a:rPr>
+              <a:t>[2]</a:t>
+            </a:r>
+            <a:r>
+              <a:rPr lang="en-US" sz="2400" dirty="0"/>
+              <a:t> According to </a:t>
+            </a:r>
+            <a:r>
+              <a:rPr lang="en-US" sz="2400" dirty="0">
+                <a:hlinkClick r:id="rId15" tooltip="Alexa Internet"/>
+              </a:rPr>
+              <a:t>Alexa Rank</a:t>
+            </a:r>
+            <a:r>
+              <a:rPr lang="en-US" sz="2400" dirty="0"/>
+              <a:t>, Bootstrap getbootstrap.com is in the top-2000 in US while vuejs.org is in top-7000 in US. Bootstrap, originally named Twitter Blueprint, was developed by Mark Otto and Jacob Thornton at </a:t>
+            </a:r>
+            <a:r>
+              <a:rPr lang="en-US" sz="2400" dirty="0">
+                <a:hlinkClick r:id="rId16" tooltip="Twitter"/>
+              </a:rPr>
+              <a:t>Twitter</a:t>
+            </a:r>
+            <a:r>
+              <a:rPr lang="en-US" sz="2400" dirty="0"/>
+              <a:t> as a framework to encourage consistency across internal tools. Before Bootstrap, various libraries were used for interface development, which led to inconsistencies and a high maintenance burden. According to </a:t>
+            </a:r>
+            <a:r>
+              <a:rPr lang="en-US" sz="2400" dirty="0">
+                <a:hlinkClick r:id="rId16" tooltip="Twitter"/>
+              </a:rPr>
+              <a:t>Twitter</a:t>
+            </a:r>
+            <a:r>
+              <a:rPr lang="en-US" sz="2400" dirty="0"/>
+              <a:t> developer Mark Otto: </a:t>
+            </a:r>
           </a:p>
         </p:txBody>
       </p:sp>
@@ -11952,7 +11686,7 @@
           <p:nvPr/>
         </p:nvPicPr>
         <p:blipFill>
-          <a:blip r:embed="rId2">
+          <a:blip r:embed="rId17">
             <a:extLst>
               <a:ext uri="{28A0092B-C50C-407E-A947-70E740481C1C}">
                 <a14:useLocalDpi xmlns:a14="http://schemas.microsoft.com/office/drawing/2010/main" val="0"/>
@@ -11979,76 +11713,10 @@
           </a:effectLst>
         </p:spPr>
       </p:pic>
-      <p:sp>
-        <p:nvSpPr>
-          <p:cNvPr id="8" name="Title 1"/>
-          <p:cNvSpPr>
-            <a:spLocks noGrp="1"/>
-          </p:cNvSpPr>
-          <p:nvPr>
-            <p:ph type="title"/>
-          </p:nvPr>
-        </p:nvSpPr>
-        <p:spPr>
-          <a:xfrm>
-            <a:off x="756953" y="432490"/>
-            <a:ext cx="8911687" cy="845461"/>
-          </a:xfrm>
-        </p:spPr>
-        <p:txBody>
-          <a:bodyPr>
-            <a:normAutofit/>
-          </a:bodyPr>
-          <a:lstStyle/>
-          <a:p>
-            <a:pPr algn="ctr"/>
-            <a:r>
-              <a:rPr lang="en-US" sz="4400" b="1" dirty="0" smtClean="0">
-                <a:latin typeface="Times New Roman" panose="02020603050405020304" pitchFamily="18" charset="0"/>
-                <a:cs typeface="Times New Roman" panose="02020603050405020304" pitchFamily="18" charset="0"/>
-              </a:rPr>
-              <a:t>Obonguniversity.netlify.com</a:t>
-            </a:r>
-            <a:endParaRPr lang="en-US" b="1" dirty="0">
-              <a:latin typeface="Times New Roman" panose="02020603050405020304" pitchFamily="18" charset="0"/>
-              <a:cs typeface="Times New Roman" panose="02020603050405020304" pitchFamily="18" charset="0"/>
-            </a:endParaRPr>
-          </a:p>
-        </p:txBody>
-      </p:sp>
-      <p:pic>
-        <p:nvPicPr>
-          <p:cNvPr id="2" name="Content Placeholder 1"/>
-          <p:cNvPicPr>
-            <a:picLocks noGrp="1" noChangeAspect="1"/>
-          </p:cNvPicPr>
-          <p:nvPr>
-            <p:ph idx="1"/>
-          </p:nvPr>
-        </p:nvPicPr>
-        <p:blipFill>
-          <a:blip r:embed="rId3">
-            <a:extLst>
-              <a:ext uri="{28A0092B-C50C-407E-A947-70E740481C1C}">
-                <a14:useLocalDpi xmlns:a14="http://schemas.microsoft.com/office/drawing/2010/main" val="0"/>
-              </a:ext>
-            </a:extLst>
-          </a:blip>
-          <a:stretch>
-            <a:fillRect/>
-          </a:stretch>
-        </p:blipFill>
-        <p:spPr>
-          <a:xfrm>
-            <a:off x="461170" y="1277951"/>
-            <a:ext cx="9769903" cy="4736483"/>
-          </a:xfrm>
-        </p:spPr>
-      </p:pic>
     </p:spTree>
     <p:extLst>
       <p:ext uri="{BB962C8B-B14F-4D97-AF65-F5344CB8AC3E}">
-        <p14:creationId xmlns:p14="http://schemas.microsoft.com/office/powerpoint/2010/main" val="3045186267"/>
+        <p14:creationId xmlns:p14="http://schemas.microsoft.com/office/powerpoint/2010/main" val="3644500082"/>
       </p:ext>
     </p:extLst>
   </p:cSld>
@@ -12056,9 +11724,9 @@
     <a:masterClrMapping/>
   </p:clrMapOvr>
   <mc:AlternateContent xmlns:mc="http://schemas.openxmlformats.org/markup-compatibility/2006">
-    <mc:Choice xmlns:p14="http://schemas.microsoft.com/office/powerpoint/2010/main" Requires="p14">
-      <p:transition spd="slow" p14:dur="1400">
-        <p14:doors dir="vert"/>
+    <mc:Choice xmlns:p15="http://schemas.microsoft.com/office/powerpoint/2012/main" Requires="p15">
+      <p:transition xmlns:p14="http://schemas.microsoft.com/office/powerpoint/2010/main" spd="slow" p14:dur="6000">
+        <p15:prstTrans prst="curtains"/>
       </p:transition>
     </mc:Choice>
     <mc:Fallback>
@@ -12177,50 +11845,46 @@
       </p:pic>
       <p:sp>
         <p:nvSpPr>
-          <p:cNvPr id="8" name="Title 1"/>
-          <p:cNvSpPr>
-            <a:spLocks noGrp="1"/>
-          </p:cNvSpPr>
-          <p:nvPr>
-            <p:ph type="title"/>
-          </p:nvPr>
-        </p:nvSpPr>
-        <p:spPr>
-          <a:xfrm>
-            <a:off x="756953" y="432490"/>
-            <a:ext cx="8911687" cy="845461"/>
-          </a:xfrm>
-        </p:spPr>
-        <p:txBody>
-          <a:bodyPr>
-            <a:normAutofit/>
+          <p:cNvPr id="2" name="Rectangle 1"/>
+          <p:cNvSpPr/>
+          <p:nvPr/>
+        </p:nvSpPr>
+        <p:spPr>
+          <a:xfrm>
+            <a:off x="399244" y="476519"/>
+            <a:ext cx="9916733" cy="523220"/>
+          </a:xfrm>
+          <a:prstGeom prst="rect">
+            <a:avLst/>
+          </a:prstGeom>
+        </p:spPr>
+        <p:txBody>
+          <a:bodyPr wrap="square">
+            <a:spAutoFit/>
           </a:bodyPr>
           <a:lstStyle/>
           <a:p>
-            <a:pPr algn="ctr"/>
-            <a:r>
-              <a:rPr lang="en-US" sz="4400" b="1" dirty="0" smtClean="0">
-                <a:latin typeface="Times New Roman" panose="02020603050405020304" pitchFamily="18" charset="0"/>
-                <a:cs typeface="Times New Roman" panose="02020603050405020304" pitchFamily="18" charset="0"/>
-              </a:rPr>
-              <a:t>Mfonidomark.netlify.com</a:t>
-            </a:r>
-            <a:endParaRPr lang="en-US" b="1" dirty="0">
-              <a:latin typeface="Times New Roman" panose="02020603050405020304" pitchFamily="18" charset="0"/>
-              <a:cs typeface="Times New Roman" panose="02020603050405020304" pitchFamily="18" charset="0"/>
+            <a:pPr lvl="0" defTabSz="914400" eaLnBrk="0" fontAlgn="base" hangingPunct="0">
+              <a:spcBef>
+                <a:spcPct val="0"/>
+              </a:spcBef>
+              <a:spcAft>
+                <a:spcPct val="0"/>
+              </a:spcAft>
+            </a:pPr>
+            <a:endParaRPr lang="en-US" sz="2800" dirty="0">
+              <a:latin typeface="Arial" panose="020B0604020202020204" pitchFamily="34" charset="0"/>
             </a:endParaRPr>
           </a:p>
         </p:txBody>
       </p:sp>
       <p:pic>
         <p:nvPicPr>
-          <p:cNvPr id="2" name="Content Placeholder 1"/>
+          <p:cNvPr id="3" name="Picture 2"/>
           <p:cNvPicPr>
-            <a:picLocks noGrp="1" noChangeAspect="1"/>
+            <a:picLocks noChangeAspect="1"/>
           </p:cNvPicPr>
-          <p:nvPr>
-            <p:ph idx="1"/>
-          </p:nvPr>
+          <p:nvPr/>
         </p:nvPicPr>
         <p:blipFill>
           <a:blip r:embed="rId3">
@@ -12236,15 +11900,49 @@
         </p:blipFill>
         <p:spPr>
           <a:xfrm>
-            <a:off x="461171" y="1277951"/>
-            <a:ext cx="9551192" cy="4630451"/>
-          </a:xfrm>
+            <a:off x="2756916" y="304282"/>
+            <a:ext cx="5201388" cy="5201388"/>
+          </a:xfrm>
+          <a:prstGeom prst="rect">
+            <a:avLst/>
+          </a:prstGeom>
         </p:spPr>
       </p:pic>
+      <p:sp>
+        <p:nvSpPr>
+          <p:cNvPr id="4" name="TextBox 3"/>
+          <p:cNvSpPr txBox="1"/>
+          <p:nvPr/>
+        </p:nvSpPr>
+        <p:spPr>
+          <a:xfrm>
+            <a:off x="2665927" y="5769735"/>
+            <a:ext cx="5434884" cy="523220"/>
+          </a:xfrm>
+          <a:prstGeom prst="rect">
+            <a:avLst/>
+          </a:prstGeom>
+          <a:noFill/>
+        </p:spPr>
+        <p:txBody>
+          <a:bodyPr wrap="square" rtlCol="0">
+            <a:spAutoFit/>
+          </a:bodyPr>
+          <a:lstStyle/>
+          <a:p>
+            <a:pPr algn="ctr"/>
+            <a:r>
+              <a:rPr lang="en-US" sz="2800" b="1" dirty="0" smtClean="0"/>
+              <a:t>JAVASCRIPT (ECMASCRIPT)</a:t>
+            </a:r>
+            <a:endParaRPr lang="en-US" sz="2800" b="1" dirty="0"/>
+          </a:p>
+        </p:txBody>
+      </p:sp>
     </p:spTree>
     <p:extLst>
       <p:ext uri="{BB962C8B-B14F-4D97-AF65-F5344CB8AC3E}">
-        <p14:creationId xmlns:p14="http://schemas.microsoft.com/office/powerpoint/2010/main" val="4148420771"/>
+        <p14:creationId xmlns:p14="http://schemas.microsoft.com/office/powerpoint/2010/main" val="1245637172"/>
       </p:ext>
     </p:extLst>
   </p:cSld>
@@ -12252,9 +11950,9 @@
     <a:masterClrMapping/>
   </p:clrMapOvr>
   <mc:AlternateContent xmlns:mc="http://schemas.openxmlformats.org/markup-compatibility/2006">
-    <mc:Choice xmlns:p14="http://schemas.microsoft.com/office/powerpoint/2010/main" Requires="p14">
-      <p:transition spd="slow" p14:dur="1400">
-        <p14:doors dir="vert"/>
+    <mc:Choice xmlns:p15="http://schemas.microsoft.com/office/powerpoint/2012/main" Requires="p15">
+      <p:transition xmlns:p14="http://schemas.microsoft.com/office/powerpoint/2010/main" spd="slow" p14:dur="6000">
+        <p15:prstTrans prst="curtains"/>
       </p:transition>
     </mc:Choice>
     <mc:Fallback>
@@ -12362,7 +12060,21 @@
                 <a:latin typeface="Times New Roman" panose="02020603050405020304" pitchFamily="18" charset="0"/>
                 <a:cs typeface="Times New Roman" panose="02020603050405020304" pitchFamily="18" charset="0"/>
               </a:rPr>
-              <a:t> (S.I.W.E.S)</a:t>
+              <a:t> (</a:t>
+            </a:r>
+            <a:r>
+              <a:rPr lang="en-US" sz="2400" b="1" dirty="0" smtClean="0">
+                <a:latin typeface="Times New Roman" panose="02020603050405020304" pitchFamily="18" charset="0"/>
+                <a:cs typeface="Times New Roman" panose="02020603050405020304" pitchFamily="18" charset="0"/>
+              </a:rPr>
+              <a:t>S.I.W.E.S)</a:t>
+            </a:r>
+            <a:r>
+              <a:rPr lang="en-US" sz="2400" b="1" dirty="0">
+                <a:latin typeface="Times New Roman" panose="02020603050405020304" pitchFamily="18" charset="0"/>
+                <a:cs typeface="Times New Roman" panose="02020603050405020304" pitchFamily="18" charset="0"/>
+              </a:rPr>
+              <a:t/>
             </a:r>
             <a:br>
               <a:rPr lang="en-US" sz="2400" b="1" dirty="0">
@@ -12730,7 +12442,7 @@
         </p:nvSpPr>
         <p:spPr>
           <a:xfrm>
-            <a:off x="756953" y="432490"/>
+            <a:off x="901767" y="53788"/>
             <a:ext cx="8911687" cy="845461"/>
           </a:xfrm>
         </p:spPr>
@@ -12746,7 +12458,7 @@
                 <a:latin typeface="Times New Roman" panose="02020603050405020304" pitchFamily="18" charset="0"/>
                 <a:cs typeface="Times New Roman" panose="02020603050405020304" pitchFamily="18" charset="0"/>
               </a:rPr>
-              <a:t>Cityuniversity.netlify.com</a:t>
+              <a:t>JAVASCRIPT</a:t>
             </a:r>
             <a:endParaRPr lang="en-US" b="1" dirty="0">
               <a:latin typeface="Times New Roman" panose="02020603050405020304" pitchFamily="18" charset="0"/>
@@ -12755,52 +12467,437 @@
           </a:p>
         </p:txBody>
       </p:sp>
-      <p:pic>
-        <p:nvPicPr>
-          <p:cNvPr id="2" name="Content Placeholder 1"/>
-          <p:cNvPicPr>
-            <a:picLocks noGrp="1" noChangeAspect="1"/>
-          </p:cNvPicPr>
-          <p:nvPr>
-            <p:ph idx="1"/>
-          </p:nvPr>
-        </p:nvPicPr>
-        <p:blipFill>
-          <a:blip r:embed="rId3">
-            <a:extLst>
-              <a:ext uri="{28A0092B-C50C-407E-A947-70E740481C1C}">
-                <a14:useLocalDpi xmlns:a14="http://schemas.microsoft.com/office/drawing/2010/main" val="0"/>
-              </a:ext>
-            </a:extLst>
-          </a:blip>
-          <a:stretch>
-            <a:fillRect/>
-          </a:stretch>
-        </p:blipFill>
-        <p:spPr>
-          <a:xfrm>
-            <a:off x="333501" y="1390918"/>
-            <a:ext cx="9678862" cy="4368191"/>
-          </a:xfrm>
-        </p:spPr>
-      </p:pic>
+      <p:sp>
+        <p:nvSpPr>
+          <p:cNvPr id="3" name="Rectangle 2"/>
+          <p:cNvSpPr/>
+          <p:nvPr/>
+        </p:nvSpPr>
+        <p:spPr>
+          <a:xfrm>
+            <a:off x="386366" y="802569"/>
+            <a:ext cx="10045521" cy="6001643"/>
+          </a:xfrm>
+          <a:prstGeom prst="rect">
+            <a:avLst/>
+          </a:prstGeom>
+        </p:spPr>
+        <p:txBody>
+          <a:bodyPr wrap="square">
+            <a:spAutoFit/>
+          </a:bodyPr>
+          <a:lstStyle/>
+          <a:p>
+            <a:r>
+              <a:rPr lang="en-US" sz="2400" b="1" dirty="0"/>
+              <a:t>JavaScript</a:t>
+            </a:r>
+            <a:r>
+              <a:rPr lang="en-US" sz="2400" dirty="0"/>
+              <a:t> (</a:t>
+            </a:r>
+            <a:r>
+              <a:rPr lang="en-US" sz="2400" dirty="0">
+                <a:hlinkClick r:id="rId3" tooltip="Help:IPA/English"/>
+              </a:rPr>
+              <a:t>/ˈ</a:t>
+            </a:r>
+            <a:r>
+              <a:rPr lang="en-US" sz="2400" dirty="0" err="1">
+                <a:hlinkClick r:id="rId3" tooltip="Help:IPA/English"/>
+              </a:rPr>
+              <a:t>dʒɑːvəˌskrɪpt</a:t>
+            </a:r>
+            <a:r>
+              <a:rPr lang="en-US" sz="2400" dirty="0">
+                <a:hlinkClick r:id="rId3" tooltip="Help:IPA/English"/>
+              </a:rPr>
+              <a:t>/</a:t>
+            </a:r>
+            <a:r>
+              <a:rPr lang="en-US" sz="2400" dirty="0"/>
+              <a:t>),</a:t>
+            </a:r>
+            <a:r>
+              <a:rPr lang="en-US" sz="2400" baseline="30000" dirty="0">
+                <a:hlinkClick r:id="rId4"/>
+              </a:rPr>
+              <a:t>[8]</a:t>
+            </a:r>
+            <a:r>
+              <a:rPr lang="en-US" sz="2400" dirty="0"/>
+              <a:t> often abbreviated as </a:t>
+            </a:r>
+            <a:r>
+              <a:rPr lang="en-US" sz="2400" b="1" dirty="0"/>
+              <a:t>JS</a:t>
+            </a:r>
+            <a:r>
+              <a:rPr lang="en-US" sz="2400" dirty="0"/>
+              <a:t>, is a </a:t>
+            </a:r>
+            <a:r>
+              <a:rPr lang="en-US" sz="2400" dirty="0">
+                <a:hlinkClick r:id="rId5" tooltip="High-level programming language"/>
+              </a:rPr>
+              <a:t>high-level</a:t>
+            </a:r>
+            <a:r>
+              <a:rPr lang="en-US" sz="2400" dirty="0"/>
+              <a:t>, </a:t>
+            </a:r>
+            <a:r>
+              <a:rPr lang="en-US" sz="2400" dirty="0">
+                <a:hlinkClick r:id="rId6" tooltip="Interpreted language"/>
+              </a:rPr>
+              <a:t>interpreted</a:t>
+            </a:r>
+            <a:r>
+              <a:rPr lang="en-US" sz="2400" dirty="0"/>
+              <a:t> </a:t>
+            </a:r>
+            <a:r>
+              <a:rPr lang="en-US" sz="2400" dirty="0">
+                <a:hlinkClick r:id="rId7" tooltip="Scripting language"/>
+              </a:rPr>
+              <a:t>scripting language</a:t>
+            </a:r>
+            <a:r>
+              <a:rPr lang="en-US" sz="2400" dirty="0"/>
+              <a:t> that conforms to the </a:t>
+            </a:r>
+            <a:r>
+              <a:rPr lang="en-US" sz="2400" dirty="0" err="1">
+                <a:hlinkClick r:id="rId8" tooltip="ECMAScript"/>
+              </a:rPr>
+              <a:t>ECMAScript</a:t>
+            </a:r>
+            <a:r>
+              <a:rPr lang="en-US" sz="2400" dirty="0"/>
+              <a:t> specification. JavaScript has </a:t>
+            </a:r>
+            <a:r>
+              <a:rPr lang="en-US" sz="2400" dirty="0">
+                <a:hlinkClick r:id="rId9" tooltip="List of programming languages by type"/>
+              </a:rPr>
+              <a:t>curly-bracket syntax</a:t>
+            </a:r>
+            <a:r>
+              <a:rPr lang="en-US" sz="2400" dirty="0"/>
+              <a:t>, </a:t>
+            </a:r>
+            <a:r>
+              <a:rPr lang="en-US" sz="2400" dirty="0">
+                <a:hlinkClick r:id="rId10" tooltip="Dynamic typing"/>
+              </a:rPr>
+              <a:t>dynamic typing</a:t>
+            </a:r>
+            <a:r>
+              <a:rPr lang="en-US" sz="2400" dirty="0"/>
+              <a:t>, </a:t>
+            </a:r>
+            <a:r>
+              <a:rPr lang="en-US" sz="2400" dirty="0">
+                <a:hlinkClick r:id="rId11" tooltip="Prototype-based programming"/>
+              </a:rPr>
+              <a:t>prototype-based</a:t>
+            </a:r>
+            <a:r>
+              <a:rPr lang="en-US" sz="2400" dirty="0"/>
+              <a:t> </a:t>
+            </a:r>
+            <a:r>
+              <a:rPr lang="en-US" sz="2400" dirty="0">
+                <a:hlinkClick r:id="rId12" tooltip="Object-oriented programming"/>
+              </a:rPr>
+              <a:t>object-orientation</a:t>
+            </a:r>
+            <a:r>
+              <a:rPr lang="en-US" sz="2400" dirty="0"/>
+              <a:t>, and </a:t>
+            </a:r>
+            <a:r>
+              <a:rPr lang="en-US" sz="2400" dirty="0">
+                <a:hlinkClick r:id="rId13" tooltip="First-class function"/>
+              </a:rPr>
+              <a:t>first-class functions</a:t>
+            </a:r>
+            <a:r>
+              <a:rPr lang="en-US" sz="2400" dirty="0"/>
+              <a:t>. </a:t>
+            </a:r>
+          </a:p>
+          <a:p>
+            <a:r>
+              <a:rPr lang="en-US" sz="2400" dirty="0"/>
+              <a:t>Alongside </a:t>
+            </a:r>
+            <a:r>
+              <a:rPr lang="en-US" sz="2400" dirty="0">
+                <a:hlinkClick r:id="rId14" tooltip="HTML"/>
+              </a:rPr>
+              <a:t>HTML</a:t>
+            </a:r>
+            <a:r>
+              <a:rPr lang="en-US" sz="2400" dirty="0"/>
+              <a:t> and </a:t>
+            </a:r>
+            <a:r>
+              <a:rPr lang="en-US" sz="2400" dirty="0">
+                <a:hlinkClick r:id="rId15" tooltip="CSS"/>
+              </a:rPr>
+              <a:t>CSS</a:t>
+            </a:r>
+            <a:r>
+              <a:rPr lang="en-US" sz="2400" dirty="0"/>
+              <a:t>, JavaScript is one of the core technologies of the </a:t>
+            </a:r>
+            <a:r>
+              <a:rPr lang="en-US" sz="2400" dirty="0">
+                <a:hlinkClick r:id="rId16" tooltip="World Wide Web"/>
+              </a:rPr>
+              <a:t>World Wide Web</a:t>
+            </a:r>
+            <a:r>
+              <a:rPr lang="en-US" sz="2400" dirty="0"/>
+              <a:t>.</a:t>
+            </a:r>
+            <a:r>
+              <a:rPr lang="en-US" sz="2400" baseline="30000" dirty="0">
+                <a:hlinkClick r:id="rId17"/>
+              </a:rPr>
+              <a:t>[9]</a:t>
+            </a:r>
+            <a:r>
+              <a:rPr lang="en-US" sz="2400" dirty="0"/>
+              <a:t> JavaScript enables interactive </a:t>
+            </a:r>
+            <a:r>
+              <a:rPr lang="en-US" sz="2400" dirty="0">
+                <a:hlinkClick r:id="rId18" tooltip="Web page"/>
+              </a:rPr>
+              <a:t>web pages</a:t>
+            </a:r>
+            <a:r>
+              <a:rPr lang="en-US" sz="2400" dirty="0"/>
+              <a:t> and is an essential part of </a:t>
+            </a:r>
+            <a:r>
+              <a:rPr lang="en-US" sz="2400" dirty="0">
+                <a:hlinkClick r:id="rId19" tooltip="Web application"/>
+              </a:rPr>
+              <a:t>web applications</a:t>
+            </a:r>
+            <a:r>
+              <a:rPr lang="en-US" sz="2400" dirty="0"/>
+              <a:t>. The vast majority of </a:t>
+            </a:r>
+            <a:r>
+              <a:rPr lang="en-US" sz="2400" dirty="0">
+                <a:hlinkClick r:id="rId20" tooltip="Website"/>
+              </a:rPr>
+              <a:t>websites</a:t>
+            </a:r>
+            <a:r>
+              <a:rPr lang="en-US" sz="2400" dirty="0"/>
+              <a:t> use it,</a:t>
+            </a:r>
+            <a:r>
+              <a:rPr lang="en-US" sz="2400" baseline="30000" dirty="0">
+                <a:hlinkClick r:id="rId21"/>
+              </a:rPr>
+              <a:t>[10]</a:t>
+            </a:r>
+            <a:r>
+              <a:rPr lang="en-US" sz="2400" dirty="0"/>
+              <a:t> and major </a:t>
+            </a:r>
+            <a:r>
+              <a:rPr lang="en-US" sz="2400" dirty="0">
+                <a:hlinkClick r:id="rId22" tooltip="Web browser"/>
+              </a:rPr>
+              <a:t>web browsers</a:t>
+            </a:r>
+            <a:r>
+              <a:rPr lang="en-US" sz="2400" dirty="0"/>
+              <a:t> have a dedicated </a:t>
+            </a:r>
+            <a:r>
+              <a:rPr lang="en-US" sz="2400" dirty="0">
+                <a:hlinkClick r:id="rId23" tooltip="JavaScript engine"/>
+              </a:rPr>
+              <a:t>JavaScript engine</a:t>
+            </a:r>
+            <a:r>
+              <a:rPr lang="en-US" sz="2400" dirty="0"/>
+              <a:t> to execute it. </a:t>
+            </a:r>
+          </a:p>
+          <a:p>
+            <a:r>
+              <a:rPr lang="en-US" sz="2400" dirty="0"/>
+              <a:t>As a multi-paradigm language, JavaScript supports </a:t>
+            </a:r>
+            <a:r>
+              <a:rPr lang="en-US" sz="2400" dirty="0">
+                <a:hlinkClick r:id="rId24" tooltip="Event-driven programming"/>
+              </a:rPr>
+              <a:t>event-driven</a:t>
+            </a:r>
+            <a:r>
+              <a:rPr lang="en-US" sz="2400" dirty="0"/>
+              <a:t>, </a:t>
+            </a:r>
+            <a:r>
+              <a:rPr lang="en-US" sz="2400" dirty="0">
+                <a:hlinkClick r:id="rId25" tooltip="Functional programming"/>
+              </a:rPr>
+              <a:t>functional</a:t>
+            </a:r>
+            <a:r>
+              <a:rPr lang="en-US" sz="2400" dirty="0"/>
+              <a:t>, and </a:t>
+            </a:r>
+            <a:r>
+              <a:rPr lang="en-US" sz="2400" dirty="0">
+                <a:hlinkClick r:id="rId26" tooltip="Imperative programming"/>
+              </a:rPr>
+              <a:t>imperative</a:t>
+            </a:r>
+            <a:r>
+              <a:rPr lang="en-US" sz="2400" dirty="0"/>
+              <a:t> (including </a:t>
+            </a:r>
+            <a:r>
+              <a:rPr lang="en-US" sz="2400" dirty="0">
+                <a:hlinkClick r:id="rId12" tooltip="Object-oriented programming"/>
+              </a:rPr>
+              <a:t>object-oriented</a:t>
+            </a:r>
+            <a:r>
+              <a:rPr lang="en-US" sz="2400" dirty="0"/>
+              <a:t> and </a:t>
+            </a:r>
+            <a:r>
+              <a:rPr lang="en-US" sz="2400" dirty="0">
+                <a:hlinkClick r:id="rId11" tooltip="Prototype-based programming"/>
+              </a:rPr>
+              <a:t>prototype-based</a:t>
+            </a:r>
+            <a:r>
+              <a:rPr lang="en-US" sz="2400" dirty="0"/>
+              <a:t>) </a:t>
+            </a:r>
+            <a:r>
+              <a:rPr lang="en-US" sz="2400" dirty="0">
+                <a:hlinkClick r:id="rId27" tooltip="Programming paradigm"/>
+              </a:rPr>
+              <a:t>programming styles</a:t>
+            </a:r>
+            <a:r>
+              <a:rPr lang="en-US" sz="2400" dirty="0"/>
+              <a:t>. It has </a:t>
+            </a:r>
+            <a:r>
+              <a:rPr lang="en-US" sz="2400" dirty="0">
+                <a:hlinkClick r:id="rId28" tooltip="Application programming interface"/>
+              </a:rPr>
+              <a:t>APIs</a:t>
+            </a:r>
+            <a:r>
+              <a:rPr lang="en-US" sz="2400" dirty="0"/>
+              <a:t> for working with text, </a:t>
+            </a:r>
+            <a:r>
+              <a:rPr lang="en-US" sz="2400" dirty="0">
+                <a:hlinkClick r:id="rId29" tooltip="Array data type"/>
+              </a:rPr>
+              <a:t>arrays</a:t>
+            </a:r>
+            <a:r>
+              <a:rPr lang="en-US" sz="2400" dirty="0"/>
+              <a:t>, dates, </a:t>
+            </a:r>
+            <a:r>
+              <a:rPr lang="en-US" sz="2400" dirty="0">
+                <a:hlinkClick r:id="rId30" tooltip="Regular expression"/>
+              </a:rPr>
+              <a:t>regular expressions</a:t>
+            </a:r>
+            <a:r>
+              <a:rPr lang="en-US" sz="2400" dirty="0"/>
+              <a:t>, and the </a:t>
+            </a:r>
+            <a:r>
+              <a:rPr lang="en-US" sz="2400" dirty="0">
+                <a:hlinkClick r:id="rId31" tooltip="Document Object Model"/>
+              </a:rPr>
+              <a:t>DOM</a:t>
+            </a:r>
+            <a:r>
+              <a:rPr lang="en-US" sz="2400" dirty="0"/>
+              <a:t>, but the language itself does not include any </a:t>
+            </a:r>
+            <a:r>
+              <a:rPr lang="en-US" sz="2400" dirty="0">
+                <a:hlinkClick r:id="rId32" tooltip="Input/output"/>
+              </a:rPr>
+              <a:t>I/O</a:t>
+            </a:r>
+            <a:r>
+              <a:rPr lang="en-US" sz="2400" dirty="0"/>
+              <a:t>, such as </a:t>
+            </a:r>
+            <a:r>
+              <a:rPr lang="en-US" sz="2400" dirty="0">
+                <a:hlinkClick r:id="rId33" tooltip="Computer network"/>
+              </a:rPr>
+              <a:t>networking</a:t>
+            </a:r>
+            <a:r>
+              <a:rPr lang="en-US" sz="2400" dirty="0"/>
+              <a:t>, </a:t>
+            </a:r>
+            <a:r>
+              <a:rPr lang="en-US" sz="2400" dirty="0">
+                <a:hlinkClick r:id="rId34" tooltip="Data storage"/>
+              </a:rPr>
+              <a:t>storage</a:t>
+            </a:r>
+            <a:r>
+              <a:rPr lang="en-US" sz="2400" dirty="0"/>
+              <a:t>, or </a:t>
+            </a:r>
+            <a:r>
+              <a:rPr lang="en-US" sz="2400" dirty="0">
+                <a:hlinkClick r:id="rId35" tooltip="Computer graphics"/>
+              </a:rPr>
+              <a:t>graphics</a:t>
+            </a:r>
+            <a:r>
+              <a:rPr lang="en-US" sz="2400" dirty="0"/>
+              <a:t> facilities. It relies upon the host environment in which it is embedded to provide these features. </a:t>
+            </a:r>
+          </a:p>
+        </p:txBody>
+      </p:sp>
     </p:spTree>
     <p:extLst>
       <p:ext uri="{BB962C8B-B14F-4D97-AF65-F5344CB8AC3E}">
-        <p14:creationId xmlns:p14="http://schemas.microsoft.com/office/powerpoint/2010/main" val="4099393657"/>
+        <p14:creationId xmlns:p14="http://schemas.microsoft.com/office/powerpoint/2010/main" val="2491188325"/>
       </p:ext>
     </p:extLst>
   </p:cSld>
   <p:clrMapOvr>
     <a:masterClrMapping/>
   </p:clrMapOvr>
-  <mc:AlternateContent xmlns:mc="http://schemas.openxmlformats.org/markup-compatibility/2006">
-    <mc:Choice xmlns:p14="http://schemas.microsoft.com/office/powerpoint/2010/main" Requires="p14">
-      <p:transition spd="slow" p14:dur="1400">
-        <p14:doors dir="vert"/>
+  <mc:AlternateContent xmlns:mc="http://schemas.openxmlformats.org/markup-compatibility/2006" xmlns:p15="http://schemas.microsoft.com/office/powerpoint/2012/main">
+    <mc:Choice Requires="p15">
+      <p:transition xmlns:p14="http://schemas.microsoft.com/office/powerpoint/2010/main" spd="slow" p14:dur="6000">
+        <p15:prstTrans prst="curtains"/>
       </p:transition>
     </mc:Choice>
-    <mc:Fallback>
+    <mc:Fallback xmlns="">
       <p:transition spd="slow">
         <p:fade/>
       </p:transition>
@@ -12916,7 +13013,320 @@
       </p:pic>
       <p:sp>
         <p:nvSpPr>
-          <p:cNvPr id="10" name="Title 1"/>
+          <p:cNvPr id="3" name="Rectangle 2"/>
+          <p:cNvSpPr/>
+          <p:nvPr/>
+        </p:nvSpPr>
+        <p:spPr>
+          <a:xfrm>
+            <a:off x="437881" y="476519"/>
+            <a:ext cx="9839459" cy="6001643"/>
+          </a:xfrm>
+          <a:prstGeom prst="rect">
+            <a:avLst/>
+          </a:prstGeom>
+        </p:spPr>
+        <p:txBody>
+          <a:bodyPr wrap="square">
+            <a:spAutoFit/>
+          </a:bodyPr>
+          <a:lstStyle/>
+          <a:p>
+            <a:r>
+              <a:rPr lang="en-US" sz="2400" dirty="0"/>
+              <a:t>Initially only implemented </a:t>
+            </a:r>
+            <a:r>
+              <a:rPr lang="en-US" sz="2400" dirty="0">
+                <a:hlinkClick r:id="rId3" tooltip="Client-side"/>
+              </a:rPr>
+              <a:t>client-side</a:t>
+            </a:r>
+            <a:r>
+              <a:rPr lang="en-US" sz="2400" dirty="0"/>
+              <a:t> in web browsers, JavaScript engines are now embedded in many other types of host software, including </a:t>
+            </a:r>
+            <a:r>
+              <a:rPr lang="en-US" sz="2400" dirty="0">
+                <a:hlinkClick r:id="rId4" tooltip="Server-side"/>
+              </a:rPr>
+              <a:t>server-side</a:t>
+            </a:r>
+            <a:r>
+              <a:rPr lang="en-US" sz="2400" dirty="0"/>
+              <a:t> in web servers and databases, and in non-web programs such as word processors and </a:t>
+            </a:r>
+            <a:r>
+              <a:rPr lang="en-US" sz="2400" dirty="0">
+                <a:hlinkClick r:id="rId5" tooltip="Portable Document Format"/>
+              </a:rPr>
+              <a:t>PDF</a:t>
+            </a:r>
+            <a:r>
+              <a:rPr lang="en-US" sz="2400" dirty="0"/>
+              <a:t> software, and in runtime environments that make JavaScript available for writing mobile and desktop applications, including desktop widgets. </a:t>
+            </a:r>
+          </a:p>
+          <a:p>
+            <a:r>
+              <a:rPr lang="en-US" sz="2400" dirty="0"/>
+              <a:t>The terms </a:t>
+            </a:r>
+            <a:r>
+              <a:rPr lang="en-US" sz="2400" i="1" dirty="0">
+                <a:hlinkClick r:id="rId6" tooltip="Vanilla software"/>
+              </a:rPr>
+              <a:t>Vanilla</a:t>
+            </a:r>
+            <a:r>
+              <a:rPr lang="en-US" sz="2400" i="1" dirty="0"/>
+              <a:t> JavaScript</a:t>
+            </a:r>
+            <a:r>
+              <a:rPr lang="en-US" sz="2400" dirty="0"/>
+              <a:t> and </a:t>
+            </a:r>
+            <a:r>
+              <a:rPr lang="en-US" sz="2400" i="1" dirty="0"/>
+              <a:t>Vanilla JS</a:t>
+            </a:r>
+            <a:r>
+              <a:rPr lang="en-US" sz="2400" dirty="0"/>
+              <a:t> refer to JavaScript not extended by any frameworks or additional libraries. Scripts written in Vanilla JS are plain JavaScript code.</a:t>
+            </a:r>
+            <a:r>
+              <a:rPr lang="en-US" sz="2400" baseline="30000" dirty="0">
+                <a:hlinkClick r:id="rId7"/>
+              </a:rPr>
+              <a:t>[11]</a:t>
+            </a:r>
+            <a:r>
+              <a:rPr lang="en-US" sz="2400" baseline="30000" dirty="0">
+                <a:hlinkClick r:id="rId8"/>
+              </a:rPr>
+              <a:t>[12]</a:t>
+            </a:r>
+            <a:r>
+              <a:rPr lang="en-US" sz="2400" dirty="0"/>
+              <a:t> </a:t>
+            </a:r>
+          </a:p>
+          <a:p>
+            <a:r>
+              <a:rPr lang="en-US" sz="2400" dirty="0"/>
+              <a:t>Although there are similarities between JavaScript and </a:t>
+            </a:r>
+            <a:r>
+              <a:rPr lang="en-US" sz="2400" dirty="0">
+                <a:hlinkClick r:id="rId9" tooltip="Java (programming language)"/>
+              </a:rPr>
+              <a:t>Java</a:t>
+            </a:r>
+            <a:r>
+              <a:rPr lang="en-US" sz="2400" dirty="0"/>
+              <a:t>, including language name, </a:t>
+            </a:r>
+            <a:r>
+              <a:rPr lang="en-US" sz="2400" dirty="0">
+                <a:hlinkClick r:id="rId10" tooltip="Syntax (programming languages)"/>
+              </a:rPr>
+              <a:t>syntax</a:t>
+            </a:r>
+            <a:r>
+              <a:rPr lang="en-US" sz="2400" dirty="0"/>
+              <a:t>, and respective </a:t>
+            </a:r>
+            <a:r>
+              <a:rPr lang="en-US" sz="2400" dirty="0">
+                <a:hlinkClick r:id="rId11" tooltip="Standard library"/>
+              </a:rPr>
+              <a:t>standard libraries</a:t>
+            </a:r>
+            <a:r>
+              <a:rPr lang="en-US" sz="2400" dirty="0"/>
+              <a:t>, the two languages are distinct and differ greatly in design. JavaScript was influenced by programming languages such as </a:t>
+            </a:r>
+            <a:r>
+              <a:rPr lang="en-US" sz="2400" dirty="0">
+                <a:hlinkClick r:id="rId12" tooltip="Self (programming language)"/>
+              </a:rPr>
+              <a:t>Self</a:t>
+            </a:r>
+            <a:r>
+              <a:rPr lang="en-US" sz="2400" dirty="0"/>
+              <a:t> and </a:t>
+            </a:r>
+            <a:r>
+              <a:rPr lang="en-US" sz="2400" dirty="0">
+                <a:hlinkClick r:id="rId13" tooltip="Scheme (programming language)"/>
+              </a:rPr>
+              <a:t>Scheme</a:t>
+            </a:r>
+            <a:r>
+              <a:rPr lang="en-US" sz="2400" dirty="0"/>
+              <a:t>.</a:t>
+            </a:r>
+            <a:r>
+              <a:rPr lang="en-US" sz="2400" baseline="30000" dirty="0">
+                <a:hlinkClick r:id="rId14"/>
+              </a:rPr>
+              <a:t>[13]</a:t>
+            </a:r>
+            <a:r>
+              <a:rPr lang="en-US" sz="2400" dirty="0"/>
+              <a:t> The </a:t>
+            </a:r>
+            <a:r>
+              <a:rPr lang="en-US" sz="2400" dirty="0">
+                <a:hlinkClick r:id="rId15" tooltip="JSON"/>
+              </a:rPr>
+              <a:t>JSON</a:t>
+            </a:r>
+            <a:r>
+              <a:rPr lang="en-US" sz="2400" dirty="0"/>
+              <a:t> </a:t>
+            </a:r>
+            <a:r>
+              <a:rPr lang="en-US" sz="2400" dirty="0">
+                <a:hlinkClick r:id="rId16" tooltip="Serialization"/>
+              </a:rPr>
+              <a:t>serialization</a:t>
+            </a:r>
+            <a:r>
+              <a:rPr lang="en-US" sz="2400" dirty="0"/>
+              <a:t> format, used to store </a:t>
+            </a:r>
+            <a:r>
+              <a:rPr lang="en-US" sz="2400" dirty="0">
+                <a:hlinkClick r:id="rId17" tooltip="Data structure"/>
+              </a:rPr>
+              <a:t>data structures</a:t>
+            </a:r>
+            <a:r>
+              <a:rPr lang="en-US" sz="2400" dirty="0"/>
+              <a:t> in </a:t>
+            </a:r>
+            <a:r>
+              <a:rPr lang="en-US" sz="2400" dirty="0">
+                <a:hlinkClick r:id="rId18" tooltip="Computer file"/>
+              </a:rPr>
+              <a:t>files</a:t>
+            </a:r>
+            <a:r>
+              <a:rPr lang="en-US" sz="2400" dirty="0"/>
+              <a:t> or transmit them across </a:t>
+            </a:r>
+            <a:r>
+              <a:rPr lang="en-US" sz="2400" dirty="0">
+                <a:hlinkClick r:id="rId19" tooltip="Computer network"/>
+              </a:rPr>
+              <a:t>networks</a:t>
+            </a:r>
+            <a:r>
+              <a:rPr lang="en-US" sz="2400" dirty="0"/>
+              <a:t>, is based on JavaScript.</a:t>
+            </a:r>
+            <a:r>
+              <a:rPr lang="en-US" sz="2400" baseline="30000" dirty="0">
+                <a:hlinkClick r:id="rId20"/>
+              </a:rPr>
+              <a:t>[14]</a:t>
+            </a:r>
+            <a:r>
+              <a:rPr lang="en-US" sz="2400" dirty="0"/>
+              <a:t> </a:t>
+            </a:r>
+          </a:p>
+        </p:txBody>
+      </p:sp>
+    </p:spTree>
+    <p:extLst>
+      <p:ext uri="{BB962C8B-B14F-4D97-AF65-F5344CB8AC3E}">
+        <p14:creationId xmlns:p14="http://schemas.microsoft.com/office/powerpoint/2010/main" val="377528113"/>
+      </p:ext>
+    </p:extLst>
+  </p:cSld>
+  <p:clrMapOvr>
+    <a:masterClrMapping/>
+  </p:clrMapOvr>
+  <mc:AlternateContent xmlns:mc="http://schemas.openxmlformats.org/markup-compatibility/2006" xmlns:p15="http://schemas.microsoft.com/office/powerpoint/2012/main">
+    <mc:Choice Requires="p15">
+      <p:transition xmlns:p14="http://schemas.microsoft.com/office/powerpoint/2010/main" spd="slow" p14:dur="6000">
+        <p15:prstTrans prst="curtains"/>
+      </p:transition>
+    </mc:Choice>
+    <mc:Fallback xmlns="">
+      <p:transition spd="slow">
+        <p:fade/>
+      </p:transition>
+    </mc:Fallback>
+  </mc:AlternateContent>
+  <p:timing>
+    <p:tnLst>
+      <p:par>
+        <p:cTn id="1" dur="indefinite" restart="never" nodeType="tmRoot"/>
+      </p:par>
+    </p:tnLst>
+  </p:timing>
+</p:sld>
+</file>
+
+<file path=ppt/slides/slide22.xml><?xml version="1.0" encoding="utf-8"?>
+<p:sld xmlns:a="http://schemas.openxmlformats.org/drawingml/2006/main" xmlns:r="http://schemas.openxmlformats.org/officeDocument/2006/relationships" xmlns:p="http://schemas.openxmlformats.org/presentationml/2006/main">
+  <p:cSld>
+    <p:spTree>
+      <p:nvGrpSpPr>
+        <p:cNvPr id="1" name=""/>
+        <p:cNvGrpSpPr/>
+        <p:nvPr/>
+      </p:nvGrpSpPr>
+      <p:grpSpPr>
+        <a:xfrm>
+          <a:off x="0" y="0"/>
+          <a:ext cx="0" cy="0"/>
+          <a:chOff x="0" y="0"/>
+          <a:chExt cx="0" cy="0"/>
+        </a:xfrm>
+      </p:grpSpPr>
+      <p:pic>
+        <p:nvPicPr>
+          <p:cNvPr id="6" name="Picture 5"/>
+          <p:cNvPicPr>
+            <a:picLocks noChangeAspect="1"/>
+          </p:cNvPicPr>
+          <p:nvPr/>
+        </p:nvPicPr>
+        <p:blipFill>
+          <a:blip r:embed="rId2">
+            <a:extLst>
+              <a:ext uri="{28A0092B-C50C-407E-A947-70E740481C1C}">
+                <a14:useLocalDpi xmlns:a14="http://schemas.microsoft.com/office/drawing/2010/main" val="0"/>
+              </a:ext>
+            </a:extLst>
+          </a:blip>
+          <a:stretch>
+            <a:fillRect/>
+          </a:stretch>
+        </p:blipFill>
+        <p:spPr>
+          <a:xfrm>
+            <a:off x="10589135" y="476519"/>
+            <a:ext cx="1602865" cy="1602865"/>
+          </a:xfrm>
+          <a:prstGeom prst="rect">
+            <a:avLst/>
+          </a:prstGeom>
+          <a:ln>
+            <a:noFill/>
+          </a:ln>
+          <a:effectLst>
+            <a:softEdge rad="112500"/>
+          </a:effectLst>
+        </p:spPr>
+      </p:pic>
+      <p:sp>
+        <p:nvSpPr>
+          <p:cNvPr id="8" name="Title 1"/>
           <p:cNvSpPr>
             <a:spLocks noGrp="1"/>
           </p:cNvSpPr>
@@ -12926,8 +13336,8 @@
         </p:nvSpPr>
         <p:spPr>
           <a:xfrm>
-            <a:off x="899911" y="226403"/>
-            <a:ext cx="8911687" cy="1280890"/>
+            <a:off x="653922" y="855220"/>
+            <a:ext cx="8911687" cy="845461"/>
           </a:xfrm>
         </p:spPr>
         <p:txBody>
@@ -12938,78 +13348,23 @@
           <a:p>
             <a:pPr algn="ctr"/>
             <a:r>
-              <a:rPr lang="en-US" sz="4000" b="1" dirty="0" smtClean="0">
+              <a:rPr lang="en-US" sz="4400" b="1" dirty="0" smtClean="0">
                 <a:latin typeface="Times New Roman" panose="02020603050405020304" pitchFamily="18" charset="0"/>
                 <a:cs typeface="Times New Roman" panose="02020603050405020304" pitchFamily="18" charset="0"/>
               </a:rPr>
-              <a:t>  </a:t>
-            </a:r>
-            <a:r>
-              <a:rPr lang="en-US" sz="4800" b="1" dirty="0" smtClean="0">
-                <a:latin typeface="Times New Roman" panose="02020603050405020304" pitchFamily="18" charset="0"/>
-                <a:cs typeface="Times New Roman" panose="02020603050405020304" pitchFamily="18" charset="0"/>
-              </a:rPr>
-              <a:t>CONCLUSION</a:t>
-            </a:r>
-            <a:endParaRPr lang="en-US" sz="4000" b="1" dirty="0">
+              <a:t>JAVASCRIPT FRAME WORKS</a:t>
+            </a:r>
+            <a:endParaRPr lang="en-US" b="1" dirty="0">
               <a:latin typeface="Times New Roman" panose="02020603050405020304" pitchFamily="18" charset="0"/>
               <a:cs typeface="Times New Roman" panose="02020603050405020304" pitchFamily="18" charset="0"/>
             </a:endParaRPr>
           </a:p>
         </p:txBody>
       </p:sp>
-      <p:sp>
-        <p:nvSpPr>
-          <p:cNvPr id="11" name="Content Placeholder 3"/>
-          <p:cNvSpPr>
-            <a:spLocks noGrp="1"/>
-          </p:cNvSpPr>
-          <p:nvPr>
-            <p:ph idx="1"/>
-          </p:nvPr>
-        </p:nvSpPr>
-        <p:spPr>
-          <a:xfrm>
-            <a:off x="721217" y="1507292"/>
-            <a:ext cx="9414456" cy="5073811"/>
-          </a:xfrm>
-        </p:spPr>
-        <p:txBody>
-          <a:bodyPr>
-            <a:noAutofit/>
-          </a:bodyPr>
-          <a:lstStyle/>
-          <a:p>
-            <a:pPr marL="0" indent="0">
-              <a:lnSpc>
-                <a:spcPct val="150000"/>
-              </a:lnSpc>
-              <a:buNone/>
-            </a:pPr>
-            <a:r>
-              <a:rPr lang="en-GB" dirty="0" smtClean="0"/>
-              <a:t>	The </a:t>
-            </a:r>
-            <a:r>
-              <a:rPr lang="en-GB" dirty="0"/>
-              <a:t>Student Industrial work Experience Scheme (SIWES) gave me the privilege to relate with senior professionals and other students from different institutions. </a:t>
-            </a:r>
-            <a:r>
-              <a:rPr lang="en-GB" dirty="0" smtClean="0"/>
-              <a:t>The </a:t>
-            </a:r>
-            <a:r>
-              <a:rPr lang="en-GB" dirty="0"/>
-              <a:t>knowledge acquired is not only academic or technical as I was also made to understand the importance of other fields of study and ultimately appreciate the roles they play to the success of any industry. The experience made me appreciate my chosen field of study both in the classroom and in the larger society.</a:t>
-            </a:r>
-            <a:endParaRPr lang="en-US" dirty="0"/>
-          </a:p>
-        </p:txBody>
-      </p:sp>
     </p:spTree>
     <p:extLst>
       <p:ext uri="{BB962C8B-B14F-4D97-AF65-F5344CB8AC3E}">
-        <p14:creationId xmlns:p14="http://schemas.microsoft.com/office/powerpoint/2010/main" val="4287607224"/>
+        <p14:creationId xmlns:p14="http://schemas.microsoft.com/office/powerpoint/2010/main" val="2278739771"/>
       </p:ext>
     </p:extLst>
   </p:cSld>
@@ -13018,11 +13373,1416 @@
   </p:clrMapOvr>
   <mc:AlternateContent xmlns:mc="http://schemas.openxmlformats.org/markup-compatibility/2006">
     <mc:Choice xmlns:p14="http://schemas.microsoft.com/office/powerpoint/2010/main" Requires="p14">
-      <p:transition spd="slow" p14:dur="1600">
-        <p14:prism isInverted="1"/>
+      <p:transition spd="slow" p14:dur="1400">
+        <p14:ripple/>
       </p:transition>
     </mc:Choice>
     <mc:Fallback>
+      <p:transition spd="slow">
+        <p:fade/>
+      </p:transition>
+    </mc:Fallback>
+  </mc:AlternateContent>
+  <p:timing>
+    <p:tnLst>
+      <p:par>
+        <p:cTn id="1" dur="indefinite" restart="never" nodeType="tmRoot"/>
+      </p:par>
+    </p:tnLst>
+  </p:timing>
+</p:sld>
+</file>
+
+<file path=ppt/slides/slide23.xml><?xml version="1.0" encoding="utf-8"?>
+<p:sld xmlns:a="http://schemas.openxmlformats.org/drawingml/2006/main" xmlns:r="http://schemas.openxmlformats.org/officeDocument/2006/relationships" xmlns:p="http://schemas.openxmlformats.org/presentationml/2006/main">
+  <p:cSld>
+    <p:spTree>
+      <p:nvGrpSpPr>
+        <p:cNvPr id="1" name=""/>
+        <p:cNvGrpSpPr/>
+        <p:nvPr/>
+      </p:nvGrpSpPr>
+      <p:grpSpPr>
+        <a:xfrm>
+          <a:off x="0" y="0"/>
+          <a:ext cx="0" cy="0"/>
+          <a:chOff x="0" y="0"/>
+          <a:chExt cx="0" cy="0"/>
+        </a:xfrm>
+      </p:grpSpPr>
+      <p:pic>
+        <p:nvPicPr>
+          <p:cNvPr id="6" name="Picture 5"/>
+          <p:cNvPicPr>
+            <a:picLocks noChangeAspect="1"/>
+          </p:cNvPicPr>
+          <p:nvPr/>
+        </p:nvPicPr>
+        <p:blipFill>
+          <a:blip r:embed="rId2">
+            <a:extLst>
+              <a:ext uri="{28A0092B-C50C-407E-A947-70E740481C1C}">
+                <a14:useLocalDpi xmlns:a14="http://schemas.microsoft.com/office/drawing/2010/main" val="0"/>
+              </a:ext>
+            </a:extLst>
+          </a:blip>
+          <a:stretch>
+            <a:fillRect/>
+          </a:stretch>
+        </p:blipFill>
+        <p:spPr>
+          <a:xfrm>
+            <a:off x="10589135" y="476519"/>
+            <a:ext cx="1602865" cy="1602865"/>
+          </a:xfrm>
+          <a:prstGeom prst="rect">
+            <a:avLst/>
+          </a:prstGeom>
+          <a:ln>
+            <a:noFill/>
+          </a:ln>
+          <a:effectLst>
+            <a:softEdge rad="112500"/>
+          </a:effectLst>
+        </p:spPr>
+      </p:pic>
+      <p:sp>
+        <p:nvSpPr>
+          <p:cNvPr id="8" name="Title 1"/>
+          <p:cNvSpPr>
+            <a:spLocks noGrp="1"/>
+          </p:cNvSpPr>
+          <p:nvPr>
+            <p:ph type="title"/>
+          </p:nvPr>
+        </p:nvSpPr>
+        <p:spPr>
+          <a:xfrm>
+            <a:off x="653922" y="855220"/>
+            <a:ext cx="8911687" cy="845461"/>
+          </a:xfrm>
+        </p:spPr>
+        <p:txBody>
+          <a:bodyPr>
+            <a:normAutofit/>
+          </a:bodyPr>
+          <a:lstStyle/>
+          <a:p>
+            <a:pPr algn="ctr"/>
+            <a:r>
+              <a:rPr lang="en-US" sz="4400" b="1" dirty="0" smtClean="0">
+                <a:latin typeface="Times New Roman" panose="02020603050405020304" pitchFamily="18" charset="0"/>
+                <a:cs typeface="Times New Roman" panose="02020603050405020304" pitchFamily="18" charset="0"/>
+              </a:rPr>
+              <a:t>VUEJS</a:t>
+            </a:r>
+            <a:endParaRPr lang="en-US" b="1" dirty="0">
+              <a:latin typeface="Times New Roman" panose="02020603050405020304" pitchFamily="18" charset="0"/>
+              <a:cs typeface="Times New Roman" panose="02020603050405020304" pitchFamily="18" charset="0"/>
+            </a:endParaRPr>
+          </a:p>
+        </p:txBody>
+      </p:sp>
+      <p:pic>
+        <p:nvPicPr>
+          <p:cNvPr id="2" name="Picture 1"/>
+          <p:cNvPicPr>
+            <a:picLocks noChangeAspect="1"/>
+          </p:cNvPicPr>
+          <p:nvPr/>
+        </p:nvPicPr>
+        <p:blipFill>
+          <a:blip r:embed="rId3">
+            <a:extLst>
+              <a:ext uri="{28A0092B-C50C-407E-A947-70E740481C1C}">
+                <a14:useLocalDpi xmlns:a14="http://schemas.microsoft.com/office/drawing/2010/main" val="0"/>
+              </a:ext>
+            </a:extLst>
+          </a:blip>
+          <a:stretch>
+            <a:fillRect/>
+          </a:stretch>
+        </p:blipFill>
+        <p:spPr>
+          <a:xfrm>
+            <a:off x="360608" y="2079384"/>
+            <a:ext cx="10690634" cy="4487426"/>
+          </a:xfrm>
+          <a:prstGeom prst="rect">
+            <a:avLst/>
+          </a:prstGeom>
+        </p:spPr>
+      </p:pic>
+    </p:spTree>
+    <p:extLst>
+      <p:ext uri="{BB962C8B-B14F-4D97-AF65-F5344CB8AC3E}">
+        <p14:creationId xmlns:p14="http://schemas.microsoft.com/office/powerpoint/2010/main" val="2041521415"/>
+      </p:ext>
+    </p:extLst>
+  </p:cSld>
+  <p:clrMapOvr>
+    <a:masterClrMapping/>
+  </p:clrMapOvr>
+  <mc:AlternateContent xmlns:mc="http://schemas.openxmlformats.org/markup-compatibility/2006">
+    <mc:Choice xmlns:p14="http://schemas.microsoft.com/office/powerpoint/2010/main" Requires="p14">
+      <p:transition spd="slow" p14:dur="1400">
+        <p14:ripple/>
+      </p:transition>
+    </mc:Choice>
+    <mc:Fallback>
+      <p:transition spd="slow">
+        <p:fade/>
+      </p:transition>
+    </mc:Fallback>
+  </mc:AlternateContent>
+  <p:timing>
+    <p:tnLst>
+      <p:par>
+        <p:cTn id="1" dur="indefinite" restart="never" nodeType="tmRoot"/>
+      </p:par>
+    </p:tnLst>
+  </p:timing>
+</p:sld>
+</file>
+
+<file path=ppt/slides/slide24.xml><?xml version="1.0" encoding="utf-8"?>
+<p:sld xmlns:a="http://schemas.openxmlformats.org/drawingml/2006/main" xmlns:r="http://schemas.openxmlformats.org/officeDocument/2006/relationships" xmlns:p="http://schemas.openxmlformats.org/presentationml/2006/main">
+  <p:cSld>
+    <p:spTree>
+      <p:nvGrpSpPr>
+        <p:cNvPr id="1" name=""/>
+        <p:cNvGrpSpPr/>
+        <p:nvPr/>
+      </p:nvGrpSpPr>
+      <p:grpSpPr>
+        <a:xfrm>
+          <a:off x="0" y="0"/>
+          <a:ext cx="0" cy="0"/>
+          <a:chOff x="0" y="0"/>
+          <a:chExt cx="0" cy="0"/>
+        </a:xfrm>
+      </p:grpSpPr>
+      <p:sp>
+        <p:nvSpPr>
+          <p:cNvPr id="5" name="Rectangle 4"/>
+          <p:cNvSpPr/>
+          <p:nvPr/>
+        </p:nvSpPr>
+        <p:spPr>
+          <a:xfrm>
+            <a:off x="283335" y="1"/>
+            <a:ext cx="10148552" cy="6858000"/>
+          </a:xfrm>
+          <a:prstGeom prst="rect">
+            <a:avLst/>
+          </a:prstGeom>
+          <a:solidFill>
+            <a:schemeClr val="accent4">
+              <a:lumMod val="50000"/>
+            </a:schemeClr>
+          </a:solidFill>
+        </p:spPr>
+        <p:style>
+          <a:lnRef idx="2">
+            <a:schemeClr val="accent1">
+              <a:shade val="50000"/>
+            </a:schemeClr>
+          </a:lnRef>
+          <a:fillRef idx="1">
+            <a:schemeClr val="accent1"/>
+          </a:fillRef>
+          <a:effectRef idx="0">
+            <a:schemeClr val="accent1"/>
+          </a:effectRef>
+          <a:fontRef idx="minor">
+            <a:schemeClr val="lt1"/>
+          </a:fontRef>
+        </p:style>
+        <p:txBody>
+          <a:bodyPr rtlCol="0" anchor="ctr"/>
+          <a:lstStyle/>
+          <a:p>
+            <a:pPr algn="ctr"/>
+            <a:endParaRPr lang="en-US" sz="2400" dirty="0"/>
+          </a:p>
+        </p:txBody>
+      </p:sp>
+      <p:pic>
+        <p:nvPicPr>
+          <p:cNvPr id="6" name="Picture 5"/>
+          <p:cNvPicPr>
+            <a:picLocks noChangeAspect="1"/>
+          </p:cNvPicPr>
+          <p:nvPr/>
+        </p:nvPicPr>
+        <p:blipFill>
+          <a:blip r:embed="rId2">
+            <a:extLst>
+              <a:ext uri="{28A0092B-C50C-407E-A947-70E740481C1C}">
+                <a14:useLocalDpi xmlns:a14="http://schemas.microsoft.com/office/drawing/2010/main" val="0"/>
+              </a:ext>
+            </a:extLst>
+          </a:blip>
+          <a:stretch>
+            <a:fillRect/>
+          </a:stretch>
+        </p:blipFill>
+        <p:spPr>
+          <a:xfrm>
+            <a:off x="10589135" y="476519"/>
+            <a:ext cx="1602865" cy="1602865"/>
+          </a:xfrm>
+          <a:prstGeom prst="rect">
+            <a:avLst/>
+          </a:prstGeom>
+          <a:ln>
+            <a:noFill/>
+          </a:ln>
+          <a:effectLst>
+            <a:softEdge rad="112500"/>
+          </a:effectLst>
+        </p:spPr>
+      </p:pic>
+      <p:sp>
+        <p:nvSpPr>
+          <p:cNvPr id="3" name="Rectangle 2"/>
+          <p:cNvSpPr/>
+          <p:nvPr/>
+        </p:nvSpPr>
+        <p:spPr>
+          <a:xfrm>
+            <a:off x="437881" y="476519"/>
+            <a:ext cx="9839459" cy="5693866"/>
+          </a:xfrm>
+          <a:prstGeom prst="rect">
+            <a:avLst/>
+          </a:prstGeom>
+        </p:spPr>
+        <p:txBody>
+          <a:bodyPr wrap="square">
+            <a:spAutoFit/>
+          </a:bodyPr>
+          <a:lstStyle/>
+          <a:p>
+            <a:r>
+              <a:rPr lang="en-US" sz="2800" b="1" dirty="0"/>
+              <a:t>Vue.js</a:t>
+            </a:r>
+            <a:r>
+              <a:rPr lang="en-US" sz="2800" dirty="0"/>
+              <a:t> (commonly referred to as </a:t>
+            </a:r>
+            <a:r>
+              <a:rPr lang="en-US" sz="2800" b="1" dirty="0" err="1"/>
+              <a:t>Vue</a:t>
+            </a:r>
+            <a:r>
+              <a:rPr lang="en-US" sz="2800" dirty="0"/>
+              <a:t>; pronounced </a:t>
+            </a:r>
+            <a:r>
+              <a:rPr lang="en-US" sz="2800" dirty="0">
+                <a:hlinkClick r:id="rId3" tooltip="Help:IPA/English"/>
+              </a:rPr>
+              <a:t>/</a:t>
+            </a:r>
+            <a:r>
+              <a:rPr lang="en-US" sz="2800" dirty="0" err="1">
+                <a:hlinkClick r:id="rId3" tooltip="Help:IPA/English"/>
+              </a:rPr>
+              <a:t>vju</a:t>
+            </a:r>
+            <a:r>
+              <a:rPr lang="en-US" sz="2800" dirty="0">
+                <a:hlinkClick r:id="rId3" tooltip="Help:IPA/English"/>
+              </a:rPr>
+              <a:t>ː/</a:t>
+            </a:r>
+            <a:r>
+              <a:rPr lang="en-US" sz="2800" dirty="0"/>
+              <a:t>, like </a:t>
+            </a:r>
+            <a:r>
+              <a:rPr lang="en-US" sz="2800" b="1" dirty="0"/>
+              <a:t>view</a:t>
+            </a:r>
+            <a:r>
+              <a:rPr lang="en-US" sz="2800" dirty="0"/>
+              <a:t>) is an </a:t>
+            </a:r>
+            <a:r>
+              <a:rPr lang="en-US" sz="2800" dirty="0">
+                <a:hlinkClick r:id="rId4" tooltip="Open-source software"/>
+              </a:rPr>
+              <a:t>open-source</a:t>
+            </a:r>
+            <a:r>
+              <a:rPr lang="en-US" sz="2800" dirty="0"/>
+              <a:t> </a:t>
+            </a:r>
+            <a:r>
+              <a:rPr lang="en-US" sz="2800" dirty="0">
+                <a:hlinkClick r:id="rId5" tooltip="JavaScript framework"/>
+              </a:rPr>
+              <a:t>JavaScript framework</a:t>
+            </a:r>
+            <a:r>
+              <a:rPr lang="en-US" sz="2800" dirty="0"/>
+              <a:t> for building </a:t>
+            </a:r>
+            <a:r>
+              <a:rPr lang="en-US" sz="2800" dirty="0">
+                <a:hlinkClick r:id="rId6" tooltip="User interface"/>
+              </a:rPr>
+              <a:t>user interfaces</a:t>
+            </a:r>
+            <a:r>
+              <a:rPr lang="en-US" sz="2800" dirty="0"/>
+              <a:t> and </a:t>
+            </a:r>
+            <a:r>
+              <a:rPr lang="en-US" sz="2800" dirty="0">
+                <a:hlinkClick r:id="rId7" tooltip="Single-page application"/>
+              </a:rPr>
+              <a:t>single-page applications</a:t>
+            </a:r>
+            <a:r>
+              <a:rPr lang="en-US" sz="2800" dirty="0"/>
+              <a:t>.</a:t>
+            </a:r>
+            <a:r>
+              <a:rPr lang="en-US" sz="2800" baseline="30000" dirty="0">
+                <a:hlinkClick r:id="rId8"/>
+              </a:rPr>
+              <a:t>[10]</a:t>
+            </a:r>
+            <a:r>
+              <a:rPr lang="en-US" sz="2800" dirty="0"/>
+              <a:t> It was created by Evan You, and is maintained by him and the rest of the active core team members coming from various companies such as </a:t>
+            </a:r>
+            <a:r>
+              <a:rPr lang="en-US" sz="2800" dirty="0" err="1">
+                <a:hlinkClick r:id="rId9" tooltip="Netlify"/>
+              </a:rPr>
+              <a:t>Netlify</a:t>
+            </a:r>
+            <a:r>
+              <a:rPr lang="en-US" sz="2800" dirty="0"/>
+              <a:t> and </a:t>
+            </a:r>
+            <a:r>
+              <a:rPr lang="en-US" sz="2800" dirty="0" err="1" smtClean="0">
+                <a:hlinkClick r:id="rId10" tooltip="Netguru"/>
+              </a:rPr>
+              <a:t>Netguru</a:t>
+            </a:r>
+            <a:r>
+              <a:rPr lang="en-US" sz="2800" baseline="30000" dirty="0" smtClean="0"/>
+              <a:t>.</a:t>
+            </a:r>
+            <a:r>
+              <a:rPr lang="en-US" sz="2800" dirty="0"/>
+              <a:t> Vue.js features an incrementally adoptable architecture that focuses on declarative rendering and component composition. Advanced features required for complex applications such as routing, </a:t>
+            </a:r>
+            <a:r>
+              <a:rPr lang="en-US" sz="2800" dirty="0">
+                <a:hlinkClick r:id="rId11" tooltip="State management"/>
+              </a:rPr>
+              <a:t>state management</a:t>
+            </a:r>
+            <a:r>
+              <a:rPr lang="en-US" sz="2800" dirty="0"/>
+              <a:t> and </a:t>
+            </a:r>
+            <a:r>
+              <a:rPr lang="en-US" sz="2800" dirty="0">
+                <a:hlinkClick r:id="rId12" tooltip="Build automation"/>
+              </a:rPr>
+              <a:t>build tooling</a:t>
+            </a:r>
+            <a:r>
+              <a:rPr lang="en-US" sz="2800" dirty="0"/>
+              <a:t> are offered via officially maintained supporting libraries and packages</a:t>
+            </a:r>
+            <a:r>
+              <a:rPr lang="en-US" sz="2800" baseline="30000" dirty="0">
+                <a:hlinkClick r:id="rId13"/>
+              </a:rPr>
+              <a:t>[12]</a:t>
+            </a:r>
+            <a:r>
+              <a:rPr lang="en-US" sz="2800" dirty="0"/>
+              <a:t>, with </a:t>
+            </a:r>
+            <a:r>
+              <a:rPr lang="en-US" sz="2800" dirty="0">
+                <a:hlinkClick r:id="rId14" tooltip="Nuxt.js"/>
+              </a:rPr>
+              <a:t>Nuxt.js</a:t>
+            </a:r>
+            <a:r>
+              <a:rPr lang="en-US" sz="2800" dirty="0"/>
+              <a:t> as one of the most popular </a:t>
+            </a:r>
+            <a:r>
+              <a:rPr lang="en-US" sz="2800" dirty="0" smtClean="0"/>
+              <a:t>solutions.</a:t>
+            </a:r>
+            <a:endParaRPr lang="en-US" sz="2800" dirty="0"/>
+          </a:p>
+        </p:txBody>
+      </p:sp>
+    </p:spTree>
+    <p:extLst>
+      <p:ext uri="{BB962C8B-B14F-4D97-AF65-F5344CB8AC3E}">
+        <p14:creationId xmlns:p14="http://schemas.microsoft.com/office/powerpoint/2010/main" val="2145400823"/>
+      </p:ext>
+    </p:extLst>
+  </p:cSld>
+  <p:clrMapOvr>
+    <a:masterClrMapping/>
+  </p:clrMapOvr>
+  <mc:AlternateContent xmlns:mc="http://schemas.openxmlformats.org/markup-compatibility/2006">
+    <mc:Choice xmlns:p15="http://schemas.microsoft.com/office/powerpoint/2012/main" Requires="p15">
+      <p:transition xmlns:p14="http://schemas.microsoft.com/office/powerpoint/2010/main" spd="slow" p14:dur="6000">
+        <p15:prstTrans prst="curtains"/>
+      </p:transition>
+    </mc:Choice>
+    <mc:Fallback>
+      <p:transition spd="slow">
+        <p:fade/>
+      </p:transition>
+    </mc:Fallback>
+  </mc:AlternateContent>
+  <p:timing>
+    <p:tnLst>
+      <p:par>
+        <p:cTn id="1" dur="indefinite" restart="never" nodeType="tmRoot"/>
+      </p:par>
+    </p:tnLst>
+  </p:timing>
+</p:sld>
+</file>
+
+<file path=ppt/slides/slide25.xml><?xml version="1.0" encoding="utf-8"?>
+<p:sld xmlns:a="http://schemas.openxmlformats.org/drawingml/2006/main" xmlns:r="http://schemas.openxmlformats.org/officeDocument/2006/relationships" xmlns:p="http://schemas.openxmlformats.org/presentationml/2006/main">
+  <p:cSld>
+    <p:spTree>
+      <p:nvGrpSpPr>
+        <p:cNvPr id="1" name=""/>
+        <p:cNvGrpSpPr/>
+        <p:nvPr/>
+      </p:nvGrpSpPr>
+      <p:grpSpPr>
+        <a:xfrm>
+          <a:off x="0" y="0"/>
+          <a:ext cx="0" cy="0"/>
+          <a:chOff x="0" y="0"/>
+          <a:chExt cx="0" cy="0"/>
+        </a:xfrm>
+      </p:grpSpPr>
+      <p:sp>
+        <p:nvSpPr>
+          <p:cNvPr id="5" name="Rectangle 4"/>
+          <p:cNvSpPr/>
+          <p:nvPr/>
+        </p:nvSpPr>
+        <p:spPr>
+          <a:xfrm>
+            <a:off x="283335" y="1"/>
+            <a:ext cx="10148552" cy="6858000"/>
+          </a:xfrm>
+          <a:prstGeom prst="rect">
+            <a:avLst/>
+          </a:prstGeom>
+          <a:solidFill>
+            <a:schemeClr val="accent4">
+              <a:lumMod val="50000"/>
+            </a:schemeClr>
+          </a:solidFill>
+        </p:spPr>
+        <p:style>
+          <a:lnRef idx="2">
+            <a:schemeClr val="accent1">
+              <a:shade val="50000"/>
+            </a:schemeClr>
+          </a:lnRef>
+          <a:fillRef idx="1">
+            <a:schemeClr val="accent1"/>
+          </a:fillRef>
+          <a:effectRef idx="0">
+            <a:schemeClr val="accent1"/>
+          </a:effectRef>
+          <a:fontRef idx="minor">
+            <a:schemeClr val="lt1"/>
+          </a:fontRef>
+        </p:style>
+        <p:txBody>
+          <a:bodyPr rtlCol="0" anchor="ctr"/>
+          <a:lstStyle/>
+          <a:p>
+            <a:pPr algn="ctr"/>
+            <a:endParaRPr lang="en-US" sz="2400" dirty="0"/>
+          </a:p>
+        </p:txBody>
+      </p:sp>
+      <p:pic>
+        <p:nvPicPr>
+          <p:cNvPr id="6" name="Picture 5"/>
+          <p:cNvPicPr>
+            <a:picLocks noChangeAspect="1"/>
+          </p:cNvPicPr>
+          <p:nvPr/>
+        </p:nvPicPr>
+        <p:blipFill>
+          <a:blip r:embed="rId2">
+            <a:extLst>
+              <a:ext uri="{28A0092B-C50C-407E-A947-70E740481C1C}">
+                <a14:useLocalDpi xmlns:a14="http://schemas.microsoft.com/office/drawing/2010/main" val="0"/>
+              </a:ext>
+            </a:extLst>
+          </a:blip>
+          <a:stretch>
+            <a:fillRect/>
+          </a:stretch>
+        </p:blipFill>
+        <p:spPr>
+          <a:xfrm>
+            <a:off x="10589135" y="476519"/>
+            <a:ext cx="1602865" cy="1602865"/>
+          </a:xfrm>
+          <a:prstGeom prst="rect">
+            <a:avLst/>
+          </a:prstGeom>
+          <a:ln>
+            <a:noFill/>
+          </a:ln>
+          <a:effectLst>
+            <a:softEdge rad="112500"/>
+          </a:effectLst>
+        </p:spPr>
+      </p:pic>
+      <p:sp>
+        <p:nvSpPr>
+          <p:cNvPr id="3" name="Rectangle 2"/>
+          <p:cNvSpPr/>
+          <p:nvPr/>
+        </p:nvSpPr>
+        <p:spPr>
+          <a:xfrm>
+            <a:off x="437881" y="476519"/>
+            <a:ext cx="9839459" cy="830997"/>
+          </a:xfrm>
+          <a:prstGeom prst="rect">
+            <a:avLst/>
+          </a:prstGeom>
+        </p:spPr>
+        <p:txBody>
+          <a:bodyPr wrap="square">
+            <a:spAutoFit/>
+          </a:bodyPr>
+          <a:lstStyle/>
+          <a:p>
+            <a:pPr algn="ctr"/>
+            <a:r>
+              <a:rPr lang="en-US" sz="4800" b="1" dirty="0" smtClean="0"/>
+              <a:t>FEATURES OF VUEJS</a:t>
+            </a:r>
+            <a:endParaRPr lang="en-US" sz="4800" dirty="0"/>
+          </a:p>
+        </p:txBody>
+      </p:sp>
+      <p:sp>
+        <p:nvSpPr>
+          <p:cNvPr id="2" name="TextBox 1"/>
+          <p:cNvSpPr txBox="1"/>
+          <p:nvPr/>
+        </p:nvSpPr>
+        <p:spPr>
+          <a:xfrm>
+            <a:off x="1416675" y="2228045"/>
+            <a:ext cx="7881870" cy="2800767"/>
+          </a:xfrm>
+          <a:prstGeom prst="rect">
+            <a:avLst/>
+          </a:prstGeom>
+          <a:noFill/>
+        </p:spPr>
+        <p:txBody>
+          <a:bodyPr wrap="square" rtlCol="0">
+            <a:spAutoFit/>
+          </a:bodyPr>
+          <a:lstStyle/>
+          <a:p>
+            <a:pPr marL="571500" indent="-571500" algn="ctr">
+              <a:buFont typeface="Arial" panose="020B0604020202020204" pitchFamily="34" charset="0"/>
+              <a:buChar char="•"/>
+            </a:pPr>
+            <a:r>
+              <a:rPr lang="en-US" sz="4400" b="1" dirty="0" smtClean="0"/>
+              <a:t>COMPONENTS</a:t>
+            </a:r>
+          </a:p>
+          <a:p>
+            <a:pPr marL="571500" indent="-571500" algn="ctr">
+              <a:buFont typeface="Arial" panose="020B0604020202020204" pitchFamily="34" charset="0"/>
+              <a:buChar char="•"/>
+            </a:pPr>
+            <a:r>
+              <a:rPr lang="en-US" sz="4400" b="1" dirty="0" smtClean="0"/>
+              <a:t>TEMPLATES</a:t>
+            </a:r>
+          </a:p>
+          <a:p>
+            <a:pPr marL="571500" indent="-571500" algn="ctr">
+              <a:buFont typeface="Arial" panose="020B0604020202020204" pitchFamily="34" charset="0"/>
+              <a:buChar char="•"/>
+            </a:pPr>
+            <a:r>
+              <a:rPr lang="en-US" sz="4400" b="1" dirty="0" smtClean="0"/>
+              <a:t>ROUTING</a:t>
+            </a:r>
+          </a:p>
+          <a:p>
+            <a:pPr marL="571500" indent="-571500" algn="ctr">
+              <a:buFont typeface="Arial" panose="020B0604020202020204" pitchFamily="34" charset="0"/>
+              <a:buChar char="•"/>
+            </a:pPr>
+            <a:r>
+              <a:rPr lang="en-US" sz="4400" b="1" dirty="0" smtClean="0"/>
+              <a:t>REACTIVITY</a:t>
+            </a:r>
+            <a:endParaRPr lang="en-US" sz="4400" b="1" dirty="0"/>
+          </a:p>
+        </p:txBody>
+      </p:sp>
+    </p:spTree>
+    <p:extLst>
+      <p:ext uri="{BB962C8B-B14F-4D97-AF65-F5344CB8AC3E}">
+        <p14:creationId xmlns:p14="http://schemas.microsoft.com/office/powerpoint/2010/main" val="2704181392"/>
+      </p:ext>
+    </p:extLst>
+  </p:cSld>
+  <p:clrMapOvr>
+    <a:masterClrMapping/>
+  </p:clrMapOvr>
+  <mc:AlternateContent xmlns:mc="http://schemas.openxmlformats.org/markup-compatibility/2006">
+    <mc:Choice xmlns:p15="http://schemas.microsoft.com/office/powerpoint/2012/main" Requires="p15">
+      <p:transition xmlns:p14="http://schemas.microsoft.com/office/powerpoint/2010/main" spd="slow" p14:dur="6000">
+        <p15:prstTrans prst="curtains"/>
+      </p:transition>
+    </mc:Choice>
+    <mc:Fallback>
+      <p:transition spd="slow">
+        <p:fade/>
+      </p:transition>
+    </mc:Fallback>
+  </mc:AlternateContent>
+  <p:timing>
+    <p:tnLst>
+      <p:par>
+        <p:cTn id="1" dur="indefinite" restart="never" nodeType="tmRoot"/>
+      </p:par>
+    </p:tnLst>
+  </p:timing>
+</p:sld>
+</file>
+
+<file path=ppt/slides/slide26.xml><?xml version="1.0" encoding="utf-8"?>
+<p:sld xmlns:a="http://schemas.openxmlformats.org/drawingml/2006/main" xmlns:r="http://schemas.openxmlformats.org/officeDocument/2006/relationships" xmlns:p="http://schemas.openxmlformats.org/presentationml/2006/main">
+  <p:cSld>
+    <p:spTree>
+      <p:nvGrpSpPr>
+        <p:cNvPr id="1" name=""/>
+        <p:cNvGrpSpPr/>
+        <p:nvPr/>
+      </p:nvGrpSpPr>
+      <p:grpSpPr>
+        <a:xfrm>
+          <a:off x="0" y="0"/>
+          <a:ext cx="0" cy="0"/>
+          <a:chOff x="0" y="0"/>
+          <a:chExt cx="0" cy="0"/>
+        </a:xfrm>
+      </p:grpSpPr>
+      <p:pic>
+        <p:nvPicPr>
+          <p:cNvPr id="6" name="Picture 5"/>
+          <p:cNvPicPr>
+            <a:picLocks noChangeAspect="1"/>
+          </p:cNvPicPr>
+          <p:nvPr/>
+        </p:nvPicPr>
+        <p:blipFill>
+          <a:blip r:embed="rId2">
+            <a:extLst>
+              <a:ext uri="{28A0092B-C50C-407E-A947-70E740481C1C}">
+                <a14:useLocalDpi xmlns:a14="http://schemas.microsoft.com/office/drawing/2010/main" val="0"/>
+              </a:ext>
+            </a:extLst>
+          </a:blip>
+          <a:stretch>
+            <a:fillRect/>
+          </a:stretch>
+        </p:blipFill>
+        <p:spPr>
+          <a:xfrm>
+            <a:off x="10589135" y="476519"/>
+            <a:ext cx="1602865" cy="1602865"/>
+          </a:xfrm>
+          <a:prstGeom prst="rect">
+            <a:avLst/>
+          </a:prstGeom>
+          <a:ln>
+            <a:noFill/>
+          </a:ln>
+          <a:effectLst>
+            <a:softEdge rad="112500"/>
+          </a:effectLst>
+        </p:spPr>
+      </p:pic>
+      <p:sp>
+        <p:nvSpPr>
+          <p:cNvPr id="8" name="Title 1"/>
+          <p:cNvSpPr>
+            <a:spLocks noGrp="1"/>
+          </p:cNvSpPr>
+          <p:nvPr>
+            <p:ph type="title"/>
+          </p:nvPr>
+        </p:nvSpPr>
+        <p:spPr>
+          <a:xfrm>
+            <a:off x="653922" y="855220"/>
+            <a:ext cx="8911687" cy="845461"/>
+          </a:xfrm>
+        </p:spPr>
+        <p:txBody>
+          <a:bodyPr>
+            <a:normAutofit/>
+          </a:bodyPr>
+          <a:lstStyle/>
+          <a:p>
+            <a:pPr algn="ctr"/>
+            <a:r>
+              <a:rPr lang="en-US" sz="4400" b="1" dirty="0" smtClean="0">
+                <a:latin typeface="Times New Roman" panose="02020603050405020304" pitchFamily="18" charset="0"/>
+                <a:cs typeface="Times New Roman" panose="02020603050405020304" pitchFamily="18" charset="0"/>
+              </a:rPr>
+              <a:t>MY WEB PAGES</a:t>
+            </a:r>
+            <a:endParaRPr lang="en-US" b="1" dirty="0">
+              <a:latin typeface="Times New Roman" panose="02020603050405020304" pitchFamily="18" charset="0"/>
+              <a:cs typeface="Times New Roman" panose="02020603050405020304" pitchFamily="18" charset="0"/>
+            </a:endParaRPr>
+          </a:p>
+        </p:txBody>
+      </p:sp>
+    </p:spTree>
+    <p:extLst>
+      <p:ext uri="{BB962C8B-B14F-4D97-AF65-F5344CB8AC3E}">
+        <p14:creationId xmlns:p14="http://schemas.microsoft.com/office/powerpoint/2010/main" val="3514517356"/>
+      </p:ext>
+    </p:extLst>
+  </p:cSld>
+  <p:clrMapOvr>
+    <a:masterClrMapping/>
+  </p:clrMapOvr>
+  <mc:AlternateContent xmlns:mc="http://schemas.openxmlformats.org/markup-compatibility/2006" xmlns:p14="http://schemas.microsoft.com/office/powerpoint/2010/main">
+    <mc:Choice Requires="p14">
+      <p:transition spd="slow" p14:dur="1400">
+        <p14:ripple/>
+      </p:transition>
+    </mc:Choice>
+    <mc:Fallback xmlns="">
+      <p:transition spd="slow">
+        <p:fade/>
+      </p:transition>
+    </mc:Fallback>
+  </mc:AlternateContent>
+  <p:timing>
+    <p:tnLst>
+      <p:par>
+        <p:cTn id="1" dur="indefinite" restart="never" nodeType="tmRoot"/>
+      </p:par>
+    </p:tnLst>
+  </p:timing>
+</p:sld>
+</file>
+
+<file path=ppt/slides/slide27.xml><?xml version="1.0" encoding="utf-8"?>
+<p:sld xmlns:a="http://schemas.openxmlformats.org/drawingml/2006/main" xmlns:r="http://schemas.openxmlformats.org/officeDocument/2006/relationships" xmlns:p="http://schemas.openxmlformats.org/presentationml/2006/main">
+  <p:cSld>
+    <p:spTree>
+      <p:nvGrpSpPr>
+        <p:cNvPr id="1" name=""/>
+        <p:cNvGrpSpPr/>
+        <p:nvPr/>
+      </p:nvGrpSpPr>
+      <p:grpSpPr>
+        <a:xfrm>
+          <a:off x="0" y="0"/>
+          <a:ext cx="0" cy="0"/>
+          <a:chOff x="0" y="0"/>
+          <a:chExt cx="0" cy="0"/>
+        </a:xfrm>
+      </p:grpSpPr>
+      <p:sp>
+        <p:nvSpPr>
+          <p:cNvPr id="5" name="Rectangle 4"/>
+          <p:cNvSpPr/>
+          <p:nvPr/>
+        </p:nvSpPr>
+        <p:spPr>
+          <a:xfrm>
+            <a:off x="283335" y="1"/>
+            <a:ext cx="10148552" cy="6858000"/>
+          </a:xfrm>
+          <a:prstGeom prst="rect">
+            <a:avLst/>
+          </a:prstGeom>
+          <a:solidFill>
+            <a:schemeClr val="accent4">
+              <a:lumMod val="50000"/>
+            </a:schemeClr>
+          </a:solidFill>
+        </p:spPr>
+        <p:style>
+          <a:lnRef idx="2">
+            <a:schemeClr val="accent1">
+              <a:shade val="50000"/>
+            </a:schemeClr>
+          </a:lnRef>
+          <a:fillRef idx="1">
+            <a:schemeClr val="accent1"/>
+          </a:fillRef>
+          <a:effectRef idx="0">
+            <a:schemeClr val="accent1"/>
+          </a:effectRef>
+          <a:fontRef idx="minor">
+            <a:schemeClr val="lt1"/>
+          </a:fontRef>
+        </p:style>
+        <p:txBody>
+          <a:bodyPr rtlCol="0" anchor="ctr"/>
+          <a:lstStyle/>
+          <a:p>
+            <a:pPr algn="ctr"/>
+            <a:endParaRPr lang="en-US" sz="2400" dirty="0"/>
+          </a:p>
+        </p:txBody>
+      </p:sp>
+      <p:pic>
+        <p:nvPicPr>
+          <p:cNvPr id="6" name="Picture 5"/>
+          <p:cNvPicPr>
+            <a:picLocks noChangeAspect="1"/>
+          </p:cNvPicPr>
+          <p:nvPr/>
+        </p:nvPicPr>
+        <p:blipFill>
+          <a:blip r:embed="rId2">
+            <a:extLst>
+              <a:ext uri="{28A0092B-C50C-407E-A947-70E740481C1C}">
+                <a14:useLocalDpi xmlns:a14="http://schemas.microsoft.com/office/drawing/2010/main" val="0"/>
+              </a:ext>
+            </a:extLst>
+          </a:blip>
+          <a:stretch>
+            <a:fillRect/>
+          </a:stretch>
+        </p:blipFill>
+        <p:spPr>
+          <a:xfrm>
+            <a:off x="10589135" y="476519"/>
+            <a:ext cx="1602865" cy="1602865"/>
+          </a:xfrm>
+          <a:prstGeom prst="rect">
+            <a:avLst/>
+          </a:prstGeom>
+          <a:ln>
+            <a:noFill/>
+          </a:ln>
+          <a:effectLst>
+            <a:softEdge rad="112500"/>
+          </a:effectLst>
+        </p:spPr>
+      </p:pic>
+      <p:sp>
+        <p:nvSpPr>
+          <p:cNvPr id="8" name="Title 1"/>
+          <p:cNvSpPr>
+            <a:spLocks noGrp="1"/>
+          </p:cNvSpPr>
+          <p:nvPr>
+            <p:ph type="title"/>
+          </p:nvPr>
+        </p:nvSpPr>
+        <p:spPr>
+          <a:xfrm>
+            <a:off x="756953" y="432490"/>
+            <a:ext cx="8911687" cy="845461"/>
+          </a:xfrm>
+        </p:spPr>
+        <p:txBody>
+          <a:bodyPr>
+            <a:normAutofit/>
+          </a:bodyPr>
+          <a:lstStyle/>
+          <a:p>
+            <a:pPr algn="ctr"/>
+            <a:r>
+              <a:rPr lang="en-US" sz="4400" b="1" dirty="0" smtClean="0">
+                <a:latin typeface="Times New Roman" panose="02020603050405020304" pitchFamily="18" charset="0"/>
+                <a:cs typeface="Times New Roman" panose="02020603050405020304" pitchFamily="18" charset="0"/>
+              </a:rPr>
+              <a:t>Obonguniversity.netlify.com</a:t>
+            </a:r>
+            <a:endParaRPr lang="en-US" b="1" dirty="0">
+              <a:latin typeface="Times New Roman" panose="02020603050405020304" pitchFamily="18" charset="0"/>
+              <a:cs typeface="Times New Roman" panose="02020603050405020304" pitchFamily="18" charset="0"/>
+            </a:endParaRPr>
+          </a:p>
+        </p:txBody>
+      </p:sp>
+      <p:pic>
+        <p:nvPicPr>
+          <p:cNvPr id="2" name="Content Placeholder 1"/>
+          <p:cNvPicPr>
+            <a:picLocks noGrp="1" noChangeAspect="1"/>
+          </p:cNvPicPr>
+          <p:nvPr>
+            <p:ph idx="1"/>
+          </p:nvPr>
+        </p:nvPicPr>
+        <p:blipFill>
+          <a:blip r:embed="rId3">
+            <a:extLst>
+              <a:ext uri="{28A0092B-C50C-407E-A947-70E740481C1C}">
+                <a14:useLocalDpi xmlns:a14="http://schemas.microsoft.com/office/drawing/2010/main" val="0"/>
+              </a:ext>
+            </a:extLst>
+          </a:blip>
+          <a:stretch>
+            <a:fillRect/>
+          </a:stretch>
+        </p:blipFill>
+        <p:spPr>
+          <a:xfrm>
+            <a:off x="461170" y="1277951"/>
+            <a:ext cx="9769903" cy="4736483"/>
+          </a:xfrm>
+        </p:spPr>
+      </p:pic>
+    </p:spTree>
+    <p:extLst>
+      <p:ext uri="{BB962C8B-B14F-4D97-AF65-F5344CB8AC3E}">
+        <p14:creationId xmlns:p14="http://schemas.microsoft.com/office/powerpoint/2010/main" val="3045186267"/>
+      </p:ext>
+    </p:extLst>
+  </p:cSld>
+  <p:clrMapOvr>
+    <a:masterClrMapping/>
+  </p:clrMapOvr>
+  <mc:AlternateContent xmlns:mc="http://schemas.openxmlformats.org/markup-compatibility/2006" xmlns:p14="http://schemas.microsoft.com/office/powerpoint/2010/main">
+    <mc:Choice Requires="p14">
+      <p:transition spd="slow" p14:dur="1400">
+        <p14:doors dir="vert"/>
+      </p:transition>
+    </mc:Choice>
+    <mc:Fallback xmlns="">
+      <p:transition spd="slow">
+        <p:fade/>
+      </p:transition>
+    </mc:Fallback>
+  </mc:AlternateContent>
+  <p:timing>
+    <p:tnLst>
+      <p:par>
+        <p:cTn id="1" dur="indefinite" restart="never" nodeType="tmRoot"/>
+      </p:par>
+    </p:tnLst>
+  </p:timing>
+</p:sld>
+</file>
+
+<file path=ppt/slides/slide28.xml><?xml version="1.0" encoding="utf-8"?>
+<p:sld xmlns:a="http://schemas.openxmlformats.org/drawingml/2006/main" xmlns:r="http://schemas.openxmlformats.org/officeDocument/2006/relationships" xmlns:p="http://schemas.openxmlformats.org/presentationml/2006/main">
+  <p:cSld>
+    <p:spTree>
+      <p:nvGrpSpPr>
+        <p:cNvPr id="1" name=""/>
+        <p:cNvGrpSpPr/>
+        <p:nvPr/>
+      </p:nvGrpSpPr>
+      <p:grpSpPr>
+        <a:xfrm>
+          <a:off x="0" y="0"/>
+          <a:ext cx="0" cy="0"/>
+          <a:chOff x="0" y="0"/>
+          <a:chExt cx="0" cy="0"/>
+        </a:xfrm>
+      </p:grpSpPr>
+      <p:sp>
+        <p:nvSpPr>
+          <p:cNvPr id="5" name="Rectangle 4"/>
+          <p:cNvSpPr/>
+          <p:nvPr/>
+        </p:nvSpPr>
+        <p:spPr>
+          <a:xfrm>
+            <a:off x="283335" y="1"/>
+            <a:ext cx="10148552" cy="6858000"/>
+          </a:xfrm>
+          <a:prstGeom prst="rect">
+            <a:avLst/>
+          </a:prstGeom>
+          <a:solidFill>
+            <a:schemeClr val="accent4">
+              <a:lumMod val="50000"/>
+            </a:schemeClr>
+          </a:solidFill>
+        </p:spPr>
+        <p:style>
+          <a:lnRef idx="2">
+            <a:schemeClr val="accent1">
+              <a:shade val="50000"/>
+            </a:schemeClr>
+          </a:lnRef>
+          <a:fillRef idx="1">
+            <a:schemeClr val="accent1"/>
+          </a:fillRef>
+          <a:effectRef idx="0">
+            <a:schemeClr val="accent1"/>
+          </a:effectRef>
+          <a:fontRef idx="minor">
+            <a:schemeClr val="lt1"/>
+          </a:fontRef>
+        </p:style>
+        <p:txBody>
+          <a:bodyPr rtlCol="0" anchor="ctr"/>
+          <a:lstStyle/>
+          <a:p>
+            <a:pPr algn="ctr"/>
+            <a:endParaRPr lang="en-US" sz="2400" dirty="0"/>
+          </a:p>
+        </p:txBody>
+      </p:sp>
+      <p:pic>
+        <p:nvPicPr>
+          <p:cNvPr id="6" name="Picture 5"/>
+          <p:cNvPicPr>
+            <a:picLocks noChangeAspect="1"/>
+          </p:cNvPicPr>
+          <p:nvPr/>
+        </p:nvPicPr>
+        <p:blipFill>
+          <a:blip r:embed="rId2">
+            <a:extLst>
+              <a:ext uri="{28A0092B-C50C-407E-A947-70E740481C1C}">
+                <a14:useLocalDpi xmlns:a14="http://schemas.microsoft.com/office/drawing/2010/main" val="0"/>
+              </a:ext>
+            </a:extLst>
+          </a:blip>
+          <a:stretch>
+            <a:fillRect/>
+          </a:stretch>
+        </p:blipFill>
+        <p:spPr>
+          <a:xfrm>
+            <a:off x="10589135" y="476519"/>
+            <a:ext cx="1602865" cy="1602865"/>
+          </a:xfrm>
+          <a:prstGeom prst="rect">
+            <a:avLst/>
+          </a:prstGeom>
+          <a:ln>
+            <a:noFill/>
+          </a:ln>
+          <a:effectLst>
+            <a:softEdge rad="112500"/>
+          </a:effectLst>
+        </p:spPr>
+      </p:pic>
+      <p:sp>
+        <p:nvSpPr>
+          <p:cNvPr id="8" name="Title 1"/>
+          <p:cNvSpPr>
+            <a:spLocks noGrp="1"/>
+          </p:cNvSpPr>
+          <p:nvPr>
+            <p:ph type="title"/>
+          </p:nvPr>
+        </p:nvSpPr>
+        <p:spPr>
+          <a:xfrm>
+            <a:off x="756953" y="432490"/>
+            <a:ext cx="8911687" cy="845461"/>
+          </a:xfrm>
+        </p:spPr>
+        <p:txBody>
+          <a:bodyPr>
+            <a:normAutofit/>
+          </a:bodyPr>
+          <a:lstStyle/>
+          <a:p>
+            <a:pPr algn="ctr"/>
+            <a:r>
+              <a:rPr lang="en-US" sz="4400" b="1" dirty="0" smtClean="0">
+                <a:latin typeface="Times New Roman" panose="02020603050405020304" pitchFamily="18" charset="0"/>
+                <a:cs typeface="Times New Roman" panose="02020603050405020304" pitchFamily="18" charset="0"/>
+              </a:rPr>
+              <a:t>Mfonidomark.netlify.com</a:t>
+            </a:r>
+            <a:endParaRPr lang="en-US" b="1" dirty="0">
+              <a:latin typeface="Times New Roman" panose="02020603050405020304" pitchFamily="18" charset="0"/>
+              <a:cs typeface="Times New Roman" panose="02020603050405020304" pitchFamily="18" charset="0"/>
+            </a:endParaRPr>
+          </a:p>
+        </p:txBody>
+      </p:sp>
+      <p:pic>
+        <p:nvPicPr>
+          <p:cNvPr id="2" name="Content Placeholder 1"/>
+          <p:cNvPicPr>
+            <a:picLocks noGrp="1" noChangeAspect="1"/>
+          </p:cNvPicPr>
+          <p:nvPr>
+            <p:ph idx="1"/>
+          </p:nvPr>
+        </p:nvPicPr>
+        <p:blipFill>
+          <a:blip r:embed="rId3">
+            <a:extLst>
+              <a:ext uri="{28A0092B-C50C-407E-A947-70E740481C1C}">
+                <a14:useLocalDpi xmlns:a14="http://schemas.microsoft.com/office/drawing/2010/main" val="0"/>
+              </a:ext>
+            </a:extLst>
+          </a:blip>
+          <a:stretch>
+            <a:fillRect/>
+          </a:stretch>
+        </p:blipFill>
+        <p:spPr>
+          <a:xfrm>
+            <a:off x="461171" y="1277951"/>
+            <a:ext cx="9551192" cy="4630451"/>
+          </a:xfrm>
+        </p:spPr>
+      </p:pic>
+    </p:spTree>
+    <p:extLst>
+      <p:ext uri="{BB962C8B-B14F-4D97-AF65-F5344CB8AC3E}">
+        <p14:creationId xmlns:p14="http://schemas.microsoft.com/office/powerpoint/2010/main" val="4148420771"/>
+      </p:ext>
+    </p:extLst>
+  </p:cSld>
+  <p:clrMapOvr>
+    <a:masterClrMapping/>
+  </p:clrMapOvr>
+  <mc:AlternateContent xmlns:mc="http://schemas.openxmlformats.org/markup-compatibility/2006" xmlns:p14="http://schemas.microsoft.com/office/powerpoint/2010/main">
+    <mc:Choice Requires="p14">
+      <p:transition spd="slow" p14:dur="1400">
+        <p14:doors dir="vert"/>
+      </p:transition>
+    </mc:Choice>
+    <mc:Fallback xmlns="">
+      <p:transition spd="slow">
+        <p:fade/>
+      </p:transition>
+    </mc:Fallback>
+  </mc:AlternateContent>
+  <p:timing>
+    <p:tnLst>
+      <p:par>
+        <p:cTn id="1" dur="indefinite" restart="never" nodeType="tmRoot"/>
+      </p:par>
+    </p:tnLst>
+  </p:timing>
+</p:sld>
+</file>
+
+<file path=ppt/slides/slide29.xml><?xml version="1.0" encoding="utf-8"?>
+<p:sld xmlns:a="http://schemas.openxmlformats.org/drawingml/2006/main" xmlns:r="http://schemas.openxmlformats.org/officeDocument/2006/relationships" xmlns:p="http://schemas.openxmlformats.org/presentationml/2006/main">
+  <p:cSld>
+    <p:spTree>
+      <p:nvGrpSpPr>
+        <p:cNvPr id="1" name=""/>
+        <p:cNvGrpSpPr/>
+        <p:nvPr/>
+      </p:nvGrpSpPr>
+      <p:grpSpPr>
+        <a:xfrm>
+          <a:off x="0" y="0"/>
+          <a:ext cx="0" cy="0"/>
+          <a:chOff x="0" y="0"/>
+          <a:chExt cx="0" cy="0"/>
+        </a:xfrm>
+      </p:grpSpPr>
+      <p:sp>
+        <p:nvSpPr>
+          <p:cNvPr id="5" name="Rectangle 4"/>
+          <p:cNvSpPr/>
+          <p:nvPr/>
+        </p:nvSpPr>
+        <p:spPr>
+          <a:xfrm>
+            <a:off x="283335" y="1"/>
+            <a:ext cx="10148552" cy="6858000"/>
+          </a:xfrm>
+          <a:prstGeom prst="rect">
+            <a:avLst/>
+          </a:prstGeom>
+          <a:solidFill>
+            <a:schemeClr val="accent4">
+              <a:lumMod val="50000"/>
+            </a:schemeClr>
+          </a:solidFill>
+        </p:spPr>
+        <p:style>
+          <a:lnRef idx="2">
+            <a:schemeClr val="accent1">
+              <a:shade val="50000"/>
+            </a:schemeClr>
+          </a:lnRef>
+          <a:fillRef idx="1">
+            <a:schemeClr val="accent1"/>
+          </a:fillRef>
+          <a:effectRef idx="0">
+            <a:schemeClr val="accent1"/>
+          </a:effectRef>
+          <a:fontRef idx="minor">
+            <a:schemeClr val="lt1"/>
+          </a:fontRef>
+        </p:style>
+        <p:txBody>
+          <a:bodyPr rtlCol="0" anchor="ctr"/>
+          <a:lstStyle/>
+          <a:p>
+            <a:pPr algn="ctr"/>
+            <a:endParaRPr lang="en-US" sz="2400" dirty="0"/>
+          </a:p>
+        </p:txBody>
+      </p:sp>
+      <p:pic>
+        <p:nvPicPr>
+          <p:cNvPr id="6" name="Picture 5"/>
+          <p:cNvPicPr>
+            <a:picLocks noChangeAspect="1"/>
+          </p:cNvPicPr>
+          <p:nvPr/>
+        </p:nvPicPr>
+        <p:blipFill>
+          <a:blip r:embed="rId2">
+            <a:extLst>
+              <a:ext uri="{28A0092B-C50C-407E-A947-70E740481C1C}">
+                <a14:useLocalDpi xmlns:a14="http://schemas.microsoft.com/office/drawing/2010/main" val="0"/>
+              </a:ext>
+            </a:extLst>
+          </a:blip>
+          <a:stretch>
+            <a:fillRect/>
+          </a:stretch>
+        </p:blipFill>
+        <p:spPr>
+          <a:xfrm>
+            <a:off x="10589135" y="476519"/>
+            <a:ext cx="1602865" cy="1602865"/>
+          </a:xfrm>
+          <a:prstGeom prst="rect">
+            <a:avLst/>
+          </a:prstGeom>
+          <a:ln>
+            <a:noFill/>
+          </a:ln>
+          <a:effectLst>
+            <a:softEdge rad="112500"/>
+          </a:effectLst>
+        </p:spPr>
+      </p:pic>
+      <p:sp>
+        <p:nvSpPr>
+          <p:cNvPr id="8" name="Title 1"/>
+          <p:cNvSpPr>
+            <a:spLocks noGrp="1"/>
+          </p:cNvSpPr>
+          <p:nvPr>
+            <p:ph type="title"/>
+          </p:nvPr>
+        </p:nvSpPr>
+        <p:spPr>
+          <a:xfrm>
+            <a:off x="756953" y="432490"/>
+            <a:ext cx="8911687" cy="845461"/>
+          </a:xfrm>
+        </p:spPr>
+        <p:txBody>
+          <a:bodyPr>
+            <a:normAutofit/>
+          </a:bodyPr>
+          <a:lstStyle/>
+          <a:p>
+            <a:pPr algn="ctr"/>
+            <a:r>
+              <a:rPr lang="en-US" sz="4400" b="1" dirty="0" smtClean="0">
+                <a:latin typeface="Times New Roman" panose="02020603050405020304" pitchFamily="18" charset="0"/>
+                <a:cs typeface="Times New Roman" panose="02020603050405020304" pitchFamily="18" charset="0"/>
+              </a:rPr>
+              <a:t>Cityuniversity.netlify.com</a:t>
+            </a:r>
+            <a:endParaRPr lang="en-US" b="1" dirty="0">
+              <a:latin typeface="Times New Roman" panose="02020603050405020304" pitchFamily="18" charset="0"/>
+              <a:cs typeface="Times New Roman" panose="02020603050405020304" pitchFamily="18" charset="0"/>
+            </a:endParaRPr>
+          </a:p>
+        </p:txBody>
+      </p:sp>
+      <p:pic>
+        <p:nvPicPr>
+          <p:cNvPr id="2" name="Content Placeholder 1"/>
+          <p:cNvPicPr>
+            <a:picLocks noGrp="1" noChangeAspect="1"/>
+          </p:cNvPicPr>
+          <p:nvPr>
+            <p:ph idx="1"/>
+          </p:nvPr>
+        </p:nvPicPr>
+        <p:blipFill>
+          <a:blip r:embed="rId3">
+            <a:extLst>
+              <a:ext uri="{28A0092B-C50C-407E-A947-70E740481C1C}">
+                <a14:useLocalDpi xmlns:a14="http://schemas.microsoft.com/office/drawing/2010/main" val="0"/>
+              </a:ext>
+            </a:extLst>
+          </a:blip>
+          <a:stretch>
+            <a:fillRect/>
+          </a:stretch>
+        </p:blipFill>
+        <p:spPr>
+          <a:xfrm>
+            <a:off x="333501" y="1390918"/>
+            <a:ext cx="9678862" cy="4368191"/>
+          </a:xfrm>
+        </p:spPr>
+      </p:pic>
+    </p:spTree>
+    <p:extLst>
+      <p:ext uri="{BB962C8B-B14F-4D97-AF65-F5344CB8AC3E}">
+        <p14:creationId xmlns:p14="http://schemas.microsoft.com/office/powerpoint/2010/main" val="4099393657"/>
+      </p:ext>
+    </p:extLst>
+  </p:cSld>
+  <p:clrMapOvr>
+    <a:masterClrMapping/>
+  </p:clrMapOvr>
+  <mc:AlternateContent xmlns:mc="http://schemas.openxmlformats.org/markup-compatibility/2006" xmlns:p14="http://schemas.microsoft.com/office/powerpoint/2010/main">
+    <mc:Choice Requires="p14">
+      <p:transition spd="slow" p14:dur="1400">
+        <p14:doors dir="vert"/>
+      </p:transition>
+    </mc:Choice>
+    <mc:Fallback xmlns="">
       <p:transition spd="slow">
         <p:fade/>
       </p:transition>
@@ -13148,7 +14908,7 @@
         </p:nvSpPr>
         <p:spPr>
           <a:xfrm>
-            <a:off x="756953" y="432490"/>
+            <a:off x="692558" y="214888"/>
             <a:ext cx="8911687" cy="845461"/>
           </a:xfrm>
         </p:spPr>
@@ -13185,7 +14945,7 @@
         </p:nvSpPr>
         <p:spPr>
           <a:xfrm>
-            <a:off x="1096609" y="1416792"/>
+            <a:off x="1186762" y="1097983"/>
             <a:ext cx="8915400" cy="4662036"/>
           </a:xfrm>
         </p:spPr>
@@ -13204,14 +14964,72 @@
                 <a:latin typeface="Times New Roman" panose="02020603050405020304" pitchFamily="18" charset="0"/>
                 <a:cs typeface="Times New Roman" panose="02020603050405020304" pitchFamily="18" charset="0"/>
               </a:rPr>
-              <a:t>About </a:t>
-            </a:r>
+              <a:t>About Start Innovation Hub.</a:t>
+            </a:r>
+          </a:p>
+          <a:p>
+            <a:pPr>
+              <a:buFont typeface="Wingdings" panose="05000000000000000000" pitchFamily="2" charset="2"/>
+              <a:buChar char="Ø"/>
+            </a:pPr>
+            <a:r>
+              <a:rPr lang="en-US" sz="3600" b="1" dirty="0" smtClean="0">
+                <a:latin typeface="Times New Roman" panose="02020603050405020304" pitchFamily="18" charset="0"/>
+                <a:cs typeface="Times New Roman" panose="02020603050405020304" pitchFamily="18" charset="0"/>
+              </a:rPr>
+              <a:t>My Work Experiences</a:t>
+            </a:r>
+          </a:p>
+          <a:p>
+            <a:pPr>
+              <a:buFont typeface="Wingdings" panose="05000000000000000000" pitchFamily="2" charset="2"/>
+              <a:buChar char="Ø"/>
+            </a:pPr>
             <a:r>
               <a:rPr lang="en-US" sz="3200" b="1" dirty="0" smtClean="0">
                 <a:latin typeface="Times New Roman" panose="02020603050405020304" pitchFamily="18" charset="0"/>
                 <a:cs typeface="Times New Roman" panose="02020603050405020304" pitchFamily="18" charset="0"/>
               </a:rPr>
-              <a:t>Start Innovation Hub.</a:t>
+              <a:t>About Web Development and Web application</a:t>
+            </a:r>
+          </a:p>
+          <a:p>
+            <a:pPr>
+              <a:buFont typeface="Wingdings" panose="05000000000000000000" pitchFamily="2" charset="2"/>
+              <a:buChar char="Ø"/>
+            </a:pPr>
+            <a:r>
+              <a:rPr lang="en-US" sz="3200" b="1" dirty="0" smtClean="0">
+                <a:latin typeface="Times New Roman" panose="02020603050405020304" pitchFamily="18" charset="0"/>
+                <a:cs typeface="Times New Roman" panose="02020603050405020304" pitchFamily="18" charset="0"/>
+              </a:rPr>
+              <a:t>About Html5</a:t>
+            </a:r>
+          </a:p>
+          <a:p>
+            <a:pPr>
+              <a:buFont typeface="Wingdings" panose="05000000000000000000" pitchFamily="2" charset="2"/>
+              <a:buChar char="Ø"/>
+            </a:pPr>
+            <a:r>
+              <a:rPr lang="en-US" sz="3200" b="1" dirty="0" smtClean="0">
+                <a:latin typeface="Times New Roman" panose="02020603050405020304" pitchFamily="18" charset="0"/>
+                <a:cs typeface="Times New Roman" panose="02020603050405020304" pitchFamily="18" charset="0"/>
+              </a:rPr>
+              <a:t>Css3</a:t>
+            </a:r>
+          </a:p>
+          <a:p>
+            <a:pPr>
+              <a:buFont typeface="Wingdings" panose="05000000000000000000" pitchFamily="2" charset="2"/>
+              <a:buChar char="Ø"/>
+            </a:pPr>
+            <a:r>
+              <a:rPr lang="en-US" sz="3200" b="1" dirty="0" smtClean="0">
+                <a:latin typeface="Times New Roman" panose="02020603050405020304" pitchFamily="18" charset="0"/>
+                <a:cs typeface="Times New Roman" panose="02020603050405020304" pitchFamily="18" charset="0"/>
+              </a:rPr>
+              <a:t>Bootstrap</a:t>
             </a:r>
             <a:endParaRPr lang="en-US" sz="3200" b="1" dirty="0" smtClean="0">
               <a:latin typeface="Times New Roman" panose="02020603050405020304" pitchFamily="18" charset="0"/>
@@ -13224,11 +15042,18 @@
               <a:buChar char="Ø"/>
             </a:pPr>
             <a:r>
-              <a:rPr lang="en-US" sz="3600" b="1" dirty="0" smtClean="0">
+              <a:rPr lang="en-US" sz="3200" b="1" dirty="0" smtClean="0">
                 <a:latin typeface="Times New Roman" panose="02020603050405020304" pitchFamily="18" charset="0"/>
                 <a:cs typeface="Times New Roman" panose="02020603050405020304" pitchFamily="18" charset="0"/>
               </a:rPr>
-              <a:t>My Work Experiences</a:t>
+              <a:t>Java </a:t>
+            </a:r>
+            <a:r>
+              <a:rPr lang="en-US" sz="3200" b="1" dirty="0" smtClean="0">
+                <a:latin typeface="Times New Roman" panose="02020603050405020304" pitchFamily="18" charset="0"/>
+                <a:cs typeface="Times New Roman" panose="02020603050405020304" pitchFamily="18" charset="0"/>
+              </a:rPr>
+              <a:t>Script</a:t>
             </a:r>
           </a:p>
           <a:p>
@@ -13237,18 +15062,11 @@
               <a:buChar char="Ø"/>
             </a:pPr>
             <a:r>
-              <a:rPr lang="en-US" sz="3200" b="1" dirty="0" smtClean="0">
+              <a:rPr lang="en-US" sz="3200" b="1" dirty="0" err="1" smtClean="0">
                 <a:latin typeface="Times New Roman" panose="02020603050405020304" pitchFamily="18" charset="0"/>
                 <a:cs typeface="Times New Roman" panose="02020603050405020304" pitchFamily="18" charset="0"/>
               </a:rPr>
-              <a:t>About </a:t>
-            </a:r>
-            <a:r>
-              <a:rPr lang="en-US" sz="3200" b="1" dirty="0" smtClean="0">
-                <a:latin typeface="Times New Roman" panose="02020603050405020304" pitchFamily="18" charset="0"/>
-                <a:cs typeface="Times New Roman" panose="02020603050405020304" pitchFamily="18" charset="0"/>
-              </a:rPr>
-              <a:t>Web Development and Web application</a:t>
+              <a:t>Vuejs</a:t>
             </a:r>
             <a:endParaRPr lang="en-US" sz="3200" b="1" dirty="0" smtClean="0">
               <a:latin typeface="Times New Roman" panose="02020603050405020304" pitchFamily="18" charset="0"/>
@@ -13265,63 +15083,8 @@
                 <a:latin typeface="Times New Roman" panose="02020603050405020304" pitchFamily="18" charset="0"/>
                 <a:cs typeface="Times New Roman" panose="02020603050405020304" pitchFamily="18" charset="0"/>
               </a:rPr>
-              <a:t>About Html5</a:t>
-            </a:r>
-            <a:endParaRPr lang="en-US" sz="3200" b="1" dirty="0" smtClean="0">
-              <a:latin typeface="Times New Roman" panose="02020603050405020304" pitchFamily="18" charset="0"/>
-              <a:cs typeface="Times New Roman" panose="02020603050405020304" pitchFamily="18" charset="0"/>
-            </a:endParaRPr>
-          </a:p>
-          <a:p>
-            <a:pPr>
-              <a:buFont typeface="Wingdings" panose="05000000000000000000" pitchFamily="2" charset="2"/>
-              <a:buChar char="Ø"/>
-            </a:pPr>
-            <a:r>
-              <a:rPr lang="en-US" sz="3200" b="1" dirty="0" smtClean="0">
-                <a:latin typeface="Times New Roman" panose="02020603050405020304" pitchFamily="18" charset="0"/>
-                <a:cs typeface="Times New Roman" panose="02020603050405020304" pitchFamily="18" charset="0"/>
-              </a:rPr>
-              <a:t>Css3</a:t>
-            </a:r>
-            <a:endParaRPr lang="en-US" sz="3200" b="1" dirty="0" smtClean="0">
-              <a:latin typeface="Times New Roman" panose="02020603050405020304" pitchFamily="18" charset="0"/>
-              <a:cs typeface="Times New Roman" panose="02020603050405020304" pitchFamily="18" charset="0"/>
-            </a:endParaRPr>
-          </a:p>
-          <a:p>
-            <a:pPr>
-              <a:buFont typeface="Wingdings" panose="05000000000000000000" pitchFamily="2" charset="2"/>
-              <a:buChar char="Ø"/>
-            </a:pPr>
-            <a:r>
-              <a:rPr lang="en-US" sz="3200" b="1" dirty="0" smtClean="0">
-                <a:latin typeface="Times New Roman" panose="02020603050405020304" pitchFamily="18" charset="0"/>
-                <a:cs typeface="Times New Roman" panose="02020603050405020304" pitchFamily="18" charset="0"/>
-              </a:rPr>
-              <a:t>Java Script</a:t>
-            </a:r>
-            <a:endParaRPr lang="en-US" sz="3200" b="1" dirty="0" smtClean="0">
-              <a:latin typeface="Times New Roman" panose="02020603050405020304" pitchFamily="18" charset="0"/>
-              <a:cs typeface="Times New Roman" panose="02020603050405020304" pitchFamily="18" charset="0"/>
-            </a:endParaRPr>
-          </a:p>
-          <a:p>
-            <a:pPr>
-              <a:buFont typeface="Wingdings" panose="05000000000000000000" pitchFamily="2" charset="2"/>
-              <a:buChar char="Ø"/>
-            </a:pPr>
-            <a:r>
-              <a:rPr lang="en-US" sz="3200" b="1" dirty="0" smtClean="0">
-                <a:latin typeface="Times New Roman" panose="02020603050405020304" pitchFamily="18" charset="0"/>
-                <a:cs typeface="Times New Roman" panose="02020603050405020304" pitchFamily="18" charset="0"/>
-              </a:rPr>
               <a:t>My web Pages</a:t>
             </a:r>
-            <a:endParaRPr lang="en-US" sz="3200" b="1" dirty="0" smtClean="0">
-              <a:latin typeface="Times New Roman" panose="02020603050405020304" pitchFamily="18" charset="0"/>
-              <a:cs typeface="Times New Roman" panose="02020603050405020304" pitchFamily="18" charset="0"/>
-            </a:endParaRPr>
           </a:p>
           <a:p>
             <a:pPr>
@@ -13355,6 +15118,472 @@
   <p:transition spd="med">
     <p:pull/>
   </p:transition>
+  <p:timing>
+    <p:tnLst>
+      <p:par>
+        <p:cTn id="1" dur="indefinite" restart="never" nodeType="tmRoot"/>
+      </p:par>
+    </p:tnLst>
+  </p:timing>
+</p:sld>
+</file>
+
+<file path=ppt/slides/slide30.xml><?xml version="1.0" encoding="utf-8"?>
+<p:sld xmlns:a="http://schemas.openxmlformats.org/drawingml/2006/main" xmlns:r="http://schemas.openxmlformats.org/officeDocument/2006/relationships" xmlns:p="http://schemas.openxmlformats.org/presentationml/2006/main">
+  <p:cSld>
+    <p:spTree>
+      <p:nvGrpSpPr>
+        <p:cNvPr id="1" name=""/>
+        <p:cNvGrpSpPr/>
+        <p:nvPr/>
+      </p:nvGrpSpPr>
+      <p:grpSpPr>
+        <a:xfrm>
+          <a:off x="0" y="0"/>
+          <a:ext cx="0" cy="0"/>
+          <a:chOff x="0" y="0"/>
+          <a:chExt cx="0" cy="0"/>
+        </a:xfrm>
+      </p:grpSpPr>
+      <p:pic>
+        <p:nvPicPr>
+          <p:cNvPr id="6" name="Picture 5"/>
+          <p:cNvPicPr>
+            <a:picLocks noChangeAspect="1"/>
+          </p:cNvPicPr>
+          <p:nvPr/>
+        </p:nvPicPr>
+        <p:blipFill>
+          <a:blip r:embed="rId2">
+            <a:extLst>
+              <a:ext uri="{28A0092B-C50C-407E-A947-70E740481C1C}">
+                <a14:useLocalDpi xmlns:a14="http://schemas.microsoft.com/office/drawing/2010/main" val="0"/>
+              </a:ext>
+            </a:extLst>
+          </a:blip>
+          <a:stretch>
+            <a:fillRect/>
+          </a:stretch>
+        </p:blipFill>
+        <p:spPr>
+          <a:xfrm>
+            <a:off x="10589135" y="476519"/>
+            <a:ext cx="1602865" cy="1602865"/>
+          </a:xfrm>
+          <a:prstGeom prst="rect">
+            <a:avLst/>
+          </a:prstGeom>
+          <a:ln>
+            <a:noFill/>
+          </a:ln>
+          <a:effectLst>
+            <a:softEdge rad="112500"/>
+          </a:effectLst>
+        </p:spPr>
+      </p:pic>
+      <p:sp>
+        <p:nvSpPr>
+          <p:cNvPr id="8" name="Title 1"/>
+          <p:cNvSpPr>
+            <a:spLocks noGrp="1"/>
+          </p:cNvSpPr>
+          <p:nvPr>
+            <p:ph type="title"/>
+          </p:nvPr>
+        </p:nvSpPr>
+        <p:spPr>
+          <a:xfrm>
+            <a:off x="653922" y="855220"/>
+            <a:ext cx="8911687" cy="845461"/>
+          </a:xfrm>
+        </p:spPr>
+        <p:txBody>
+          <a:bodyPr>
+            <a:normAutofit/>
+          </a:bodyPr>
+          <a:lstStyle/>
+          <a:p>
+            <a:pPr algn="ctr"/>
+            <a:r>
+              <a:rPr lang="en-US" sz="4400" b="1" dirty="0" smtClean="0">
+                <a:latin typeface="Times New Roman" panose="02020603050405020304" pitchFamily="18" charset="0"/>
+                <a:cs typeface="Times New Roman" panose="02020603050405020304" pitchFamily="18" charset="0"/>
+              </a:rPr>
+              <a:t>MY WEB </a:t>
+            </a:r>
+            <a:r>
+              <a:rPr lang="en-US" sz="4400" b="1" dirty="0" smtClean="0">
+                <a:latin typeface="Times New Roman" panose="02020603050405020304" pitchFamily="18" charset="0"/>
+                <a:cs typeface="Times New Roman" panose="02020603050405020304" pitchFamily="18" charset="0"/>
+              </a:rPr>
+              <a:t>APP</a:t>
+            </a:r>
+            <a:endParaRPr lang="en-US" b="1" dirty="0">
+              <a:latin typeface="Times New Roman" panose="02020603050405020304" pitchFamily="18" charset="0"/>
+              <a:cs typeface="Times New Roman" panose="02020603050405020304" pitchFamily="18" charset="0"/>
+            </a:endParaRPr>
+          </a:p>
+        </p:txBody>
+      </p:sp>
+    </p:spTree>
+    <p:extLst>
+      <p:ext uri="{BB962C8B-B14F-4D97-AF65-F5344CB8AC3E}">
+        <p14:creationId xmlns:p14="http://schemas.microsoft.com/office/powerpoint/2010/main" val="2754172072"/>
+      </p:ext>
+    </p:extLst>
+  </p:cSld>
+  <p:clrMapOvr>
+    <a:masterClrMapping/>
+  </p:clrMapOvr>
+  <mc:AlternateContent xmlns:mc="http://schemas.openxmlformats.org/markup-compatibility/2006">
+    <mc:Choice xmlns:p14="http://schemas.microsoft.com/office/powerpoint/2010/main" Requires="p14">
+      <p:transition spd="slow" p14:dur="1400">
+        <p14:ripple/>
+      </p:transition>
+    </mc:Choice>
+    <mc:Fallback>
+      <p:transition spd="slow">
+        <p:fade/>
+      </p:transition>
+    </mc:Fallback>
+  </mc:AlternateContent>
+  <p:timing>
+    <p:tnLst>
+      <p:par>
+        <p:cTn id="1" dur="indefinite" restart="never" nodeType="tmRoot"/>
+      </p:par>
+    </p:tnLst>
+  </p:timing>
+</p:sld>
+</file>
+
+<file path=ppt/slides/slide31.xml><?xml version="1.0" encoding="utf-8"?>
+<p:sld xmlns:a="http://schemas.openxmlformats.org/drawingml/2006/main" xmlns:r="http://schemas.openxmlformats.org/officeDocument/2006/relationships" xmlns:p="http://schemas.openxmlformats.org/presentationml/2006/main">
+  <p:cSld>
+    <p:spTree>
+      <p:nvGrpSpPr>
+        <p:cNvPr id="1" name=""/>
+        <p:cNvGrpSpPr/>
+        <p:nvPr/>
+      </p:nvGrpSpPr>
+      <p:grpSpPr>
+        <a:xfrm>
+          <a:off x="0" y="0"/>
+          <a:ext cx="0" cy="0"/>
+          <a:chOff x="0" y="0"/>
+          <a:chExt cx="0" cy="0"/>
+        </a:xfrm>
+      </p:grpSpPr>
+      <p:pic>
+        <p:nvPicPr>
+          <p:cNvPr id="6" name="Picture 5"/>
+          <p:cNvPicPr>
+            <a:picLocks noChangeAspect="1"/>
+          </p:cNvPicPr>
+          <p:nvPr/>
+        </p:nvPicPr>
+        <p:blipFill>
+          <a:blip r:embed="rId2">
+            <a:extLst>
+              <a:ext uri="{28A0092B-C50C-407E-A947-70E740481C1C}">
+                <a14:useLocalDpi xmlns:a14="http://schemas.microsoft.com/office/drawing/2010/main" val="0"/>
+              </a:ext>
+            </a:extLst>
+          </a:blip>
+          <a:stretch>
+            <a:fillRect/>
+          </a:stretch>
+        </p:blipFill>
+        <p:spPr>
+          <a:xfrm>
+            <a:off x="10589135" y="476519"/>
+            <a:ext cx="1602865" cy="1602865"/>
+          </a:xfrm>
+          <a:prstGeom prst="rect">
+            <a:avLst/>
+          </a:prstGeom>
+          <a:ln>
+            <a:noFill/>
+          </a:ln>
+          <a:effectLst>
+            <a:softEdge rad="112500"/>
+          </a:effectLst>
+        </p:spPr>
+      </p:pic>
+      <p:pic>
+        <p:nvPicPr>
+          <p:cNvPr id="5" name="Picture 4"/>
+          <p:cNvPicPr>
+            <a:picLocks noChangeAspect="1"/>
+          </p:cNvPicPr>
+          <p:nvPr/>
+        </p:nvPicPr>
+        <p:blipFill>
+          <a:blip r:embed="rId3">
+            <a:extLst>
+              <a:ext uri="{28A0092B-C50C-407E-A947-70E740481C1C}">
+                <a14:useLocalDpi xmlns:a14="http://schemas.microsoft.com/office/drawing/2010/main" val="0"/>
+              </a:ext>
+            </a:extLst>
+          </a:blip>
+          <a:stretch>
+            <a:fillRect/>
+          </a:stretch>
+        </p:blipFill>
+        <p:spPr>
+          <a:xfrm>
+            <a:off x="386366" y="580137"/>
+            <a:ext cx="10058400" cy="5962329"/>
+          </a:xfrm>
+          <a:prstGeom prst="rect">
+            <a:avLst/>
+          </a:prstGeom>
+        </p:spPr>
+      </p:pic>
+    </p:spTree>
+    <p:extLst>
+      <p:ext uri="{BB962C8B-B14F-4D97-AF65-F5344CB8AC3E}">
+        <p14:creationId xmlns:p14="http://schemas.microsoft.com/office/powerpoint/2010/main" val="1531928441"/>
+      </p:ext>
+    </p:extLst>
+  </p:cSld>
+  <p:clrMapOvr>
+    <a:masterClrMapping/>
+  </p:clrMapOvr>
+  <mc:AlternateContent xmlns:mc="http://schemas.openxmlformats.org/markup-compatibility/2006">
+    <mc:Choice xmlns:p14="http://schemas.microsoft.com/office/powerpoint/2010/main" Requires="p14">
+      <p:transition spd="slow" p14:dur="1400">
+        <p14:ripple/>
+      </p:transition>
+    </mc:Choice>
+    <mc:Fallback>
+      <p:transition spd="slow">
+        <p:fade/>
+      </p:transition>
+    </mc:Fallback>
+  </mc:AlternateContent>
+  <p:timing>
+    <p:tnLst>
+      <p:par>
+        <p:cTn id="1" dur="indefinite" restart="never" nodeType="tmRoot"/>
+      </p:par>
+    </p:tnLst>
+  </p:timing>
+</p:sld>
+</file>
+
+<file path=ppt/slides/slide32.xml><?xml version="1.0" encoding="utf-8"?>
+<p:sld xmlns:a="http://schemas.openxmlformats.org/drawingml/2006/main" xmlns:r="http://schemas.openxmlformats.org/officeDocument/2006/relationships" xmlns:p="http://schemas.openxmlformats.org/presentationml/2006/main">
+  <p:cSld>
+    <p:spTree>
+      <p:nvGrpSpPr>
+        <p:cNvPr id="1" name=""/>
+        <p:cNvGrpSpPr/>
+        <p:nvPr/>
+      </p:nvGrpSpPr>
+      <p:grpSpPr>
+        <a:xfrm>
+          <a:off x="0" y="0"/>
+          <a:ext cx="0" cy="0"/>
+          <a:chOff x="0" y="0"/>
+          <a:chExt cx="0" cy="0"/>
+        </a:xfrm>
+      </p:grpSpPr>
+      <p:sp>
+        <p:nvSpPr>
+          <p:cNvPr id="5" name="Rectangle 4"/>
+          <p:cNvSpPr/>
+          <p:nvPr/>
+        </p:nvSpPr>
+        <p:spPr>
+          <a:xfrm>
+            <a:off x="283335" y="1"/>
+            <a:ext cx="10148552" cy="6858000"/>
+          </a:xfrm>
+          <a:prstGeom prst="rect">
+            <a:avLst/>
+          </a:prstGeom>
+          <a:solidFill>
+            <a:schemeClr val="accent4">
+              <a:lumMod val="50000"/>
+            </a:schemeClr>
+          </a:solidFill>
+        </p:spPr>
+        <p:style>
+          <a:lnRef idx="2">
+            <a:schemeClr val="accent1">
+              <a:shade val="50000"/>
+            </a:schemeClr>
+          </a:lnRef>
+          <a:fillRef idx="1">
+            <a:schemeClr val="accent1"/>
+          </a:fillRef>
+          <a:effectRef idx="0">
+            <a:schemeClr val="accent1"/>
+          </a:effectRef>
+          <a:fontRef idx="minor">
+            <a:schemeClr val="lt1"/>
+          </a:fontRef>
+        </p:style>
+        <p:txBody>
+          <a:bodyPr rtlCol="0" anchor="ctr"/>
+          <a:lstStyle/>
+          <a:p>
+            <a:pPr algn="ctr"/>
+            <a:endParaRPr lang="en-US" sz="2400" dirty="0"/>
+          </a:p>
+        </p:txBody>
+      </p:sp>
+      <p:pic>
+        <p:nvPicPr>
+          <p:cNvPr id="6" name="Picture 5"/>
+          <p:cNvPicPr>
+            <a:picLocks noChangeAspect="1"/>
+          </p:cNvPicPr>
+          <p:nvPr/>
+        </p:nvPicPr>
+        <p:blipFill>
+          <a:blip r:embed="rId2">
+            <a:extLst>
+              <a:ext uri="{28A0092B-C50C-407E-A947-70E740481C1C}">
+                <a14:useLocalDpi xmlns:a14="http://schemas.microsoft.com/office/drawing/2010/main" val="0"/>
+              </a:ext>
+            </a:extLst>
+          </a:blip>
+          <a:stretch>
+            <a:fillRect/>
+          </a:stretch>
+        </p:blipFill>
+        <p:spPr>
+          <a:xfrm>
+            <a:off x="10589135" y="476519"/>
+            <a:ext cx="1602865" cy="1602865"/>
+          </a:xfrm>
+          <a:prstGeom prst="rect">
+            <a:avLst/>
+          </a:prstGeom>
+          <a:ln>
+            <a:noFill/>
+          </a:ln>
+          <a:effectLst>
+            <a:softEdge rad="112500"/>
+          </a:effectLst>
+        </p:spPr>
+      </p:pic>
+      <p:sp>
+        <p:nvSpPr>
+          <p:cNvPr id="10" name="Title 1"/>
+          <p:cNvSpPr>
+            <a:spLocks noGrp="1"/>
+          </p:cNvSpPr>
+          <p:nvPr>
+            <p:ph type="title"/>
+          </p:nvPr>
+        </p:nvSpPr>
+        <p:spPr>
+          <a:xfrm>
+            <a:off x="899911" y="226403"/>
+            <a:ext cx="8911687" cy="1280890"/>
+          </a:xfrm>
+        </p:spPr>
+        <p:txBody>
+          <a:bodyPr>
+            <a:normAutofit/>
+          </a:bodyPr>
+          <a:lstStyle/>
+          <a:p>
+            <a:pPr algn="ctr"/>
+            <a:r>
+              <a:rPr lang="en-US" sz="4000" b="1" dirty="0" smtClean="0">
+                <a:latin typeface="Times New Roman" panose="02020603050405020304" pitchFamily="18" charset="0"/>
+                <a:cs typeface="Times New Roman" panose="02020603050405020304" pitchFamily="18" charset="0"/>
+              </a:rPr>
+              <a:t>  </a:t>
+            </a:r>
+            <a:r>
+              <a:rPr lang="en-US" sz="4800" b="1" dirty="0" smtClean="0">
+                <a:latin typeface="Times New Roman" panose="02020603050405020304" pitchFamily="18" charset="0"/>
+                <a:cs typeface="Times New Roman" panose="02020603050405020304" pitchFamily="18" charset="0"/>
+              </a:rPr>
+              <a:t>CONCLUSION</a:t>
+            </a:r>
+            <a:endParaRPr lang="en-US" sz="4000" b="1" dirty="0">
+              <a:latin typeface="Times New Roman" panose="02020603050405020304" pitchFamily="18" charset="0"/>
+              <a:cs typeface="Times New Roman" panose="02020603050405020304" pitchFamily="18" charset="0"/>
+            </a:endParaRPr>
+          </a:p>
+        </p:txBody>
+      </p:sp>
+      <p:sp>
+        <p:nvSpPr>
+          <p:cNvPr id="11" name="Content Placeholder 3"/>
+          <p:cNvSpPr>
+            <a:spLocks noGrp="1"/>
+          </p:cNvSpPr>
+          <p:nvPr>
+            <p:ph idx="1"/>
+          </p:nvPr>
+        </p:nvSpPr>
+        <p:spPr>
+          <a:xfrm>
+            <a:off x="721217" y="1507292"/>
+            <a:ext cx="9414456" cy="5073811"/>
+          </a:xfrm>
+        </p:spPr>
+        <p:txBody>
+          <a:bodyPr>
+            <a:noAutofit/>
+          </a:bodyPr>
+          <a:lstStyle/>
+          <a:p>
+            <a:pPr marL="0" indent="0">
+              <a:lnSpc>
+                <a:spcPct val="150000"/>
+              </a:lnSpc>
+              <a:buNone/>
+            </a:pPr>
+            <a:r>
+              <a:rPr lang="en-GB" dirty="0" smtClean="0"/>
+              <a:t>	The </a:t>
+            </a:r>
+            <a:r>
+              <a:rPr lang="en-GB" dirty="0"/>
+              <a:t>Student Industrial work Experience Scheme (SIWES) gave me the privilege to relate with senior professionals and other students from different institutions. </a:t>
+            </a:r>
+            <a:r>
+              <a:rPr lang="en-GB" dirty="0" smtClean="0"/>
+              <a:t>The </a:t>
+            </a:r>
+            <a:r>
+              <a:rPr lang="en-GB" dirty="0"/>
+              <a:t>knowledge acquired is not only academic or technical as I was also made to understand the importance of other fields of study and ultimately appreciate the roles they play to the success of any industry. The experience made me appreciate my chosen field of study both in the classroom and in the larger society.</a:t>
+            </a:r>
+            <a:endParaRPr lang="en-US" dirty="0"/>
+          </a:p>
+        </p:txBody>
+      </p:sp>
+    </p:spTree>
+    <p:extLst>
+      <p:ext uri="{BB962C8B-B14F-4D97-AF65-F5344CB8AC3E}">
+        <p14:creationId xmlns:p14="http://schemas.microsoft.com/office/powerpoint/2010/main" val="4287607224"/>
+      </p:ext>
+    </p:extLst>
+  </p:cSld>
+  <p:clrMapOvr>
+    <a:masterClrMapping/>
+  </p:clrMapOvr>
+  <mc:AlternateContent xmlns:mc="http://schemas.openxmlformats.org/markup-compatibility/2006" xmlns:p14="http://schemas.microsoft.com/office/powerpoint/2010/main">
+    <mc:Choice Requires="p14">
+      <p:transition spd="slow" p14:dur="1600">
+        <p14:prism isInverted="1"/>
+      </p:transition>
+    </mc:Choice>
+    <mc:Fallback xmlns="">
+      <p:transition spd="slow">
+        <p:fade/>
+      </p:transition>
+    </mc:Fallback>
+  </mc:AlternateContent>
   <p:timing>
     <p:tnLst>
       <p:par>
@@ -14039,11 +16268,7 @@
             <a:pPr algn="ctr"/>
             <a:r>
               <a:rPr lang="en-US" sz="3200" dirty="0" smtClean="0"/>
-              <a:t>MY </a:t>
-            </a:r>
-            <a:r>
-              <a:rPr lang="en-US" sz="3200" dirty="0" smtClean="0"/>
-              <a:t>WORK EXPERIENCE</a:t>
+              <a:t>MY WORK EXPERIENCE</a:t>
             </a:r>
             <a:endParaRPr lang="en-US" sz="3200" dirty="0"/>
           </a:p>
@@ -14110,14 +16335,7 @@
                 <a:latin typeface="Times New Roman" panose="02020603050405020304" pitchFamily="18" charset="0"/>
                 <a:cs typeface="Times New Roman" panose="02020603050405020304" pitchFamily="18" charset="0"/>
               </a:rPr>
-              <a:t>Web Development</a:t>
-            </a:r>
-            <a:r>
-              <a:rPr lang="en-US" sz="3600" b="1" dirty="0" smtClean="0">
-                <a:latin typeface="Times New Roman" panose="02020603050405020304" pitchFamily="18" charset="0"/>
-                <a:cs typeface="Times New Roman" panose="02020603050405020304" pitchFamily="18" charset="0"/>
-              </a:rPr>
-              <a:t> </a:t>
+              <a:t>Web Development </a:t>
             </a:r>
             <a:endParaRPr lang="en-US" sz="3600" dirty="0">
               <a:latin typeface="Times New Roman" panose="02020603050405020304" pitchFamily="18" charset="0"/>
@@ -14134,14 +16352,7 @@
                 <a:latin typeface="Times New Roman" panose="02020603050405020304" pitchFamily="18" charset="0"/>
                 <a:cs typeface="Times New Roman" panose="02020603050405020304" pitchFamily="18" charset="0"/>
               </a:rPr>
-              <a:t>Web Applications</a:t>
-            </a:r>
-            <a:r>
-              <a:rPr lang="en-US" sz="3600" dirty="0" smtClean="0">
-                <a:latin typeface="Times New Roman" panose="02020603050405020304" pitchFamily="18" charset="0"/>
-                <a:cs typeface="Times New Roman" panose="02020603050405020304" pitchFamily="18" charset="0"/>
-              </a:rPr>
-              <a:t> </a:t>
+              <a:t>Web Applications </a:t>
             </a:r>
             <a:endParaRPr lang="en-US" sz="3600" dirty="0">
               <a:latin typeface="Times New Roman" panose="02020603050405020304" pitchFamily="18" charset="0"/>
@@ -14707,13 +16918,13 @@
   <p:clrMapOvr>
     <a:masterClrMapping/>
   </p:clrMapOvr>
-  <mc:AlternateContent xmlns:mc="http://schemas.openxmlformats.org/markup-compatibility/2006">
-    <mc:Choice xmlns:p15="http://schemas.microsoft.com/office/powerpoint/2012/main" Requires="p15">
+  <mc:AlternateContent xmlns:mc="http://schemas.openxmlformats.org/markup-compatibility/2006" xmlns:p15="http://schemas.microsoft.com/office/powerpoint/2012/main">
+    <mc:Choice Requires="p15">
       <p:transition xmlns:p14="http://schemas.microsoft.com/office/powerpoint/2010/main" spd="slow" p14:dur="6000">
         <p15:prstTrans prst="curtains"/>
       </p:transition>
     </mc:Choice>
-    <mc:Fallback>
+    <mc:Fallback xmlns="">
       <p:transition spd="slow">
         <p:fade/>
       </p:transition>
@@ -15156,13 +17367,13 @@
   <p:clrMapOvr>
     <a:masterClrMapping/>
   </p:clrMapOvr>
-  <mc:AlternateContent xmlns:mc="http://schemas.openxmlformats.org/markup-compatibility/2006">
-    <mc:Choice xmlns:p15="http://schemas.microsoft.com/office/powerpoint/2012/main" Requires="p15">
+  <mc:AlternateContent xmlns:mc="http://schemas.openxmlformats.org/markup-compatibility/2006" xmlns:p15="http://schemas.microsoft.com/office/powerpoint/2012/main">
+    <mc:Choice Requires="p15">
       <p:transition xmlns:p14="http://schemas.microsoft.com/office/powerpoint/2010/main" spd="slow" p14:dur="6000">
         <p15:prstTrans prst="curtains"/>
       </p:transition>
     </mc:Choice>
-    <mc:Fallback>
+    <mc:Fallback xmlns="">
       <p:transition spd="slow">
         <p:fade/>
       </p:transition>

--- a/obongItReport.pptx
+++ b/obongItReport.pptx
@@ -30,13 +30,15 @@
     <p:sldId id="287" r:id="rId24"/>
     <p:sldId id="288" r:id="rId25"/>
     <p:sldId id="289" r:id="rId26"/>
-    <p:sldId id="274" r:id="rId27"/>
-    <p:sldId id="275" r:id="rId28"/>
-    <p:sldId id="277" r:id="rId29"/>
-    <p:sldId id="276" r:id="rId30"/>
-    <p:sldId id="279" r:id="rId31"/>
-    <p:sldId id="280" r:id="rId32"/>
-    <p:sldId id="278" r:id="rId33"/>
+    <p:sldId id="291" r:id="rId27"/>
+    <p:sldId id="290" r:id="rId28"/>
+    <p:sldId id="274" r:id="rId29"/>
+    <p:sldId id="275" r:id="rId30"/>
+    <p:sldId id="277" r:id="rId31"/>
+    <p:sldId id="276" r:id="rId32"/>
+    <p:sldId id="279" r:id="rId33"/>
+    <p:sldId id="280" r:id="rId34"/>
+    <p:sldId id="278" r:id="rId35"/>
   </p:sldIdLst>
   <p:sldSz cx="12192000" cy="6858000"/>
   <p:notesSz cx="6858000" cy="9144000"/>
@@ -8439,13 +8441,13 @@
   <p:clrMapOvr>
     <a:masterClrMapping/>
   </p:clrMapOvr>
-  <mc:AlternateContent xmlns:mc="http://schemas.openxmlformats.org/markup-compatibility/2006">
-    <mc:Choice xmlns:p15="http://schemas.microsoft.com/office/powerpoint/2012/main" Requires="p15">
+  <mc:AlternateContent xmlns:mc="http://schemas.openxmlformats.org/markup-compatibility/2006" xmlns:p15="http://schemas.microsoft.com/office/powerpoint/2012/main">
+    <mc:Choice Requires="p15">
       <p:transition xmlns:p14="http://schemas.microsoft.com/office/powerpoint/2010/main" spd="slow" p14:dur="6000">
         <p15:prstTrans prst="curtains"/>
       </p:transition>
     </mc:Choice>
-    <mc:Fallback>
+    <mc:Fallback xmlns="">
       <p:transition spd="slow">
         <p:fade/>
       </p:transition>
@@ -10067,13 +10069,13 @@
   <p:clrMapOvr>
     <a:masterClrMapping/>
   </p:clrMapOvr>
-  <mc:AlternateContent xmlns:mc="http://schemas.openxmlformats.org/markup-compatibility/2006">
-    <mc:Choice xmlns:p15="http://schemas.microsoft.com/office/powerpoint/2012/main" Requires="p15">
+  <mc:AlternateContent xmlns:mc="http://schemas.openxmlformats.org/markup-compatibility/2006" xmlns:p15="http://schemas.microsoft.com/office/powerpoint/2012/main">
+    <mc:Choice Requires="p15">
       <p:transition xmlns:p14="http://schemas.microsoft.com/office/powerpoint/2010/main" spd="slow" p14:dur="6000">
         <p15:prstTrans prst="curtains"/>
       </p:transition>
     </mc:Choice>
-    <mc:Fallback>
+    <mc:Fallback xmlns="">
       <p:transition spd="slow">
         <p:fade/>
       </p:transition>
@@ -11421,13 +11423,13 @@
   <p:clrMapOvr>
     <a:masterClrMapping/>
   </p:clrMapOvr>
-  <mc:AlternateContent xmlns:mc="http://schemas.openxmlformats.org/markup-compatibility/2006">
-    <mc:Choice xmlns:p15="http://schemas.microsoft.com/office/powerpoint/2012/main" Requires="p15">
+  <mc:AlternateContent xmlns:mc="http://schemas.openxmlformats.org/markup-compatibility/2006" xmlns:p15="http://schemas.microsoft.com/office/powerpoint/2012/main">
+    <mc:Choice Requires="p15">
       <p:transition xmlns:p14="http://schemas.microsoft.com/office/powerpoint/2010/main" spd="slow" p14:dur="6000">
         <p15:prstTrans prst="curtains"/>
       </p:transition>
     </mc:Choice>
-    <mc:Fallback>
+    <mc:Fallback xmlns="">
       <p:transition spd="slow">
         <p:fade/>
       </p:transition>
@@ -11723,13 +11725,13 @@
   <p:clrMapOvr>
     <a:masterClrMapping/>
   </p:clrMapOvr>
-  <mc:AlternateContent xmlns:mc="http://schemas.openxmlformats.org/markup-compatibility/2006">
-    <mc:Choice xmlns:p15="http://schemas.microsoft.com/office/powerpoint/2012/main" Requires="p15">
+  <mc:AlternateContent xmlns:mc="http://schemas.openxmlformats.org/markup-compatibility/2006" xmlns:p15="http://schemas.microsoft.com/office/powerpoint/2012/main">
+    <mc:Choice Requires="p15">
       <p:transition xmlns:p14="http://schemas.microsoft.com/office/powerpoint/2010/main" spd="slow" p14:dur="6000">
         <p15:prstTrans prst="curtains"/>
       </p:transition>
     </mc:Choice>
-    <mc:Fallback>
+    <mc:Fallback xmlns="">
       <p:transition spd="slow">
         <p:fade/>
       </p:transition>
@@ -11949,13 +11951,13 @@
   <p:clrMapOvr>
     <a:masterClrMapping/>
   </p:clrMapOvr>
-  <mc:AlternateContent xmlns:mc="http://schemas.openxmlformats.org/markup-compatibility/2006">
-    <mc:Choice xmlns:p15="http://schemas.microsoft.com/office/powerpoint/2012/main" Requires="p15">
+  <mc:AlternateContent xmlns:mc="http://schemas.openxmlformats.org/markup-compatibility/2006" xmlns:p15="http://schemas.microsoft.com/office/powerpoint/2012/main">
+    <mc:Choice Requires="p15">
       <p:transition xmlns:p14="http://schemas.microsoft.com/office/powerpoint/2010/main" spd="slow" p14:dur="6000">
         <p15:prstTrans prst="curtains"/>
       </p:transition>
     </mc:Choice>
-    <mc:Fallback>
+    <mc:Fallback xmlns="">
       <p:transition spd="slow">
         <p:fade/>
       </p:transition>
@@ -13371,13 +13373,13 @@
   <p:clrMapOvr>
     <a:masterClrMapping/>
   </p:clrMapOvr>
-  <mc:AlternateContent xmlns:mc="http://schemas.openxmlformats.org/markup-compatibility/2006">
-    <mc:Choice xmlns:p14="http://schemas.microsoft.com/office/powerpoint/2010/main" Requires="p14">
+  <mc:AlternateContent xmlns:mc="http://schemas.openxmlformats.org/markup-compatibility/2006" xmlns:p14="http://schemas.microsoft.com/office/powerpoint/2010/main">
+    <mc:Choice Requires="p14">
       <p:transition spd="slow" p14:dur="1400">
         <p14:ripple/>
       </p:transition>
     </mc:Choice>
-    <mc:Fallback>
+    <mc:Fallback xmlns="">
       <p:transition spd="slow">
         <p:fade/>
       </p:transition>
@@ -13523,13 +13525,13 @@
   <p:clrMapOvr>
     <a:masterClrMapping/>
   </p:clrMapOvr>
-  <mc:AlternateContent xmlns:mc="http://schemas.openxmlformats.org/markup-compatibility/2006">
-    <mc:Choice xmlns:p14="http://schemas.microsoft.com/office/powerpoint/2010/main" Requires="p14">
+  <mc:AlternateContent xmlns:mc="http://schemas.openxmlformats.org/markup-compatibility/2006" xmlns:p14="http://schemas.microsoft.com/office/powerpoint/2010/main">
+    <mc:Choice Requires="p14">
       <p:transition spd="slow" p14:dur="1400">
         <p14:ripple/>
       </p:transition>
     </mc:Choice>
-    <mc:Fallback>
+    <mc:Fallback xmlns="">
       <p:transition spd="slow">
         <p:fade/>
       </p:transition>
@@ -13842,13 +13844,13 @@
   <p:clrMapOvr>
     <a:masterClrMapping/>
   </p:clrMapOvr>
-  <mc:AlternateContent xmlns:mc="http://schemas.openxmlformats.org/markup-compatibility/2006">
-    <mc:Choice xmlns:p15="http://schemas.microsoft.com/office/powerpoint/2012/main" Requires="p15">
+  <mc:AlternateContent xmlns:mc="http://schemas.openxmlformats.org/markup-compatibility/2006" xmlns:p15="http://schemas.microsoft.com/office/powerpoint/2012/main">
+    <mc:Choice Requires="p15">
       <p:transition xmlns:p14="http://schemas.microsoft.com/office/powerpoint/2010/main" spd="slow" p14:dur="6000">
         <p15:prstTrans prst="curtains"/>
       </p:transition>
     </mc:Choice>
-    <mc:Fallback>
+    <mc:Fallback xmlns="">
       <p:transition spd="slow">
         <p:fade/>
       </p:transition>
@@ -14066,6 +14068,166 @@
   <p:clrMapOvr>
     <a:masterClrMapping/>
   </p:clrMapOvr>
+  <mc:AlternateContent xmlns:mc="http://schemas.openxmlformats.org/markup-compatibility/2006" xmlns:p15="http://schemas.microsoft.com/office/powerpoint/2012/main">
+    <mc:Choice Requires="p15">
+      <p:transition xmlns:p14="http://schemas.microsoft.com/office/powerpoint/2010/main" spd="slow" p14:dur="6000">
+        <p15:prstTrans prst="curtains"/>
+      </p:transition>
+    </mc:Choice>
+    <mc:Fallback xmlns="">
+      <p:transition spd="slow">
+        <p:fade/>
+      </p:transition>
+    </mc:Fallback>
+  </mc:AlternateContent>
+  <p:timing>
+    <p:tnLst>
+      <p:par>
+        <p:cTn id="1" dur="indefinite" restart="never" nodeType="tmRoot"/>
+      </p:par>
+    </p:tnLst>
+  </p:timing>
+</p:sld>
+</file>
+
+<file path=ppt/slides/slide26.xml><?xml version="1.0" encoding="utf-8"?>
+<p:sld xmlns:a="http://schemas.openxmlformats.org/drawingml/2006/main" xmlns:r="http://schemas.openxmlformats.org/officeDocument/2006/relationships" xmlns:p="http://schemas.openxmlformats.org/presentationml/2006/main">
+  <p:cSld>
+    <p:spTree>
+      <p:nvGrpSpPr>
+        <p:cNvPr id="1" name=""/>
+        <p:cNvGrpSpPr/>
+        <p:nvPr/>
+      </p:nvGrpSpPr>
+      <p:grpSpPr>
+        <a:xfrm>
+          <a:off x="0" y="0"/>
+          <a:ext cx="0" cy="0"/>
+          <a:chOff x="0" y="0"/>
+          <a:chExt cx="0" cy="0"/>
+        </a:xfrm>
+      </p:grpSpPr>
+      <p:sp>
+        <p:nvSpPr>
+          <p:cNvPr id="5" name="Rectangle 4"/>
+          <p:cNvSpPr/>
+          <p:nvPr/>
+        </p:nvSpPr>
+        <p:spPr>
+          <a:xfrm>
+            <a:off x="283335" y="1"/>
+            <a:ext cx="10148552" cy="6858000"/>
+          </a:xfrm>
+          <a:prstGeom prst="rect">
+            <a:avLst/>
+          </a:prstGeom>
+          <a:solidFill>
+            <a:schemeClr val="accent4">
+              <a:lumMod val="50000"/>
+            </a:schemeClr>
+          </a:solidFill>
+        </p:spPr>
+        <p:style>
+          <a:lnRef idx="2">
+            <a:schemeClr val="accent1">
+              <a:shade val="50000"/>
+            </a:schemeClr>
+          </a:lnRef>
+          <a:fillRef idx="1">
+            <a:schemeClr val="accent1"/>
+          </a:fillRef>
+          <a:effectRef idx="0">
+            <a:schemeClr val="accent1"/>
+          </a:effectRef>
+          <a:fontRef idx="minor">
+            <a:schemeClr val="lt1"/>
+          </a:fontRef>
+        </p:style>
+        <p:txBody>
+          <a:bodyPr rtlCol="0" anchor="ctr"/>
+          <a:lstStyle/>
+          <a:p>
+            <a:pPr algn="ctr"/>
+            <a:endParaRPr lang="en-US" sz="2400" dirty="0"/>
+          </a:p>
+        </p:txBody>
+      </p:sp>
+      <p:pic>
+        <p:nvPicPr>
+          <p:cNvPr id="6" name="Picture 5"/>
+          <p:cNvPicPr>
+            <a:picLocks noChangeAspect="1"/>
+          </p:cNvPicPr>
+          <p:nvPr/>
+        </p:nvPicPr>
+        <p:blipFill>
+          <a:blip r:embed="rId2">
+            <a:extLst>
+              <a:ext uri="{28A0092B-C50C-407E-A947-70E740481C1C}">
+                <a14:useLocalDpi xmlns:a14="http://schemas.microsoft.com/office/drawing/2010/main" val="0"/>
+              </a:ext>
+            </a:extLst>
+          </a:blip>
+          <a:stretch>
+            <a:fillRect/>
+          </a:stretch>
+        </p:blipFill>
+        <p:spPr>
+          <a:xfrm>
+            <a:off x="10589135" y="476519"/>
+            <a:ext cx="1602865" cy="1602865"/>
+          </a:xfrm>
+          <a:prstGeom prst="rect">
+            <a:avLst/>
+          </a:prstGeom>
+          <a:ln>
+            <a:noFill/>
+          </a:ln>
+          <a:effectLst>
+            <a:softEdge rad="112500"/>
+          </a:effectLst>
+        </p:spPr>
+      </p:pic>
+      <p:pic>
+        <p:nvPicPr>
+          <p:cNvPr id="4" name="Picture 3"/>
+          <p:cNvPicPr>
+            <a:picLocks noChangeAspect="1"/>
+          </p:cNvPicPr>
+          <p:nvPr/>
+        </p:nvPicPr>
+        <p:blipFill>
+          <a:blip r:embed="rId3">
+            <a:extLst>
+              <a:ext uri="{28A0092B-C50C-407E-A947-70E740481C1C}">
+                <a14:useLocalDpi xmlns:a14="http://schemas.microsoft.com/office/drawing/2010/main" val="0"/>
+              </a:ext>
+            </a:extLst>
+          </a:blip>
+          <a:stretch>
+            <a:fillRect/>
+          </a:stretch>
+        </p:blipFill>
+        <p:spPr>
+          <a:xfrm>
+            <a:off x="336525" y="476519"/>
+            <a:ext cx="9940815" cy="5976915"/>
+          </a:xfrm>
+          <a:prstGeom prst="rect">
+            <a:avLst/>
+          </a:prstGeom>
+        </p:spPr>
+      </p:pic>
+    </p:spTree>
+    <p:extLst>
+      <p:ext uri="{BB962C8B-B14F-4D97-AF65-F5344CB8AC3E}">
+        <p14:creationId xmlns:p14="http://schemas.microsoft.com/office/powerpoint/2010/main" val="1599448786"/>
+      </p:ext>
+    </p:extLst>
+  </p:cSld>
+  <p:clrMapOvr>
+    <a:masterClrMapping/>
+  </p:clrMapOvr>
   <mc:AlternateContent xmlns:mc="http://schemas.openxmlformats.org/markup-compatibility/2006">
     <mc:Choice xmlns:p15="http://schemas.microsoft.com/office/powerpoint/2012/main" Requires="p15">
       <p:transition xmlns:p14="http://schemas.microsoft.com/office/powerpoint/2010/main" spd="slow" p14:dur="6000">
@@ -14088,7 +14250,501 @@
 </p:sld>
 </file>
 
-<file path=ppt/slides/slide26.xml><?xml version="1.0" encoding="utf-8"?>
+<file path=ppt/slides/slide27.xml><?xml version="1.0" encoding="utf-8"?>
+<p:sld xmlns:a="http://schemas.openxmlformats.org/drawingml/2006/main" xmlns:r="http://schemas.openxmlformats.org/officeDocument/2006/relationships" xmlns:p="http://schemas.openxmlformats.org/presentationml/2006/main">
+  <p:cSld>
+    <p:spTree>
+      <p:nvGrpSpPr>
+        <p:cNvPr id="1" name=""/>
+        <p:cNvGrpSpPr/>
+        <p:nvPr/>
+      </p:nvGrpSpPr>
+      <p:grpSpPr>
+        <a:xfrm>
+          <a:off x="0" y="0"/>
+          <a:ext cx="0" cy="0"/>
+          <a:chOff x="0" y="0"/>
+          <a:chExt cx="0" cy="0"/>
+        </a:xfrm>
+      </p:grpSpPr>
+      <p:sp>
+        <p:nvSpPr>
+          <p:cNvPr id="5" name="Rectangle 4"/>
+          <p:cNvSpPr/>
+          <p:nvPr/>
+        </p:nvSpPr>
+        <p:spPr>
+          <a:xfrm>
+            <a:off x="283335" y="1"/>
+            <a:ext cx="10148552" cy="6858000"/>
+          </a:xfrm>
+          <a:prstGeom prst="rect">
+            <a:avLst/>
+          </a:prstGeom>
+          <a:solidFill>
+            <a:schemeClr val="accent4">
+              <a:lumMod val="50000"/>
+            </a:schemeClr>
+          </a:solidFill>
+        </p:spPr>
+        <p:style>
+          <a:lnRef idx="2">
+            <a:schemeClr val="accent1">
+              <a:shade val="50000"/>
+            </a:schemeClr>
+          </a:lnRef>
+          <a:fillRef idx="1">
+            <a:schemeClr val="accent1"/>
+          </a:fillRef>
+          <a:effectRef idx="0">
+            <a:schemeClr val="accent1"/>
+          </a:effectRef>
+          <a:fontRef idx="minor">
+            <a:schemeClr val="lt1"/>
+          </a:fontRef>
+        </p:style>
+        <p:txBody>
+          <a:bodyPr rtlCol="0" anchor="ctr"/>
+          <a:lstStyle/>
+          <a:p>
+            <a:pPr algn="ctr"/>
+            <a:endParaRPr lang="en-US" sz="2400" dirty="0"/>
+          </a:p>
+        </p:txBody>
+      </p:sp>
+      <p:pic>
+        <p:nvPicPr>
+          <p:cNvPr id="6" name="Picture 5"/>
+          <p:cNvPicPr>
+            <a:picLocks noChangeAspect="1"/>
+          </p:cNvPicPr>
+          <p:nvPr/>
+        </p:nvPicPr>
+        <p:blipFill>
+          <a:blip r:embed="rId2">
+            <a:extLst>
+              <a:ext uri="{28A0092B-C50C-407E-A947-70E740481C1C}">
+                <a14:useLocalDpi xmlns:a14="http://schemas.microsoft.com/office/drawing/2010/main" val="0"/>
+              </a:ext>
+            </a:extLst>
+          </a:blip>
+          <a:stretch>
+            <a:fillRect/>
+          </a:stretch>
+        </p:blipFill>
+        <p:spPr>
+          <a:xfrm>
+            <a:off x="10589135" y="476519"/>
+            <a:ext cx="1602865" cy="1602865"/>
+          </a:xfrm>
+          <a:prstGeom prst="rect">
+            <a:avLst/>
+          </a:prstGeom>
+          <a:ln>
+            <a:noFill/>
+          </a:ln>
+          <a:effectLst>
+            <a:softEdge rad="112500"/>
+          </a:effectLst>
+        </p:spPr>
+      </p:pic>
+      <p:sp>
+        <p:nvSpPr>
+          <p:cNvPr id="3" name="Rectangle 2"/>
+          <p:cNvSpPr/>
+          <p:nvPr/>
+        </p:nvSpPr>
+        <p:spPr>
+          <a:xfrm>
+            <a:off x="437880" y="340980"/>
+            <a:ext cx="9839459" cy="830997"/>
+          </a:xfrm>
+          <a:prstGeom prst="rect">
+            <a:avLst/>
+          </a:prstGeom>
+        </p:spPr>
+        <p:txBody>
+          <a:bodyPr wrap="square">
+            <a:spAutoFit/>
+          </a:bodyPr>
+          <a:lstStyle/>
+          <a:p>
+            <a:pPr algn="ctr"/>
+            <a:r>
+              <a:rPr lang="en-US" sz="4800" b="1" dirty="0" smtClean="0"/>
+              <a:t>GIT AND GITHUB</a:t>
+            </a:r>
+            <a:endParaRPr lang="en-US" sz="4800" dirty="0"/>
+          </a:p>
+        </p:txBody>
+      </p:sp>
+      <p:sp>
+        <p:nvSpPr>
+          <p:cNvPr id="2" name="TextBox 1"/>
+          <p:cNvSpPr txBox="1"/>
+          <p:nvPr/>
+        </p:nvSpPr>
+        <p:spPr>
+          <a:xfrm>
+            <a:off x="1416675" y="2228045"/>
+            <a:ext cx="7881870" cy="769441"/>
+          </a:xfrm>
+          <a:prstGeom prst="rect">
+            <a:avLst/>
+          </a:prstGeom>
+          <a:noFill/>
+        </p:spPr>
+        <p:txBody>
+          <a:bodyPr wrap="square" rtlCol="0">
+            <a:spAutoFit/>
+          </a:bodyPr>
+          <a:lstStyle/>
+          <a:p>
+            <a:pPr algn="ctr"/>
+            <a:endParaRPr lang="en-US" sz="4400" b="1" dirty="0"/>
+          </a:p>
+        </p:txBody>
+      </p:sp>
+      <p:sp>
+        <p:nvSpPr>
+          <p:cNvPr id="4" name="TextBox 3"/>
+          <p:cNvSpPr txBox="1"/>
+          <p:nvPr/>
+        </p:nvSpPr>
+        <p:spPr>
+          <a:xfrm>
+            <a:off x="547350" y="1030309"/>
+            <a:ext cx="9620518" cy="5632311"/>
+          </a:xfrm>
+          <a:prstGeom prst="rect">
+            <a:avLst/>
+          </a:prstGeom>
+          <a:noFill/>
+        </p:spPr>
+        <p:txBody>
+          <a:bodyPr wrap="square" rtlCol="0">
+            <a:spAutoFit/>
+          </a:bodyPr>
+          <a:lstStyle/>
+          <a:p>
+            <a:r>
+              <a:rPr lang="en-US" sz="2400" b="1" dirty="0" err="1"/>
+              <a:t>Git</a:t>
+            </a:r>
+            <a:r>
+              <a:rPr lang="en-US" sz="2400" dirty="0"/>
+              <a:t> (</a:t>
+            </a:r>
+            <a:r>
+              <a:rPr lang="en-US" sz="2400" dirty="0">
+                <a:hlinkClick r:id="rId3" tooltip="Help:IPA/English"/>
+              </a:rPr>
+              <a:t>/</a:t>
+            </a:r>
+            <a:r>
+              <a:rPr lang="en-US" sz="2400" dirty="0" err="1">
+                <a:hlinkClick r:id="rId3" tooltip="Help:IPA/English"/>
+              </a:rPr>
+              <a:t>ɡɪt</a:t>
+            </a:r>
+            <a:r>
+              <a:rPr lang="en-US" sz="2400" dirty="0">
+                <a:hlinkClick r:id="rId3" tooltip="Help:IPA/English"/>
+              </a:rPr>
+              <a:t>/</a:t>
+            </a:r>
+            <a:r>
+              <a:rPr lang="en-US" sz="2400" dirty="0"/>
+              <a:t>)</a:t>
+            </a:r>
+            <a:r>
+              <a:rPr lang="en-US" sz="2400" baseline="30000" dirty="0">
+                <a:hlinkClick r:id="rId4"/>
+              </a:rPr>
+              <a:t>[7]</a:t>
+            </a:r>
+            <a:r>
+              <a:rPr lang="en-US" sz="2400" dirty="0"/>
+              <a:t> is a </a:t>
+            </a:r>
+            <a:r>
+              <a:rPr lang="en-US" sz="2400" dirty="0">
+                <a:hlinkClick r:id="rId5" tooltip="Distributed version control"/>
+              </a:rPr>
+              <a:t>distributed version-control</a:t>
+            </a:r>
+            <a:r>
+              <a:rPr lang="en-US" sz="2400" dirty="0"/>
+              <a:t> system for tracking changes in </a:t>
+            </a:r>
+            <a:r>
+              <a:rPr lang="en-US" sz="2400" dirty="0">
+                <a:hlinkClick r:id="rId6" tooltip="Source code"/>
+              </a:rPr>
+              <a:t>source code</a:t>
+            </a:r>
+            <a:r>
+              <a:rPr lang="en-US" sz="2400" dirty="0"/>
+              <a:t> during </a:t>
+            </a:r>
+            <a:r>
+              <a:rPr lang="en-US" sz="2400" dirty="0">
+                <a:hlinkClick r:id="rId7" tooltip="Software development"/>
+              </a:rPr>
+              <a:t>software development</a:t>
+            </a:r>
+            <a:r>
+              <a:rPr lang="en-US" sz="2400" dirty="0"/>
+              <a:t>.</a:t>
+            </a:r>
+            <a:r>
+              <a:rPr lang="en-US" sz="2400" baseline="30000" dirty="0">
+                <a:hlinkClick r:id="rId8"/>
+              </a:rPr>
+              <a:t>[8]</a:t>
+            </a:r>
+            <a:r>
+              <a:rPr lang="en-US" sz="2400" dirty="0"/>
+              <a:t> It is designed for coordinating work among </a:t>
+            </a:r>
+            <a:r>
+              <a:rPr lang="en-US" sz="2400" dirty="0">
+                <a:hlinkClick r:id="rId9" tooltip="Programmer"/>
+              </a:rPr>
+              <a:t>programmers</a:t>
+            </a:r>
+            <a:r>
+              <a:rPr lang="en-US" sz="2400" dirty="0"/>
+              <a:t>, but it can be used to track changes in any set of </a:t>
+            </a:r>
+            <a:r>
+              <a:rPr lang="en-US" sz="2400" dirty="0">
+                <a:hlinkClick r:id="rId10" tooltip="Computer file"/>
+              </a:rPr>
+              <a:t>files</a:t>
+            </a:r>
+            <a:r>
+              <a:rPr lang="en-US" sz="2400" dirty="0"/>
+              <a:t>. Its goals include speed,</a:t>
+            </a:r>
+            <a:r>
+              <a:rPr lang="en-US" sz="2400" baseline="30000" dirty="0">
+                <a:hlinkClick r:id="rId11"/>
+              </a:rPr>
+              <a:t>[9]</a:t>
+            </a:r>
+            <a:r>
+              <a:rPr lang="en-US" sz="2400" dirty="0"/>
+              <a:t> </a:t>
+            </a:r>
+            <a:r>
+              <a:rPr lang="en-US" sz="2400" dirty="0">
+                <a:hlinkClick r:id="rId12" tooltip="Data integrity"/>
+              </a:rPr>
+              <a:t>data integrity</a:t>
+            </a:r>
+            <a:r>
+              <a:rPr lang="en-US" sz="2400" dirty="0"/>
+              <a:t>,</a:t>
+            </a:r>
+            <a:r>
+              <a:rPr lang="en-US" sz="2400" baseline="30000" dirty="0">
+                <a:hlinkClick r:id="rId13"/>
+              </a:rPr>
+              <a:t>[10]</a:t>
+            </a:r>
+            <a:r>
+              <a:rPr lang="en-US" sz="2400" dirty="0"/>
+              <a:t> and support for distributed, non-linear workflows.</a:t>
+            </a:r>
+            <a:r>
+              <a:rPr lang="en-US" sz="2400" baseline="30000" dirty="0">
+                <a:hlinkClick r:id="rId14"/>
+              </a:rPr>
+              <a:t>[11]</a:t>
+            </a:r>
+            <a:r>
+              <a:rPr lang="en-US" sz="2400" dirty="0"/>
+              <a:t> </a:t>
+            </a:r>
+          </a:p>
+          <a:p>
+            <a:r>
+              <a:rPr lang="en-US" sz="2400" dirty="0" err="1"/>
+              <a:t>Git</a:t>
+            </a:r>
+            <a:r>
+              <a:rPr lang="en-US" sz="2400" dirty="0"/>
+              <a:t> was created by </a:t>
+            </a:r>
+            <a:r>
+              <a:rPr lang="en-US" sz="2400" dirty="0">
+                <a:hlinkClick r:id="rId15" tooltip="Linus Torvalds"/>
+              </a:rPr>
+              <a:t>Linus Torvalds</a:t>
+            </a:r>
+            <a:r>
+              <a:rPr lang="en-US" sz="2400" dirty="0"/>
+              <a:t> in 2005 for development of the </a:t>
+            </a:r>
+            <a:r>
+              <a:rPr lang="en-US" sz="2400" dirty="0">
+                <a:hlinkClick r:id="rId16" tooltip="Linux kernel"/>
+              </a:rPr>
+              <a:t>Linux kernel</a:t>
+            </a:r>
+            <a:r>
+              <a:rPr lang="en-US" sz="2400" dirty="0"/>
+              <a:t>, with other kernel developers contributing to its initial development.</a:t>
+            </a:r>
+            <a:r>
+              <a:rPr lang="en-US" sz="2400" baseline="30000" dirty="0">
+                <a:hlinkClick r:id="rId17"/>
+              </a:rPr>
+              <a:t>[12]</a:t>
+            </a:r>
+            <a:r>
+              <a:rPr lang="en-US" sz="2400" dirty="0"/>
+              <a:t> Its current maintainer since 2005 is </a:t>
+            </a:r>
+            <a:r>
+              <a:rPr lang="en-US" sz="2400" dirty="0" err="1">
+                <a:hlinkClick r:id="rId18" tooltip="Junio Hamano"/>
+              </a:rPr>
+              <a:t>Junio</a:t>
+            </a:r>
+            <a:r>
+              <a:rPr lang="en-US" sz="2400" dirty="0">
+                <a:hlinkClick r:id="rId18" tooltip="Junio Hamano"/>
+              </a:rPr>
+              <a:t> Hamano</a:t>
+            </a:r>
+            <a:r>
+              <a:rPr lang="en-US" sz="2400" dirty="0"/>
+              <a:t>. As with most other distributed version-control systems, and unlike most </a:t>
+            </a:r>
+            <a:r>
+              <a:rPr lang="en-US" sz="2400" dirty="0">
+                <a:hlinkClick r:id="rId19" tooltip="Client–server"/>
+              </a:rPr>
+              <a:t>client–server</a:t>
+            </a:r>
+            <a:r>
+              <a:rPr lang="en-US" sz="2400" dirty="0"/>
+              <a:t> systems, every </a:t>
+            </a:r>
+            <a:r>
+              <a:rPr lang="en-US" sz="2400" dirty="0" err="1"/>
+              <a:t>Git</a:t>
+            </a:r>
+            <a:r>
+              <a:rPr lang="en-US" sz="2400" dirty="0"/>
+              <a:t> </a:t>
+            </a:r>
+            <a:r>
+              <a:rPr lang="en-US" sz="2400" dirty="0">
+                <a:hlinkClick r:id="rId20" tooltip="Directory (computing)"/>
+              </a:rPr>
+              <a:t>directory</a:t>
+            </a:r>
+            <a:r>
+              <a:rPr lang="en-US" sz="2400" dirty="0"/>
+              <a:t> on every </a:t>
+            </a:r>
+            <a:r>
+              <a:rPr lang="en-US" sz="2400" dirty="0">
+                <a:hlinkClick r:id="rId21" tooltip="Node (networking)"/>
+              </a:rPr>
+              <a:t>computer</a:t>
+            </a:r>
+            <a:r>
+              <a:rPr lang="en-US" sz="2400" dirty="0"/>
+              <a:t> is a full-fledged </a:t>
+            </a:r>
+            <a:r>
+              <a:rPr lang="en-US" sz="2400" dirty="0">
+                <a:hlinkClick r:id="rId22" tooltip="Repository (version control)"/>
+              </a:rPr>
+              <a:t>repository</a:t>
+            </a:r>
+            <a:r>
+              <a:rPr lang="en-US" sz="2400" dirty="0"/>
+              <a:t> with complete history and full version-tracking abilities, independent of network access or a central server.</a:t>
+            </a:r>
+            <a:r>
+              <a:rPr lang="en-US" sz="2400" baseline="30000" dirty="0">
+                <a:hlinkClick r:id="rId23"/>
+              </a:rPr>
+              <a:t>[13]</a:t>
+            </a:r>
+            <a:r>
+              <a:rPr lang="en-US" sz="2400" dirty="0"/>
+              <a:t> </a:t>
+            </a:r>
+            <a:r>
+              <a:rPr lang="en-US" sz="2400" dirty="0" err="1"/>
+              <a:t>Git</a:t>
+            </a:r>
+            <a:r>
+              <a:rPr lang="en-US" sz="2400" dirty="0"/>
+              <a:t> is </a:t>
+            </a:r>
+            <a:r>
+              <a:rPr lang="en-US" sz="2400" dirty="0">
+                <a:hlinkClick r:id="rId24" tooltip="Free and open-source software"/>
+              </a:rPr>
+              <a:t>free and open-source software</a:t>
+            </a:r>
+            <a:r>
+              <a:rPr lang="en-US" sz="2400" dirty="0"/>
+              <a:t> distributed under the terms of the </a:t>
+            </a:r>
+            <a:r>
+              <a:rPr lang="en-US" sz="2400" dirty="0">
+                <a:hlinkClick r:id="rId25" tooltip="GNU General Public License"/>
+              </a:rPr>
+              <a:t>GNU General Public License</a:t>
+            </a:r>
+            <a:r>
+              <a:rPr lang="en-US" sz="2400" dirty="0"/>
+              <a:t> version 2. </a:t>
+            </a:r>
+          </a:p>
+        </p:txBody>
+      </p:sp>
+    </p:spTree>
+    <p:extLst>
+      <p:ext uri="{BB962C8B-B14F-4D97-AF65-F5344CB8AC3E}">
+        <p14:creationId xmlns:p14="http://schemas.microsoft.com/office/powerpoint/2010/main" val="3595130655"/>
+      </p:ext>
+    </p:extLst>
+  </p:cSld>
+  <p:clrMapOvr>
+    <a:masterClrMapping/>
+  </p:clrMapOvr>
+  <mc:AlternateContent xmlns:mc="http://schemas.openxmlformats.org/markup-compatibility/2006">
+    <mc:Choice xmlns:p15="http://schemas.microsoft.com/office/powerpoint/2012/main" Requires="p15">
+      <p:transition xmlns:p14="http://schemas.microsoft.com/office/powerpoint/2010/main" spd="slow" p14:dur="6000">
+        <p15:prstTrans prst="curtains"/>
+      </p:transition>
+    </mc:Choice>
+    <mc:Fallback>
+      <p:transition spd="slow">
+        <p:fade/>
+      </p:transition>
+    </mc:Fallback>
+  </mc:AlternateContent>
+  <p:timing>
+    <p:tnLst>
+      <p:par>
+        <p:cTn id="1" dur="indefinite" restart="never" nodeType="tmRoot"/>
+      </p:par>
+    </p:tnLst>
+  </p:timing>
+</p:sld>
+</file>
+
+<file path=ppt/slides/slide28.xml><?xml version="1.0" encoding="utf-8"?>
 <p:sld xmlns:a="http://schemas.openxmlformats.org/drawingml/2006/main" xmlns:r="http://schemas.openxmlformats.org/officeDocument/2006/relationships" xmlns:p="http://schemas.openxmlformats.org/presentationml/2006/main">
   <p:cSld>
     <p:spTree>
@@ -14210,7 +14866,7 @@
 </p:sld>
 </file>
 
-<file path=ppt/slides/slide27.xml><?xml version="1.0" encoding="utf-8"?>
+<file path=ppt/slides/slide29.xml><?xml version="1.0" encoding="utf-8"?>
 <p:sld xmlns:a="http://schemas.openxmlformats.org/drawingml/2006/main" xmlns:r="http://schemas.openxmlformats.org/officeDocument/2006/relationships" xmlns:p="http://schemas.openxmlformats.org/presentationml/2006/main">
   <p:cSld>
     <p:spTree>
@@ -14378,398 +15034,6 @@
     <p:extLst>
       <p:ext uri="{BB962C8B-B14F-4D97-AF65-F5344CB8AC3E}">
         <p14:creationId xmlns:p14="http://schemas.microsoft.com/office/powerpoint/2010/main" val="3045186267"/>
-      </p:ext>
-    </p:extLst>
-  </p:cSld>
-  <p:clrMapOvr>
-    <a:masterClrMapping/>
-  </p:clrMapOvr>
-  <mc:AlternateContent xmlns:mc="http://schemas.openxmlformats.org/markup-compatibility/2006" xmlns:p14="http://schemas.microsoft.com/office/powerpoint/2010/main">
-    <mc:Choice Requires="p14">
-      <p:transition spd="slow" p14:dur="1400">
-        <p14:doors dir="vert"/>
-      </p:transition>
-    </mc:Choice>
-    <mc:Fallback xmlns="">
-      <p:transition spd="slow">
-        <p:fade/>
-      </p:transition>
-    </mc:Fallback>
-  </mc:AlternateContent>
-  <p:timing>
-    <p:tnLst>
-      <p:par>
-        <p:cTn id="1" dur="indefinite" restart="never" nodeType="tmRoot"/>
-      </p:par>
-    </p:tnLst>
-  </p:timing>
-</p:sld>
-</file>
-
-<file path=ppt/slides/slide28.xml><?xml version="1.0" encoding="utf-8"?>
-<p:sld xmlns:a="http://schemas.openxmlformats.org/drawingml/2006/main" xmlns:r="http://schemas.openxmlformats.org/officeDocument/2006/relationships" xmlns:p="http://schemas.openxmlformats.org/presentationml/2006/main">
-  <p:cSld>
-    <p:spTree>
-      <p:nvGrpSpPr>
-        <p:cNvPr id="1" name=""/>
-        <p:cNvGrpSpPr/>
-        <p:nvPr/>
-      </p:nvGrpSpPr>
-      <p:grpSpPr>
-        <a:xfrm>
-          <a:off x="0" y="0"/>
-          <a:ext cx="0" cy="0"/>
-          <a:chOff x="0" y="0"/>
-          <a:chExt cx="0" cy="0"/>
-        </a:xfrm>
-      </p:grpSpPr>
-      <p:sp>
-        <p:nvSpPr>
-          <p:cNvPr id="5" name="Rectangle 4"/>
-          <p:cNvSpPr/>
-          <p:nvPr/>
-        </p:nvSpPr>
-        <p:spPr>
-          <a:xfrm>
-            <a:off x="283335" y="1"/>
-            <a:ext cx="10148552" cy="6858000"/>
-          </a:xfrm>
-          <a:prstGeom prst="rect">
-            <a:avLst/>
-          </a:prstGeom>
-          <a:solidFill>
-            <a:schemeClr val="accent4">
-              <a:lumMod val="50000"/>
-            </a:schemeClr>
-          </a:solidFill>
-        </p:spPr>
-        <p:style>
-          <a:lnRef idx="2">
-            <a:schemeClr val="accent1">
-              <a:shade val="50000"/>
-            </a:schemeClr>
-          </a:lnRef>
-          <a:fillRef idx="1">
-            <a:schemeClr val="accent1"/>
-          </a:fillRef>
-          <a:effectRef idx="0">
-            <a:schemeClr val="accent1"/>
-          </a:effectRef>
-          <a:fontRef idx="minor">
-            <a:schemeClr val="lt1"/>
-          </a:fontRef>
-        </p:style>
-        <p:txBody>
-          <a:bodyPr rtlCol="0" anchor="ctr"/>
-          <a:lstStyle/>
-          <a:p>
-            <a:pPr algn="ctr"/>
-            <a:endParaRPr lang="en-US" sz="2400" dirty="0"/>
-          </a:p>
-        </p:txBody>
-      </p:sp>
-      <p:pic>
-        <p:nvPicPr>
-          <p:cNvPr id="6" name="Picture 5"/>
-          <p:cNvPicPr>
-            <a:picLocks noChangeAspect="1"/>
-          </p:cNvPicPr>
-          <p:nvPr/>
-        </p:nvPicPr>
-        <p:blipFill>
-          <a:blip r:embed="rId2">
-            <a:extLst>
-              <a:ext uri="{28A0092B-C50C-407E-A947-70E740481C1C}">
-                <a14:useLocalDpi xmlns:a14="http://schemas.microsoft.com/office/drawing/2010/main" val="0"/>
-              </a:ext>
-            </a:extLst>
-          </a:blip>
-          <a:stretch>
-            <a:fillRect/>
-          </a:stretch>
-        </p:blipFill>
-        <p:spPr>
-          <a:xfrm>
-            <a:off x="10589135" y="476519"/>
-            <a:ext cx="1602865" cy="1602865"/>
-          </a:xfrm>
-          <a:prstGeom prst="rect">
-            <a:avLst/>
-          </a:prstGeom>
-          <a:ln>
-            <a:noFill/>
-          </a:ln>
-          <a:effectLst>
-            <a:softEdge rad="112500"/>
-          </a:effectLst>
-        </p:spPr>
-      </p:pic>
-      <p:sp>
-        <p:nvSpPr>
-          <p:cNvPr id="8" name="Title 1"/>
-          <p:cNvSpPr>
-            <a:spLocks noGrp="1"/>
-          </p:cNvSpPr>
-          <p:nvPr>
-            <p:ph type="title"/>
-          </p:nvPr>
-        </p:nvSpPr>
-        <p:spPr>
-          <a:xfrm>
-            <a:off x="756953" y="432490"/>
-            <a:ext cx="8911687" cy="845461"/>
-          </a:xfrm>
-        </p:spPr>
-        <p:txBody>
-          <a:bodyPr>
-            <a:normAutofit/>
-          </a:bodyPr>
-          <a:lstStyle/>
-          <a:p>
-            <a:pPr algn="ctr"/>
-            <a:r>
-              <a:rPr lang="en-US" sz="4400" b="1" dirty="0" smtClean="0">
-                <a:latin typeface="Times New Roman" panose="02020603050405020304" pitchFamily="18" charset="0"/>
-                <a:cs typeface="Times New Roman" panose="02020603050405020304" pitchFamily="18" charset="0"/>
-              </a:rPr>
-              <a:t>Mfonidomark.netlify.com</a:t>
-            </a:r>
-            <a:endParaRPr lang="en-US" b="1" dirty="0">
-              <a:latin typeface="Times New Roman" panose="02020603050405020304" pitchFamily="18" charset="0"/>
-              <a:cs typeface="Times New Roman" panose="02020603050405020304" pitchFamily="18" charset="0"/>
-            </a:endParaRPr>
-          </a:p>
-        </p:txBody>
-      </p:sp>
-      <p:pic>
-        <p:nvPicPr>
-          <p:cNvPr id="2" name="Content Placeholder 1"/>
-          <p:cNvPicPr>
-            <a:picLocks noGrp="1" noChangeAspect="1"/>
-          </p:cNvPicPr>
-          <p:nvPr>
-            <p:ph idx="1"/>
-          </p:nvPr>
-        </p:nvPicPr>
-        <p:blipFill>
-          <a:blip r:embed="rId3">
-            <a:extLst>
-              <a:ext uri="{28A0092B-C50C-407E-A947-70E740481C1C}">
-                <a14:useLocalDpi xmlns:a14="http://schemas.microsoft.com/office/drawing/2010/main" val="0"/>
-              </a:ext>
-            </a:extLst>
-          </a:blip>
-          <a:stretch>
-            <a:fillRect/>
-          </a:stretch>
-        </p:blipFill>
-        <p:spPr>
-          <a:xfrm>
-            <a:off x="461171" y="1277951"/>
-            <a:ext cx="9551192" cy="4630451"/>
-          </a:xfrm>
-        </p:spPr>
-      </p:pic>
-    </p:spTree>
-    <p:extLst>
-      <p:ext uri="{BB962C8B-B14F-4D97-AF65-F5344CB8AC3E}">
-        <p14:creationId xmlns:p14="http://schemas.microsoft.com/office/powerpoint/2010/main" val="4148420771"/>
-      </p:ext>
-    </p:extLst>
-  </p:cSld>
-  <p:clrMapOvr>
-    <a:masterClrMapping/>
-  </p:clrMapOvr>
-  <mc:AlternateContent xmlns:mc="http://schemas.openxmlformats.org/markup-compatibility/2006" xmlns:p14="http://schemas.microsoft.com/office/powerpoint/2010/main">
-    <mc:Choice Requires="p14">
-      <p:transition spd="slow" p14:dur="1400">
-        <p14:doors dir="vert"/>
-      </p:transition>
-    </mc:Choice>
-    <mc:Fallback xmlns="">
-      <p:transition spd="slow">
-        <p:fade/>
-      </p:transition>
-    </mc:Fallback>
-  </mc:AlternateContent>
-  <p:timing>
-    <p:tnLst>
-      <p:par>
-        <p:cTn id="1" dur="indefinite" restart="never" nodeType="tmRoot"/>
-      </p:par>
-    </p:tnLst>
-  </p:timing>
-</p:sld>
-</file>
-
-<file path=ppt/slides/slide29.xml><?xml version="1.0" encoding="utf-8"?>
-<p:sld xmlns:a="http://schemas.openxmlformats.org/drawingml/2006/main" xmlns:r="http://schemas.openxmlformats.org/officeDocument/2006/relationships" xmlns:p="http://schemas.openxmlformats.org/presentationml/2006/main">
-  <p:cSld>
-    <p:spTree>
-      <p:nvGrpSpPr>
-        <p:cNvPr id="1" name=""/>
-        <p:cNvGrpSpPr/>
-        <p:nvPr/>
-      </p:nvGrpSpPr>
-      <p:grpSpPr>
-        <a:xfrm>
-          <a:off x="0" y="0"/>
-          <a:ext cx="0" cy="0"/>
-          <a:chOff x="0" y="0"/>
-          <a:chExt cx="0" cy="0"/>
-        </a:xfrm>
-      </p:grpSpPr>
-      <p:sp>
-        <p:nvSpPr>
-          <p:cNvPr id="5" name="Rectangle 4"/>
-          <p:cNvSpPr/>
-          <p:nvPr/>
-        </p:nvSpPr>
-        <p:spPr>
-          <a:xfrm>
-            <a:off x="283335" y="1"/>
-            <a:ext cx="10148552" cy="6858000"/>
-          </a:xfrm>
-          <a:prstGeom prst="rect">
-            <a:avLst/>
-          </a:prstGeom>
-          <a:solidFill>
-            <a:schemeClr val="accent4">
-              <a:lumMod val="50000"/>
-            </a:schemeClr>
-          </a:solidFill>
-        </p:spPr>
-        <p:style>
-          <a:lnRef idx="2">
-            <a:schemeClr val="accent1">
-              <a:shade val="50000"/>
-            </a:schemeClr>
-          </a:lnRef>
-          <a:fillRef idx="1">
-            <a:schemeClr val="accent1"/>
-          </a:fillRef>
-          <a:effectRef idx="0">
-            <a:schemeClr val="accent1"/>
-          </a:effectRef>
-          <a:fontRef idx="minor">
-            <a:schemeClr val="lt1"/>
-          </a:fontRef>
-        </p:style>
-        <p:txBody>
-          <a:bodyPr rtlCol="0" anchor="ctr"/>
-          <a:lstStyle/>
-          <a:p>
-            <a:pPr algn="ctr"/>
-            <a:endParaRPr lang="en-US" sz="2400" dirty="0"/>
-          </a:p>
-        </p:txBody>
-      </p:sp>
-      <p:pic>
-        <p:nvPicPr>
-          <p:cNvPr id="6" name="Picture 5"/>
-          <p:cNvPicPr>
-            <a:picLocks noChangeAspect="1"/>
-          </p:cNvPicPr>
-          <p:nvPr/>
-        </p:nvPicPr>
-        <p:blipFill>
-          <a:blip r:embed="rId2">
-            <a:extLst>
-              <a:ext uri="{28A0092B-C50C-407E-A947-70E740481C1C}">
-                <a14:useLocalDpi xmlns:a14="http://schemas.microsoft.com/office/drawing/2010/main" val="0"/>
-              </a:ext>
-            </a:extLst>
-          </a:blip>
-          <a:stretch>
-            <a:fillRect/>
-          </a:stretch>
-        </p:blipFill>
-        <p:spPr>
-          <a:xfrm>
-            <a:off x="10589135" y="476519"/>
-            <a:ext cx="1602865" cy="1602865"/>
-          </a:xfrm>
-          <a:prstGeom prst="rect">
-            <a:avLst/>
-          </a:prstGeom>
-          <a:ln>
-            <a:noFill/>
-          </a:ln>
-          <a:effectLst>
-            <a:softEdge rad="112500"/>
-          </a:effectLst>
-        </p:spPr>
-      </p:pic>
-      <p:sp>
-        <p:nvSpPr>
-          <p:cNvPr id="8" name="Title 1"/>
-          <p:cNvSpPr>
-            <a:spLocks noGrp="1"/>
-          </p:cNvSpPr>
-          <p:nvPr>
-            <p:ph type="title"/>
-          </p:nvPr>
-        </p:nvSpPr>
-        <p:spPr>
-          <a:xfrm>
-            <a:off x="756953" y="432490"/>
-            <a:ext cx="8911687" cy="845461"/>
-          </a:xfrm>
-        </p:spPr>
-        <p:txBody>
-          <a:bodyPr>
-            <a:normAutofit/>
-          </a:bodyPr>
-          <a:lstStyle/>
-          <a:p>
-            <a:pPr algn="ctr"/>
-            <a:r>
-              <a:rPr lang="en-US" sz="4400" b="1" dirty="0" smtClean="0">
-                <a:latin typeface="Times New Roman" panose="02020603050405020304" pitchFamily="18" charset="0"/>
-                <a:cs typeface="Times New Roman" panose="02020603050405020304" pitchFamily="18" charset="0"/>
-              </a:rPr>
-              <a:t>Cityuniversity.netlify.com</a:t>
-            </a:r>
-            <a:endParaRPr lang="en-US" b="1" dirty="0">
-              <a:latin typeface="Times New Roman" panose="02020603050405020304" pitchFamily="18" charset="0"/>
-              <a:cs typeface="Times New Roman" panose="02020603050405020304" pitchFamily="18" charset="0"/>
-            </a:endParaRPr>
-          </a:p>
-        </p:txBody>
-      </p:sp>
-      <p:pic>
-        <p:nvPicPr>
-          <p:cNvPr id="2" name="Content Placeholder 1"/>
-          <p:cNvPicPr>
-            <a:picLocks noGrp="1" noChangeAspect="1"/>
-          </p:cNvPicPr>
-          <p:nvPr>
-            <p:ph idx="1"/>
-          </p:nvPr>
-        </p:nvPicPr>
-        <p:blipFill>
-          <a:blip r:embed="rId3">
-            <a:extLst>
-              <a:ext uri="{28A0092B-C50C-407E-A947-70E740481C1C}">
-                <a14:useLocalDpi xmlns:a14="http://schemas.microsoft.com/office/drawing/2010/main" val="0"/>
-              </a:ext>
-            </a:extLst>
-          </a:blip>
-          <a:stretch>
-            <a:fillRect/>
-          </a:stretch>
-        </p:blipFill>
-        <p:spPr>
-          <a:xfrm>
-            <a:off x="333501" y="1390918"/>
-            <a:ext cx="9678862" cy="4368191"/>
-          </a:xfrm>
-        </p:spPr>
-      </p:pic>
-    </p:spTree>
-    <p:extLst>
-      <p:ext uri="{BB962C8B-B14F-4D97-AF65-F5344CB8AC3E}">
-        <p14:creationId xmlns:p14="http://schemas.microsoft.com/office/powerpoint/2010/main" val="4099393657"/>
       </p:ext>
     </p:extLst>
   </p:cSld>
@@ -15031,10 +15295,6 @@
               </a:rPr>
               <a:t>Bootstrap</a:t>
             </a:r>
-            <a:endParaRPr lang="en-US" sz="3200" b="1" dirty="0" smtClean="0">
-              <a:latin typeface="Times New Roman" panose="02020603050405020304" pitchFamily="18" charset="0"/>
-              <a:cs typeface="Times New Roman" panose="02020603050405020304" pitchFamily="18" charset="0"/>
-            </a:endParaRPr>
           </a:p>
           <a:p>
             <a:pPr>
@@ -15046,14 +15306,7 @@
                 <a:latin typeface="Times New Roman" panose="02020603050405020304" pitchFamily="18" charset="0"/>
                 <a:cs typeface="Times New Roman" panose="02020603050405020304" pitchFamily="18" charset="0"/>
               </a:rPr>
-              <a:t>Java </a:t>
-            </a:r>
-            <a:r>
-              <a:rPr lang="en-US" sz="3200" b="1" dirty="0" smtClean="0">
-                <a:latin typeface="Times New Roman" panose="02020603050405020304" pitchFamily="18" charset="0"/>
-                <a:cs typeface="Times New Roman" panose="02020603050405020304" pitchFamily="18" charset="0"/>
-              </a:rPr>
-              <a:t>Script</a:t>
+              <a:t>Java Script</a:t>
             </a:r>
           </a:p>
           <a:p>
@@ -15145,6 +15398,51 @@
           <a:chExt cx="0" cy="0"/>
         </a:xfrm>
       </p:grpSpPr>
+      <p:sp>
+        <p:nvSpPr>
+          <p:cNvPr id="5" name="Rectangle 4"/>
+          <p:cNvSpPr/>
+          <p:nvPr/>
+        </p:nvSpPr>
+        <p:spPr>
+          <a:xfrm>
+            <a:off x="283335" y="1"/>
+            <a:ext cx="10148552" cy="6858000"/>
+          </a:xfrm>
+          <a:prstGeom prst="rect">
+            <a:avLst/>
+          </a:prstGeom>
+          <a:solidFill>
+            <a:schemeClr val="accent4">
+              <a:lumMod val="50000"/>
+            </a:schemeClr>
+          </a:solidFill>
+        </p:spPr>
+        <p:style>
+          <a:lnRef idx="2">
+            <a:schemeClr val="accent1">
+              <a:shade val="50000"/>
+            </a:schemeClr>
+          </a:lnRef>
+          <a:fillRef idx="1">
+            <a:schemeClr val="accent1"/>
+          </a:fillRef>
+          <a:effectRef idx="0">
+            <a:schemeClr val="accent1"/>
+          </a:effectRef>
+          <a:fontRef idx="minor">
+            <a:schemeClr val="lt1"/>
+          </a:fontRef>
+        </p:style>
+        <p:txBody>
+          <a:bodyPr rtlCol="0" anchor="ctr"/>
+          <a:lstStyle/>
+          <a:p>
+            <a:pPr algn="ctr"/>
+            <a:endParaRPr lang="en-US" sz="2400" dirty="0"/>
+          </a:p>
+        </p:txBody>
+      </p:sp>
       <p:pic>
         <p:nvPicPr>
           <p:cNvPr id="6" name="Picture 5"/>
@@ -15193,7 +15491,7 @@
         </p:nvSpPr>
         <p:spPr>
           <a:xfrm>
-            <a:off x="653922" y="855220"/>
+            <a:off x="756953" y="432490"/>
             <a:ext cx="8911687" cy="845461"/>
           </a:xfrm>
         </p:spPr>
@@ -15209,14 +15507,7 @@
                 <a:latin typeface="Times New Roman" panose="02020603050405020304" pitchFamily="18" charset="0"/>
                 <a:cs typeface="Times New Roman" panose="02020603050405020304" pitchFamily="18" charset="0"/>
               </a:rPr>
-              <a:t>MY WEB </a:t>
-            </a:r>
-            <a:r>
-              <a:rPr lang="en-US" sz="4400" b="1" dirty="0" smtClean="0">
-                <a:latin typeface="Times New Roman" panose="02020603050405020304" pitchFamily="18" charset="0"/>
-                <a:cs typeface="Times New Roman" panose="02020603050405020304" pitchFamily="18" charset="0"/>
-              </a:rPr>
-              <a:t>APP</a:t>
+              <a:t>Mfonidomark.netlify.com</a:t>
             </a:r>
             <a:endParaRPr lang="en-US" b="1" dirty="0">
               <a:latin typeface="Times New Roman" panose="02020603050405020304" pitchFamily="18" charset="0"/>
@@ -15225,23 +15516,52 @@
           </a:p>
         </p:txBody>
       </p:sp>
+      <p:pic>
+        <p:nvPicPr>
+          <p:cNvPr id="2" name="Content Placeholder 1"/>
+          <p:cNvPicPr>
+            <a:picLocks noGrp="1" noChangeAspect="1"/>
+          </p:cNvPicPr>
+          <p:nvPr>
+            <p:ph idx="1"/>
+          </p:nvPr>
+        </p:nvPicPr>
+        <p:blipFill>
+          <a:blip r:embed="rId3">
+            <a:extLst>
+              <a:ext uri="{28A0092B-C50C-407E-A947-70E740481C1C}">
+                <a14:useLocalDpi xmlns:a14="http://schemas.microsoft.com/office/drawing/2010/main" val="0"/>
+              </a:ext>
+            </a:extLst>
+          </a:blip>
+          <a:stretch>
+            <a:fillRect/>
+          </a:stretch>
+        </p:blipFill>
+        <p:spPr>
+          <a:xfrm>
+            <a:off x="461171" y="1277951"/>
+            <a:ext cx="9551192" cy="4630451"/>
+          </a:xfrm>
+        </p:spPr>
+      </p:pic>
     </p:spTree>
     <p:extLst>
       <p:ext uri="{BB962C8B-B14F-4D97-AF65-F5344CB8AC3E}">
-        <p14:creationId xmlns:p14="http://schemas.microsoft.com/office/powerpoint/2010/main" val="2754172072"/>
+        <p14:creationId xmlns:p14="http://schemas.microsoft.com/office/powerpoint/2010/main" val="4148420771"/>
       </p:ext>
     </p:extLst>
   </p:cSld>
   <p:clrMapOvr>
     <a:masterClrMapping/>
   </p:clrMapOvr>
-  <mc:AlternateContent xmlns:mc="http://schemas.openxmlformats.org/markup-compatibility/2006">
-    <mc:Choice xmlns:p14="http://schemas.microsoft.com/office/powerpoint/2010/main" Requires="p14">
+  <mc:AlternateContent xmlns:mc="http://schemas.openxmlformats.org/markup-compatibility/2006" xmlns:p14="http://schemas.microsoft.com/office/powerpoint/2010/main">
+    <mc:Choice Requires="p14">
       <p:transition spd="slow" p14:dur="1400">
-        <p14:ripple/>
+        <p14:doors dir="vert"/>
       </p:transition>
     </mc:Choice>
-    <mc:Fallback>
+    <mc:Fallback xmlns="">
       <p:transition spd="slow">
         <p:fade/>
       </p:transition>
@@ -15258,6 +15578,202 @@
 </file>
 
 <file path=ppt/slides/slide31.xml><?xml version="1.0" encoding="utf-8"?>
+<p:sld xmlns:a="http://schemas.openxmlformats.org/drawingml/2006/main" xmlns:r="http://schemas.openxmlformats.org/officeDocument/2006/relationships" xmlns:p="http://schemas.openxmlformats.org/presentationml/2006/main">
+  <p:cSld>
+    <p:spTree>
+      <p:nvGrpSpPr>
+        <p:cNvPr id="1" name=""/>
+        <p:cNvGrpSpPr/>
+        <p:nvPr/>
+      </p:nvGrpSpPr>
+      <p:grpSpPr>
+        <a:xfrm>
+          <a:off x="0" y="0"/>
+          <a:ext cx="0" cy="0"/>
+          <a:chOff x="0" y="0"/>
+          <a:chExt cx="0" cy="0"/>
+        </a:xfrm>
+      </p:grpSpPr>
+      <p:sp>
+        <p:nvSpPr>
+          <p:cNvPr id="5" name="Rectangle 4"/>
+          <p:cNvSpPr/>
+          <p:nvPr/>
+        </p:nvSpPr>
+        <p:spPr>
+          <a:xfrm>
+            <a:off x="283335" y="1"/>
+            <a:ext cx="10148552" cy="6858000"/>
+          </a:xfrm>
+          <a:prstGeom prst="rect">
+            <a:avLst/>
+          </a:prstGeom>
+          <a:solidFill>
+            <a:schemeClr val="accent4">
+              <a:lumMod val="50000"/>
+            </a:schemeClr>
+          </a:solidFill>
+        </p:spPr>
+        <p:style>
+          <a:lnRef idx="2">
+            <a:schemeClr val="accent1">
+              <a:shade val="50000"/>
+            </a:schemeClr>
+          </a:lnRef>
+          <a:fillRef idx="1">
+            <a:schemeClr val="accent1"/>
+          </a:fillRef>
+          <a:effectRef idx="0">
+            <a:schemeClr val="accent1"/>
+          </a:effectRef>
+          <a:fontRef idx="minor">
+            <a:schemeClr val="lt1"/>
+          </a:fontRef>
+        </p:style>
+        <p:txBody>
+          <a:bodyPr rtlCol="0" anchor="ctr"/>
+          <a:lstStyle/>
+          <a:p>
+            <a:pPr algn="ctr"/>
+            <a:endParaRPr lang="en-US" sz="2400" dirty="0"/>
+          </a:p>
+        </p:txBody>
+      </p:sp>
+      <p:pic>
+        <p:nvPicPr>
+          <p:cNvPr id="6" name="Picture 5"/>
+          <p:cNvPicPr>
+            <a:picLocks noChangeAspect="1"/>
+          </p:cNvPicPr>
+          <p:nvPr/>
+        </p:nvPicPr>
+        <p:blipFill>
+          <a:blip r:embed="rId2">
+            <a:extLst>
+              <a:ext uri="{28A0092B-C50C-407E-A947-70E740481C1C}">
+                <a14:useLocalDpi xmlns:a14="http://schemas.microsoft.com/office/drawing/2010/main" val="0"/>
+              </a:ext>
+            </a:extLst>
+          </a:blip>
+          <a:stretch>
+            <a:fillRect/>
+          </a:stretch>
+        </p:blipFill>
+        <p:spPr>
+          <a:xfrm>
+            <a:off x="10589135" y="476519"/>
+            <a:ext cx="1602865" cy="1602865"/>
+          </a:xfrm>
+          <a:prstGeom prst="rect">
+            <a:avLst/>
+          </a:prstGeom>
+          <a:ln>
+            <a:noFill/>
+          </a:ln>
+          <a:effectLst>
+            <a:softEdge rad="112500"/>
+          </a:effectLst>
+        </p:spPr>
+      </p:pic>
+      <p:sp>
+        <p:nvSpPr>
+          <p:cNvPr id="8" name="Title 1"/>
+          <p:cNvSpPr>
+            <a:spLocks noGrp="1"/>
+          </p:cNvSpPr>
+          <p:nvPr>
+            <p:ph type="title"/>
+          </p:nvPr>
+        </p:nvSpPr>
+        <p:spPr>
+          <a:xfrm>
+            <a:off x="756953" y="432490"/>
+            <a:ext cx="8911687" cy="845461"/>
+          </a:xfrm>
+        </p:spPr>
+        <p:txBody>
+          <a:bodyPr>
+            <a:normAutofit/>
+          </a:bodyPr>
+          <a:lstStyle/>
+          <a:p>
+            <a:pPr algn="ctr"/>
+            <a:r>
+              <a:rPr lang="en-US" sz="4400" b="1" dirty="0" smtClean="0">
+                <a:latin typeface="Times New Roman" panose="02020603050405020304" pitchFamily="18" charset="0"/>
+                <a:cs typeface="Times New Roman" panose="02020603050405020304" pitchFamily="18" charset="0"/>
+              </a:rPr>
+              <a:t>Cityuniversity.netlify.com</a:t>
+            </a:r>
+            <a:endParaRPr lang="en-US" b="1" dirty="0">
+              <a:latin typeface="Times New Roman" panose="02020603050405020304" pitchFamily="18" charset="0"/>
+              <a:cs typeface="Times New Roman" panose="02020603050405020304" pitchFamily="18" charset="0"/>
+            </a:endParaRPr>
+          </a:p>
+        </p:txBody>
+      </p:sp>
+      <p:pic>
+        <p:nvPicPr>
+          <p:cNvPr id="2" name="Content Placeholder 1"/>
+          <p:cNvPicPr>
+            <a:picLocks noGrp="1" noChangeAspect="1"/>
+          </p:cNvPicPr>
+          <p:nvPr>
+            <p:ph idx="1"/>
+          </p:nvPr>
+        </p:nvPicPr>
+        <p:blipFill>
+          <a:blip r:embed="rId3">
+            <a:extLst>
+              <a:ext uri="{28A0092B-C50C-407E-A947-70E740481C1C}">
+                <a14:useLocalDpi xmlns:a14="http://schemas.microsoft.com/office/drawing/2010/main" val="0"/>
+              </a:ext>
+            </a:extLst>
+          </a:blip>
+          <a:stretch>
+            <a:fillRect/>
+          </a:stretch>
+        </p:blipFill>
+        <p:spPr>
+          <a:xfrm>
+            <a:off x="333501" y="1390918"/>
+            <a:ext cx="9678862" cy="4368191"/>
+          </a:xfrm>
+        </p:spPr>
+      </p:pic>
+    </p:spTree>
+    <p:extLst>
+      <p:ext uri="{BB962C8B-B14F-4D97-AF65-F5344CB8AC3E}">
+        <p14:creationId xmlns:p14="http://schemas.microsoft.com/office/powerpoint/2010/main" val="4099393657"/>
+      </p:ext>
+    </p:extLst>
+  </p:cSld>
+  <p:clrMapOvr>
+    <a:masterClrMapping/>
+  </p:clrMapOvr>
+  <mc:AlternateContent xmlns:mc="http://schemas.openxmlformats.org/markup-compatibility/2006" xmlns:p14="http://schemas.microsoft.com/office/powerpoint/2010/main">
+    <mc:Choice Requires="p14">
+      <p:transition spd="slow" p14:dur="1400">
+        <p14:doors dir="vert"/>
+      </p:transition>
+    </mc:Choice>
+    <mc:Fallback xmlns="">
+      <p:transition spd="slow">
+        <p:fade/>
+      </p:transition>
+    </mc:Fallback>
+  </mc:AlternateContent>
+  <p:timing>
+    <p:tnLst>
+      <p:par>
+        <p:cTn id="1" dur="indefinite" restart="never" nodeType="tmRoot"/>
+      </p:par>
+    </p:tnLst>
+  </p:timing>
+</p:sld>
+</file>
+
+<file path=ppt/slides/slide32.xml><?xml version="1.0" encoding="utf-8"?>
 <p:sld xmlns:a="http://schemas.openxmlformats.org/drawingml/2006/main" xmlns:r="http://schemas.openxmlformats.org/officeDocument/2006/relationships" xmlns:p="http://schemas.openxmlformats.org/presentationml/2006/main">
   <p:cSld>
     <p:spTree>
@@ -15310,6 +15826,128 @@
           </a:effectLst>
         </p:spPr>
       </p:pic>
+      <p:sp>
+        <p:nvSpPr>
+          <p:cNvPr id="8" name="Title 1"/>
+          <p:cNvSpPr>
+            <a:spLocks noGrp="1"/>
+          </p:cNvSpPr>
+          <p:nvPr>
+            <p:ph type="title"/>
+          </p:nvPr>
+        </p:nvSpPr>
+        <p:spPr>
+          <a:xfrm>
+            <a:off x="653922" y="855220"/>
+            <a:ext cx="8911687" cy="845461"/>
+          </a:xfrm>
+        </p:spPr>
+        <p:txBody>
+          <a:bodyPr>
+            <a:normAutofit/>
+          </a:bodyPr>
+          <a:lstStyle/>
+          <a:p>
+            <a:pPr algn="ctr"/>
+            <a:r>
+              <a:rPr lang="en-US" sz="4400" b="1" dirty="0" smtClean="0">
+                <a:latin typeface="Times New Roman" panose="02020603050405020304" pitchFamily="18" charset="0"/>
+                <a:cs typeface="Times New Roman" panose="02020603050405020304" pitchFamily="18" charset="0"/>
+              </a:rPr>
+              <a:t>MY WEB APP</a:t>
+            </a:r>
+            <a:endParaRPr lang="en-US" b="1" dirty="0">
+              <a:latin typeface="Times New Roman" panose="02020603050405020304" pitchFamily="18" charset="0"/>
+              <a:cs typeface="Times New Roman" panose="02020603050405020304" pitchFamily="18" charset="0"/>
+            </a:endParaRPr>
+          </a:p>
+        </p:txBody>
+      </p:sp>
+    </p:spTree>
+    <p:extLst>
+      <p:ext uri="{BB962C8B-B14F-4D97-AF65-F5344CB8AC3E}">
+        <p14:creationId xmlns:p14="http://schemas.microsoft.com/office/powerpoint/2010/main" val="2754172072"/>
+      </p:ext>
+    </p:extLst>
+  </p:cSld>
+  <p:clrMapOvr>
+    <a:masterClrMapping/>
+  </p:clrMapOvr>
+  <mc:AlternateContent xmlns:mc="http://schemas.openxmlformats.org/markup-compatibility/2006" xmlns:p14="http://schemas.microsoft.com/office/powerpoint/2010/main">
+    <mc:Choice Requires="p14">
+      <p:transition spd="slow" p14:dur="1400">
+        <p14:ripple/>
+      </p:transition>
+    </mc:Choice>
+    <mc:Fallback xmlns="">
+      <p:transition spd="slow">
+        <p:fade/>
+      </p:transition>
+    </mc:Fallback>
+  </mc:AlternateContent>
+  <p:timing>
+    <p:tnLst>
+      <p:par>
+        <p:cTn id="1" dur="indefinite" restart="never" nodeType="tmRoot"/>
+      </p:par>
+    </p:tnLst>
+  </p:timing>
+</p:sld>
+</file>
+
+<file path=ppt/slides/slide33.xml><?xml version="1.0" encoding="utf-8"?>
+<p:sld xmlns:a="http://schemas.openxmlformats.org/drawingml/2006/main" xmlns:r="http://schemas.openxmlformats.org/officeDocument/2006/relationships" xmlns:p="http://schemas.openxmlformats.org/presentationml/2006/main">
+  <p:cSld>
+    <p:spTree>
+      <p:nvGrpSpPr>
+        <p:cNvPr id="1" name=""/>
+        <p:cNvGrpSpPr/>
+        <p:nvPr/>
+      </p:nvGrpSpPr>
+      <p:grpSpPr>
+        <a:xfrm>
+          <a:off x="0" y="0"/>
+          <a:ext cx="0" cy="0"/>
+          <a:chOff x="0" y="0"/>
+          <a:chExt cx="0" cy="0"/>
+        </a:xfrm>
+      </p:grpSpPr>
+      <p:pic>
+        <p:nvPicPr>
+          <p:cNvPr id="6" name="Picture 5"/>
+          <p:cNvPicPr>
+            <a:picLocks noChangeAspect="1"/>
+          </p:cNvPicPr>
+          <p:nvPr/>
+        </p:nvPicPr>
+        <p:blipFill>
+          <a:blip r:embed="rId2">
+            <a:extLst>
+              <a:ext uri="{28A0092B-C50C-407E-A947-70E740481C1C}">
+                <a14:useLocalDpi xmlns:a14="http://schemas.microsoft.com/office/drawing/2010/main" val="0"/>
+              </a:ext>
+            </a:extLst>
+          </a:blip>
+          <a:stretch>
+            <a:fillRect/>
+          </a:stretch>
+        </p:blipFill>
+        <p:spPr>
+          <a:xfrm>
+            <a:off x="10589135" y="476519"/>
+            <a:ext cx="1602865" cy="1602865"/>
+          </a:xfrm>
+          <a:prstGeom prst="rect">
+            <a:avLst/>
+          </a:prstGeom>
+          <a:ln>
+            <a:noFill/>
+          </a:ln>
+          <a:effectLst>
+            <a:softEdge rad="112500"/>
+          </a:effectLst>
+        </p:spPr>
+      </p:pic>
       <p:pic>
         <p:nvPicPr>
           <p:cNvPr id="5" name="Picture 4"/>
@@ -15350,13 +15988,13 @@
   <p:clrMapOvr>
     <a:masterClrMapping/>
   </p:clrMapOvr>
-  <mc:AlternateContent xmlns:mc="http://schemas.openxmlformats.org/markup-compatibility/2006">
-    <mc:Choice xmlns:p14="http://schemas.microsoft.com/office/powerpoint/2010/main" Requires="p14">
+  <mc:AlternateContent xmlns:mc="http://schemas.openxmlformats.org/markup-compatibility/2006" xmlns:p14="http://schemas.microsoft.com/office/powerpoint/2010/main">
+    <mc:Choice Requires="p14">
       <p:transition spd="slow" p14:dur="1400">
         <p14:ripple/>
       </p:transition>
     </mc:Choice>
-    <mc:Fallback>
+    <mc:Fallback xmlns="">
       <p:transition spd="slow">
         <p:fade/>
       </p:transition>
@@ -15372,7 +16010,7 @@
 </p:sld>
 </file>
 
-<file path=ppt/slides/slide32.xml><?xml version="1.0" encoding="utf-8"?>
+<file path=ppt/slides/slide34.xml><?xml version="1.0" encoding="utf-8"?>
 <p:sld xmlns:a="http://schemas.openxmlformats.org/drawingml/2006/main" xmlns:r="http://schemas.openxmlformats.org/officeDocument/2006/relationships" xmlns:p="http://schemas.openxmlformats.org/presentationml/2006/main">
   <p:cSld>
     <p:spTree>
